--- a/rtl/cpu_v4/doc/Qupls4.pptx
+++ b/rtl/cpu_v4/doc/Qupls4.pptx
@@ -16,6 +16,9 @@
     <p:sldId id="263" r:id="rId10"/>
     <p:sldId id="265" r:id="rId11"/>
     <p:sldId id="266" r:id="rId12"/>
+    <p:sldId id="267" r:id="rId13"/>
+    <p:sldId id="268" r:id="rId14"/>
+    <p:sldId id="269" r:id="rId15"/>
   </p:sldIdLst>
   <p:sldSz cx="12192000" cy="6858000"/>
   <p:notesSz cx="6858000" cy="9144000"/>
@@ -122,12 +125,20 @@
 </p:presentation>
 </file>
 
+<file path=ppt/revisionInfo.xml><?xml version="1.0" encoding="utf-8"?>
+<p1510:revInfo xmlns:a="http://schemas.openxmlformats.org/drawingml/2006/main" xmlns:r="http://schemas.openxmlformats.org/officeDocument/2006/relationships" xmlns:p1510="http://schemas.microsoft.com/office/powerpoint/2015/10/main">
+  <p1510:revLst>
+    <p1510:client id="{530FFA59-183F-4364-BD66-BC6B6EDC579B}" v="22" dt="2025-12-04T09:19:01.744"/>
+  </p1510:revLst>
+</p1510:revInfo>
+</file>
+
 <file path=ppt/changesInfos/changesInfo1.xml><?xml version="1.0" encoding="utf-8"?>
 <pc:chgInfo xmlns:a="http://schemas.openxmlformats.org/drawingml/2006/main" xmlns:r="http://schemas.openxmlformats.org/officeDocument/2006/relationships" xmlns:ac="http://schemas.microsoft.com/office/drawing/2013/main/command" xmlns:pc="http://schemas.microsoft.com/office/powerpoint/2013/main/command">
   <pc:docChgLst>
     <pc:chgData name="Robert Finch" userId="360118edfabb5ba6" providerId="LiveId" clId="{940D50E2-FEDC-434C-83CF-A13052851249}"/>
-    <pc:docChg chg="modSld">
-      <pc:chgData name="Robert Finch" userId="360118edfabb5ba6" providerId="LiveId" clId="{940D50E2-FEDC-434C-83CF-A13052851249}" dt="2025-12-01T12:31:35.416" v="23" actId="20577"/>
+    <pc:docChg chg="undo custSel addSld modSld">
+      <pc:chgData name="Robert Finch" userId="360118edfabb5ba6" providerId="LiveId" clId="{940D50E2-FEDC-434C-83CF-A13052851249}" dt="2025-12-04T09:21:16.062" v="1078" actId="20577"/>
       <pc:docMkLst>
         <pc:docMk/>
       </pc:docMkLst>
@@ -251,6 +262,435 @@
           </ac:spMkLst>
         </pc:spChg>
       </pc:sldChg>
+      <pc:sldChg chg="addSp delSp modSp new mod">
+        <pc:chgData name="Robert Finch" userId="360118edfabb5ba6" providerId="LiveId" clId="{940D50E2-FEDC-434C-83CF-A13052851249}" dt="2025-12-04T09:03:59.136" v="599" actId="1076"/>
+        <pc:sldMkLst>
+          <pc:docMk/>
+          <pc:sldMk cId="2700656055" sldId="267"/>
+        </pc:sldMkLst>
+        <pc:spChg chg="mod">
+          <ac:chgData name="Robert Finch" userId="360118edfabb5ba6" providerId="LiveId" clId="{940D50E2-FEDC-434C-83CF-A13052851249}" dt="2025-12-04T09:03:31.095" v="598" actId="20577"/>
+          <ac:spMkLst>
+            <pc:docMk/>
+            <pc:sldMk cId="2700656055" sldId="267"/>
+            <ac:spMk id="2" creationId="{3050B25B-2706-8EB3-02AB-0A78B390E4B3}"/>
+          </ac:spMkLst>
+        </pc:spChg>
+        <pc:spChg chg="del">
+          <ac:chgData name="Robert Finch" userId="360118edfabb5ba6" providerId="LiveId" clId="{940D50E2-FEDC-434C-83CF-A13052851249}" dt="2025-12-04T08:49:26.314" v="64" actId="478"/>
+          <ac:spMkLst>
+            <pc:docMk/>
+            <pc:sldMk cId="2700656055" sldId="267"/>
+            <ac:spMk id="3" creationId="{0556690B-4863-7727-0044-3A22659DF417}"/>
+          </ac:spMkLst>
+        </pc:spChg>
+        <pc:spChg chg="add mod">
+          <ac:chgData name="Robert Finch" userId="360118edfabb5ba6" providerId="LiveId" clId="{940D50E2-FEDC-434C-83CF-A13052851249}" dt="2025-12-04T09:03:59.136" v="599" actId="1076"/>
+          <ac:spMkLst>
+            <pc:docMk/>
+            <pc:sldMk cId="2700656055" sldId="267"/>
+            <ac:spMk id="4" creationId="{F986A818-5AB2-A7B3-9AD5-B50500991B27}"/>
+          </ac:spMkLst>
+        </pc:spChg>
+        <pc:spChg chg="add mod">
+          <ac:chgData name="Robert Finch" userId="360118edfabb5ba6" providerId="LiveId" clId="{940D50E2-FEDC-434C-83CF-A13052851249}" dt="2025-12-04T09:03:59.136" v="599" actId="1076"/>
+          <ac:spMkLst>
+            <pc:docMk/>
+            <pc:sldMk cId="2700656055" sldId="267"/>
+            <ac:spMk id="5" creationId="{FD67CC3A-4FBC-0F72-3350-2386E8D8A3DB}"/>
+          </ac:spMkLst>
+        </pc:spChg>
+        <pc:spChg chg="add mod">
+          <ac:chgData name="Robert Finch" userId="360118edfabb5ba6" providerId="LiveId" clId="{940D50E2-FEDC-434C-83CF-A13052851249}" dt="2025-12-04T09:03:59.136" v="599" actId="1076"/>
+          <ac:spMkLst>
+            <pc:docMk/>
+            <pc:sldMk cId="2700656055" sldId="267"/>
+            <ac:spMk id="6" creationId="{DC743D58-4896-F445-BD37-78B7612220A2}"/>
+          </ac:spMkLst>
+        </pc:spChg>
+        <pc:spChg chg="add mod">
+          <ac:chgData name="Robert Finch" userId="360118edfabb5ba6" providerId="LiveId" clId="{940D50E2-FEDC-434C-83CF-A13052851249}" dt="2025-12-04T08:55:10.465" v="305" actId="1076"/>
+          <ac:spMkLst>
+            <pc:docMk/>
+            <pc:sldMk cId="2700656055" sldId="267"/>
+            <ac:spMk id="7" creationId="{6F22FAFC-519B-CDE9-3A1A-0C2D12FEFDE7}"/>
+          </ac:spMkLst>
+        </pc:spChg>
+        <pc:spChg chg="add mod">
+          <ac:chgData name="Robert Finch" userId="360118edfabb5ba6" providerId="LiveId" clId="{940D50E2-FEDC-434C-83CF-A13052851249}" dt="2025-12-04T09:03:59.136" v="599" actId="1076"/>
+          <ac:spMkLst>
+            <pc:docMk/>
+            <pc:sldMk cId="2700656055" sldId="267"/>
+            <ac:spMk id="8" creationId="{C50FC78B-1F47-1554-32F3-B4790B90773E}"/>
+          </ac:spMkLst>
+        </pc:spChg>
+        <pc:spChg chg="add mod">
+          <ac:chgData name="Robert Finch" userId="360118edfabb5ba6" providerId="LiveId" clId="{940D50E2-FEDC-434C-83CF-A13052851249}" dt="2025-12-04T08:55:26.409" v="309" actId="14100"/>
+          <ac:spMkLst>
+            <pc:docMk/>
+            <pc:sldMk cId="2700656055" sldId="267"/>
+            <ac:spMk id="9" creationId="{0C2F6C3F-EC1A-0305-A8BD-AFF525B3953A}"/>
+          </ac:spMkLst>
+        </pc:spChg>
+        <pc:spChg chg="add mod">
+          <ac:chgData name="Robert Finch" userId="360118edfabb5ba6" providerId="LiveId" clId="{940D50E2-FEDC-434C-83CF-A13052851249}" dt="2025-12-04T08:55:33.269" v="310" actId="1076"/>
+          <ac:spMkLst>
+            <pc:docMk/>
+            <pc:sldMk cId="2700656055" sldId="267"/>
+            <ac:spMk id="10" creationId="{4D37097F-8AFF-23C8-015D-7086C5FE92ED}"/>
+          </ac:spMkLst>
+        </pc:spChg>
+        <pc:spChg chg="add mod">
+          <ac:chgData name="Robert Finch" userId="360118edfabb5ba6" providerId="LiveId" clId="{940D50E2-FEDC-434C-83CF-A13052851249}" dt="2025-12-04T09:03:59.136" v="599" actId="1076"/>
+          <ac:spMkLst>
+            <pc:docMk/>
+            <pc:sldMk cId="2700656055" sldId="267"/>
+            <ac:spMk id="11" creationId="{198D87D7-5214-4CCF-D911-C164BE726316}"/>
+          </ac:spMkLst>
+        </pc:spChg>
+        <pc:spChg chg="add mod">
+          <ac:chgData name="Robert Finch" userId="360118edfabb5ba6" providerId="LiveId" clId="{940D50E2-FEDC-434C-83CF-A13052851249}" dt="2025-12-04T09:03:59.136" v="599" actId="1076"/>
+          <ac:spMkLst>
+            <pc:docMk/>
+            <pc:sldMk cId="2700656055" sldId="267"/>
+            <ac:spMk id="12" creationId="{6D35E58A-D186-7F4C-F385-BB8058D5006A}"/>
+          </ac:spMkLst>
+        </pc:spChg>
+        <pc:spChg chg="add mod">
+          <ac:chgData name="Robert Finch" userId="360118edfabb5ba6" providerId="LiveId" clId="{940D50E2-FEDC-434C-83CF-A13052851249}" dt="2025-12-04T09:03:59.136" v="599" actId="1076"/>
+          <ac:spMkLst>
+            <pc:docMk/>
+            <pc:sldMk cId="2700656055" sldId="267"/>
+            <ac:spMk id="13" creationId="{12BB82C7-FF8B-4CC1-B399-7617E39E8291}"/>
+          </ac:spMkLst>
+        </pc:spChg>
+        <pc:spChg chg="add mod">
+          <ac:chgData name="Robert Finch" userId="360118edfabb5ba6" providerId="LiveId" clId="{940D50E2-FEDC-434C-83CF-A13052851249}" dt="2025-12-04T09:03:59.136" v="599" actId="1076"/>
+          <ac:spMkLst>
+            <pc:docMk/>
+            <pc:sldMk cId="2700656055" sldId="267"/>
+            <ac:spMk id="14" creationId="{3480C16B-509C-8C47-4F5B-BD33BBEC341C}"/>
+          </ac:spMkLst>
+        </pc:spChg>
+        <pc:spChg chg="add mod">
+          <ac:chgData name="Robert Finch" userId="360118edfabb5ba6" providerId="LiveId" clId="{940D50E2-FEDC-434C-83CF-A13052851249}" dt="2025-12-04T09:03:59.136" v="599" actId="1076"/>
+          <ac:spMkLst>
+            <pc:docMk/>
+            <pc:sldMk cId="2700656055" sldId="267"/>
+            <ac:spMk id="15" creationId="{526F122C-2B42-9A9B-F869-E7C10C736D74}"/>
+          </ac:spMkLst>
+        </pc:spChg>
+        <pc:spChg chg="add mod">
+          <ac:chgData name="Robert Finch" userId="360118edfabb5ba6" providerId="LiveId" clId="{940D50E2-FEDC-434C-83CF-A13052851249}" dt="2025-12-04T08:58:05.214" v="405" actId="1076"/>
+          <ac:spMkLst>
+            <pc:docMk/>
+            <pc:sldMk cId="2700656055" sldId="267"/>
+            <ac:spMk id="16" creationId="{2F909C33-040A-7EE5-16BB-8F7A9D2050AA}"/>
+          </ac:spMkLst>
+        </pc:spChg>
+        <pc:spChg chg="add mod">
+          <ac:chgData name="Robert Finch" userId="360118edfabb5ba6" providerId="LiveId" clId="{940D50E2-FEDC-434C-83CF-A13052851249}" dt="2025-12-04T08:58:57.067" v="409" actId="692"/>
+          <ac:spMkLst>
+            <pc:docMk/>
+            <pc:sldMk cId="2700656055" sldId="267"/>
+            <ac:spMk id="17" creationId="{4161D8EA-02BC-53C3-E9AA-F7B0A2CBBA15}"/>
+          </ac:spMkLst>
+        </pc:spChg>
+        <pc:spChg chg="add mod">
+          <ac:chgData name="Robert Finch" userId="360118edfabb5ba6" providerId="LiveId" clId="{940D50E2-FEDC-434C-83CF-A13052851249}" dt="2025-12-04T08:59:18.188" v="411" actId="1076"/>
+          <ac:spMkLst>
+            <pc:docMk/>
+            <pc:sldMk cId="2700656055" sldId="267"/>
+            <ac:spMk id="18" creationId="{92EC0335-84F6-6C7A-0E1D-12500B773CEA}"/>
+          </ac:spMkLst>
+        </pc:spChg>
+        <pc:spChg chg="add mod">
+          <ac:chgData name="Robert Finch" userId="360118edfabb5ba6" providerId="LiveId" clId="{940D50E2-FEDC-434C-83CF-A13052851249}" dt="2025-12-04T09:03:59.136" v="599" actId="1076"/>
+          <ac:spMkLst>
+            <pc:docMk/>
+            <pc:sldMk cId="2700656055" sldId="267"/>
+            <ac:spMk id="19" creationId="{3684DD6F-A379-44E7-BC7B-D763C4617FE4}"/>
+          </ac:spMkLst>
+        </pc:spChg>
+        <pc:spChg chg="add mod">
+          <ac:chgData name="Robert Finch" userId="360118edfabb5ba6" providerId="LiveId" clId="{940D50E2-FEDC-434C-83CF-A13052851249}" dt="2025-12-04T09:03:17.178" v="580" actId="1076"/>
+          <ac:spMkLst>
+            <pc:docMk/>
+            <pc:sldMk cId="2700656055" sldId="267"/>
+            <ac:spMk id="53" creationId="{C19E7C1D-A9AD-16AA-A100-257115DA4B9E}"/>
+          </ac:spMkLst>
+        </pc:spChg>
+        <pc:cxnChg chg="add">
+          <ac:chgData name="Robert Finch" userId="360118edfabb5ba6" providerId="LiveId" clId="{940D50E2-FEDC-434C-83CF-A13052851249}" dt="2025-12-04T08:59:58.033" v="430" actId="11529"/>
+          <ac:cxnSpMkLst>
+            <pc:docMk/>
+            <pc:sldMk cId="2700656055" sldId="267"/>
+            <ac:cxnSpMk id="21" creationId="{6320FC7F-FFE0-5024-14C0-16F6373EAEBB}"/>
+          </ac:cxnSpMkLst>
+        </pc:cxnChg>
+        <pc:cxnChg chg="add">
+          <ac:chgData name="Robert Finch" userId="360118edfabb5ba6" providerId="LiveId" clId="{940D50E2-FEDC-434C-83CF-A13052851249}" dt="2025-12-04T09:00:05.094" v="431" actId="11529"/>
+          <ac:cxnSpMkLst>
+            <pc:docMk/>
+            <pc:sldMk cId="2700656055" sldId="267"/>
+            <ac:cxnSpMk id="23" creationId="{869BF54E-88AA-55C7-2ED9-B3A7524AFD41}"/>
+          </ac:cxnSpMkLst>
+        </pc:cxnChg>
+        <pc:cxnChg chg="add">
+          <ac:chgData name="Robert Finch" userId="360118edfabb5ba6" providerId="LiveId" clId="{940D50E2-FEDC-434C-83CF-A13052851249}" dt="2025-12-04T09:00:10.835" v="432" actId="11529"/>
+          <ac:cxnSpMkLst>
+            <pc:docMk/>
+            <pc:sldMk cId="2700656055" sldId="267"/>
+            <ac:cxnSpMk id="25" creationId="{AD786A4B-5358-39A6-A057-ECFE46A8CE54}"/>
+          </ac:cxnSpMkLst>
+        </pc:cxnChg>
+        <pc:cxnChg chg="add">
+          <ac:chgData name="Robert Finch" userId="360118edfabb5ba6" providerId="LiveId" clId="{940D50E2-FEDC-434C-83CF-A13052851249}" dt="2025-12-04T09:00:16.784" v="433" actId="11529"/>
+          <ac:cxnSpMkLst>
+            <pc:docMk/>
+            <pc:sldMk cId="2700656055" sldId="267"/>
+            <ac:cxnSpMk id="27" creationId="{10C91033-4BB2-E910-2101-054F7F2DB614}"/>
+          </ac:cxnSpMkLst>
+        </pc:cxnChg>
+        <pc:cxnChg chg="add">
+          <ac:chgData name="Robert Finch" userId="360118edfabb5ba6" providerId="LiveId" clId="{940D50E2-FEDC-434C-83CF-A13052851249}" dt="2025-12-04T09:00:24.094" v="434" actId="11529"/>
+          <ac:cxnSpMkLst>
+            <pc:docMk/>
+            <pc:sldMk cId="2700656055" sldId="267"/>
+            <ac:cxnSpMk id="29" creationId="{7B964511-601F-90A7-48C2-DC3D4E6EA607}"/>
+          </ac:cxnSpMkLst>
+        </pc:cxnChg>
+        <pc:cxnChg chg="add">
+          <ac:chgData name="Robert Finch" userId="360118edfabb5ba6" providerId="LiveId" clId="{940D50E2-FEDC-434C-83CF-A13052851249}" dt="2025-12-04T09:00:29.874" v="435" actId="11529"/>
+          <ac:cxnSpMkLst>
+            <pc:docMk/>
+            <pc:sldMk cId="2700656055" sldId="267"/>
+            <ac:cxnSpMk id="31" creationId="{7506FB71-2337-89CB-835B-EC15D2291E54}"/>
+          </ac:cxnSpMkLst>
+        </pc:cxnChg>
+        <pc:cxnChg chg="add">
+          <ac:chgData name="Robert Finch" userId="360118edfabb5ba6" providerId="LiveId" clId="{940D50E2-FEDC-434C-83CF-A13052851249}" dt="2025-12-04T09:00:36.088" v="436" actId="11529"/>
+          <ac:cxnSpMkLst>
+            <pc:docMk/>
+            <pc:sldMk cId="2700656055" sldId="267"/>
+            <ac:cxnSpMk id="33" creationId="{1FABF2A9-5106-1EC2-FC6A-669CA5802D3D}"/>
+          </ac:cxnSpMkLst>
+        </pc:cxnChg>
+        <pc:cxnChg chg="add">
+          <ac:chgData name="Robert Finch" userId="360118edfabb5ba6" providerId="LiveId" clId="{940D50E2-FEDC-434C-83CF-A13052851249}" dt="2025-12-04T09:00:42.037" v="437" actId="11529"/>
+          <ac:cxnSpMkLst>
+            <pc:docMk/>
+            <pc:sldMk cId="2700656055" sldId="267"/>
+            <ac:cxnSpMk id="35" creationId="{8BAAD784-FE55-0FB6-3124-959CF9453124}"/>
+          </ac:cxnSpMkLst>
+        </pc:cxnChg>
+        <pc:cxnChg chg="add mod">
+          <ac:chgData name="Robert Finch" userId="360118edfabb5ba6" providerId="LiveId" clId="{940D50E2-FEDC-434C-83CF-A13052851249}" dt="2025-12-04T09:00:51.816" v="439" actId="14100"/>
+          <ac:cxnSpMkLst>
+            <pc:docMk/>
+            <pc:sldMk cId="2700656055" sldId="267"/>
+            <ac:cxnSpMk id="37" creationId="{E447E4B4-30D8-9E72-06DA-F9F6E108A9EB}"/>
+          </ac:cxnSpMkLst>
+        </pc:cxnChg>
+        <pc:cxnChg chg="add">
+          <ac:chgData name="Robert Finch" userId="360118edfabb5ba6" providerId="LiveId" clId="{940D50E2-FEDC-434C-83CF-A13052851249}" dt="2025-12-04T09:00:58.037" v="440" actId="11529"/>
+          <ac:cxnSpMkLst>
+            <pc:docMk/>
+            <pc:sldMk cId="2700656055" sldId="267"/>
+            <ac:cxnSpMk id="40" creationId="{4369600B-BABA-FE32-1D1E-1B7FD4A12A14}"/>
+          </ac:cxnSpMkLst>
+        </pc:cxnChg>
+        <pc:cxnChg chg="add">
+          <ac:chgData name="Robert Finch" userId="360118edfabb5ba6" providerId="LiveId" clId="{940D50E2-FEDC-434C-83CF-A13052851249}" dt="2025-12-04T09:01:06.913" v="441" actId="11529"/>
+          <ac:cxnSpMkLst>
+            <pc:docMk/>
+            <pc:sldMk cId="2700656055" sldId="267"/>
+            <ac:cxnSpMk id="42" creationId="{38DAB157-687B-FA64-ABF1-DECCC302E095}"/>
+          </ac:cxnSpMkLst>
+        </pc:cxnChg>
+        <pc:cxnChg chg="add">
+          <ac:chgData name="Robert Finch" userId="360118edfabb5ba6" providerId="LiveId" clId="{940D50E2-FEDC-434C-83CF-A13052851249}" dt="2025-12-04T09:01:13.046" v="442" actId="11529"/>
+          <ac:cxnSpMkLst>
+            <pc:docMk/>
+            <pc:sldMk cId="2700656055" sldId="267"/>
+            <ac:cxnSpMk id="44" creationId="{F596A18D-32F1-55FE-B292-C63A7CDDAAFF}"/>
+          </ac:cxnSpMkLst>
+        </pc:cxnChg>
+        <pc:cxnChg chg="add">
+          <ac:chgData name="Robert Finch" userId="360118edfabb5ba6" providerId="LiveId" clId="{940D50E2-FEDC-434C-83CF-A13052851249}" dt="2025-12-04T09:01:19.211" v="443" actId="11529"/>
+          <ac:cxnSpMkLst>
+            <pc:docMk/>
+            <pc:sldMk cId="2700656055" sldId="267"/>
+            <ac:cxnSpMk id="46" creationId="{2C833420-1047-3D23-BE0A-48A352A431B1}"/>
+          </ac:cxnSpMkLst>
+        </pc:cxnChg>
+        <pc:cxnChg chg="add">
+          <ac:chgData name="Robert Finch" userId="360118edfabb5ba6" providerId="LiveId" clId="{940D50E2-FEDC-434C-83CF-A13052851249}" dt="2025-12-04T09:01:27.935" v="444" actId="11529"/>
+          <ac:cxnSpMkLst>
+            <pc:docMk/>
+            <pc:sldMk cId="2700656055" sldId="267"/>
+            <ac:cxnSpMk id="48" creationId="{D4BC2AE6-1A92-0F7F-1056-54E42B947BFF}"/>
+          </ac:cxnSpMkLst>
+        </pc:cxnChg>
+        <pc:cxnChg chg="add mod">
+          <ac:chgData name="Robert Finch" userId="360118edfabb5ba6" providerId="LiveId" clId="{940D50E2-FEDC-434C-83CF-A13052851249}" dt="2025-12-04T09:01:43.189" v="446" actId="692"/>
+          <ac:cxnSpMkLst>
+            <pc:docMk/>
+            <pc:sldMk cId="2700656055" sldId="267"/>
+            <ac:cxnSpMk id="50" creationId="{E3FE8526-AF2E-5DA2-36AF-D77B3DB40004}"/>
+          </ac:cxnSpMkLst>
+        </pc:cxnChg>
+        <pc:cxnChg chg="add mod">
+          <ac:chgData name="Robert Finch" userId="360118edfabb5ba6" providerId="LiveId" clId="{940D50E2-FEDC-434C-83CF-A13052851249}" dt="2025-12-04T09:01:54.438" v="448" actId="692"/>
+          <ac:cxnSpMkLst>
+            <pc:docMk/>
+            <pc:sldMk cId="2700656055" sldId="267"/>
+            <ac:cxnSpMk id="52" creationId="{14FBF3B3-3CB4-E90E-723D-28BCCFAF5D51}"/>
+          </ac:cxnSpMkLst>
+        </pc:cxnChg>
+      </pc:sldChg>
+      <pc:sldChg chg="modSp add mod">
+        <pc:chgData name="Robert Finch" userId="360118edfabb5ba6" providerId="LiveId" clId="{940D50E2-FEDC-434C-83CF-A13052851249}" dt="2025-12-04T08:22:15.045" v="32" actId="1076"/>
+        <pc:sldMkLst>
+          <pc:docMk/>
+          <pc:sldMk cId="3761679462" sldId="268"/>
+        </pc:sldMkLst>
+        <pc:spChg chg="mod">
+          <ac:chgData name="Robert Finch" userId="360118edfabb5ba6" providerId="LiveId" clId="{940D50E2-FEDC-434C-83CF-A13052851249}" dt="2025-12-04T08:21:49.321" v="31" actId="20577"/>
+          <ac:spMkLst>
+            <pc:docMk/>
+            <pc:sldMk cId="3761679462" sldId="268"/>
+            <ac:spMk id="2" creationId="{DE61D225-C030-A88E-9267-DF070E4D0FE1}"/>
+          </ac:spMkLst>
+        </pc:spChg>
+        <pc:spChg chg="mod">
+          <ac:chgData name="Robert Finch" userId="360118edfabb5ba6" providerId="LiveId" clId="{940D50E2-FEDC-434C-83CF-A13052851249}" dt="2025-12-04T08:22:15.045" v="32" actId="1076"/>
+          <ac:spMkLst>
+            <pc:docMk/>
+            <pc:sldMk cId="3761679462" sldId="268"/>
+            <ac:spMk id="26" creationId="{9A0E7198-4FB0-5949-B7AA-D94862E804D7}"/>
+          </ac:spMkLst>
+        </pc:spChg>
+      </pc:sldChg>
+      <pc:sldChg chg="addSp delSp modSp new mod">
+        <pc:chgData name="Robert Finch" userId="360118edfabb5ba6" providerId="LiveId" clId="{940D50E2-FEDC-434C-83CF-A13052851249}" dt="2025-12-04T09:21:16.062" v="1078" actId="20577"/>
+        <pc:sldMkLst>
+          <pc:docMk/>
+          <pc:sldMk cId="3910026719" sldId="269"/>
+        </pc:sldMkLst>
+        <pc:spChg chg="mod">
+          <ac:chgData name="Robert Finch" userId="360118edfabb5ba6" providerId="LiveId" clId="{940D50E2-FEDC-434C-83CF-A13052851249}" dt="2025-12-04T09:14:30.557" v="623" actId="1076"/>
+          <ac:spMkLst>
+            <pc:docMk/>
+            <pc:sldMk cId="3910026719" sldId="269"/>
+            <ac:spMk id="2" creationId="{2F4E9D32-C6B7-28EF-74CE-15F8FFD098ED}"/>
+          </ac:spMkLst>
+        </pc:spChg>
+        <pc:spChg chg="del">
+          <ac:chgData name="Robert Finch" userId="360118edfabb5ba6" providerId="LiveId" clId="{940D50E2-FEDC-434C-83CF-A13052851249}" dt="2025-12-04T09:14:38.359" v="624" actId="478"/>
+          <ac:spMkLst>
+            <pc:docMk/>
+            <pc:sldMk cId="3910026719" sldId="269"/>
+            <ac:spMk id="3" creationId="{7C139721-CE9C-011C-3D58-2B4CB54C4EDB}"/>
+          </ac:spMkLst>
+        </pc:spChg>
+        <pc:spChg chg="add mod">
+          <ac:chgData name="Robert Finch" userId="360118edfabb5ba6" providerId="LiveId" clId="{940D50E2-FEDC-434C-83CF-A13052851249}" dt="2025-12-04T09:18:39.432" v="867" actId="1076"/>
+          <ac:spMkLst>
+            <pc:docMk/>
+            <pc:sldMk cId="3910026719" sldId="269"/>
+            <ac:spMk id="4" creationId="{6864A1F2-123A-850B-3B21-47F855914C43}"/>
+          </ac:spMkLst>
+        </pc:spChg>
+        <pc:spChg chg="add mod">
+          <ac:chgData name="Robert Finch" userId="360118edfabb5ba6" providerId="LiveId" clId="{940D50E2-FEDC-434C-83CF-A13052851249}" dt="2025-12-04T09:18:39.432" v="867" actId="1076"/>
+          <ac:spMkLst>
+            <pc:docMk/>
+            <pc:sldMk cId="3910026719" sldId="269"/>
+            <ac:spMk id="5" creationId="{6765A915-9A5A-648D-F360-1AAD721CF2F6}"/>
+          </ac:spMkLst>
+        </pc:spChg>
+        <pc:spChg chg="add mod">
+          <ac:chgData name="Robert Finch" userId="360118edfabb5ba6" providerId="LiveId" clId="{940D50E2-FEDC-434C-83CF-A13052851249}" dt="2025-12-04T09:18:39.432" v="867" actId="1076"/>
+          <ac:spMkLst>
+            <pc:docMk/>
+            <pc:sldMk cId="3910026719" sldId="269"/>
+            <ac:spMk id="6" creationId="{C07255AE-BDB9-A748-7F0C-E97A1FBF0CC1}"/>
+          </ac:spMkLst>
+        </pc:spChg>
+        <pc:spChg chg="add mod">
+          <ac:chgData name="Robert Finch" userId="360118edfabb5ba6" providerId="LiveId" clId="{940D50E2-FEDC-434C-83CF-A13052851249}" dt="2025-12-04T09:18:39.432" v="867" actId="1076"/>
+          <ac:spMkLst>
+            <pc:docMk/>
+            <pc:sldMk cId="3910026719" sldId="269"/>
+            <ac:spMk id="7" creationId="{0DC0C240-5C0C-52AF-16E3-D08EEB75E984}"/>
+          </ac:spMkLst>
+        </pc:spChg>
+        <pc:spChg chg="add mod">
+          <ac:chgData name="Robert Finch" userId="360118edfabb5ba6" providerId="LiveId" clId="{940D50E2-FEDC-434C-83CF-A13052851249}" dt="2025-12-04T09:18:39.432" v="867" actId="1076"/>
+          <ac:spMkLst>
+            <pc:docMk/>
+            <pc:sldMk cId="3910026719" sldId="269"/>
+            <ac:spMk id="8" creationId="{BC9B011A-9BAC-FBE7-225E-1EB1F7CC3BE4}"/>
+          </ac:spMkLst>
+        </pc:spChg>
+        <pc:spChg chg="add mod">
+          <ac:chgData name="Robert Finch" userId="360118edfabb5ba6" providerId="LiveId" clId="{940D50E2-FEDC-434C-83CF-A13052851249}" dt="2025-12-04T09:18:39.432" v="867" actId="1076"/>
+          <ac:spMkLst>
+            <pc:docMk/>
+            <pc:sldMk cId="3910026719" sldId="269"/>
+            <ac:spMk id="9" creationId="{7E9615B4-C22D-1B51-18D2-958F358AECED}"/>
+          </ac:spMkLst>
+        </pc:spChg>
+        <pc:spChg chg="add mod">
+          <ac:chgData name="Robert Finch" userId="360118edfabb5ba6" providerId="LiveId" clId="{940D50E2-FEDC-434C-83CF-A13052851249}" dt="2025-12-04T09:18:39.432" v="867" actId="1076"/>
+          <ac:spMkLst>
+            <pc:docMk/>
+            <pc:sldMk cId="3910026719" sldId="269"/>
+            <ac:spMk id="10" creationId="{CA7F77DC-970B-D4D0-63B8-995288D337E6}"/>
+          </ac:spMkLst>
+        </pc:spChg>
+        <pc:spChg chg="add mod">
+          <ac:chgData name="Robert Finch" userId="360118edfabb5ba6" providerId="LiveId" clId="{940D50E2-FEDC-434C-83CF-A13052851249}" dt="2025-12-04T09:18:39.432" v="867" actId="1076"/>
+          <ac:spMkLst>
+            <pc:docMk/>
+            <pc:sldMk cId="3910026719" sldId="269"/>
+            <ac:spMk id="11" creationId="{9D740036-9D2E-E467-DCF1-251ECC6234C0}"/>
+          </ac:spMkLst>
+        </pc:spChg>
+        <pc:spChg chg="add mod">
+          <ac:chgData name="Robert Finch" userId="360118edfabb5ba6" providerId="LiveId" clId="{940D50E2-FEDC-434C-83CF-A13052851249}" dt="2025-12-04T09:18:39.432" v="867" actId="1076"/>
+          <ac:spMkLst>
+            <pc:docMk/>
+            <pc:sldMk cId="3910026719" sldId="269"/>
+            <ac:spMk id="12" creationId="{E5BCD9F3-A52B-993E-6537-E8F022C67E8D}"/>
+          </ac:spMkLst>
+        </pc:spChg>
+        <pc:spChg chg="add del">
+          <ac:chgData name="Robert Finch" userId="360118edfabb5ba6" providerId="LiveId" clId="{940D50E2-FEDC-434C-83CF-A13052851249}" dt="2025-12-04T09:16:56.847" v="665" actId="478"/>
+          <ac:spMkLst>
+            <pc:docMk/>
+            <pc:sldMk cId="3910026719" sldId="269"/>
+            <ac:spMk id="13" creationId="{35DE88DD-7629-7168-092C-5FBBEFC78965}"/>
+          </ac:spMkLst>
+        </pc:spChg>
+        <pc:spChg chg="add mod">
+          <ac:chgData name="Robert Finch" userId="360118edfabb5ba6" providerId="LiveId" clId="{940D50E2-FEDC-434C-83CF-A13052851249}" dt="2025-12-04T09:21:16.062" v="1078" actId="20577"/>
+          <ac:spMkLst>
+            <pc:docMk/>
+            <pc:sldMk cId="3910026719" sldId="269"/>
+            <ac:spMk id="14" creationId="{F6BA38B3-80F3-800E-D567-273A93B623F0}"/>
+          </ac:spMkLst>
+        </pc:spChg>
+        <pc:spChg chg="add del mod">
+          <ac:chgData name="Robert Finch" userId="360118edfabb5ba6" providerId="LiveId" clId="{940D50E2-FEDC-434C-83CF-A13052851249}" dt="2025-12-04T09:19:07.590" v="869" actId="478"/>
+          <ac:spMkLst>
+            <pc:docMk/>
+            <pc:sldMk cId="3910026719" sldId="269"/>
+            <ac:spMk id="15" creationId="{A8C8FE4E-89B9-C634-B5DB-9AE02160B0E7}"/>
+          </ac:spMkLst>
+        </pc:spChg>
+      </pc:sldChg>
     </pc:docChg>
   </pc:docChgLst>
 </pc:chgInfo>
@@ -405,7 +845,7 @@
           <a:p>
             <a:fld id="{40721942-3650-429E-A73C-F40215CD5967}" type="datetimeFigureOut">
               <a:rPr lang="en-CA" smtClean="0"/>
-              <a:t>2025-11-30</a:t>
+              <a:t>2025-12-03</a:t>
             </a:fld>
             <a:endParaRPr lang="en-CA"/>
           </a:p>
@@ -605,7 +1045,7 @@
           <a:p>
             <a:fld id="{40721942-3650-429E-A73C-F40215CD5967}" type="datetimeFigureOut">
               <a:rPr lang="en-CA" smtClean="0"/>
-              <a:t>2025-11-30</a:t>
+              <a:t>2025-12-03</a:t>
             </a:fld>
             <a:endParaRPr lang="en-CA"/>
           </a:p>
@@ -815,7 +1255,7 @@
           <a:p>
             <a:fld id="{40721942-3650-429E-A73C-F40215CD5967}" type="datetimeFigureOut">
               <a:rPr lang="en-CA" smtClean="0"/>
-              <a:t>2025-11-30</a:t>
+              <a:t>2025-12-03</a:t>
             </a:fld>
             <a:endParaRPr lang="en-CA"/>
           </a:p>
@@ -1015,7 +1455,7 @@
           <a:p>
             <a:fld id="{40721942-3650-429E-A73C-F40215CD5967}" type="datetimeFigureOut">
               <a:rPr lang="en-CA" smtClean="0"/>
-              <a:t>2025-11-30</a:t>
+              <a:t>2025-12-03</a:t>
             </a:fld>
             <a:endParaRPr lang="en-CA"/>
           </a:p>
@@ -1291,7 +1731,7 @@
           <a:p>
             <a:fld id="{40721942-3650-429E-A73C-F40215CD5967}" type="datetimeFigureOut">
               <a:rPr lang="en-CA" smtClean="0"/>
-              <a:t>2025-11-30</a:t>
+              <a:t>2025-12-03</a:t>
             </a:fld>
             <a:endParaRPr lang="en-CA"/>
           </a:p>
@@ -1559,7 +1999,7 @@
           <a:p>
             <a:fld id="{40721942-3650-429E-A73C-F40215CD5967}" type="datetimeFigureOut">
               <a:rPr lang="en-CA" smtClean="0"/>
-              <a:t>2025-11-30</a:t>
+              <a:t>2025-12-03</a:t>
             </a:fld>
             <a:endParaRPr lang="en-CA"/>
           </a:p>
@@ -1974,7 +2414,7 @@
           <a:p>
             <a:fld id="{40721942-3650-429E-A73C-F40215CD5967}" type="datetimeFigureOut">
               <a:rPr lang="en-CA" smtClean="0"/>
-              <a:t>2025-11-30</a:t>
+              <a:t>2025-12-03</a:t>
             </a:fld>
             <a:endParaRPr lang="en-CA"/>
           </a:p>
@@ -2116,7 +2556,7 @@
           <a:p>
             <a:fld id="{40721942-3650-429E-A73C-F40215CD5967}" type="datetimeFigureOut">
               <a:rPr lang="en-CA" smtClean="0"/>
-              <a:t>2025-11-30</a:t>
+              <a:t>2025-12-03</a:t>
             </a:fld>
             <a:endParaRPr lang="en-CA"/>
           </a:p>
@@ -2229,7 +2669,7 @@
           <a:p>
             <a:fld id="{40721942-3650-429E-A73C-F40215CD5967}" type="datetimeFigureOut">
               <a:rPr lang="en-CA" smtClean="0"/>
-              <a:t>2025-11-30</a:t>
+              <a:t>2025-12-03</a:t>
             </a:fld>
             <a:endParaRPr lang="en-CA"/>
           </a:p>
@@ -2542,7 +2982,7 @@
           <a:p>
             <a:fld id="{40721942-3650-429E-A73C-F40215CD5967}" type="datetimeFigureOut">
               <a:rPr lang="en-CA" smtClean="0"/>
-              <a:t>2025-11-30</a:t>
+              <a:t>2025-12-03</a:t>
             </a:fld>
             <a:endParaRPr lang="en-CA"/>
           </a:p>
@@ -2831,7 +3271,7 @@
           <a:p>
             <a:fld id="{40721942-3650-429E-A73C-F40215CD5967}" type="datetimeFigureOut">
               <a:rPr lang="en-CA" smtClean="0"/>
-              <a:t>2025-11-30</a:t>
+              <a:t>2025-12-03</a:t>
             </a:fld>
             <a:endParaRPr lang="en-CA"/>
           </a:p>
@@ -3074,7 +3514,7 @@
           <a:p>
             <a:fld id="{40721942-3650-429E-A73C-F40215CD5967}" type="datetimeFigureOut">
               <a:rPr lang="en-CA" smtClean="0"/>
-              <a:t>2025-11-30</a:t>
+              <a:t>2025-12-03</a:t>
             </a:fld>
             <a:endParaRPr lang="en-CA"/>
           </a:p>
@@ -6748,6 +7188,2783 @@
     <p:extLst>
       <p:ext uri="{BB962C8B-B14F-4D97-AF65-F5344CB8AC3E}">
         <p14:creationId xmlns:p14="http://schemas.microsoft.com/office/powerpoint/2010/main" val="3789913217"/>
+      </p:ext>
+    </p:extLst>
+  </p:cSld>
+  <p:clrMapOvr>
+    <a:masterClrMapping/>
+  </p:clrMapOvr>
+</p:sld>
+</file>
+
+<file path=ppt/slides/slide12.xml><?xml version="1.0" encoding="utf-8"?>
+<p:sld xmlns:a="http://schemas.openxmlformats.org/drawingml/2006/main" xmlns:r="http://schemas.openxmlformats.org/officeDocument/2006/relationships" xmlns:p="http://schemas.openxmlformats.org/presentationml/2006/main">
+  <p:cSld>
+    <p:spTree>
+      <p:nvGrpSpPr>
+        <p:cNvPr id="1" name=""/>
+        <p:cNvGrpSpPr/>
+        <p:nvPr/>
+      </p:nvGrpSpPr>
+      <p:grpSpPr>
+        <a:xfrm>
+          <a:off x="0" y="0"/>
+          <a:ext cx="0" cy="0"/>
+          <a:chOff x="0" y="0"/>
+          <a:chExt cx="0" cy="0"/>
+        </a:xfrm>
+      </p:grpSpPr>
+      <p:sp>
+        <p:nvSpPr>
+          <p:cNvPr id="2" name="Title 1">
+            <a:extLst>
+              <a:ext uri="{FF2B5EF4-FFF2-40B4-BE49-F238E27FC236}">
+                <a16:creationId xmlns:a16="http://schemas.microsoft.com/office/drawing/2014/main" id="{3050B25B-2706-8EB3-02AB-0A78B390E4B3}"/>
+              </a:ext>
+            </a:extLst>
+          </p:cNvPr>
+          <p:cNvSpPr>
+            <a:spLocks noGrp="1"/>
+          </p:cNvSpPr>
+          <p:nvPr>
+            <p:ph type="title"/>
+          </p:nvPr>
+        </p:nvSpPr>
+        <p:spPr>
+          <a:xfrm>
+            <a:off x="0" y="0"/>
+            <a:ext cx="10515600" cy="1325563"/>
+          </a:xfrm>
+        </p:spPr>
+        <p:txBody>
+          <a:bodyPr/>
+          <a:lstStyle/>
+          <a:p>
+            <a:r>
+              <a:rPr lang="en-US" dirty="0"/>
+              <a:t>Qupls4: Decoding Placement</a:t>
+            </a:r>
+            <a:endParaRPr lang="en-CA" dirty="0"/>
+          </a:p>
+        </p:txBody>
+      </p:sp>
+      <p:sp>
+        <p:nvSpPr>
+          <p:cNvPr id="4" name="Rectangle 3">
+            <a:extLst>
+              <a:ext uri="{FF2B5EF4-FFF2-40B4-BE49-F238E27FC236}">
+                <a16:creationId xmlns:a16="http://schemas.microsoft.com/office/drawing/2014/main" id="{F986A818-5AB2-A7B3-9AD5-B50500991B27}"/>
+              </a:ext>
+            </a:extLst>
+          </p:cNvPr>
+          <p:cNvSpPr/>
+          <p:nvPr/>
+        </p:nvSpPr>
+        <p:spPr>
+          <a:xfrm>
+            <a:off x="318052" y="1743690"/>
+            <a:ext cx="932484" cy="1914939"/>
+          </a:xfrm>
+          <a:prstGeom prst="rect">
+            <a:avLst/>
+          </a:prstGeom>
+        </p:spPr>
+        <p:style>
+          <a:lnRef idx="2">
+            <a:schemeClr val="accent1">
+              <a:shade val="15000"/>
+            </a:schemeClr>
+          </a:lnRef>
+          <a:fillRef idx="1">
+            <a:schemeClr val="accent1"/>
+          </a:fillRef>
+          <a:effectRef idx="0">
+            <a:schemeClr val="accent1"/>
+          </a:effectRef>
+          <a:fontRef idx="minor">
+            <a:schemeClr val="lt1"/>
+          </a:fontRef>
+        </p:style>
+        <p:txBody>
+          <a:bodyPr rtlCol="0" anchor="ctr"/>
+          <a:lstStyle/>
+          <a:p>
+            <a:pPr algn="ctr"/>
+            <a:r>
+              <a:rPr lang="en-US" sz="1200" dirty="0"/>
+              <a:t>Instruction Cache</a:t>
+            </a:r>
+            <a:endParaRPr lang="en-CA" sz="1200" dirty="0"/>
+          </a:p>
+        </p:txBody>
+      </p:sp>
+      <p:sp>
+        <p:nvSpPr>
+          <p:cNvPr id="5" name="Rectangle 4">
+            <a:extLst>
+              <a:ext uri="{FF2B5EF4-FFF2-40B4-BE49-F238E27FC236}">
+                <a16:creationId xmlns:a16="http://schemas.microsoft.com/office/drawing/2014/main" id="{FD67CC3A-4FBC-0F72-3350-2386E8D8A3DB}"/>
+              </a:ext>
+            </a:extLst>
+          </p:cNvPr>
+          <p:cNvSpPr/>
+          <p:nvPr/>
+        </p:nvSpPr>
+        <p:spPr>
+          <a:xfrm>
+            <a:off x="1630017" y="1743690"/>
+            <a:ext cx="932484" cy="1914939"/>
+          </a:xfrm>
+          <a:prstGeom prst="rect">
+            <a:avLst/>
+          </a:prstGeom>
+        </p:spPr>
+        <p:style>
+          <a:lnRef idx="2">
+            <a:schemeClr val="accent1">
+              <a:shade val="15000"/>
+            </a:schemeClr>
+          </a:lnRef>
+          <a:fillRef idx="1">
+            <a:schemeClr val="accent1"/>
+          </a:fillRef>
+          <a:effectRef idx="0">
+            <a:schemeClr val="accent1"/>
+          </a:effectRef>
+          <a:fontRef idx="minor">
+            <a:schemeClr val="lt1"/>
+          </a:fontRef>
+        </p:style>
+        <p:txBody>
+          <a:bodyPr rtlCol="0" anchor="ctr"/>
+          <a:lstStyle/>
+          <a:p>
+            <a:pPr algn="ctr"/>
+            <a:r>
+              <a:rPr lang="en-US" sz="1200" dirty="0"/>
+              <a:t>Instruction (ISA) Align and Extract</a:t>
+            </a:r>
+            <a:endParaRPr lang="en-CA" sz="1200" dirty="0"/>
+          </a:p>
+        </p:txBody>
+      </p:sp>
+      <p:sp>
+        <p:nvSpPr>
+          <p:cNvPr id="6" name="Rectangle 5">
+            <a:extLst>
+              <a:ext uri="{FF2B5EF4-FFF2-40B4-BE49-F238E27FC236}">
+                <a16:creationId xmlns:a16="http://schemas.microsoft.com/office/drawing/2014/main" id="{DC743D58-4896-F445-BD37-78B7612220A2}"/>
+              </a:ext>
+            </a:extLst>
+          </p:cNvPr>
+          <p:cNvSpPr/>
+          <p:nvPr/>
+        </p:nvSpPr>
+        <p:spPr>
+          <a:xfrm>
+            <a:off x="3000716" y="1743688"/>
+            <a:ext cx="932484" cy="1914939"/>
+          </a:xfrm>
+          <a:prstGeom prst="rect">
+            <a:avLst/>
+          </a:prstGeom>
+        </p:spPr>
+        <p:style>
+          <a:lnRef idx="2">
+            <a:schemeClr val="accent1">
+              <a:shade val="15000"/>
+            </a:schemeClr>
+          </a:lnRef>
+          <a:fillRef idx="1">
+            <a:schemeClr val="accent1"/>
+          </a:fillRef>
+          <a:effectRef idx="0">
+            <a:schemeClr val="accent1"/>
+          </a:effectRef>
+          <a:fontRef idx="minor">
+            <a:schemeClr val="lt1"/>
+          </a:fontRef>
+        </p:style>
+        <p:txBody>
+          <a:bodyPr rtlCol="0" anchor="ctr"/>
+          <a:lstStyle/>
+          <a:p>
+            <a:pPr algn="ctr"/>
+            <a:r>
+              <a:rPr lang="en-US" sz="1200" dirty="0"/>
+              <a:t>Instruction to Micro-op Translator</a:t>
+            </a:r>
+            <a:endParaRPr lang="en-CA" sz="1200" dirty="0"/>
+          </a:p>
+        </p:txBody>
+      </p:sp>
+      <p:sp>
+        <p:nvSpPr>
+          <p:cNvPr id="7" name="Rectangle 6">
+            <a:extLst>
+              <a:ext uri="{FF2B5EF4-FFF2-40B4-BE49-F238E27FC236}">
+                <a16:creationId xmlns:a16="http://schemas.microsoft.com/office/drawing/2014/main" id="{6F22FAFC-519B-CDE9-3A1A-0C2D12FEFDE7}"/>
+              </a:ext>
+            </a:extLst>
+          </p:cNvPr>
+          <p:cNvSpPr/>
+          <p:nvPr/>
+        </p:nvSpPr>
+        <p:spPr>
+          <a:xfrm>
+            <a:off x="4371415" y="1743687"/>
+            <a:ext cx="808383" cy="1914939"/>
+          </a:xfrm>
+          <a:prstGeom prst="rect">
+            <a:avLst/>
+          </a:prstGeom>
+        </p:spPr>
+        <p:style>
+          <a:lnRef idx="2">
+            <a:schemeClr val="accent1">
+              <a:shade val="15000"/>
+            </a:schemeClr>
+          </a:lnRef>
+          <a:fillRef idx="1">
+            <a:schemeClr val="accent1"/>
+          </a:fillRef>
+          <a:effectRef idx="0">
+            <a:schemeClr val="accent1"/>
+          </a:effectRef>
+          <a:fontRef idx="minor">
+            <a:schemeClr val="lt1"/>
+          </a:fontRef>
+        </p:style>
+        <p:txBody>
+          <a:bodyPr rtlCol="0" anchor="ctr"/>
+          <a:lstStyle/>
+          <a:p>
+            <a:pPr algn="ctr"/>
+            <a:r>
+              <a:rPr lang="en-US" sz="1200" dirty="0"/>
+              <a:t>Micro-op Decoder</a:t>
+            </a:r>
+            <a:endParaRPr lang="en-CA" sz="1200" dirty="0"/>
+          </a:p>
+        </p:txBody>
+      </p:sp>
+      <p:sp>
+        <p:nvSpPr>
+          <p:cNvPr id="8" name="Rectangle 7">
+            <a:extLst>
+              <a:ext uri="{FF2B5EF4-FFF2-40B4-BE49-F238E27FC236}">
+                <a16:creationId xmlns:a16="http://schemas.microsoft.com/office/drawing/2014/main" id="{C50FC78B-1F47-1554-32F3-B4790B90773E}"/>
+              </a:ext>
+            </a:extLst>
+          </p:cNvPr>
+          <p:cNvSpPr/>
+          <p:nvPr/>
+        </p:nvSpPr>
+        <p:spPr>
+          <a:xfrm>
+            <a:off x="5551148" y="1743686"/>
+            <a:ext cx="808383" cy="1914939"/>
+          </a:xfrm>
+          <a:prstGeom prst="rect">
+            <a:avLst/>
+          </a:prstGeom>
+        </p:spPr>
+        <p:style>
+          <a:lnRef idx="2">
+            <a:schemeClr val="accent1">
+              <a:shade val="15000"/>
+            </a:schemeClr>
+          </a:lnRef>
+          <a:fillRef idx="1">
+            <a:schemeClr val="accent1"/>
+          </a:fillRef>
+          <a:effectRef idx="0">
+            <a:schemeClr val="accent1"/>
+          </a:effectRef>
+          <a:fontRef idx="minor">
+            <a:schemeClr val="lt1"/>
+          </a:fontRef>
+        </p:style>
+        <p:txBody>
+          <a:bodyPr rtlCol="0" anchor="ctr"/>
+          <a:lstStyle/>
+          <a:p>
+            <a:pPr algn="ctr"/>
+            <a:r>
+              <a:rPr lang="en-US" sz="1200" dirty="0"/>
+              <a:t>Register Rename Stage</a:t>
+            </a:r>
+            <a:endParaRPr lang="en-CA" sz="1200" dirty="0"/>
+          </a:p>
+        </p:txBody>
+      </p:sp>
+      <p:sp>
+        <p:nvSpPr>
+          <p:cNvPr id="9" name="Rectangle 8">
+            <a:extLst>
+              <a:ext uri="{FF2B5EF4-FFF2-40B4-BE49-F238E27FC236}">
+                <a16:creationId xmlns:a16="http://schemas.microsoft.com/office/drawing/2014/main" id="{0C2F6C3F-EC1A-0305-A8BD-AFF525B3953A}"/>
+              </a:ext>
+            </a:extLst>
+          </p:cNvPr>
+          <p:cNvSpPr/>
+          <p:nvPr/>
+        </p:nvSpPr>
+        <p:spPr>
+          <a:xfrm>
+            <a:off x="6730881" y="1743685"/>
+            <a:ext cx="932484" cy="1914939"/>
+          </a:xfrm>
+          <a:prstGeom prst="rect">
+            <a:avLst/>
+          </a:prstGeom>
+        </p:spPr>
+        <p:style>
+          <a:lnRef idx="2">
+            <a:schemeClr val="accent1">
+              <a:shade val="15000"/>
+            </a:schemeClr>
+          </a:lnRef>
+          <a:fillRef idx="1">
+            <a:schemeClr val="accent1"/>
+          </a:fillRef>
+          <a:effectRef idx="0">
+            <a:schemeClr val="accent1"/>
+          </a:effectRef>
+          <a:fontRef idx="minor">
+            <a:schemeClr val="lt1"/>
+          </a:fontRef>
+        </p:style>
+        <p:txBody>
+          <a:bodyPr rtlCol="0" anchor="ctr"/>
+          <a:lstStyle/>
+          <a:p>
+            <a:pPr algn="ctr"/>
+            <a:r>
+              <a:rPr lang="en-US" sz="1200" dirty="0"/>
+              <a:t>Instruction Queue to Re-order Buffer</a:t>
+            </a:r>
+            <a:endParaRPr lang="en-CA" sz="1200" dirty="0"/>
+          </a:p>
+        </p:txBody>
+      </p:sp>
+      <p:sp>
+        <p:nvSpPr>
+          <p:cNvPr id="10" name="Rectangle 9">
+            <a:extLst>
+              <a:ext uri="{FF2B5EF4-FFF2-40B4-BE49-F238E27FC236}">
+                <a16:creationId xmlns:a16="http://schemas.microsoft.com/office/drawing/2014/main" id="{4D37097F-8AFF-23C8-015D-7086C5FE92ED}"/>
+              </a:ext>
+            </a:extLst>
+          </p:cNvPr>
+          <p:cNvSpPr/>
+          <p:nvPr/>
+        </p:nvSpPr>
+        <p:spPr>
+          <a:xfrm>
+            <a:off x="7910614" y="1743684"/>
+            <a:ext cx="1011996" cy="1914939"/>
+          </a:xfrm>
+          <a:prstGeom prst="rect">
+            <a:avLst/>
+          </a:prstGeom>
+        </p:spPr>
+        <p:style>
+          <a:lnRef idx="2">
+            <a:schemeClr val="accent1">
+              <a:shade val="15000"/>
+            </a:schemeClr>
+          </a:lnRef>
+          <a:fillRef idx="1">
+            <a:schemeClr val="accent1"/>
+          </a:fillRef>
+          <a:effectRef idx="0">
+            <a:schemeClr val="accent1"/>
+          </a:effectRef>
+          <a:fontRef idx="minor">
+            <a:schemeClr val="lt1"/>
+          </a:fontRef>
+        </p:style>
+        <p:txBody>
+          <a:bodyPr rtlCol="0" anchor="ctr"/>
+          <a:lstStyle/>
+          <a:p>
+            <a:pPr algn="ctr"/>
+            <a:r>
+              <a:rPr lang="en-US" sz="1200" dirty="0"/>
+              <a:t>Instruction Dispatcher</a:t>
+            </a:r>
+            <a:endParaRPr lang="en-CA" sz="1200" dirty="0"/>
+          </a:p>
+        </p:txBody>
+      </p:sp>
+      <p:sp>
+        <p:nvSpPr>
+          <p:cNvPr id="11" name="Rectangle 10">
+            <a:extLst>
+              <a:ext uri="{FF2B5EF4-FFF2-40B4-BE49-F238E27FC236}">
+                <a16:creationId xmlns:a16="http://schemas.microsoft.com/office/drawing/2014/main" id="{198D87D7-5214-4CCF-D911-C164BE726316}"/>
+              </a:ext>
+            </a:extLst>
+          </p:cNvPr>
+          <p:cNvSpPr/>
+          <p:nvPr/>
+        </p:nvSpPr>
+        <p:spPr>
+          <a:xfrm>
+            <a:off x="9169859" y="1743684"/>
+            <a:ext cx="1205948" cy="357809"/>
+          </a:xfrm>
+          <a:prstGeom prst="rect">
+            <a:avLst/>
+          </a:prstGeom>
+        </p:spPr>
+        <p:style>
+          <a:lnRef idx="2">
+            <a:schemeClr val="accent1">
+              <a:shade val="15000"/>
+            </a:schemeClr>
+          </a:lnRef>
+          <a:fillRef idx="1">
+            <a:schemeClr val="accent1"/>
+          </a:fillRef>
+          <a:effectRef idx="0">
+            <a:schemeClr val="accent1"/>
+          </a:effectRef>
+          <a:fontRef idx="minor">
+            <a:schemeClr val="lt1"/>
+          </a:fontRef>
+        </p:style>
+        <p:txBody>
+          <a:bodyPr rtlCol="0" anchor="ctr"/>
+          <a:lstStyle/>
+          <a:p>
+            <a:pPr algn="ctr"/>
+            <a:r>
+              <a:rPr lang="en-US" sz="1200" dirty="0"/>
+              <a:t>Reservation Stations</a:t>
+            </a:r>
+            <a:endParaRPr lang="en-CA" sz="1200" dirty="0"/>
+          </a:p>
+        </p:txBody>
+      </p:sp>
+      <p:sp>
+        <p:nvSpPr>
+          <p:cNvPr id="12" name="Rectangle 11">
+            <a:extLst>
+              <a:ext uri="{FF2B5EF4-FFF2-40B4-BE49-F238E27FC236}">
+                <a16:creationId xmlns:a16="http://schemas.microsoft.com/office/drawing/2014/main" id="{6D35E58A-D186-7F4C-F385-BB8058D5006A}"/>
+              </a:ext>
+            </a:extLst>
+          </p:cNvPr>
+          <p:cNvSpPr/>
+          <p:nvPr/>
+        </p:nvSpPr>
+        <p:spPr>
+          <a:xfrm>
+            <a:off x="9169859" y="2181006"/>
+            <a:ext cx="1205948" cy="357809"/>
+          </a:xfrm>
+          <a:prstGeom prst="rect">
+            <a:avLst/>
+          </a:prstGeom>
+        </p:spPr>
+        <p:style>
+          <a:lnRef idx="2">
+            <a:schemeClr val="accent1">
+              <a:shade val="15000"/>
+            </a:schemeClr>
+          </a:lnRef>
+          <a:fillRef idx="1">
+            <a:schemeClr val="accent1"/>
+          </a:fillRef>
+          <a:effectRef idx="0">
+            <a:schemeClr val="accent1"/>
+          </a:effectRef>
+          <a:fontRef idx="minor">
+            <a:schemeClr val="lt1"/>
+          </a:fontRef>
+        </p:style>
+        <p:txBody>
+          <a:bodyPr rtlCol="0" anchor="ctr"/>
+          <a:lstStyle/>
+          <a:p>
+            <a:pPr algn="ctr"/>
+            <a:r>
+              <a:rPr lang="en-US" sz="1200" dirty="0"/>
+              <a:t>Reservation Stations</a:t>
+            </a:r>
+            <a:endParaRPr lang="en-CA" sz="1200" dirty="0"/>
+          </a:p>
+        </p:txBody>
+      </p:sp>
+      <p:sp>
+        <p:nvSpPr>
+          <p:cNvPr id="13" name="Rectangle 12">
+            <a:extLst>
+              <a:ext uri="{FF2B5EF4-FFF2-40B4-BE49-F238E27FC236}">
+                <a16:creationId xmlns:a16="http://schemas.microsoft.com/office/drawing/2014/main" id="{12BB82C7-FF8B-4CC1-B399-7617E39E8291}"/>
+              </a:ext>
+            </a:extLst>
+          </p:cNvPr>
+          <p:cNvSpPr/>
+          <p:nvPr/>
+        </p:nvSpPr>
+        <p:spPr>
+          <a:xfrm>
+            <a:off x="9169859" y="2618328"/>
+            <a:ext cx="1205948" cy="357809"/>
+          </a:xfrm>
+          <a:prstGeom prst="rect">
+            <a:avLst/>
+          </a:prstGeom>
+        </p:spPr>
+        <p:style>
+          <a:lnRef idx="2">
+            <a:schemeClr val="accent1">
+              <a:shade val="15000"/>
+            </a:schemeClr>
+          </a:lnRef>
+          <a:fillRef idx="1">
+            <a:schemeClr val="accent1"/>
+          </a:fillRef>
+          <a:effectRef idx="0">
+            <a:schemeClr val="accent1"/>
+          </a:effectRef>
+          <a:fontRef idx="minor">
+            <a:schemeClr val="lt1"/>
+          </a:fontRef>
+        </p:style>
+        <p:txBody>
+          <a:bodyPr rtlCol="0" anchor="ctr"/>
+          <a:lstStyle/>
+          <a:p>
+            <a:pPr algn="ctr"/>
+            <a:r>
+              <a:rPr lang="en-US" sz="1200" dirty="0"/>
+              <a:t>Reservation Stations</a:t>
+            </a:r>
+            <a:endParaRPr lang="en-CA" sz="1200" dirty="0"/>
+          </a:p>
+        </p:txBody>
+      </p:sp>
+      <p:sp>
+        <p:nvSpPr>
+          <p:cNvPr id="14" name="Rectangle 13">
+            <a:extLst>
+              <a:ext uri="{FF2B5EF4-FFF2-40B4-BE49-F238E27FC236}">
+                <a16:creationId xmlns:a16="http://schemas.microsoft.com/office/drawing/2014/main" id="{3480C16B-509C-8C47-4F5B-BD33BBEC341C}"/>
+              </a:ext>
+            </a:extLst>
+          </p:cNvPr>
+          <p:cNvSpPr/>
+          <p:nvPr/>
+        </p:nvSpPr>
+        <p:spPr>
+          <a:xfrm>
+            <a:off x="9169859" y="3108673"/>
+            <a:ext cx="1205948" cy="357809"/>
+          </a:xfrm>
+          <a:prstGeom prst="rect">
+            <a:avLst/>
+          </a:prstGeom>
+        </p:spPr>
+        <p:style>
+          <a:lnRef idx="2">
+            <a:schemeClr val="accent1">
+              <a:shade val="15000"/>
+            </a:schemeClr>
+          </a:lnRef>
+          <a:fillRef idx="1">
+            <a:schemeClr val="accent1"/>
+          </a:fillRef>
+          <a:effectRef idx="0">
+            <a:schemeClr val="accent1"/>
+          </a:effectRef>
+          <a:fontRef idx="minor">
+            <a:schemeClr val="lt1"/>
+          </a:fontRef>
+        </p:style>
+        <p:txBody>
+          <a:bodyPr rtlCol="0" anchor="ctr"/>
+          <a:lstStyle/>
+          <a:p>
+            <a:pPr algn="ctr"/>
+            <a:r>
+              <a:rPr lang="en-US" sz="1200" dirty="0"/>
+              <a:t>Reservation Stations</a:t>
+            </a:r>
+            <a:endParaRPr lang="en-CA" sz="1200" dirty="0"/>
+          </a:p>
+        </p:txBody>
+      </p:sp>
+      <p:sp>
+        <p:nvSpPr>
+          <p:cNvPr id="15" name="Rectangle 14">
+            <a:extLst>
+              <a:ext uri="{FF2B5EF4-FFF2-40B4-BE49-F238E27FC236}">
+                <a16:creationId xmlns:a16="http://schemas.microsoft.com/office/drawing/2014/main" id="{526F122C-2B42-9A9B-F869-E7C10C736D74}"/>
+              </a:ext>
+            </a:extLst>
+          </p:cNvPr>
+          <p:cNvSpPr/>
+          <p:nvPr/>
+        </p:nvSpPr>
+        <p:spPr>
+          <a:xfrm>
+            <a:off x="10660143" y="1743683"/>
+            <a:ext cx="909576" cy="1914939"/>
+          </a:xfrm>
+          <a:prstGeom prst="rect">
+            <a:avLst/>
+          </a:prstGeom>
+        </p:spPr>
+        <p:style>
+          <a:lnRef idx="2">
+            <a:schemeClr val="accent1">
+              <a:shade val="15000"/>
+            </a:schemeClr>
+          </a:lnRef>
+          <a:fillRef idx="1">
+            <a:schemeClr val="accent1"/>
+          </a:fillRef>
+          <a:effectRef idx="0">
+            <a:schemeClr val="accent1"/>
+          </a:effectRef>
+          <a:fontRef idx="minor">
+            <a:schemeClr val="lt1"/>
+          </a:fontRef>
+        </p:style>
+        <p:txBody>
+          <a:bodyPr rtlCol="0" anchor="ctr"/>
+          <a:lstStyle/>
+          <a:p>
+            <a:pPr algn="ctr"/>
+            <a:r>
+              <a:rPr lang="en-US" sz="1200" dirty="0"/>
+              <a:t>Functional Units</a:t>
+            </a:r>
+            <a:endParaRPr lang="en-CA" sz="1200" dirty="0"/>
+          </a:p>
+        </p:txBody>
+      </p:sp>
+      <p:sp>
+        <p:nvSpPr>
+          <p:cNvPr id="16" name="Rectangle 15">
+            <a:extLst>
+              <a:ext uri="{FF2B5EF4-FFF2-40B4-BE49-F238E27FC236}">
+                <a16:creationId xmlns:a16="http://schemas.microsoft.com/office/drawing/2014/main" id="{2F909C33-040A-7EE5-16BB-8F7A9D2050AA}"/>
+              </a:ext>
+            </a:extLst>
+          </p:cNvPr>
+          <p:cNvSpPr/>
+          <p:nvPr/>
+        </p:nvSpPr>
+        <p:spPr>
+          <a:xfrm>
+            <a:off x="10708774" y="3022165"/>
+            <a:ext cx="812314" cy="636457"/>
+          </a:xfrm>
+          <a:prstGeom prst="rect">
+            <a:avLst/>
+          </a:prstGeom>
+        </p:spPr>
+        <p:style>
+          <a:lnRef idx="2">
+            <a:schemeClr val="accent1">
+              <a:shade val="15000"/>
+            </a:schemeClr>
+          </a:lnRef>
+          <a:fillRef idx="1">
+            <a:schemeClr val="accent1"/>
+          </a:fillRef>
+          <a:effectRef idx="0">
+            <a:schemeClr val="accent1"/>
+          </a:effectRef>
+          <a:fontRef idx="minor">
+            <a:schemeClr val="lt1"/>
+          </a:fontRef>
+        </p:style>
+        <p:txBody>
+          <a:bodyPr rtlCol="0" anchor="ctr"/>
+          <a:lstStyle/>
+          <a:p>
+            <a:pPr algn="ctr"/>
+            <a:r>
+              <a:rPr lang="en-US" sz="1200" dirty="0"/>
+              <a:t>Micro-op decode</a:t>
+            </a:r>
+            <a:endParaRPr lang="en-CA" sz="1200" dirty="0"/>
+          </a:p>
+        </p:txBody>
+      </p:sp>
+      <p:sp>
+        <p:nvSpPr>
+          <p:cNvPr id="17" name="Oval 16">
+            <a:extLst>
+              <a:ext uri="{FF2B5EF4-FFF2-40B4-BE49-F238E27FC236}">
+                <a16:creationId xmlns:a16="http://schemas.microsoft.com/office/drawing/2014/main" id="{4161D8EA-02BC-53C3-E9AA-F7B0A2CBBA15}"/>
+              </a:ext>
+            </a:extLst>
+          </p:cNvPr>
+          <p:cNvSpPr/>
+          <p:nvPr/>
+        </p:nvSpPr>
+        <p:spPr>
+          <a:xfrm>
+            <a:off x="10553495" y="2932889"/>
+            <a:ext cx="1099931" cy="815008"/>
+          </a:xfrm>
+          <a:prstGeom prst="ellipse">
+            <a:avLst/>
+          </a:prstGeom>
+          <a:noFill/>
+          <a:ln>
+            <a:solidFill>
+              <a:srgbClr val="C00000"/>
+            </a:solidFill>
+          </a:ln>
+        </p:spPr>
+        <p:style>
+          <a:lnRef idx="2">
+            <a:schemeClr val="accent1">
+              <a:shade val="15000"/>
+            </a:schemeClr>
+          </a:lnRef>
+          <a:fillRef idx="1">
+            <a:schemeClr val="accent1"/>
+          </a:fillRef>
+          <a:effectRef idx="0">
+            <a:schemeClr val="accent1"/>
+          </a:effectRef>
+          <a:fontRef idx="minor">
+            <a:schemeClr val="lt1"/>
+          </a:fontRef>
+        </p:style>
+        <p:txBody>
+          <a:bodyPr rtlCol="0" anchor="ctr"/>
+          <a:lstStyle/>
+          <a:p>
+            <a:pPr algn="ctr"/>
+            <a:endParaRPr lang="en-CA"/>
+          </a:p>
+        </p:txBody>
+      </p:sp>
+      <p:sp>
+        <p:nvSpPr>
+          <p:cNvPr id="18" name="Oval 17">
+            <a:extLst>
+              <a:ext uri="{FF2B5EF4-FFF2-40B4-BE49-F238E27FC236}">
+                <a16:creationId xmlns:a16="http://schemas.microsoft.com/office/drawing/2014/main" id="{92EC0335-84F6-6C7A-0E1D-12500B773CEA}"/>
+              </a:ext>
+            </a:extLst>
+          </p:cNvPr>
+          <p:cNvSpPr/>
+          <p:nvPr/>
+        </p:nvSpPr>
+        <p:spPr>
+          <a:xfrm>
+            <a:off x="4225640" y="2359910"/>
+            <a:ext cx="1099931" cy="815008"/>
+          </a:xfrm>
+          <a:prstGeom prst="ellipse">
+            <a:avLst/>
+          </a:prstGeom>
+          <a:noFill/>
+          <a:ln>
+            <a:solidFill>
+              <a:srgbClr val="C00000"/>
+            </a:solidFill>
+          </a:ln>
+        </p:spPr>
+        <p:style>
+          <a:lnRef idx="2">
+            <a:schemeClr val="accent1">
+              <a:shade val="15000"/>
+            </a:schemeClr>
+          </a:lnRef>
+          <a:fillRef idx="1">
+            <a:schemeClr val="accent1"/>
+          </a:fillRef>
+          <a:effectRef idx="0">
+            <a:schemeClr val="accent1"/>
+          </a:effectRef>
+          <a:fontRef idx="minor">
+            <a:schemeClr val="lt1"/>
+          </a:fontRef>
+        </p:style>
+        <p:txBody>
+          <a:bodyPr rtlCol="0" anchor="ctr"/>
+          <a:lstStyle/>
+          <a:p>
+            <a:pPr algn="ctr"/>
+            <a:endParaRPr lang="en-CA"/>
+          </a:p>
+        </p:txBody>
+      </p:sp>
+      <p:sp>
+        <p:nvSpPr>
+          <p:cNvPr id="19" name="TextBox 18">
+            <a:extLst>
+              <a:ext uri="{FF2B5EF4-FFF2-40B4-BE49-F238E27FC236}">
+                <a16:creationId xmlns:a16="http://schemas.microsoft.com/office/drawing/2014/main" id="{3684DD6F-A379-44E7-BC7B-D763C4617FE4}"/>
+              </a:ext>
+            </a:extLst>
+          </p:cNvPr>
+          <p:cNvSpPr txBox="1"/>
+          <p:nvPr/>
+        </p:nvSpPr>
+        <p:spPr>
+          <a:xfrm>
+            <a:off x="6060273" y="4155588"/>
+            <a:ext cx="1136850" cy="369332"/>
+          </a:xfrm>
+          <a:prstGeom prst="rect">
+            <a:avLst/>
+          </a:prstGeom>
+          <a:noFill/>
+        </p:spPr>
+        <p:txBody>
+          <a:bodyPr wrap="none" rtlCol="0">
+            <a:spAutoFit/>
+          </a:bodyPr>
+          <a:lstStyle/>
+          <a:p>
+            <a:r>
+              <a:rPr lang="en-US" dirty="0"/>
+              <a:t>Decoding</a:t>
+            </a:r>
+            <a:endParaRPr lang="en-CA" dirty="0"/>
+          </a:p>
+        </p:txBody>
+      </p:sp>
+      <p:cxnSp>
+        <p:nvCxnSpPr>
+          <p:cNvPr id="21" name="Straight Arrow Connector 20">
+            <a:extLst>
+              <a:ext uri="{FF2B5EF4-FFF2-40B4-BE49-F238E27FC236}">
+                <a16:creationId xmlns:a16="http://schemas.microsoft.com/office/drawing/2014/main" id="{6320FC7F-FFE0-5024-14C0-16F6373EAEBB}"/>
+              </a:ext>
+            </a:extLst>
+          </p:cNvPr>
+          <p:cNvCxnSpPr>
+            <a:stCxn id="4" idx="3"/>
+            <a:endCxn id="5" idx="1"/>
+          </p:cNvCxnSpPr>
+          <p:nvPr/>
+        </p:nvCxnSpPr>
+        <p:spPr>
+          <a:xfrm>
+            <a:off x="1250536" y="2701160"/>
+            <a:ext cx="379481" cy="0"/>
+          </a:xfrm>
+          <a:prstGeom prst="straightConnector1">
+            <a:avLst/>
+          </a:prstGeom>
+          <a:ln>
+            <a:tailEnd type="triangle"/>
+          </a:ln>
+        </p:spPr>
+        <p:style>
+          <a:lnRef idx="2">
+            <a:schemeClr val="accent1"/>
+          </a:lnRef>
+          <a:fillRef idx="0">
+            <a:schemeClr val="accent1"/>
+          </a:fillRef>
+          <a:effectRef idx="1">
+            <a:schemeClr val="accent1"/>
+          </a:effectRef>
+          <a:fontRef idx="minor">
+            <a:schemeClr val="tx1"/>
+          </a:fontRef>
+        </p:style>
+      </p:cxnSp>
+      <p:cxnSp>
+        <p:nvCxnSpPr>
+          <p:cNvPr id="23" name="Straight Arrow Connector 22">
+            <a:extLst>
+              <a:ext uri="{FF2B5EF4-FFF2-40B4-BE49-F238E27FC236}">
+                <a16:creationId xmlns:a16="http://schemas.microsoft.com/office/drawing/2014/main" id="{869BF54E-88AA-55C7-2ED9-B3A7524AFD41}"/>
+              </a:ext>
+            </a:extLst>
+          </p:cNvPr>
+          <p:cNvCxnSpPr>
+            <a:stCxn id="5" idx="3"/>
+            <a:endCxn id="6" idx="1"/>
+          </p:cNvCxnSpPr>
+          <p:nvPr/>
+        </p:nvCxnSpPr>
+        <p:spPr>
+          <a:xfrm flipV="1">
+            <a:off x="2562501" y="2701158"/>
+            <a:ext cx="438215" cy="2"/>
+          </a:xfrm>
+          <a:prstGeom prst="straightConnector1">
+            <a:avLst/>
+          </a:prstGeom>
+          <a:ln>
+            <a:tailEnd type="triangle"/>
+          </a:ln>
+        </p:spPr>
+        <p:style>
+          <a:lnRef idx="2">
+            <a:schemeClr val="accent1"/>
+          </a:lnRef>
+          <a:fillRef idx="0">
+            <a:schemeClr val="accent1"/>
+          </a:fillRef>
+          <a:effectRef idx="1">
+            <a:schemeClr val="accent1"/>
+          </a:effectRef>
+          <a:fontRef idx="minor">
+            <a:schemeClr val="tx1"/>
+          </a:fontRef>
+        </p:style>
+      </p:cxnSp>
+      <p:cxnSp>
+        <p:nvCxnSpPr>
+          <p:cNvPr id="25" name="Straight Arrow Connector 24">
+            <a:extLst>
+              <a:ext uri="{FF2B5EF4-FFF2-40B4-BE49-F238E27FC236}">
+                <a16:creationId xmlns:a16="http://schemas.microsoft.com/office/drawing/2014/main" id="{AD786A4B-5358-39A6-A057-ECFE46A8CE54}"/>
+              </a:ext>
+            </a:extLst>
+          </p:cNvPr>
+          <p:cNvCxnSpPr>
+            <a:stCxn id="6" idx="3"/>
+            <a:endCxn id="7" idx="1"/>
+          </p:cNvCxnSpPr>
+          <p:nvPr/>
+        </p:nvCxnSpPr>
+        <p:spPr>
+          <a:xfrm flipV="1">
+            <a:off x="3933200" y="2701157"/>
+            <a:ext cx="438215" cy="1"/>
+          </a:xfrm>
+          <a:prstGeom prst="straightConnector1">
+            <a:avLst/>
+          </a:prstGeom>
+          <a:ln>
+            <a:tailEnd type="triangle"/>
+          </a:ln>
+        </p:spPr>
+        <p:style>
+          <a:lnRef idx="2">
+            <a:schemeClr val="accent1"/>
+          </a:lnRef>
+          <a:fillRef idx="0">
+            <a:schemeClr val="accent1"/>
+          </a:fillRef>
+          <a:effectRef idx="1">
+            <a:schemeClr val="accent1"/>
+          </a:effectRef>
+          <a:fontRef idx="minor">
+            <a:schemeClr val="tx1"/>
+          </a:fontRef>
+        </p:style>
+      </p:cxnSp>
+      <p:cxnSp>
+        <p:nvCxnSpPr>
+          <p:cNvPr id="27" name="Straight Arrow Connector 26">
+            <a:extLst>
+              <a:ext uri="{FF2B5EF4-FFF2-40B4-BE49-F238E27FC236}">
+                <a16:creationId xmlns:a16="http://schemas.microsoft.com/office/drawing/2014/main" id="{10C91033-4BB2-E910-2101-054F7F2DB614}"/>
+              </a:ext>
+            </a:extLst>
+          </p:cNvPr>
+          <p:cNvCxnSpPr>
+            <a:stCxn id="7" idx="3"/>
+            <a:endCxn id="8" idx="1"/>
+          </p:cNvCxnSpPr>
+          <p:nvPr/>
+        </p:nvCxnSpPr>
+        <p:spPr>
+          <a:xfrm flipV="1">
+            <a:off x="5179798" y="2701156"/>
+            <a:ext cx="371350" cy="1"/>
+          </a:xfrm>
+          <a:prstGeom prst="straightConnector1">
+            <a:avLst/>
+          </a:prstGeom>
+          <a:ln>
+            <a:tailEnd type="triangle"/>
+          </a:ln>
+        </p:spPr>
+        <p:style>
+          <a:lnRef idx="2">
+            <a:schemeClr val="accent1"/>
+          </a:lnRef>
+          <a:fillRef idx="0">
+            <a:schemeClr val="accent1"/>
+          </a:fillRef>
+          <a:effectRef idx="1">
+            <a:schemeClr val="accent1"/>
+          </a:effectRef>
+          <a:fontRef idx="minor">
+            <a:schemeClr val="tx1"/>
+          </a:fontRef>
+        </p:style>
+      </p:cxnSp>
+      <p:cxnSp>
+        <p:nvCxnSpPr>
+          <p:cNvPr id="29" name="Straight Arrow Connector 28">
+            <a:extLst>
+              <a:ext uri="{FF2B5EF4-FFF2-40B4-BE49-F238E27FC236}">
+                <a16:creationId xmlns:a16="http://schemas.microsoft.com/office/drawing/2014/main" id="{7B964511-601F-90A7-48C2-DC3D4E6EA607}"/>
+              </a:ext>
+            </a:extLst>
+          </p:cNvPr>
+          <p:cNvCxnSpPr>
+            <a:stCxn id="8" idx="3"/>
+            <a:endCxn id="9" idx="1"/>
+          </p:cNvCxnSpPr>
+          <p:nvPr/>
+        </p:nvCxnSpPr>
+        <p:spPr>
+          <a:xfrm flipV="1">
+            <a:off x="6359531" y="2701155"/>
+            <a:ext cx="371350" cy="1"/>
+          </a:xfrm>
+          <a:prstGeom prst="straightConnector1">
+            <a:avLst/>
+          </a:prstGeom>
+          <a:ln>
+            <a:tailEnd type="triangle"/>
+          </a:ln>
+        </p:spPr>
+        <p:style>
+          <a:lnRef idx="2">
+            <a:schemeClr val="accent1"/>
+          </a:lnRef>
+          <a:fillRef idx="0">
+            <a:schemeClr val="accent1"/>
+          </a:fillRef>
+          <a:effectRef idx="1">
+            <a:schemeClr val="accent1"/>
+          </a:effectRef>
+          <a:fontRef idx="minor">
+            <a:schemeClr val="tx1"/>
+          </a:fontRef>
+        </p:style>
+      </p:cxnSp>
+      <p:cxnSp>
+        <p:nvCxnSpPr>
+          <p:cNvPr id="31" name="Straight Arrow Connector 30">
+            <a:extLst>
+              <a:ext uri="{FF2B5EF4-FFF2-40B4-BE49-F238E27FC236}">
+                <a16:creationId xmlns:a16="http://schemas.microsoft.com/office/drawing/2014/main" id="{7506FB71-2337-89CB-835B-EC15D2291E54}"/>
+              </a:ext>
+            </a:extLst>
+          </p:cNvPr>
+          <p:cNvCxnSpPr>
+            <a:stCxn id="9" idx="3"/>
+            <a:endCxn id="10" idx="1"/>
+          </p:cNvCxnSpPr>
+          <p:nvPr/>
+        </p:nvCxnSpPr>
+        <p:spPr>
+          <a:xfrm flipV="1">
+            <a:off x="7663365" y="2701154"/>
+            <a:ext cx="247249" cy="1"/>
+          </a:xfrm>
+          <a:prstGeom prst="straightConnector1">
+            <a:avLst/>
+          </a:prstGeom>
+          <a:ln>
+            <a:tailEnd type="triangle"/>
+          </a:ln>
+        </p:spPr>
+        <p:style>
+          <a:lnRef idx="2">
+            <a:schemeClr val="accent1"/>
+          </a:lnRef>
+          <a:fillRef idx="0">
+            <a:schemeClr val="accent1"/>
+          </a:fillRef>
+          <a:effectRef idx="1">
+            <a:schemeClr val="accent1"/>
+          </a:effectRef>
+          <a:fontRef idx="minor">
+            <a:schemeClr val="tx1"/>
+          </a:fontRef>
+        </p:style>
+      </p:cxnSp>
+      <p:cxnSp>
+        <p:nvCxnSpPr>
+          <p:cNvPr id="33" name="Straight Arrow Connector 32">
+            <a:extLst>
+              <a:ext uri="{FF2B5EF4-FFF2-40B4-BE49-F238E27FC236}">
+                <a16:creationId xmlns:a16="http://schemas.microsoft.com/office/drawing/2014/main" id="{1FABF2A9-5106-1EC2-FC6A-669CA5802D3D}"/>
+              </a:ext>
+            </a:extLst>
+          </p:cNvPr>
+          <p:cNvCxnSpPr>
+            <a:endCxn id="12" idx="1"/>
+          </p:cNvCxnSpPr>
+          <p:nvPr/>
+        </p:nvCxnSpPr>
+        <p:spPr>
+          <a:xfrm>
+            <a:off x="8922610" y="2359910"/>
+            <a:ext cx="247249" cy="1"/>
+          </a:xfrm>
+          <a:prstGeom prst="straightConnector1">
+            <a:avLst/>
+          </a:prstGeom>
+          <a:ln>
+            <a:tailEnd type="triangle"/>
+          </a:ln>
+        </p:spPr>
+        <p:style>
+          <a:lnRef idx="2">
+            <a:schemeClr val="accent1"/>
+          </a:lnRef>
+          <a:fillRef idx="0">
+            <a:schemeClr val="accent1"/>
+          </a:fillRef>
+          <a:effectRef idx="1">
+            <a:schemeClr val="accent1"/>
+          </a:effectRef>
+          <a:fontRef idx="minor">
+            <a:schemeClr val="tx1"/>
+          </a:fontRef>
+        </p:style>
+      </p:cxnSp>
+      <p:cxnSp>
+        <p:nvCxnSpPr>
+          <p:cNvPr id="35" name="Straight Arrow Connector 34">
+            <a:extLst>
+              <a:ext uri="{FF2B5EF4-FFF2-40B4-BE49-F238E27FC236}">
+                <a16:creationId xmlns:a16="http://schemas.microsoft.com/office/drawing/2014/main" id="{8BAAD784-FE55-0FB6-3124-959CF9453124}"/>
+              </a:ext>
+            </a:extLst>
+          </p:cNvPr>
+          <p:cNvCxnSpPr>
+            <a:endCxn id="11" idx="1"/>
+          </p:cNvCxnSpPr>
+          <p:nvPr/>
+        </p:nvCxnSpPr>
+        <p:spPr>
+          <a:xfrm>
+            <a:off x="8922610" y="1922588"/>
+            <a:ext cx="247249" cy="1"/>
+          </a:xfrm>
+          <a:prstGeom prst="straightConnector1">
+            <a:avLst/>
+          </a:prstGeom>
+          <a:ln>
+            <a:tailEnd type="triangle"/>
+          </a:ln>
+        </p:spPr>
+        <p:style>
+          <a:lnRef idx="2">
+            <a:schemeClr val="accent1"/>
+          </a:lnRef>
+          <a:fillRef idx="0">
+            <a:schemeClr val="accent1"/>
+          </a:fillRef>
+          <a:effectRef idx="1">
+            <a:schemeClr val="accent1"/>
+          </a:effectRef>
+          <a:fontRef idx="minor">
+            <a:schemeClr val="tx1"/>
+          </a:fontRef>
+        </p:style>
+      </p:cxnSp>
+      <p:cxnSp>
+        <p:nvCxnSpPr>
+          <p:cNvPr id="37" name="Straight Arrow Connector 36">
+            <a:extLst>
+              <a:ext uri="{FF2B5EF4-FFF2-40B4-BE49-F238E27FC236}">
+                <a16:creationId xmlns:a16="http://schemas.microsoft.com/office/drawing/2014/main" id="{E447E4B4-30D8-9E72-06DA-F9F6E108A9EB}"/>
+              </a:ext>
+            </a:extLst>
+          </p:cNvPr>
+          <p:cNvCxnSpPr>
+            <a:cxnSpLocks/>
+            <a:endCxn id="13" idx="1"/>
+          </p:cNvCxnSpPr>
+          <p:nvPr/>
+        </p:nvCxnSpPr>
+        <p:spPr>
+          <a:xfrm>
+            <a:off x="8922610" y="2797233"/>
+            <a:ext cx="247249" cy="0"/>
+          </a:xfrm>
+          <a:prstGeom prst="straightConnector1">
+            <a:avLst/>
+          </a:prstGeom>
+          <a:ln>
+            <a:tailEnd type="triangle"/>
+          </a:ln>
+        </p:spPr>
+        <p:style>
+          <a:lnRef idx="2">
+            <a:schemeClr val="accent1"/>
+          </a:lnRef>
+          <a:fillRef idx="0">
+            <a:schemeClr val="accent1"/>
+          </a:fillRef>
+          <a:effectRef idx="1">
+            <a:schemeClr val="accent1"/>
+          </a:effectRef>
+          <a:fontRef idx="minor">
+            <a:schemeClr val="tx1"/>
+          </a:fontRef>
+        </p:style>
+      </p:cxnSp>
+      <p:cxnSp>
+        <p:nvCxnSpPr>
+          <p:cNvPr id="40" name="Straight Arrow Connector 39">
+            <a:extLst>
+              <a:ext uri="{FF2B5EF4-FFF2-40B4-BE49-F238E27FC236}">
+                <a16:creationId xmlns:a16="http://schemas.microsoft.com/office/drawing/2014/main" id="{4369600B-BABA-FE32-1D1E-1B7FD4A12A14}"/>
+              </a:ext>
+            </a:extLst>
+          </p:cNvPr>
+          <p:cNvCxnSpPr>
+            <a:endCxn id="14" idx="1"/>
+          </p:cNvCxnSpPr>
+          <p:nvPr/>
+        </p:nvCxnSpPr>
+        <p:spPr>
+          <a:xfrm>
+            <a:off x="8922610" y="3287577"/>
+            <a:ext cx="247249" cy="1"/>
+          </a:xfrm>
+          <a:prstGeom prst="straightConnector1">
+            <a:avLst/>
+          </a:prstGeom>
+          <a:ln>
+            <a:tailEnd type="triangle"/>
+          </a:ln>
+        </p:spPr>
+        <p:style>
+          <a:lnRef idx="2">
+            <a:schemeClr val="accent1"/>
+          </a:lnRef>
+          <a:fillRef idx="0">
+            <a:schemeClr val="accent1"/>
+          </a:fillRef>
+          <a:effectRef idx="1">
+            <a:schemeClr val="accent1"/>
+          </a:effectRef>
+          <a:fontRef idx="minor">
+            <a:schemeClr val="tx1"/>
+          </a:fontRef>
+        </p:style>
+      </p:cxnSp>
+      <p:cxnSp>
+        <p:nvCxnSpPr>
+          <p:cNvPr id="42" name="Straight Arrow Connector 41">
+            <a:extLst>
+              <a:ext uri="{FF2B5EF4-FFF2-40B4-BE49-F238E27FC236}">
+                <a16:creationId xmlns:a16="http://schemas.microsoft.com/office/drawing/2014/main" id="{38DAB157-687B-FA64-ABF1-DECCC302E095}"/>
+              </a:ext>
+            </a:extLst>
+          </p:cNvPr>
+          <p:cNvCxnSpPr>
+            <a:stCxn id="11" idx="3"/>
+          </p:cNvCxnSpPr>
+          <p:nvPr/>
+        </p:nvCxnSpPr>
+        <p:spPr>
+          <a:xfrm flipV="1">
+            <a:off x="10375807" y="1922588"/>
+            <a:ext cx="232558" cy="1"/>
+          </a:xfrm>
+          <a:prstGeom prst="straightConnector1">
+            <a:avLst/>
+          </a:prstGeom>
+          <a:ln>
+            <a:tailEnd type="triangle"/>
+          </a:ln>
+        </p:spPr>
+        <p:style>
+          <a:lnRef idx="2">
+            <a:schemeClr val="accent1"/>
+          </a:lnRef>
+          <a:fillRef idx="0">
+            <a:schemeClr val="accent1"/>
+          </a:fillRef>
+          <a:effectRef idx="1">
+            <a:schemeClr val="accent1"/>
+          </a:effectRef>
+          <a:fontRef idx="minor">
+            <a:schemeClr val="tx1"/>
+          </a:fontRef>
+        </p:style>
+      </p:cxnSp>
+      <p:cxnSp>
+        <p:nvCxnSpPr>
+          <p:cNvPr id="44" name="Straight Arrow Connector 43">
+            <a:extLst>
+              <a:ext uri="{FF2B5EF4-FFF2-40B4-BE49-F238E27FC236}">
+                <a16:creationId xmlns:a16="http://schemas.microsoft.com/office/drawing/2014/main" id="{F596A18D-32F1-55FE-B292-C63A7CDDAAFF}"/>
+              </a:ext>
+            </a:extLst>
+          </p:cNvPr>
+          <p:cNvCxnSpPr>
+            <a:stCxn id="12" idx="3"/>
+          </p:cNvCxnSpPr>
+          <p:nvPr/>
+        </p:nvCxnSpPr>
+        <p:spPr>
+          <a:xfrm flipV="1">
+            <a:off x="10375807" y="2359910"/>
+            <a:ext cx="284336" cy="1"/>
+          </a:xfrm>
+          <a:prstGeom prst="straightConnector1">
+            <a:avLst/>
+          </a:prstGeom>
+          <a:ln>
+            <a:tailEnd type="triangle"/>
+          </a:ln>
+        </p:spPr>
+        <p:style>
+          <a:lnRef idx="2">
+            <a:schemeClr val="accent1"/>
+          </a:lnRef>
+          <a:fillRef idx="0">
+            <a:schemeClr val="accent1"/>
+          </a:fillRef>
+          <a:effectRef idx="1">
+            <a:schemeClr val="accent1"/>
+          </a:effectRef>
+          <a:fontRef idx="minor">
+            <a:schemeClr val="tx1"/>
+          </a:fontRef>
+        </p:style>
+      </p:cxnSp>
+      <p:cxnSp>
+        <p:nvCxnSpPr>
+          <p:cNvPr id="46" name="Straight Arrow Connector 45">
+            <a:extLst>
+              <a:ext uri="{FF2B5EF4-FFF2-40B4-BE49-F238E27FC236}">
+                <a16:creationId xmlns:a16="http://schemas.microsoft.com/office/drawing/2014/main" id="{2C833420-1047-3D23-BE0A-48A352A431B1}"/>
+              </a:ext>
+            </a:extLst>
+          </p:cNvPr>
+          <p:cNvCxnSpPr>
+            <a:stCxn id="13" idx="3"/>
+          </p:cNvCxnSpPr>
+          <p:nvPr/>
+        </p:nvCxnSpPr>
+        <p:spPr>
+          <a:xfrm flipV="1">
+            <a:off x="10375807" y="2797232"/>
+            <a:ext cx="232558" cy="1"/>
+          </a:xfrm>
+          <a:prstGeom prst="straightConnector1">
+            <a:avLst/>
+          </a:prstGeom>
+          <a:ln>
+            <a:tailEnd type="triangle"/>
+          </a:ln>
+        </p:spPr>
+        <p:style>
+          <a:lnRef idx="2">
+            <a:schemeClr val="accent1"/>
+          </a:lnRef>
+          <a:fillRef idx="0">
+            <a:schemeClr val="accent1"/>
+          </a:fillRef>
+          <a:effectRef idx="1">
+            <a:schemeClr val="accent1"/>
+          </a:effectRef>
+          <a:fontRef idx="minor">
+            <a:schemeClr val="tx1"/>
+          </a:fontRef>
+        </p:style>
+      </p:cxnSp>
+      <p:cxnSp>
+        <p:nvCxnSpPr>
+          <p:cNvPr id="48" name="Straight Arrow Connector 47">
+            <a:extLst>
+              <a:ext uri="{FF2B5EF4-FFF2-40B4-BE49-F238E27FC236}">
+                <a16:creationId xmlns:a16="http://schemas.microsoft.com/office/drawing/2014/main" id="{D4BC2AE6-1A92-0F7F-1056-54E42B947BFF}"/>
+              </a:ext>
+            </a:extLst>
+          </p:cNvPr>
+          <p:cNvCxnSpPr>
+            <a:stCxn id="14" idx="3"/>
+          </p:cNvCxnSpPr>
+          <p:nvPr/>
+        </p:nvCxnSpPr>
+        <p:spPr>
+          <a:xfrm flipV="1">
+            <a:off x="10375807" y="3287577"/>
+            <a:ext cx="284336" cy="1"/>
+          </a:xfrm>
+          <a:prstGeom prst="straightConnector1">
+            <a:avLst/>
+          </a:prstGeom>
+          <a:ln>
+            <a:tailEnd type="triangle"/>
+          </a:ln>
+        </p:spPr>
+        <p:style>
+          <a:lnRef idx="2">
+            <a:schemeClr val="accent1"/>
+          </a:lnRef>
+          <a:fillRef idx="0">
+            <a:schemeClr val="accent1"/>
+          </a:fillRef>
+          <a:effectRef idx="1">
+            <a:schemeClr val="accent1"/>
+          </a:effectRef>
+          <a:fontRef idx="minor">
+            <a:schemeClr val="tx1"/>
+          </a:fontRef>
+        </p:style>
+      </p:cxnSp>
+      <p:cxnSp>
+        <p:nvCxnSpPr>
+          <p:cNvPr id="50" name="Straight Arrow Connector 49">
+            <a:extLst>
+              <a:ext uri="{FF2B5EF4-FFF2-40B4-BE49-F238E27FC236}">
+                <a16:creationId xmlns:a16="http://schemas.microsoft.com/office/drawing/2014/main" id="{E3FE8526-AF2E-5DA2-36AF-D77B3DB40004}"/>
+              </a:ext>
+            </a:extLst>
+          </p:cNvPr>
+          <p:cNvCxnSpPr/>
+          <p:nvPr/>
+        </p:nvCxnSpPr>
+        <p:spPr>
+          <a:xfrm flipH="1" flipV="1">
+            <a:off x="5325571" y="3108673"/>
+            <a:ext cx="734702" cy="1046915"/>
+          </a:xfrm>
+          <a:prstGeom prst="straightConnector1">
+            <a:avLst/>
+          </a:prstGeom>
+          <a:ln>
+            <a:solidFill>
+              <a:srgbClr val="C00000"/>
+            </a:solidFill>
+            <a:tailEnd type="triangle"/>
+          </a:ln>
+        </p:spPr>
+        <p:style>
+          <a:lnRef idx="2">
+            <a:schemeClr val="accent1"/>
+          </a:lnRef>
+          <a:fillRef idx="0">
+            <a:schemeClr val="accent1"/>
+          </a:fillRef>
+          <a:effectRef idx="1">
+            <a:schemeClr val="accent1"/>
+          </a:effectRef>
+          <a:fontRef idx="minor">
+            <a:schemeClr val="tx1"/>
+          </a:fontRef>
+        </p:style>
+      </p:cxnSp>
+      <p:cxnSp>
+        <p:nvCxnSpPr>
+          <p:cNvPr id="52" name="Straight Arrow Connector 51">
+            <a:extLst>
+              <a:ext uri="{FF2B5EF4-FFF2-40B4-BE49-F238E27FC236}">
+                <a16:creationId xmlns:a16="http://schemas.microsoft.com/office/drawing/2014/main" id="{14FBF3B3-3CB4-E90E-723D-28BCCFAF5D51}"/>
+              </a:ext>
+            </a:extLst>
+          </p:cNvPr>
+          <p:cNvCxnSpPr/>
+          <p:nvPr/>
+        </p:nvCxnSpPr>
+        <p:spPr>
+          <a:xfrm flipV="1">
+            <a:off x="7268817" y="3632130"/>
+            <a:ext cx="3249158" cy="596344"/>
+          </a:xfrm>
+          <a:prstGeom prst="straightConnector1">
+            <a:avLst/>
+          </a:prstGeom>
+          <a:ln>
+            <a:solidFill>
+              <a:srgbClr val="C00000"/>
+            </a:solidFill>
+            <a:tailEnd type="triangle"/>
+          </a:ln>
+        </p:spPr>
+        <p:style>
+          <a:lnRef idx="2">
+            <a:schemeClr val="accent1"/>
+          </a:lnRef>
+          <a:fillRef idx="0">
+            <a:schemeClr val="accent1"/>
+          </a:fillRef>
+          <a:effectRef idx="1">
+            <a:schemeClr val="accent1"/>
+          </a:effectRef>
+          <a:fontRef idx="minor">
+            <a:schemeClr val="tx1"/>
+          </a:fontRef>
+        </p:style>
+      </p:cxnSp>
+      <p:sp>
+        <p:nvSpPr>
+          <p:cNvPr id="53" name="TextBox 52">
+            <a:extLst>
+              <a:ext uri="{FF2B5EF4-FFF2-40B4-BE49-F238E27FC236}">
+                <a16:creationId xmlns:a16="http://schemas.microsoft.com/office/drawing/2014/main" id="{C19E7C1D-A9AD-16AA-A100-257115DA4B9E}"/>
+              </a:ext>
+            </a:extLst>
+          </p:cNvPr>
+          <p:cNvSpPr txBox="1"/>
+          <p:nvPr/>
+        </p:nvSpPr>
+        <p:spPr>
+          <a:xfrm>
+            <a:off x="437322" y="1196690"/>
+            <a:ext cx="11324554" cy="307777"/>
+          </a:xfrm>
+          <a:prstGeom prst="rect">
+            <a:avLst/>
+          </a:prstGeom>
+          <a:noFill/>
+        </p:spPr>
+        <p:txBody>
+          <a:bodyPr wrap="square" rtlCol="0">
+            <a:spAutoFit/>
+          </a:bodyPr>
+          <a:lstStyle/>
+          <a:p>
+            <a:r>
+              <a:rPr lang="en-US" sz="1400" dirty="0"/>
+              <a:t>Most of the decode takes place in two places. Between micro-op translation and register rename, and in the functional units</a:t>
+            </a:r>
+            <a:endParaRPr lang="en-CA" sz="1400" dirty="0"/>
+          </a:p>
+        </p:txBody>
+      </p:sp>
+    </p:spTree>
+    <p:extLst>
+      <p:ext uri="{BB962C8B-B14F-4D97-AF65-F5344CB8AC3E}">
+        <p14:creationId xmlns:p14="http://schemas.microsoft.com/office/powerpoint/2010/main" val="2700656055"/>
+      </p:ext>
+    </p:extLst>
+  </p:cSld>
+  <p:clrMapOvr>
+    <a:masterClrMapping/>
+  </p:clrMapOvr>
+</p:sld>
+</file>
+
+<file path=ppt/slides/slide13.xml><?xml version="1.0" encoding="utf-8"?>
+<p:sld xmlns:a="http://schemas.openxmlformats.org/drawingml/2006/main" xmlns:r="http://schemas.openxmlformats.org/officeDocument/2006/relationships" xmlns:p="http://schemas.openxmlformats.org/presentationml/2006/main">
+  <p:cSld>
+    <p:spTree>
+      <p:nvGrpSpPr>
+        <p:cNvPr id="1" name="">
+          <a:extLst>
+            <a:ext uri="{FF2B5EF4-FFF2-40B4-BE49-F238E27FC236}">
+              <a16:creationId xmlns:a16="http://schemas.microsoft.com/office/drawing/2014/main" id="{DBFEAC9C-E86A-8F9F-ACE5-071E0AA281C8}"/>
+            </a:ext>
+          </a:extLst>
+        </p:cNvPr>
+        <p:cNvGrpSpPr/>
+        <p:nvPr/>
+      </p:nvGrpSpPr>
+      <p:grpSpPr>
+        <a:xfrm>
+          <a:off x="0" y="0"/>
+          <a:ext cx="0" cy="0"/>
+          <a:chOff x="0" y="0"/>
+          <a:chExt cx="0" cy="0"/>
+        </a:xfrm>
+      </p:grpSpPr>
+      <p:sp>
+        <p:nvSpPr>
+          <p:cNvPr id="2" name="Title 1">
+            <a:extLst>
+              <a:ext uri="{FF2B5EF4-FFF2-40B4-BE49-F238E27FC236}">
+                <a16:creationId xmlns:a16="http://schemas.microsoft.com/office/drawing/2014/main" id="{DE61D225-C030-A88E-9267-DF070E4D0FE1}"/>
+              </a:ext>
+            </a:extLst>
+          </p:cNvPr>
+          <p:cNvSpPr>
+            <a:spLocks noGrp="1"/>
+          </p:cNvSpPr>
+          <p:nvPr>
+            <p:ph type="title"/>
+          </p:nvPr>
+        </p:nvSpPr>
+        <p:spPr>
+          <a:xfrm>
+            <a:off x="0" y="18256"/>
+            <a:ext cx="10515600" cy="670858"/>
+          </a:xfrm>
+        </p:spPr>
+        <p:txBody>
+          <a:bodyPr>
+            <a:normAutofit fontScale="90000"/>
+          </a:bodyPr>
+          <a:lstStyle/>
+          <a:p>
+            <a:r>
+              <a:rPr lang="en-US" dirty="0"/>
+              <a:t>Qupls4: Data Cache</a:t>
+            </a:r>
+            <a:endParaRPr lang="en-CA" dirty="0"/>
+          </a:p>
+        </p:txBody>
+      </p:sp>
+      <p:sp>
+        <p:nvSpPr>
+          <p:cNvPr id="4" name="Rectangle 3">
+            <a:extLst>
+              <a:ext uri="{FF2B5EF4-FFF2-40B4-BE49-F238E27FC236}">
+                <a16:creationId xmlns:a16="http://schemas.microsoft.com/office/drawing/2014/main" id="{DB92907E-BEA9-76BC-AAEF-981BAB8A1957}"/>
+              </a:ext>
+            </a:extLst>
+          </p:cNvPr>
+          <p:cNvSpPr/>
+          <p:nvPr/>
+        </p:nvSpPr>
+        <p:spPr>
+          <a:xfrm>
+            <a:off x="3755139" y="1837367"/>
+            <a:ext cx="1484243" cy="2014330"/>
+          </a:xfrm>
+          <a:prstGeom prst="rect">
+            <a:avLst/>
+          </a:prstGeom>
+        </p:spPr>
+        <p:style>
+          <a:lnRef idx="2">
+            <a:schemeClr val="accent1">
+              <a:shade val="15000"/>
+            </a:schemeClr>
+          </a:lnRef>
+          <a:fillRef idx="1">
+            <a:schemeClr val="accent1"/>
+          </a:fillRef>
+          <a:effectRef idx="0">
+            <a:schemeClr val="accent1"/>
+          </a:effectRef>
+          <a:fontRef idx="minor">
+            <a:schemeClr val="lt1"/>
+          </a:fontRef>
+        </p:style>
+        <p:txBody>
+          <a:bodyPr rtlCol="0" anchor="ctr"/>
+          <a:lstStyle/>
+          <a:p>
+            <a:pPr algn="ctr"/>
+            <a:r>
+              <a:rPr lang="en-US" dirty="0"/>
+              <a:t>Cache RAM 512 x 512b x 4 way</a:t>
+            </a:r>
+            <a:endParaRPr lang="en-CA" dirty="0"/>
+          </a:p>
+        </p:txBody>
+      </p:sp>
+      <p:sp>
+        <p:nvSpPr>
+          <p:cNvPr id="5" name="Rectangle 4">
+            <a:extLst>
+              <a:ext uri="{FF2B5EF4-FFF2-40B4-BE49-F238E27FC236}">
+                <a16:creationId xmlns:a16="http://schemas.microsoft.com/office/drawing/2014/main" id="{C8397E5B-0220-706C-04AF-5389E8DC40C1}"/>
+              </a:ext>
+            </a:extLst>
+          </p:cNvPr>
+          <p:cNvSpPr/>
+          <p:nvPr/>
+        </p:nvSpPr>
+        <p:spPr>
+          <a:xfrm>
+            <a:off x="3755139" y="4030601"/>
+            <a:ext cx="1484243" cy="974035"/>
+          </a:xfrm>
+          <a:prstGeom prst="rect">
+            <a:avLst/>
+          </a:prstGeom>
+        </p:spPr>
+        <p:style>
+          <a:lnRef idx="2">
+            <a:schemeClr val="accent1">
+              <a:shade val="15000"/>
+            </a:schemeClr>
+          </a:lnRef>
+          <a:fillRef idx="1">
+            <a:schemeClr val="accent1"/>
+          </a:fillRef>
+          <a:effectRef idx="0">
+            <a:schemeClr val="accent1"/>
+          </a:effectRef>
+          <a:fontRef idx="minor">
+            <a:schemeClr val="lt1"/>
+          </a:fontRef>
+        </p:style>
+        <p:txBody>
+          <a:bodyPr rtlCol="0" anchor="ctr"/>
+          <a:lstStyle/>
+          <a:p>
+            <a:pPr algn="ctr"/>
+            <a:r>
+              <a:rPr lang="en-US" dirty="0"/>
+              <a:t>Tag RAM</a:t>
+            </a:r>
+          </a:p>
+          <a:p>
+            <a:pPr algn="ctr"/>
+            <a:r>
+              <a:rPr lang="en-US" dirty="0"/>
+              <a:t> 512 x 48b x 4 way</a:t>
+            </a:r>
+            <a:endParaRPr lang="en-CA" dirty="0"/>
+          </a:p>
+        </p:txBody>
+      </p:sp>
+      <p:sp>
+        <p:nvSpPr>
+          <p:cNvPr id="6" name="Rectangle 5">
+            <a:extLst>
+              <a:ext uri="{FF2B5EF4-FFF2-40B4-BE49-F238E27FC236}">
+                <a16:creationId xmlns:a16="http://schemas.microsoft.com/office/drawing/2014/main" id="{BF664806-29AA-37C1-DFB8-FEC6C89CCF2D}"/>
+              </a:ext>
+            </a:extLst>
+          </p:cNvPr>
+          <p:cNvSpPr/>
+          <p:nvPr/>
+        </p:nvSpPr>
+        <p:spPr>
+          <a:xfrm>
+            <a:off x="1893209" y="1845366"/>
+            <a:ext cx="1265583" cy="3167268"/>
+          </a:xfrm>
+          <a:prstGeom prst="rect">
+            <a:avLst/>
+          </a:prstGeom>
+        </p:spPr>
+        <p:style>
+          <a:lnRef idx="2">
+            <a:schemeClr val="accent1">
+              <a:shade val="15000"/>
+            </a:schemeClr>
+          </a:lnRef>
+          <a:fillRef idx="1">
+            <a:schemeClr val="accent1"/>
+          </a:fillRef>
+          <a:effectRef idx="0">
+            <a:schemeClr val="accent1"/>
+          </a:effectRef>
+          <a:fontRef idx="minor">
+            <a:schemeClr val="lt1"/>
+          </a:fontRef>
+        </p:style>
+        <p:txBody>
+          <a:bodyPr rtlCol="0" anchor="ctr"/>
+          <a:lstStyle/>
+          <a:p>
+            <a:pPr algn="ctr"/>
+            <a:r>
+              <a:rPr lang="en-US" dirty="0"/>
+              <a:t>Cache Controller</a:t>
+            </a:r>
+            <a:endParaRPr lang="en-CA" dirty="0"/>
+          </a:p>
+        </p:txBody>
+      </p:sp>
+      <p:sp>
+        <p:nvSpPr>
+          <p:cNvPr id="7" name="Arrow: Right 6">
+            <a:extLst>
+              <a:ext uri="{FF2B5EF4-FFF2-40B4-BE49-F238E27FC236}">
+                <a16:creationId xmlns:a16="http://schemas.microsoft.com/office/drawing/2014/main" id="{29E98186-9016-EFE7-5230-E42597D25EB5}"/>
+              </a:ext>
+            </a:extLst>
+          </p:cNvPr>
+          <p:cNvSpPr/>
+          <p:nvPr/>
+        </p:nvSpPr>
+        <p:spPr>
+          <a:xfrm>
+            <a:off x="3158792" y="2627242"/>
+            <a:ext cx="596347" cy="569843"/>
+          </a:xfrm>
+          <a:prstGeom prst="rightArrow">
+            <a:avLst/>
+          </a:prstGeom>
+        </p:spPr>
+        <p:style>
+          <a:lnRef idx="2">
+            <a:schemeClr val="accent1">
+              <a:shade val="15000"/>
+            </a:schemeClr>
+          </a:lnRef>
+          <a:fillRef idx="1">
+            <a:schemeClr val="accent1"/>
+          </a:fillRef>
+          <a:effectRef idx="0">
+            <a:schemeClr val="accent1"/>
+          </a:effectRef>
+          <a:fontRef idx="minor">
+            <a:schemeClr val="lt1"/>
+          </a:fontRef>
+        </p:style>
+        <p:txBody>
+          <a:bodyPr rtlCol="0" anchor="ctr"/>
+          <a:lstStyle/>
+          <a:p>
+            <a:pPr algn="ctr"/>
+            <a:endParaRPr lang="en-CA"/>
+          </a:p>
+        </p:txBody>
+      </p:sp>
+      <p:sp>
+        <p:nvSpPr>
+          <p:cNvPr id="8" name="Arrow: Up-Down 7">
+            <a:extLst>
+              <a:ext uri="{FF2B5EF4-FFF2-40B4-BE49-F238E27FC236}">
+                <a16:creationId xmlns:a16="http://schemas.microsoft.com/office/drawing/2014/main" id="{F2F6CF7F-578C-D677-CECB-00C91CBB6B8E}"/>
+              </a:ext>
+            </a:extLst>
+          </p:cNvPr>
+          <p:cNvSpPr/>
+          <p:nvPr/>
+        </p:nvSpPr>
+        <p:spPr>
+          <a:xfrm rot="16200000">
+            <a:off x="3261497" y="4219444"/>
+            <a:ext cx="390939" cy="596348"/>
+          </a:xfrm>
+          <a:prstGeom prst="upDownArrow">
+            <a:avLst/>
+          </a:prstGeom>
+        </p:spPr>
+        <p:style>
+          <a:lnRef idx="2">
+            <a:schemeClr val="accent1">
+              <a:shade val="15000"/>
+            </a:schemeClr>
+          </a:lnRef>
+          <a:fillRef idx="1">
+            <a:schemeClr val="accent1"/>
+          </a:fillRef>
+          <a:effectRef idx="0">
+            <a:schemeClr val="accent1"/>
+          </a:effectRef>
+          <a:fontRef idx="minor">
+            <a:schemeClr val="lt1"/>
+          </a:fontRef>
+        </p:style>
+        <p:txBody>
+          <a:bodyPr rtlCol="0" anchor="ctr"/>
+          <a:lstStyle/>
+          <a:p>
+            <a:pPr algn="ctr"/>
+            <a:endParaRPr lang="en-CA"/>
+          </a:p>
+        </p:txBody>
+      </p:sp>
+      <p:sp>
+        <p:nvSpPr>
+          <p:cNvPr id="9" name="Rectangle 8">
+            <a:extLst>
+              <a:ext uri="{FF2B5EF4-FFF2-40B4-BE49-F238E27FC236}">
+                <a16:creationId xmlns:a16="http://schemas.microsoft.com/office/drawing/2014/main" id="{3350B7B3-A68D-E818-7BD2-AC6FD65EE3F8}"/>
+              </a:ext>
+            </a:extLst>
+          </p:cNvPr>
+          <p:cNvSpPr/>
+          <p:nvPr/>
+        </p:nvSpPr>
+        <p:spPr>
+          <a:xfrm>
+            <a:off x="382462" y="1837367"/>
+            <a:ext cx="914400" cy="3167268"/>
+          </a:xfrm>
+          <a:prstGeom prst="rect">
+            <a:avLst/>
+          </a:prstGeom>
+        </p:spPr>
+        <p:style>
+          <a:lnRef idx="2">
+            <a:schemeClr val="accent1">
+              <a:shade val="15000"/>
+            </a:schemeClr>
+          </a:lnRef>
+          <a:fillRef idx="1">
+            <a:schemeClr val="accent1"/>
+          </a:fillRef>
+          <a:effectRef idx="0">
+            <a:schemeClr val="accent1"/>
+          </a:effectRef>
+          <a:fontRef idx="minor">
+            <a:schemeClr val="lt1"/>
+          </a:fontRef>
+        </p:style>
+        <p:txBody>
+          <a:bodyPr rtlCol="0" anchor="ctr"/>
+          <a:lstStyle/>
+          <a:p>
+            <a:pPr algn="ctr"/>
+            <a:r>
+              <a:rPr lang="en-US" dirty="0"/>
+              <a:t>System Bus</a:t>
+            </a:r>
+          </a:p>
+          <a:p>
+            <a:pPr algn="ctr"/>
+            <a:r>
+              <a:rPr lang="en-US" dirty="0"/>
+              <a:t>256b wide</a:t>
+            </a:r>
+            <a:endParaRPr lang="en-CA" dirty="0"/>
+          </a:p>
+        </p:txBody>
+      </p:sp>
+      <p:sp>
+        <p:nvSpPr>
+          <p:cNvPr id="10" name="Arrow: Right 9">
+            <a:extLst>
+              <a:ext uri="{FF2B5EF4-FFF2-40B4-BE49-F238E27FC236}">
+                <a16:creationId xmlns:a16="http://schemas.microsoft.com/office/drawing/2014/main" id="{557A823A-C254-0155-6A70-CAA7466F160D}"/>
+              </a:ext>
+            </a:extLst>
+          </p:cNvPr>
+          <p:cNvSpPr/>
+          <p:nvPr/>
+        </p:nvSpPr>
+        <p:spPr>
+          <a:xfrm>
+            <a:off x="1296862" y="3144078"/>
+            <a:ext cx="596347" cy="569843"/>
+          </a:xfrm>
+          <a:prstGeom prst="rightArrow">
+            <a:avLst/>
+          </a:prstGeom>
+        </p:spPr>
+        <p:style>
+          <a:lnRef idx="2">
+            <a:schemeClr val="accent1">
+              <a:shade val="15000"/>
+            </a:schemeClr>
+          </a:lnRef>
+          <a:fillRef idx="1">
+            <a:schemeClr val="accent1"/>
+          </a:fillRef>
+          <a:effectRef idx="0">
+            <a:schemeClr val="accent1"/>
+          </a:effectRef>
+          <a:fontRef idx="minor">
+            <a:schemeClr val="lt1"/>
+          </a:fontRef>
+        </p:style>
+        <p:txBody>
+          <a:bodyPr rtlCol="0" anchor="ctr"/>
+          <a:lstStyle/>
+          <a:p>
+            <a:pPr algn="ctr"/>
+            <a:endParaRPr lang="en-CA"/>
+          </a:p>
+        </p:txBody>
+      </p:sp>
+      <p:sp>
+        <p:nvSpPr>
+          <p:cNvPr id="11" name="Rectangle 10">
+            <a:extLst>
+              <a:ext uri="{FF2B5EF4-FFF2-40B4-BE49-F238E27FC236}">
+                <a16:creationId xmlns:a16="http://schemas.microsoft.com/office/drawing/2014/main" id="{570916D4-3B5F-50EB-56B8-2FE1550D08A8}"/>
+              </a:ext>
+            </a:extLst>
+          </p:cNvPr>
+          <p:cNvSpPr/>
+          <p:nvPr/>
+        </p:nvSpPr>
+        <p:spPr>
+          <a:xfrm>
+            <a:off x="5835729" y="1845366"/>
+            <a:ext cx="914400" cy="3167268"/>
+          </a:xfrm>
+          <a:prstGeom prst="rect">
+            <a:avLst/>
+          </a:prstGeom>
+        </p:spPr>
+        <p:style>
+          <a:lnRef idx="2">
+            <a:schemeClr val="accent1">
+              <a:shade val="15000"/>
+            </a:schemeClr>
+          </a:lnRef>
+          <a:fillRef idx="1">
+            <a:schemeClr val="accent1"/>
+          </a:fillRef>
+          <a:effectRef idx="0">
+            <a:schemeClr val="accent1"/>
+          </a:effectRef>
+          <a:fontRef idx="minor">
+            <a:schemeClr val="lt1"/>
+          </a:fontRef>
+        </p:style>
+        <p:txBody>
+          <a:bodyPr rtlCol="0" anchor="ctr"/>
+          <a:lstStyle/>
+          <a:p>
+            <a:pPr algn="ctr"/>
+            <a:r>
+              <a:rPr lang="en-US" dirty="0"/>
+              <a:t>Data Aligner</a:t>
+            </a:r>
+            <a:endParaRPr lang="en-CA" dirty="0"/>
+          </a:p>
+        </p:txBody>
+      </p:sp>
+      <p:sp>
+        <p:nvSpPr>
+          <p:cNvPr id="24" name="TextBox 23">
+            <a:extLst>
+              <a:ext uri="{FF2B5EF4-FFF2-40B4-BE49-F238E27FC236}">
+                <a16:creationId xmlns:a16="http://schemas.microsoft.com/office/drawing/2014/main" id="{15677DDD-B737-F274-CC06-D42BA496A9C0}"/>
+              </a:ext>
+            </a:extLst>
+          </p:cNvPr>
+          <p:cNvSpPr txBox="1"/>
+          <p:nvPr/>
+        </p:nvSpPr>
+        <p:spPr>
+          <a:xfrm>
+            <a:off x="272025" y="816113"/>
+            <a:ext cx="11114156" cy="707886"/>
+          </a:xfrm>
+          <a:prstGeom prst="rect">
+            <a:avLst/>
+          </a:prstGeom>
+          <a:noFill/>
+        </p:spPr>
+        <p:txBody>
+          <a:bodyPr wrap="square" rtlCol="0">
+            <a:spAutoFit/>
+          </a:bodyPr>
+          <a:lstStyle/>
+          <a:p>
+            <a:r>
+              <a:rPr lang="en-US" sz="1000" dirty="0"/>
+              <a:t>Two 256b bus cycles are run by the cache controller to full-fill a 512b cache miss request.</a:t>
+            </a:r>
+          </a:p>
+          <a:p>
+            <a:endParaRPr lang="en-US" sz="1000" dirty="0"/>
+          </a:p>
+          <a:p>
+            <a:r>
+              <a:rPr lang="en-US" sz="1000" dirty="0"/>
+              <a:t>The data aligner shifts the data into or from the proper position on the cache line.</a:t>
+            </a:r>
+          </a:p>
+          <a:p>
+            <a:endParaRPr lang="en-US" sz="1000" dirty="0"/>
+          </a:p>
+        </p:txBody>
+      </p:sp>
+      <p:sp>
+        <p:nvSpPr>
+          <p:cNvPr id="3" name="Arrow: Up-Down 2">
+            <a:extLst>
+              <a:ext uri="{FF2B5EF4-FFF2-40B4-BE49-F238E27FC236}">
+                <a16:creationId xmlns:a16="http://schemas.microsoft.com/office/drawing/2014/main" id="{F320515B-C048-B3B0-DDFF-449B7E54EF0D}"/>
+              </a:ext>
+            </a:extLst>
+          </p:cNvPr>
+          <p:cNvSpPr/>
+          <p:nvPr/>
+        </p:nvSpPr>
+        <p:spPr>
+          <a:xfrm rot="16200000">
+            <a:off x="5313659" y="2637928"/>
+            <a:ext cx="484632" cy="596349"/>
+          </a:xfrm>
+          <a:prstGeom prst="upDownArrow">
+            <a:avLst/>
+          </a:prstGeom>
+        </p:spPr>
+        <p:style>
+          <a:lnRef idx="2">
+            <a:schemeClr val="accent1">
+              <a:shade val="15000"/>
+            </a:schemeClr>
+          </a:lnRef>
+          <a:fillRef idx="1">
+            <a:schemeClr val="accent1"/>
+          </a:fillRef>
+          <a:effectRef idx="0">
+            <a:schemeClr val="accent1"/>
+          </a:effectRef>
+          <a:fontRef idx="minor">
+            <a:schemeClr val="lt1"/>
+          </a:fontRef>
+        </p:style>
+        <p:txBody>
+          <a:bodyPr rtlCol="0" anchor="ctr"/>
+          <a:lstStyle/>
+          <a:p>
+            <a:pPr algn="ctr"/>
+            <a:endParaRPr lang="en-CA"/>
+          </a:p>
+        </p:txBody>
+      </p:sp>
+      <p:sp>
+        <p:nvSpPr>
+          <p:cNvPr id="25" name="Arrow: Up-Down 24">
+            <a:extLst>
+              <a:ext uri="{FF2B5EF4-FFF2-40B4-BE49-F238E27FC236}">
+                <a16:creationId xmlns:a16="http://schemas.microsoft.com/office/drawing/2014/main" id="{184A65E6-B0FD-E3EA-4E21-168236F88CA3}"/>
+              </a:ext>
+            </a:extLst>
+          </p:cNvPr>
+          <p:cNvSpPr/>
+          <p:nvPr/>
+        </p:nvSpPr>
+        <p:spPr>
+          <a:xfrm rot="16200000">
+            <a:off x="6995914" y="2725387"/>
+            <a:ext cx="954773" cy="1446343"/>
+          </a:xfrm>
+          <a:prstGeom prst="upDownArrow">
+            <a:avLst/>
+          </a:prstGeom>
+        </p:spPr>
+        <p:style>
+          <a:lnRef idx="2">
+            <a:schemeClr val="accent1">
+              <a:shade val="15000"/>
+            </a:schemeClr>
+          </a:lnRef>
+          <a:fillRef idx="1">
+            <a:schemeClr val="accent1"/>
+          </a:fillRef>
+          <a:effectRef idx="0">
+            <a:schemeClr val="accent1"/>
+          </a:effectRef>
+          <a:fontRef idx="minor">
+            <a:schemeClr val="lt1"/>
+          </a:fontRef>
+        </p:style>
+        <p:txBody>
+          <a:bodyPr rtlCol="0" anchor="ctr"/>
+          <a:lstStyle/>
+          <a:p>
+            <a:pPr algn="ctr"/>
+            <a:endParaRPr lang="en-CA"/>
+          </a:p>
+        </p:txBody>
+      </p:sp>
+      <p:sp>
+        <p:nvSpPr>
+          <p:cNvPr id="26" name="TextBox 25">
+            <a:extLst>
+              <a:ext uri="{FF2B5EF4-FFF2-40B4-BE49-F238E27FC236}">
+                <a16:creationId xmlns:a16="http://schemas.microsoft.com/office/drawing/2014/main" id="{9A0E7198-4FB0-5949-B7AA-D94862E804D7}"/>
+              </a:ext>
+            </a:extLst>
+          </p:cNvPr>
+          <p:cNvSpPr txBox="1"/>
+          <p:nvPr/>
+        </p:nvSpPr>
+        <p:spPr>
+          <a:xfrm>
+            <a:off x="7021458" y="2509120"/>
+            <a:ext cx="1789721" cy="369332"/>
+          </a:xfrm>
+          <a:prstGeom prst="rect">
+            <a:avLst/>
+          </a:prstGeom>
+          <a:noFill/>
+        </p:spPr>
+        <p:txBody>
+          <a:bodyPr wrap="none" rtlCol="0">
+            <a:spAutoFit/>
+          </a:bodyPr>
+          <a:lstStyle/>
+          <a:p>
+            <a:r>
+              <a:rPr lang="en-US" dirty="0"/>
+              <a:t>Up to 512b Data</a:t>
+            </a:r>
+            <a:endParaRPr lang="en-CA" dirty="0"/>
+          </a:p>
+        </p:txBody>
+      </p:sp>
+    </p:spTree>
+    <p:extLst>
+      <p:ext uri="{BB962C8B-B14F-4D97-AF65-F5344CB8AC3E}">
+        <p14:creationId xmlns:p14="http://schemas.microsoft.com/office/powerpoint/2010/main" val="3761679462"/>
+      </p:ext>
+    </p:extLst>
+  </p:cSld>
+  <p:clrMapOvr>
+    <a:masterClrMapping/>
+  </p:clrMapOvr>
+</p:sld>
+</file>
+
+<file path=ppt/slides/slide14.xml><?xml version="1.0" encoding="utf-8"?>
+<p:sld xmlns:a="http://schemas.openxmlformats.org/drawingml/2006/main" xmlns:r="http://schemas.openxmlformats.org/officeDocument/2006/relationships" xmlns:p="http://schemas.openxmlformats.org/presentationml/2006/main">
+  <p:cSld>
+    <p:spTree>
+      <p:nvGrpSpPr>
+        <p:cNvPr id="1" name=""/>
+        <p:cNvGrpSpPr/>
+        <p:nvPr/>
+      </p:nvGrpSpPr>
+      <p:grpSpPr>
+        <a:xfrm>
+          <a:off x="0" y="0"/>
+          <a:ext cx="0" cy="0"/>
+          <a:chOff x="0" y="0"/>
+          <a:chExt cx="0" cy="0"/>
+        </a:xfrm>
+      </p:grpSpPr>
+      <p:sp>
+        <p:nvSpPr>
+          <p:cNvPr id="2" name="Title 1">
+            <a:extLst>
+              <a:ext uri="{FF2B5EF4-FFF2-40B4-BE49-F238E27FC236}">
+                <a16:creationId xmlns:a16="http://schemas.microsoft.com/office/drawing/2014/main" id="{2F4E9D32-C6B7-28EF-74CE-15F8FFD098ED}"/>
+              </a:ext>
+            </a:extLst>
+          </p:cNvPr>
+          <p:cNvSpPr>
+            <a:spLocks noGrp="1"/>
+          </p:cNvSpPr>
+          <p:nvPr>
+            <p:ph type="title"/>
+          </p:nvPr>
+        </p:nvSpPr>
+        <p:spPr>
+          <a:xfrm>
+            <a:off x="0" y="18255"/>
+            <a:ext cx="10515600" cy="1325563"/>
+          </a:xfrm>
+        </p:spPr>
+        <p:txBody>
+          <a:bodyPr/>
+          <a:lstStyle/>
+          <a:p>
+            <a:r>
+              <a:rPr lang="en-US" dirty="0"/>
+              <a:t>Qupls4: Reorder Buffer</a:t>
+            </a:r>
+            <a:endParaRPr lang="en-CA" dirty="0"/>
+          </a:p>
+        </p:txBody>
+      </p:sp>
+      <p:sp>
+        <p:nvSpPr>
+          <p:cNvPr id="4" name="Oval 3">
+            <a:extLst>
+              <a:ext uri="{FF2B5EF4-FFF2-40B4-BE49-F238E27FC236}">
+                <a16:creationId xmlns:a16="http://schemas.microsoft.com/office/drawing/2014/main" id="{6864A1F2-123A-850B-3B21-47F855914C43}"/>
+              </a:ext>
+            </a:extLst>
+          </p:cNvPr>
+          <p:cNvSpPr/>
+          <p:nvPr/>
+        </p:nvSpPr>
+        <p:spPr>
+          <a:xfrm>
+            <a:off x="2252868" y="3466453"/>
+            <a:ext cx="1928191" cy="1914939"/>
+          </a:xfrm>
+          <a:prstGeom prst="ellipse">
+            <a:avLst/>
+          </a:prstGeom>
+        </p:spPr>
+        <p:style>
+          <a:lnRef idx="2">
+            <a:schemeClr val="accent1">
+              <a:shade val="15000"/>
+            </a:schemeClr>
+          </a:lnRef>
+          <a:fillRef idx="1">
+            <a:schemeClr val="accent1"/>
+          </a:fillRef>
+          <a:effectRef idx="0">
+            <a:schemeClr val="accent1"/>
+          </a:effectRef>
+          <a:fontRef idx="minor">
+            <a:schemeClr val="lt1"/>
+          </a:fontRef>
+        </p:style>
+        <p:txBody>
+          <a:bodyPr rtlCol="0" anchor="ctr"/>
+          <a:lstStyle/>
+          <a:p>
+            <a:pPr algn="ctr"/>
+            <a:endParaRPr lang="en-CA"/>
+          </a:p>
+        </p:txBody>
+      </p:sp>
+      <p:sp>
+        <p:nvSpPr>
+          <p:cNvPr id="5" name="Rectangle 4">
+            <a:extLst>
+              <a:ext uri="{FF2B5EF4-FFF2-40B4-BE49-F238E27FC236}">
+                <a16:creationId xmlns:a16="http://schemas.microsoft.com/office/drawing/2014/main" id="{6765A915-9A5A-648D-F360-1AAD721CF2F6}"/>
+              </a:ext>
+            </a:extLst>
+          </p:cNvPr>
+          <p:cNvSpPr/>
+          <p:nvPr/>
+        </p:nvSpPr>
+        <p:spPr>
+          <a:xfrm>
+            <a:off x="2898912" y="5282001"/>
+            <a:ext cx="510208" cy="404191"/>
+          </a:xfrm>
+          <a:prstGeom prst="rect">
+            <a:avLst/>
+          </a:prstGeom>
+        </p:spPr>
+        <p:style>
+          <a:lnRef idx="2">
+            <a:schemeClr val="accent1">
+              <a:shade val="15000"/>
+            </a:schemeClr>
+          </a:lnRef>
+          <a:fillRef idx="1">
+            <a:schemeClr val="accent1"/>
+          </a:fillRef>
+          <a:effectRef idx="0">
+            <a:schemeClr val="accent1"/>
+          </a:effectRef>
+          <a:fontRef idx="minor">
+            <a:schemeClr val="lt1"/>
+          </a:fontRef>
+        </p:style>
+        <p:txBody>
+          <a:bodyPr rtlCol="0" anchor="ctr"/>
+          <a:lstStyle/>
+          <a:p>
+            <a:pPr algn="ctr"/>
+            <a:r>
+              <a:rPr lang="en-US" sz="1000" dirty="0"/>
+              <a:t>ROB Entry</a:t>
+            </a:r>
+            <a:endParaRPr lang="en-CA" sz="1000" dirty="0"/>
+          </a:p>
+        </p:txBody>
+      </p:sp>
+      <p:sp>
+        <p:nvSpPr>
+          <p:cNvPr id="6" name="Rectangle 5">
+            <a:extLst>
+              <a:ext uri="{FF2B5EF4-FFF2-40B4-BE49-F238E27FC236}">
+                <a16:creationId xmlns:a16="http://schemas.microsoft.com/office/drawing/2014/main" id="{C07255AE-BDB9-A748-7F0C-E97A1FBF0CC1}"/>
+              </a:ext>
+            </a:extLst>
+          </p:cNvPr>
+          <p:cNvSpPr/>
+          <p:nvPr/>
+        </p:nvSpPr>
+        <p:spPr>
+          <a:xfrm>
+            <a:off x="3670851" y="3466453"/>
+            <a:ext cx="510208" cy="404191"/>
+          </a:xfrm>
+          <a:prstGeom prst="rect">
+            <a:avLst/>
+          </a:prstGeom>
+        </p:spPr>
+        <p:style>
+          <a:lnRef idx="2">
+            <a:schemeClr val="accent1">
+              <a:shade val="15000"/>
+            </a:schemeClr>
+          </a:lnRef>
+          <a:fillRef idx="1">
+            <a:schemeClr val="accent1"/>
+          </a:fillRef>
+          <a:effectRef idx="0">
+            <a:schemeClr val="accent1"/>
+          </a:effectRef>
+          <a:fontRef idx="minor">
+            <a:schemeClr val="lt1"/>
+          </a:fontRef>
+        </p:style>
+        <p:txBody>
+          <a:bodyPr rtlCol="0" anchor="ctr"/>
+          <a:lstStyle/>
+          <a:p>
+            <a:pPr algn="ctr"/>
+            <a:r>
+              <a:rPr lang="en-US" sz="1000" dirty="0"/>
+              <a:t>ROB Entry</a:t>
+            </a:r>
+            <a:endParaRPr lang="en-CA" sz="1000" dirty="0"/>
+          </a:p>
+        </p:txBody>
+      </p:sp>
+      <p:sp>
+        <p:nvSpPr>
+          <p:cNvPr id="7" name="Rectangle 6">
+            <a:extLst>
+              <a:ext uri="{FF2B5EF4-FFF2-40B4-BE49-F238E27FC236}">
+                <a16:creationId xmlns:a16="http://schemas.microsoft.com/office/drawing/2014/main" id="{0DC0C240-5C0C-52AF-16E3-D08EEB75E984}"/>
+              </a:ext>
+            </a:extLst>
+          </p:cNvPr>
+          <p:cNvSpPr/>
+          <p:nvPr/>
+        </p:nvSpPr>
+        <p:spPr>
+          <a:xfrm>
+            <a:off x="2842588" y="3161653"/>
+            <a:ext cx="510208" cy="404191"/>
+          </a:xfrm>
+          <a:prstGeom prst="rect">
+            <a:avLst/>
+          </a:prstGeom>
+        </p:spPr>
+        <p:style>
+          <a:lnRef idx="2">
+            <a:schemeClr val="accent1">
+              <a:shade val="15000"/>
+            </a:schemeClr>
+          </a:lnRef>
+          <a:fillRef idx="1">
+            <a:schemeClr val="accent1"/>
+          </a:fillRef>
+          <a:effectRef idx="0">
+            <a:schemeClr val="accent1"/>
+          </a:effectRef>
+          <a:fontRef idx="minor">
+            <a:schemeClr val="lt1"/>
+          </a:fontRef>
+        </p:style>
+        <p:txBody>
+          <a:bodyPr rtlCol="0" anchor="ctr"/>
+          <a:lstStyle/>
+          <a:p>
+            <a:pPr algn="ctr"/>
+            <a:r>
+              <a:rPr lang="en-US" sz="1000" dirty="0"/>
+              <a:t>ROB Entry</a:t>
+            </a:r>
+            <a:endParaRPr lang="en-CA" sz="1000" dirty="0"/>
+          </a:p>
+        </p:txBody>
+      </p:sp>
+      <p:sp>
+        <p:nvSpPr>
+          <p:cNvPr id="8" name="Rectangle 7">
+            <a:extLst>
+              <a:ext uri="{FF2B5EF4-FFF2-40B4-BE49-F238E27FC236}">
+                <a16:creationId xmlns:a16="http://schemas.microsoft.com/office/drawing/2014/main" id="{BC9B011A-9BAC-FBE7-225E-1EB1F7CC3BE4}"/>
+              </a:ext>
+            </a:extLst>
+          </p:cNvPr>
+          <p:cNvSpPr/>
+          <p:nvPr/>
+        </p:nvSpPr>
+        <p:spPr>
+          <a:xfrm>
+            <a:off x="2037520" y="3569157"/>
+            <a:ext cx="510208" cy="404191"/>
+          </a:xfrm>
+          <a:prstGeom prst="rect">
+            <a:avLst/>
+          </a:prstGeom>
+        </p:spPr>
+        <p:style>
+          <a:lnRef idx="2">
+            <a:schemeClr val="accent1">
+              <a:shade val="15000"/>
+            </a:schemeClr>
+          </a:lnRef>
+          <a:fillRef idx="1">
+            <a:schemeClr val="accent1"/>
+          </a:fillRef>
+          <a:effectRef idx="0">
+            <a:schemeClr val="accent1"/>
+          </a:effectRef>
+          <a:fontRef idx="minor">
+            <a:schemeClr val="lt1"/>
+          </a:fontRef>
+        </p:style>
+        <p:txBody>
+          <a:bodyPr rtlCol="0" anchor="ctr"/>
+          <a:lstStyle/>
+          <a:p>
+            <a:pPr algn="ctr"/>
+            <a:r>
+              <a:rPr lang="en-US" sz="1000" dirty="0"/>
+              <a:t>ROB Entry</a:t>
+            </a:r>
+            <a:endParaRPr lang="en-CA" sz="1000" dirty="0"/>
+          </a:p>
+        </p:txBody>
+      </p:sp>
+      <p:sp>
+        <p:nvSpPr>
+          <p:cNvPr id="9" name="Rectangle 8">
+            <a:extLst>
+              <a:ext uri="{FF2B5EF4-FFF2-40B4-BE49-F238E27FC236}">
+                <a16:creationId xmlns:a16="http://schemas.microsoft.com/office/drawing/2014/main" id="{7E9615B4-C22D-1B51-18D2-958F358AECED}"/>
+              </a:ext>
+            </a:extLst>
+          </p:cNvPr>
+          <p:cNvSpPr/>
+          <p:nvPr/>
+        </p:nvSpPr>
+        <p:spPr>
+          <a:xfrm>
+            <a:off x="1782416" y="4221826"/>
+            <a:ext cx="510208" cy="404191"/>
+          </a:xfrm>
+          <a:prstGeom prst="rect">
+            <a:avLst/>
+          </a:prstGeom>
+        </p:spPr>
+        <p:style>
+          <a:lnRef idx="2">
+            <a:schemeClr val="accent1">
+              <a:shade val="15000"/>
+            </a:schemeClr>
+          </a:lnRef>
+          <a:fillRef idx="1">
+            <a:schemeClr val="accent1"/>
+          </a:fillRef>
+          <a:effectRef idx="0">
+            <a:schemeClr val="accent1"/>
+          </a:effectRef>
+          <a:fontRef idx="minor">
+            <a:schemeClr val="lt1"/>
+          </a:fontRef>
+        </p:style>
+        <p:txBody>
+          <a:bodyPr rtlCol="0" anchor="ctr"/>
+          <a:lstStyle/>
+          <a:p>
+            <a:pPr algn="ctr"/>
+            <a:r>
+              <a:rPr lang="en-US" sz="1000" dirty="0"/>
+              <a:t>ROB Entry</a:t>
+            </a:r>
+            <a:endParaRPr lang="en-CA" sz="1000" dirty="0"/>
+          </a:p>
+        </p:txBody>
+      </p:sp>
+      <p:sp>
+        <p:nvSpPr>
+          <p:cNvPr id="10" name="Rectangle 9">
+            <a:extLst>
+              <a:ext uri="{FF2B5EF4-FFF2-40B4-BE49-F238E27FC236}">
+                <a16:creationId xmlns:a16="http://schemas.microsoft.com/office/drawing/2014/main" id="{CA7F77DC-970B-D4D0-63B8-995288D337E6}"/>
+              </a:ext>
+            </a:extLst>
+          </p:cNvPr>
+          <p:cNvSpPr/>
+          <p:nvPr/>
+        </p:nvSpPr>
+        <p:spPr>
+          <a:xfrm>
+            <a:off x="1997764" y="4899345"/>
+            <a:ext cx="510208" cy="404191"/>
+          </a:xfrm>
+          <a:prstGeom prst="rect">
+            <a:avLst/>
+          </a:prstGeom>
+        </p:spPr>
+        <p:style>
+          <a:lnRef idx="2">
+            <a:schemeClr val="accent1">
+              <a:shade val="15000"/>
+            </a:schemeClr>
+          </a:lnRef>
+          <a:fillRef idx="1">
+            <a:schemeClr val="accent1"/>
+          </a:fillRef>
+          <a:effectRef idx="0">
+            <a:schemeClr val="accent1"/>
+          </a:effectRef>
+          <a:fontRef idx="minor">
+            <a:schemeClr val="lt1"/>
+          </a:fontRef>
+        </p:style>
+        <p:txBody>
+          <a:bodyPr rtlCol="0" anchor="ctr"/>
+          <a:lstStyle/>
+          <a:p>
+            <a:pPr algn="ctr"/>
+            <a:r>
+              <a:rPr lang="en-US" sz="1000" dirty="0"/>
+              <a:t>ROB Entry</a:t>
+            </a:r>
+            <a:endParaRPr lang="en-CA" sz="1000" dirty="0"/>
+          </a:p>
+        </p:txBody>
+      </p:sp>
+      <p:sp>
+        <p:nvSpPr>
+          <p:cNvPr id="11" name="Rectangle 10">
+            <a:extLst>
+              <a:ext uri="{FF2B5EF4-FFF2-40B4-BE49-F238E27FC236}">
+                <a16:creationId xmlns:a16="http://schemas.microsoft.com/office/drawing/2014/main" id="{9D740036-9D2E-E467-DCF1-251ECC6234C0}"/>
+              </a:ext>
+            </a:extLst>
+          </p:cNvPr>
+          <p:cNvSpPr/>
+          <p:nvPr/>
+        </p:nvSpPr>
+        <p:spPr>
+          <a:xfrm>
+            <a:off x="4104860" y="4221826"/>
+            <a:ext cx="510208" cy="404191"/>
+          </a:xfrm>
+          <a:prstGeom prst="rect">
+            <a:avLst/>
+          </a:prstGeom>
+        </p:spPr>
+        <p:style>
+          <a:lnRef idx="2">
+            <a:schemeClr val="accent1">
+              <a:shade val="15000"/>
+            </a:schemeClr>
+          </a:lnRef>
+          <a:fillRef idx="1">
+            <a:schemeClr val="accent1"/>
+          </a:fillRef>
+          <a:effectRef idx="0">
+            <a:schemeClr val="accent1"/>
+          </a:effectRef>
+          <a:fontRef idx="minor">
+            <a:schemeClr val="lt1"/>
+          </a:fontRef>
+        </p:style>
+        <p:txBody>
+          <a:bodyPr rtlCol="0" anchor="ctr"/>
+          <a:lstStyle/>
+          <a:p>
+            <a:pPr algn="ctr"/>
+            <a:r>
+              <a:rPr lang="en-US" sz="1000" dirty="0"/>
+              <a:t>ROB Entry</a:t>
+            </a:r>
+            <a:endParaRPr lang="en-CA" sz="1000" dirty="0"/>
+          </a:p>
+        </p:txBody>
+      </p:sp>
+      <p:sp>
+        <p:nvSpPr>
+          <p:cNvPr id="12" name="Rectangle 11">
+            <a:extLst>
+              <a:ext uri="{FF2B5EF4-FFF2-40B4-BE49-F238E27FC236}">
+                <a16:creationId xmlns:a16="http://schemas.microsoft.com/office/drawing/2014/main" id="{E5BCD9F3-A52B-993E-6537-E8F022C67E8D}"/>
+              </a:ext>
+            </a:extLst>
+          </p:cNvPr>
+          <p:cNvSpPr/>
+          <p:nvPr/>
+        </p:nvSpPr>
+        <p:spPr>
+          <a:xfrm>
+            <a:off x="3899450" y="4930817"/>
+            <a:ext cx="510208" cy="404191"/>
+          </a:xfrm>
+          <a:prstGeom prst="rect">
+            <a:avLst/>
+          </a:prstGeom>
+        </p:spPr>
+        <p:style>
+          <a:lnRef idx="2">
+            <a:schemeClr val="accent1">
+              <a:shade val="15000"/>
+            </a:schemeClr>
+          </a:lnRef>
+          <a:fillRef idx="1">
+            <a:schemeClr val="accent1"/>
+          </a:fillRef>
+          <a:effectRef idx="0">
+            <a:schemeClr val="accent1"/>
+          </a:effectRef>
+          <a:fontRef idx="minor">
+            <a:schemeClr val="lt1"/>
+          </a:fontRef>
+        </p:style>
+        <p:txBody>
+          <a:bodyPr rtlCol="0" anchor="ctr"/>
+          <a:lstStyle/>
+          <a:p>
+            <a:pPr algn="ctr"/>
+            <a:r>
+              <a:rPr lang="en-US" sz="1000" dirty="0"/>
+              <a:t>ROB Entry</a:t>
+            </a:r>
+            <a:endParaRPr lang="en-CA" sz="1000" dirty="0"/>
+          </a:p>
+        </p:txBody>
+      </p:sp>
+      <p:sp>
+        <p:nvSpPr>
+          <p:cNvPr id="14" name="TextBox 13">
+            <a:extLst>
+              <a:ext uri="{FF2B5EF4-FFF2-40B4-BE49-F238E27FC236}">
+                <a16:creationId xmlns:a16="http://schemas.microsoft.com/office/drawing/2014/main" id="{F6BA38B3-80F3-800E-D567-273A93B623F0}"/>
+              </a:ext>
+            </a:extLst>
+          </p:cNvPr>
+          <p:cNvSpPr txBox="1"/>
+          <p:nvPr/>
+        </p:nvSpPr>
+        <p:spPr>
+          <a:xfrm>
+            <a:off x="374983" y="1247621"/>
+            <a:ext cx="7715125" cy="1600438"/>
+          </a:xfrm>
+          <a:prstGeom prst="rect">
+            <a:avLst/>
+          </a:prstGeom>
+          <a:noFill/>
+        </p:spPr>
+        <p:txBody>
+          <a:bodyPr wrap="none" rtlCol="0">
+            <a:spAutoFit/>
+          </a:bodyPr>
+          <a:lstStyle/>
+          <a:p>
+            <a:r>
+              <a:rPr lang="en-US" sz="1400" dirty="0"/>
+              <a:t>The reorder buffer is a circular queue with at least 16 entries (not all entries shown below).</a:t>
+            </a:r>
+          </a:p>
+          <a:p>
+            <a:endParaRPr lang="en-US" sz="1400" dirty="0"/>
+          </a:p>
+          <a:p>
+            <a:r>
+              <a:rPr lang="en-US" sz="1400" dirty="0"/>
+              <a:t>Each ROB entry contains information needed to manage the progress of the instruction (micro-op).</a:t>
+            </a:r>
+          </a:p>
+          <a:p>
+            <a:endParaRPr lang="en-US" sz="1400" dirty="0"/>
+          </a:p>
+          <a:p>
+            <a:r>
+              <a:rPr lang="en-US" sz="1400" dirty="0"/>
+              <a:t>Instructions are added at the tail location and committed from the head location.</a:t>
+            </a:r>
+          </a:p>
+          <a:p>
+            <a:endParaRPr lang="en-US" sz="1400" dirty="0"/>
+          </a:p>
+          <a:p>
+            <a:r>
+              <a:rPr lang="en-US" sz="1400" dirty="0"/>
+              <a:t>The head and tail rotate with the tail always behind the head.</a:t>
+            </a:r>
+            <a:endParaRPr lang="en-CA" sz="1400" dirty="0"/>
+          </a:p>
+        </p:txBody>
+      </p:sp>
+    </p:spTree>
+    <p:extLst>
+      <p:ext uri="{BB962C8B-B14F-4D97-AF65-F5344CB8AC3E}">
+        <p14:creationId xmlns:p14="http://schemas.microsoft.com/office/powerpoint/2010/main" val="3910026719"/>
       </p:ext>
     </p:extLst>
   </p:cSld>

--- a/rtl/cpu_v4/doc/Qupls4.pptx
+++ b/rtl/cpu_v4/doc/Qupls4.pptx
@@ -16,9 +16,11 @@
     <p:sldId id="263" r:id="rId10"/>
     <p:sldId id="265" r:id="rId11"/>
     <p:sldId id="266" r:id="rId12"/>
-    <p:sldId id="267" r:id="rId13"/>
-    <p:sldId id="268" r:id="rId14"/>
-    <p:sldId id="269" r:id="rId15"/>
+    <p:sldId id="270" r:id="rId13"/>
+    <p:sldId id="271" r:id="rId14"/>
+    <p:sldId id="267" r:id="rId15"/>
+    <p:sldId id="268" r:id="rId16"/>
+    <p:sldId id="269" r:id="rId17"/>
   </p:sldIdLst>
   <p:sldSz cx="12192000" cy="6858000"/>
   <p:notesSz cx="6858000" cy="9144000"/>
@@ -128,7 +130,7 @@
 <file path=ppt/revisionInfo.xml><?xml version="1.0" encoding="utf-8"?>
 <p1510:revInfo xmlns:a="http://schemas.openxmlformats.org/drawingml/2006/main" xmlns:r="http://schemas.openxmlformats.org/officeDocument/2006/relationships" xmlns:p1510="http://schemas.microsoft.com/office/powerpoint/2015/10/main">
   <p1510:revLst>
-    <p1510:client id="{530FFA59-183F-4364-BD66-BC6B6EDC579B}" v="22" dt="2025-12-04T09:19:01.744"/>
+    <p1510:client id="{530FFA59-183F-4364-BD66-BC6B6EDC579B}" v="24" dt="2025-12-05T03:15:40.272"/>
   </p1510:revLst>
 </p1510:revInfo>
 </file>
@@ -138,7 +140,7 @@
   <pc:docChgLst>
     <pc:chgData name="Robert Finch" userId="360118edfabb5ba6" providerId="LiveId" clId="{940D50E2-FEDC-434C-83CF-A13052851249}"/>
     <pc:docChg chg="undo custSel addSld modSld">
-      <pc:chgData name="Robert Finch" userId="360118edfabb5ba6" providerId="LiveId" clId="{940D50E2-FEDC-434C-83CF-A13052851249}" dt="2025-12-04T09:21:16.062" v="1078" actId="20577"/>
+      <pc:chgData name="Robert Finch" userId="360118edfabb5ba6" providerId="LiveId" clId="{940D50E2-FEDC-434C-83CF-A13052851249}" dt="2025-12-05T03:22:47.436" v="1447" actId="20577"/>
       <pc:docMkLst>
         <pc:docMk/>
       </pc:docMkLst>
@@ -691,6 +693,124 @@
           </ac:spMkLst>
         </pc:spChg>
       </pc:sldChg>
+      <pc:sldChg chg="new">
+        <pc:chgData name="Robert Finch" userId="360118edfabb5ba6" providerId="LiveId" clId="{940D50E2-FEDC-434C-83CF-A13052851249}" dt="2025-12-05T03:14:05.154" v="1079" actId="680"/>
+        <pc:sldMkLst>
+          <pc:docMk/>
+          <pc:sldMk cId="1398562534" sldId="270"/>
+        </pc:sldMkLst>
+      </pc:sldChg>
+      <pc:sldChg chg="addSp delSp modSp add mod">
+        <pc:chgData name="Robert Finch" userId="360118edfabb5ba6" providerId="LiveId" clId="{940D50E2-FEDC-434C-83CF-A13052851249}" dt="2025-12-05T03:22:47.436" v="1447" actId="20577"/>
+        <pc:sldMkLst>
+          <pc:docMk/>
+          <pc:sldMk cId="2956419810" sldId="271"/>
+        </pc:sldMkLst>
+        <pc:spChg chg="mod">
+          <ac:chgData name="Robert Finch" userId="360118edfabb5ba6" providerId="LiveId" clId="{940D50E2-FEDC-434C-83CF-A13052851249}" dt="2025-12-05T03:20:37.557" v="1346" actId="20577"/>
+          <ac:spMkLst>
+            <pc:docMk/>
+            <pc:sldMk cId="2956419810" sldId="271"/>
+            <ac:spMk id="2" creationId="{1FEBCF89-08A8-3AAE-CB01-238E1336727C}"/>
+          </ac:spMkLst>
+        </pc:spChg>
+        <pc:spChg chg="add mod">
+          <ac:chgData name="Robert Finch" userId="360118edfabb5ba6" providerId="LiveId" clId="{940D50E2-FEDC-434C-83CF-A13052851249}" dt="2025-12-05T03:18:02.256" v="1137" actId="207"/>
+          <ac:spMkLst>
+            <pc:docMk/>
+            <pc:sldMk cId="2956419810" sldId="271"/>
+            <ac:spMk id="3" creationId="{84FA4C26-312E-A201-8C2F-3C065E9CD738}"/>
+          </ac:spMkLst>
+        </pc:spChg>
+        <pc:spChg chg="mod">
+          <ac:chgData name="Robert Finch" userId="360118edfabb5ba6" providerId="LiveId" clId="{940D50E2-FEDC-434C-83CF-A13052851249}" dt="2025-12-05T03:20:33.212" v="1345" actId="20577"/>
+          <ac:spMkLst>
+            <pc:docMk/>
+            <pc:sldMk cId="2956419810" sldId="271"/>
+            <ac:spMk id="9" creationId="{41128E77-C497-51E6-43FD-482AE981538B}"/>
+          </ac:spMkLst>
+        </pc:spChg>
+        <pc:spChg chg="mod">
+          <ac:chgData name="Robert Finch" userId="360118edfabb5ba6" providerId="LiveId" clId="{940D50E2-FEDC-434C-83CF-A13052851249}" dt="2025-12-05T03:15:36.807" v="1118" actId="14100"/>
+          <ac:spMkLst>
+            <pc:docMk/>
+            <pc:sldMk cId="2956419810" sldId="271"/>
+            <ac:spMk id="14" creationId="{180F3F3E-BA19-CDC7-DE54-3FA6B3210029}"/>
+          </ac:spMkLst>
+        </pc:spChg>
+        <pc:spChg chg="del">
+          <ac:chgData name="Robert Finch" userId="360118edfabb5ba6" providerId="LiveId" clId="{940D50E2-FEDC-434C-83CF-A13052851249}" dt="2025-12-05T03:15:10.603" v="1116" actId="478"/>
+          <ac:spMkLst>
+            <pc:docMk/>
+            <pc:sldMk cId="2956419810" sldId="271"/>
+            <ac:spMk id="15" creationId="{044B8779-1D06-ED99-BAA5-4FB7F49A83EF}"/>
+          </ac:spMkLst>
+        </pc:spChg>
+        <pc:spChg chg="del">
+          <ac:chgData name="Robert Finch" userId="360118edfabb5ba6" providerId="LiveId" clId="{940D50E2-FEDC-434C-83CF-A13052851249}" dt="2025-12-05T03:15:00.460" v="1115" actId="478"/>
+          <ac:spMkLst>
+            <pc:docMk/>
+            <pc:sldMk cId="2956419810" sldId="271"/>
+            <ac:spMk id="16" creationId="{67F911F5-ABC6-1FB6-4638-1E7D990961D3}"/>
+          </ac:spMkLst>
+        </pc:spChg>
+        <pc:spChg chg="mod">
+          <ac:chgData name="Robert Finch" userId="360118edfabb5ba6" providerId="LiveId" clId="{940D50E2-FEDC-434C-83CF-A13052851249}" dt="2025-12-05T03:22:47.436" v="1447" actId="20577"/>
+          <ac:spMkLst>
+            <pc:docMk/>
+            <pc:sldMk cId="2956419810" sldId="271"/>
+            <ac:spMk id="17" creationId="{DB14755E-9888-33A1-438C-CE7B3D06E39F}"/>
+          </ac:spMkLst>
+        </pc:spChg>
+        <pc:spChg chg="mod">
+          <ac:chgData name="Robert Finch" userId="360118edfabb5ba6" providerId="LiveId" clId="{940D50E2-FEDC-434C-83CF-A13052851249}" dt="2025-12-05T03:16:41.552" v="1131" actId="1076"/>
+          <ac:spMkLst>
+            <pc:docMk/>
+            <pc:sldMk cId="2956419810" sldId="271"/>
+            <ac:spMk id="18" creationId="{34CE2569-DE6F-04FD-EF3D-99E093147B27}"/>
+          </ac:spMkLst>
+        </pc:spChg>
+        <pc:spChg chg="add mod">
+          <ac:chgData name="Robert Finch" userId="360118edfabb5ba6" providerId="LiveId" clId="{940D50E2-FEDC-434C-83CF-A13052851249}" dt="2025-12-05T03:18:21.974" v="1140" actId="207"/>
+          <ac:spMkLst>
+            <pc:docMk/>
+            <pc:sldMk cId="2956419810" sldId="271"/>
+            <ac:spMk id="19" creationId="{99C908E3-2CAE-3474-6937-AD1F82130F21}"/>
+          </ac:spMkLst>
+        </pc:spChg>
+        <pc:cxnChg chg="add mod">
+          <ac:chgData name="Robert Finch" userId="360118edfabb5ba6" providerId="LiveId" clId="{940D50E2-FEDC-434C-83CF-A13052851249}" dt="2025-12-05T03:18:31.362" v="1141" actId="692"/>
+          <ac:cxnSpMkLst>
+            <pc:docMk/>
+            <pc:sldMk cId="2956419810" sldId="271"/>
+            <ac:cxnSpMk id="21" creationId="{2AAF7A7E-EEE1-F99C-877D-DEC08D420249}"/>
+          </ac:cxnSpMkLst>
+        </pc:cxnChg>
+        <pc:cxnChg chg="add mod">
+          <ac:chgData name="Robert Finch" userId="360118edfabb5ba6" providerId="LiveId" clId="{940D50E2-FEDC-434C-83CF-A13052851249}" dt="2025-12-05T03:18:37.192" v="1142" actId="692"/>
+          <ac:cxnSpMkLst>
+            <pc:docMk/>
+            <pc:sldMk cId="2956419810" sldId="271"/>
+            <ac:cxnSpMk id="23" creationId="{6916D473-CC0D-9264-2EE2-E01C4972221E}"/>
+          </ac:cxnSpMkLst>
+        </pc:cxnChg>
+        <pc:cxnChg chg="add mod">
+          <ac:chgData name="Robert Finch" userId="360118edfabb5ba6" providerId="LiveId" clId="{940D50E2-FEDC-434C-83CF-A13052851249}" dt="2025-12-05T03:18:43.693" v="1143" actId="692"/>
+          <ac:cxnSpMkLst>
+            <pc:docMk/>
+            <pc:sldMk cId="2956419810" sldId="271"/>
+            <ac:cxnSpMk id="26" creationId="{D71895B9-E428-78D9-A076-2131528E6A9C}"/>
+          </ac:cxnSpMkLst>
+        </pc:cxnChg>
+        <pc:cxnChg chg="add mod">
+          <ac:chgData name="Robert Finch" userId="360118edfabb5ba6" providerId="LiveId" clId="{940D50E2-FEDC-434C-83CF-A13052851249}" dt="2025-12-05T03:18:50.122" v="1144" actId="692"/>
+          <ac:cxnSpMkLst>
+            <pc:docMk/>
+            <pc:sldMk cId="2956419810" sldId="271"/>
+            <ac:cxnSpMk id="28" creationId="{FE7A16D2-A948-2291-580C-D52E69F0244C}"/>
+          </ac:cxnSpMkLst>
+        </pc:cxnChg>
+      </pc:sldChg>
     </pc:docChg>
   </pc:docChgLst>
 </pc:chgInfo>
@@ -845,7 +965,7 @@
           <a:p>
             <a:fld id="{40721942-3650-429E-A73C-F40215CD5967}" type="datetimeFigureOut">
               <a:rPr lang="en-CA" smtClean="0"/>
-              <a:t>2025-12-03</a:t>
+              <a:t>2025-12-04</a:t>
             </a:fld>
             <a:endParaRPr lang="en-CA"/>
           </a:p>
@@ -1045,7 +1165,7 @@
           <a:p>
             <a:fld id="{40721942-3650-429E-A73C-F40215CD5967}" type="datetimeFigureOut">
               <a:rPr lang="en-CA" smtClean="0"/>
-              <a:t>2025-12-03</a:t>
+              <a:t>2025-12-04</a:t>
             </a:fld>
             <a:endParaRPr lang="en-CA"/>
           </a:p>
@@ -1255,7 +1375,7 @@
           <a:p>
             <a:fld id="{40721942-3650-429E-A73C-F40215CD5967}" type="datetimeFigureOut">
               <a:rPr lang="en-CA" smtClean="0"/>
-              <a:t>2025-12-03</a:t>
+              <a:t>2025-12-04</a:t>
             </a:fld>
             <a:endParaRPr lang="en-CA"/>
           </a:p>
@@ -1455,7 +1575,7 @@
           <a:p>
             <a:fld id="{40721942-3650-429E-A73C-F40215CD5967}" type="datetimeFigureOut">
               <a:rPr lang="en-CA" smtClean="0"/>
-              <a:t>2025-12-03</a:t>
+              <a:t>2025-12-04</a:t>
             </a:fld>
             <a:endParaRPr lang="en-CA"/>
           </a:p>
@@ -1731,7 +1851,7 @@
           <a:p>
             <a:fld id="{40721942-3650-429E-A73C-F40215CD5967}" type="datetimeFigureOut">
               <a:rPr lang="en-CA" smtClean="0"/>
-              <a:t>2025-12-03</a:t>
+              <a:t>2025-12-04</a:t>
             </a:fld>
             <a:endParaRPr lang="en-CA"/>
           </a:p>
@@ -1999,7 +2119,7 @@
           <a:p>
             <a:fld id="{40721942-3650-429E-A73C-F40215CD5967}" type="datetimeFigureOut">
               <a:rPr lang="en-CA" smtClean="0"/>
-              <a:t>2025-12-03</a:t>
+              <a:t>2025-12-04</a:t>
             </a:fld>
             <a:endParaRPr lang="en-CA"/>
           </a:p>
@@ -2414,7 +2534,7 @@
           <a:p>
             <a:fld id="{40721942-3650-429E-A73C-F40215CD5967}" type="datetimeFigureOut">
               <a:rPr lang="en-CA" smtClean="0"/>
-              <a:t>2025-12-03</a:t>
+              <a:t>2025-12-04</a:t>
             </a:fld>
             <a:endParaRPr lang="en-CA"/>
           </a:p>
@@ -2556,7 +2676,7 @@
           <a:p>
             <a:fld id="{40721942-3650-429E-A73C-F40215CD5967}" type="datetimeFigureOut">
               <a:rPr lang="en-CA" smtClean="0"/>
-              <a:t>2025-12-03</a:t>
+              <a:t>2025-12-04</a:t>
             </a:fld>
             <a:endParaRPr lang="en-CA"/>
           </a:p>
@@ -2669,7 +2789,7 @@
           <a:p>
             <a:fld id="{40721942-3650-429E-A73C-F40215CD5967}" type="datetimeFigureOut">
               <a:rPr lang="en-CA" smtClean="0"/>
-              <a:t>2025-12-03</a:t>
+              <a:t>2025-12-04</a:t>
             </a:fld>
             <a:endParaRPr lang="en-CA"/>
           </a:p>
@@ -2982,7 +3102,7 @@
           <a:p>
             <a:fld id="{40721942-3650-429E-A73C-F40215CD5967}" type="datetimeFigureOut">
               <a:rPr lang="en-CA" smtClean="0"/>
-              <a:t>2025-12-03</a:t>
+              <a:t>2025-12-04</a:t>
             </a:fld>
             <a:endParaRPr lang="en-CA"/>
           </a:p>
@@ -3271,7 +3391,7 @@
           <a:p>
             <a:fld id="{40721942-3650-429E-A73C-F40215CD5967}" type="datetimeFigureOut">
               <a:rPr lang="en-CA" smtClean="0"/>
-              <a:t>2025-12-03</a:t>
+              <a:t>2025-12-04</a:t>
             </a:fld>
             <a:endParaRPr lang="en-CA"/>
           </a:p>
@@ -3514,7 +3634,7 @@
           <a:p>
             <a:fld id="{40721942-3650-429E-A73C-F40215CD5967}" type="datetimeFigureOut">
               <a:rPr lang="en-CA" smtClean="0"/>
-              <a:t>2025-12-03</a:t>
+              <a:t>2025-12-04</a:t>
             </a:fld>
             <a:endParaRPr lang="en-CA"/>
           </a:p>
@@ -7219,6 +7339,1069 @@
           <p:cNvPr id="2" name="Title 1">
             <a:extLst>
               <a:ext uri="{FF2B5EF4-FFF2-40B4-BE49-F238E27FC236}">
+                <a16:creationId xmlns:a16="http://schemas.microsoft.com/office/drawing/2014/main" id="{4E72663C-97E0-D2F0-9068-4C677C89AED1}"/>
+              </a:ext>
+            </a:extLst>
+          </p:cNvPr>
+          <p:cNvSpPr>
+            <a:spLocks noGrp="1"/>
+          </p:cNvSpPr>
+          <p:nvPr>
+            <p:ph type="title"/>
+          </p:nvPr>
+        </p:nvSpPr>
+        <p:spPr/>
+        <p:txBody>
+          <a:bodyPr/>
+          <a:lstStyle/>
+          <a:p>
+            <a:endParaRPr lang="en-CA"/>
+          </a:p>
+        </p:txBody>
+      </p:sp>
+      <p:sp>
+        <p:nvSpPr>
+          <p:cNvPr id="3" name="Content Placeholder 2">
+            <a:extLst>
+              <a:ext uri="{FF2B5EF4-FFF2-40B4-BE49-F238E27FC236}">
+                <a16:creationId xmlns:a16="http://schemas.microsoft.com/office/drawing/2014/main" id="{C7344A2D-5A73-1C3C-AB16-EC0B18E31117}"/>
+              </a:ext>
+            </a:extLst>
+          </p:cNvPr>
+          <p:cNvSpPr>
+            <a:spLocks noGrp="1"/>
+          </p:cNvSpPr>
+          <p:nvPr>
+            <p:ph idx="1"/>
+          </p:nvPr>
+        </p:nvSpPr>
+        <p:spPr/>
+        <p:txBody>
+          <a:bodyPr/>
+          <a:lstStyle/>
+          <a:p>
+            <a:endParaRPr lang="en-CA"/>
+          </a:p>
+        </p:txBody>
+      </p:sp>
+    </p:spTree>
+    <p:extLst>
+      <p:ext uri="{BB962C8B-B14F-4D97-AF65-F5344CB8AC3E}">
+        <p14:creationId xmlns:p14="http://schemas.microsoft.com/office/powerpoint/2010/main" val="1398562534"/>
+      </p:ext>
+    </p:extLst>
+  </p:cSld>
+  <p:clrMapOvr>
+    <a:masterClrMapping/>
+  </p:clrMapOvr>
+</p:sld>
+</file>
+
+<file path=ppt/slides/slide13.xml><?xml version="1.0" encoding="utf-8"?>
+<p:sld xmlns:a="http://schemas.openxmlformats.org/drawingml/2006/main" xmlns:r="http://schemas.openxmlformats.org/officeDocument/2006/relationships" xmlns:p="http://schemas.openxmlformats.org/presentationml/2006/main">
+  <p:cSld>
+    <p:spTree>
+      <p:nvGrpSpPr>
+        <p:cNvPr id="1" name="">
+          <a:extLst>
+            <a:ext uri="{FF2B5EF4-FFF2-40B4-BE49-F238E27FC236}">
+              <a16:creationId xmlns:a16="http://schemas.microsoft.com/office/drawing/2014/main" id="{4A9A4EDD-0353-00BC-1B3D-E81D5ABEFB6C}"/>
+            </a:ext>
+          </a:extLst>
+        </p:cNvPr>
+        <p:cNvGrpSpPr/>
+        <p:nvPr/>
+      </p:nvGrpSpPr>
+      <p:grpSpPr>
+        <a:xfrm>
+          <a:off x="0" y="0"/>
+          <a:ext cx="0" cy="0"/>
+          <a:chOff x="0" y="0"/>
+          <a:chExt cx="0" cy="0"/>
+        </a:xfrm>
+      </p:grpSpPr>
+      <p:sp>
+        <p:nvSpPr>
+          <p:cNvPr id="2" name="Title 1">
+            <a:extLst>
+              <a:ext uri="{FF2B5EF4-FFF2-40B4-BE49-F238E27FC236}">
+                <a16:creationId xmlns:a16="http://schemas.microsoft.com/office/drawing/2014/main" id="{1FEBCF89-08A8-3AAE-CB01-238E1336727C}"/>
+              </a:ext>
+            </a:extLst>
+          </p:cNvPr>
+          <p:cNvSpPr>
+            <a:spLocks noGrp="1"/>
+          </p:cNvSpPr>
+          <p:nvPr>
+            <p:ph type="title"/>
+          </p:nvPr>
+        </p:nvSpPr>
+        <p:spPr>
+          <a:xfrm>
+            <a:off x="0" y="18255"/>
+            <a:ext cx="10515600" cy="1325563"/>
+          </a:xfrm>
+        </p:spPr>
+        <p:txBody>
+          <a:bodyPr/>
+          <a:lstStyle/>
+          <a:p>
+            <a:r>
+              <a:rPr lang="en-US" dirty="0"/>
+              <a:t>Qupls4: QMSI Interrupt Controller Site</a:t>
+            </a:r>
+            <a:endParaRPr lang="en-CA" dirty="0"/>
+          </a:p>
+        </p:txBody>
+      </p:sp>
+      <p:sp>
+        <p:nvSpPr>
+          <p:cNvPr id="4" name="Rectangle 3">
+            <a:extLst>
+              <a:ext uri="{FF2B5EF4-FFF2-40B4-BE49-F238E27FC236}">
+                <a16:creationId xmlns:a16="http://schemas.microsoft.com/office/drawing/2014/main" id="{C570BFEE-C082-4E28-1FEB-95D884CDED3B}"/>
+              </a:ext>
+            </a:extLst>
+          </p:cNvPr>
+          <p:cNvSpPr/>
+          <p:nvPr/>
+        </p:nvSpPr>
+        <p:spPr>
+          <a:xfrm>
+            <a:off x="1066800" y="1729409"/>
+            <a:ext cx="914400" cy="914400"/>
+          </a:xfrm>
+          <a:prstGeom prst="rect">
+            <a:avLst/>
+          </a:prstGeom>
+        </p:spPr>
+        <p:style>
+          <a:lnRef idx="2">
+            <a:schemeClr val="accent1">
+              <a:shade val="15000"/>
+            </a:schemeClr>
+          </a:lnRef>
+          <a:fillRef idx="1">
+            <a:schemeClr val="accent1"/>
+          </a:fillRef>
+          <a:effectRef idx="0">
+            <a:schemeClr val="accent1"/>
+          </a:effectRef>
+          <a:fontRef idx="minor">
+            <a:schemeClr val="lt1"/>
+          </a:fontRef>
+        </p:style>
+        <p:txBody>
+          <a:bodyPr rtlCol="0" anchor="ctr"/>
+          <a:lstStyle/>
+          <a:p>
+            <a:pPr algn="ctr"/>
+            <a:r>
+              <a:rPr lang="en-US" dirty="0"/>
+              <a:t>CPU</a:t>
+            </a:r>
+            <a:endParaRPr lang="en-CA" dirty="0"/>
+          </a:p>
+        </p:txBody>
+      </p:sp>
+      <p:sp>
+        <p:nvSpPr>
+          <p:cNvPr id="5" name="Rectangle 4">
+            <a:extLst>
+              <a:ext uri="{FF2B5EF4-FFF2-40B4-BE49-F238E27FC236}">
+                <a16:creationId xmlns:a16="http://schemas.microsoft.com/office/drawing/2014/main" id="{03D54243-B09A-204C-4774-DEC671769C88}"/>
+              </a:ext>
+            </a:extLst>
+          </p:cNvPr>
+          <p:cNvSpPr/>
+          <p:nvPr/>
+        </p:nvSpPr>
+        <p:spPr>
+          <a:xfrm>
+            <a:off x="2166730" y="1729409"/>
+            <a:ext cx="914400" cy="914400"/>
+          </a:xfrm>
+          <a:prstGeom prst="rect">
+            <a:avLst/>
+          </a:prstGeom>
+        </p:spPr>
+        <p:style>
+          <a:lnRef idx="2">
+            <a:schemeClr val="accent1">
+              <a:shade val="15000"/>
+            </a:schemeClr>
+          </a:lnRef>
+          <a:fillRef idx="1">
+            <a:schemeClr val="accent1"/>
+          </a:fillRef>
+          <a:effectRef idx="0">
+            <a:schemeClr val="accent1"/>
+          </a:effectRef>
+          <a:fontRef idx="minor">
+            <a:schemeClr val="lt1"/>
+          </a:fontRef>
+        </p:style>
+        <p:txBody>
+          <a:bodyPr rtlCol="0" anchor="ctr"/>
+          <a:lstStyle/>
+          <a:p>
+            <a:pPr algn="ctr"/>
+            <a:r>
+              <a:rPr lang="en-US" dirty="0"/>
+              <a:t>CPU</a:t>
+            </a:r>
+            <a:endParaRPr lang="en-CA" dirty="0"/>
+          </a:p>
+        </p:txBody>
+      </p:sp>
+      <p:sp>
+        <p:nvSpPr>
+          <p:cNvPr id="6" name="Rectangle 5">
+            <a:extLst>
+              <a:ext uri="{FF2B5EF4-FFF2-40B4-BE49-F238E27FC236}">
+                <a16:creationId xmlns:a16="http://schemas.microsoft.com/office/drawing/2014/main" id="{53C8BCDF-8023-3D1D-EB70-2FDA859E927D}"/>
+              </a:ext>
+            </a:extLst>
+          </p:cNvPr>
+          <p:cNvSpPr/>
+          <p:nvPr/>
+        </p:nvSpPr>
+        <p:spPr>
+          <a:xfrm>
+            <a:off x="3266660" y="1729409"/>
+            <a:ext cx="914400" cy="914400"/>
+          </a:xfrm>
+          <a:prstGeom prst="rect">
+            <a:avLst/>
+          </a:prstGeom>
+        </p:spPr>
+        <p:style>
+          <a:lnRef idx="2">
+            <a:schemeClr val="accent1">
+              <a:shade val="15000"/>
+            </a:schemeClr>
+          </a:lnRef>
+          <a:fillRef idx="1">
+            <a:schemeClr val="accent1"/>
+          </a:fillRef>
+          <a:effectRef idx="0">
+            <a:schemeClr val="accent1"/>
+          </a:effectRef>
+          <a:fontRef idx="minor">
+            <a:schemeClr val="lt1"/>
+          </a:fontRef>
+        </p:style>
+        <p:txBody>
+          <a:bodyPr rtlCol="0" anchor="ctr"/>
+          <a:lstStyle/>
+          <a:p>
+            <a:pPr algn="ctr"/>
+            <a:r>
+              <a:rPr lang="en-US" dirty="0"/>
+              <a:t>CPU</a:t>
+            </a:r>
+            <a:endParaRPr lang="en-CA" dirty="0"/>
+          </a:p>
+        </p:txBody>
+      </p:sp>
+      <p:sp>
+        <p:nvSpPr>
+          <p:cNvPr id="7" name="Rectangle 6">
+            <a:extLst>
+              <a:ext uri="{FF2B5EF4-FFF2-40B4-BE49-F238E27FC236}">
+                <a16:creationId xmlns:a16="http://schemas.microsoft.com/office/drawing/2014/main" id="{A24F6E1F-C1FA-5E87-BEDA-4DBB4613F887}"/>
+              </a:ext>
+            </a:extLst>
+          </p:cNvPr>
+          <p:cNvSpPr/>
+          <p:nvPr/>
+        </p:nvSpPr>
+        <p:spPr>
+          <a:xfrm>
+            <a:off x="4366590" y="1729409"/>
+            <a:ext cx="914400" cy="914400"/>
+          </a:xfrm>
+          <a:prstGeom prst="rect">
+            <a:avLst/>
+          </a:prstGeom>
+        </p:spPr>
+        <p:style>
+          <a:lnRef idx="2">
+            <a:schemeClr val="accent1">
+              <a:shade val="15000"/>
+            </a:schemeClr>
+          </a:lnRef>
+          <a:fillRef idx="1">
+            <a:schemeClr val="accent1"/>
+          </a:fillRef>
+          <a:effectRef idx="0">
+            <a:schemeClr val="accent1"/>
+          </a:effectRef>
+          <a:fontRef idx="minor">
+            <a:schemeClr val="lt1"/>
+          </a:fontRef>
+        </p:style>
+        <p:txBody>
+          <a:bodyPr rtlCol="0" anchor="ctr"/>
+          <a:lstStyle/>
+          <a:p>
+            <a:pPr algn="ctr"/>
+            <a:r>
+              <a:rPr lang="en-US" dirty="0"/>
+              <a:t>CPU</a:t>
+            </a:r>
+            <a:endParaRPr lang="en-CA" dirty="0"/>
+          </a:p>
+        </p:txBody>
+      </p:sp>
+      <p:sp>
+        <p:nvSpPr>
+          <p:cNvPr id="8" name="Rectangle 7">
+            <a:extLst>
+              <a:ext uri="{FF2B5EF4-FFF2-40B4-BE49-F238E27FC236}">
+                <a16:creationId xmlns:a16="http://schemas.microsoft.com/office/drawing/2014/main" id="{CD8D61D4-3F90-DE02-BD82-57D2B3956177}"/>
+              </a:ext>
+            </a:extLst>
+          </p:cNvPr>
+          <p:cNvSpPr/>
+          <p:nvPr/>
+        </p:nvSpPr>
+        <p:spPr>
+          <a:xfrm>
+            <a:off x="549966" y="3048000"/>
+            <a:ext cx="4976192" cy="172279"/>
+          </a:xfrm>
+          <a:prstGeom prst="rect">
+            <a:avLst/>
+          </a:prstGeom>
+        </p:spPr>
+        <p:style>
+          <a:lnRef idx="2">
+            <a:schemeClr val="accent1">
+              <a:shade val="15000"/>
+            </a:schemeClr>
+          </a:lnRef>
+          <a:fillRef idx="1">
+            <a:schemeClr val="accent1"/>
+          </a:fillRef>
+          <a:effectRef idx="0">
+            <a:schemeClr val="accent1"/>
+          </a:effectRef>
+          <a:fontRef idx="minor">
+            <a:schemeClr val="lt1"/>
+          </a:fontRef>
+        </p:style>
+        <p:txBody>
+          <a:bodyPr rtlCol="0" anchor="ctr"/>
+          <a:lstStyle/>
+          <a:p>
+            <a:pPr algn="ctr"/>
+            <a:r>
+              <a:rPr lang="en-US" dirty="0"/>
+              <a:t>Response Bus</a:t>
+            </a:r>
+            <a:endParaRPr lang="en-CA" dirty="0"/>
+          </a:p>
+        </p:txBody>
+      </p:sp>
+      <p:sp>
+        <p:nvSpPr>
+          <p:cNvPr id="9" name="Rectangle 8">
+            <a:extLst>
+              <a:ext uri="{FF2B5EF4-FFF2-40B4-BE49-F238E27FC236}">
+                <a16:creationId xmlns:a16="http://schemas.microsoft.com/office/drawing/2014/main" id="{41128E77-C497-51E6-43FD-482AE981538B}"/>
+              </a:ext>
+            </a:extLst>
+          </p:cNvPr>
+          <p:cNvSpPr/>
+          <p:nvPr/>
+        </p:nvSpPr>
+        <p:spPr>
+          <a:xfrm>
+            <a:off x="1066799" y="4109036"/>
+            <a:ext cx="1470989" cy="914400"/>
+          </a:xfrm>
+          <a:prstGeom prst="rect">
+            <a:avLst/>
+          </a:prstGeom>
+        </p:spPr>
+        <p:style>
+          <a:lnRef idx="2">
+            <a:schemeClr val="accent1">
+              <a:shade val="15000"/>
+            </a:schemeClr>
+          </a:lnRef>
+          <a:fillRef idx="1">
+            <a:schemeClr val="accent1"/>
+          </a:fillRef>
+          <a:effectRef idx="0">
+            <a:schemeClr val="accent1"/>
+          </a:effectRef>
+          <a:fontRef idx="minor">
+            <a:schemeClr val="lt1"/>
+          </a:fontRef>
+        </p:style>
+        <p:txBody>
+          <a:bodyPr rtlCol="0" anchor="ctr"/>
+          <a:lstStyle/>
+          <a:p>
+            <a:pPr algn="ctr"/>
+            <a:r>
+              <a:rPr lang="en-US" sz="1200" dirty="0"/>
+              <a:t>QMSI IRQ Controller</a:t>
+            </a:r>
+            <a:endParaRPr lang="en-CA" sz="1200" dirty="0"/>
+          </a:p>
+        </p:txBody>
+      </p:sp>
+      <p:sp>
+        <p:nvSpPr>
+          <p:cNvPr id="10" name="Arrow: Down 9">
+            <a:extLst>
+              <a:ext uri="{FF2B5EF4-FFF2-40B4-BE49-F238E27FC236}">
+                <a16:creationId xmlns:a16="http://schemas.microsoft.com/office/drawing/2014/main" id="{ACDDA758-E57A-5AAD-7534-BB91881E8BE9}"/>
+              </a:ext>
+            </a:extLst>
+          </p:cNvPr>
+          <p:cNvSpPr/>
+          <p:nvPr/>
+        </p:nvSpPr>
+        <p:spPr>
+          <a:xfrm rot="10800000">
+            <a:off x="4750904" y="2643809"/>
+            <a:ext cx="159026" cy="404191"/>
+          </a:xfrm>
+          <a:prstGeom prst="downArrow">
+            <a:avLst/>
+          </a:prstGeom>
+        </p:spPr>
+        <p:style>
+          <a:lnRef idx="2">
+            <a:schemeClr val="accent1">
+              <a:shade val="15000"/>
+            </a:schemeClr>
+          </a:lnRef>
+          <a:fillRef idx="1">
+            <a:schemeClr val="accent1"/>
+          </a:fillRef>
+          <a:effectRef idx="0">
+            <a:schemeClr val="accent1"/>
+          </a:effectRef>
+          <a:fontRef idx="minor">
+            <a:schemeClr val="lt1"/>
+          </a:fontRef>
+        </p:style>
+        <p:txBody>
+          <a:bodyPr rtlCol="0" anchor="ctr"/>
+          <a:lstStyle/>
+          <a:p>
+            <a:pPr algn="ctr"/>
+            <a:endParaRPr lang="en-CA"/>
+          </a:p>
+        </p:txBody>
+      </p:sp>
+      <p:sp>
+        <p:nvSpPr>
+          <p:cNvPr id="11" name="Arrow: Down 10">
+            <a:extLst>
+              <a:ext uri="{FF2B5EF4-FFF2-40B4-BE49-F238E27FC236}">
+                <a16:creationId xmlns:a16="http://schemas.microsoft.com/office/drawing/2014/main" id="{E76FEA09-196D-47D2-6EA8-797D3AA9A5D1}"/>
+              </a:ext>
+            </a:extLst>
+          </p:cNvPr>
+          <p:cNvSpPr/>
+          <p:nvPr/>
+        </p:nvSpPr>
+        <p:spPr>
+          <a:xfrm rot="10800000">
+            <a:off x="3644347" y="2643809"/>
+            <a:ext cx="159026" cy="404191"/>
+          </a:xfrm>
+          <a:prstGeom prst="downArrow">
+            <a:avLst/>
+          </a:prstGeom>
+        </p:spPr>
+        <p:style>
+          <a:lnRef idx="2">
+            <a:schemeClr val="accent1">
+              <a:shade val="15000"/>
+            </a:schemeClr>
+          </a:lnRef>
+          <a:fillRef idx="1">
+            <a:schemeClr val="accent1"/>
+          </a:fillRef>
+          <a:effectRef idx="0">
+            <a:schemeClr val="accent1"/>
+          </a:effectRef>
+          <a:fontRef idx="minor">
+            <a:schemeClr val="lt1"/>
+          </a:fontRef>
+        </p:style>
+        <p:txBody>
+          <a:bodyPr rtlCol="0" anchor="ctr"/>
+          <a:lstStyle/>
+          <a:p>
+            <a:pPr algn="ctr"/>
+            <a:endParaRPr lang="en-CA"/>
+          </a:p>
+        </p:txBody>
+      </p:sp>
+      <p:sp>
+        <p:nvSpPr>
+          <p:cNvPr id="12" name="Arrow: Down 11">
+            <a:extLst>
+              <a:ext uri="{FF2B5EF4-FFF2-40B4-BE49-F238E27FC236}">
+                <a16:creationId xmlns:a16="http://schemas.microsoft.com/office/drawing/2014/main" id="{C26710BD-6289-AE29-3E6B-D13C28FE4464}"/>
+              </a:ext>
+            </a:extLst>
+          </p:cNvPr>
+          <p:cNvSpPr/>
+          <p:nvPr/>
+        </p:nvSpPr>
+        <p:spPr>
+          <a:xfrm rot="10800000">
+            <a:off x="2537790" y="2627244"/>
+            <a:ext cx="159026" cy="404191"/>
+          </a:xfrm>
+          <a:prstGeom prst="downArrow">
+            <a:avLst/>
+          </a:prstGeom>
+        </p:spPr>
+        <p:style>
+          <a:lnRef idx="2">
+            <a:schemeClr val="accent1">
+              <a:shade val="15000"/>
+            </a:schemeClr>
+          </a:lnRef>
+          <a:fillRef idx="1">
+            <a:schemeClr val="accent1"/>
+          </a:fillRef>
+          <a:effectRef idx="0">
+            <a:schemeClr val="accent1"/>
+          </a:effectRef>
+          <a:fontRef idx="minor">
+            <a:schemeClr val="lt1"/>
+          </a:fontRef>
+        </p:style>
+        <p:txBody>
+          <a:bodyPr rtlCol="0" anchor="ctr"/>
+          <a:lstStyle/>
+          <a:p>
+            <a:pPr algn="ctr"/>
+            <a:endParaRPr lang="en-CA"/>
+          </a:p>
+        </p:txBody>
+      </p:sp>
+      <p:sp>
+        <p:nvSpPr>
+          <p:cNvPr id="13" name="Arrow: Down 12">
+            <a:extLst>
+              <a:ext uri="{FF2B5EF4-FFF2-40B4-BE49-F238E27FC236}">
+                <a16:creationId xmlns:a16="http://schemas.microsoft.com/office/drawing/2014/main" id="{584A745C-C3A4-E002-AEB1-F4B68B32045D}"/>
+              </a:ext>
+            </a:extLst>
+          </p:cNvPr>
+          <p:cNvSpPr/>
+          <p:nvPr/>
+        </p:nvSpPr>
+        <p:spPr>
+          <a:xfrm rot="10800000">
+            <a:off x="1414669" y="2635527"/>
+            <a:ext cx="159026" cy="404191"/>
+          </a:xfrm>
+          <a:prstGeom prst="downArrow">
+            <a:avLst/>
+          </a:prstGeom>
+        </p:spPr>
+        <p:style>
+          <a:lnRef idx="2">
+            <a:schemeClr val="accent1">
+              <a:shade val="15000"/>
+            </a:schemeClr>
+          </a:lnRef>
+          <a:fillRef idx="1">
+            <a:schemeClr val="accent1"/>
+          </a:fillRef>
+          <a:effectRef idx="0">
+            <a:schemeClr val="accent1"/>
+          </a:effectRef>
+          <a:fontRef idx="minor">
+            <a:schemeClr val="lt1"/>
+          </a:fontRef>
+        </p:style>
+        <p:txBody>
+          <a:bodyPr rtlCol="0" anchor="ctr"/>
+          <a:lstStyle/>
+          <a:p>
+            <a:pPr algn="ctr"/>
+            <a:endParaRPr lang="en-CA"/>
+          </a:p>
+        </p:txBody>
+      </p:sp>
+      <p:sp>
+        <p:nvSpPr>
+          <p:cNvPr id="14" name="Arrow: Down 13">
+            <a:extLst>
+              <a:ext uri="{FF2B5EF4-FFF2-40B4-BE49-F238E27FC236}">
+                <a16:creationId xmlns:a16="http://schemas.microsoft.com/office/drawing/2014/main" id="{180F3F3E-BA19-CDC7-DE54-3FA6B3210029}"/>
+              </a:ext>
+            </a:extLst>
+          </p:cNvPr>
+          <p:cNvSpPr/>
+          <p:nvPr/>
+        </p:nvSpPr>
+        <p:spPr>
+          <a:xfrm>
+            <a:off x="1414669" y="3233530"/>
+            <a:ext cx="159026" cy="875506"/>
+          </a:xfrm>
+          <a:prstGeom prst="downArrow">
+            <a:avLst/>
+          </a:prstGeom>
+        </p:spPr>
+        <p:style>
+          <a:lnRef idx="2">
+            <a:schemeClr val="accent1">
+              <a:shade val="15000"/>
+            </a:schemeClr>
+          </a:lnRef>
+          <a:fillRef idx="1">
+            <a:schemeClr val="accent1"/>
+          </a:fillRef>
+          <a:effectRef idx="0">
+            <a:schemeClr val="accent1"/>
+          </a:effectRef>
+          <a:fontRef idx="minor">
+            <a:schemeClr val="lt1"/>
+          </a:fontRef>
+        </p:style>
+        <p:txBody>
+          <a:bodyPr rtlCol="0" anchor="ctr"/>
+          <a:lstStyle/>
+          <a:p>
+            <a:pPr algn="ctr"/>
+            <a:endParaRPr lang="en-CA"/>
+          </a:p>
+        </p:txBody>
+      </p:sp>
+      <p:sp>
+        <p:nvSpPr>
+          <p:cNvPr id="17" name="TextBox 16">
+            <a:extLst>
+              <a:ext uri="{FF2B5EF4-FFF2-40B4-BE49-F238E27FC236}">
+                <a16:creationId xmlns:a16="http://schemas.microsoft.com/office/drawing/2014/main" id="{DB14755E-9888-33A1-438C-CE7B3D06E39F}"/>
+              </a:ext>
+            </a:extLst>
+          </p:cNvPr>
+          <p:cNvSpPr txBox="1"/>
+          <p:nvPr/>
+        </p:nvSpPr>
+        <p:spPr>
+          <a:xfrm>
+            <a:off x="6162262" y="1703914"/>
+            <a:ext cx="5387008" cy="3416320"/>
+          </a:xfrm>
+          <a:prstGeom prst="rect">
+            <a:avLst/>
+          </a:prstGeom>
+          <a:noFill/>
+        </p:spPr>
+        <p:txBody>
+          <a:bodyPr wrap="square" rtlCol="0">
+            <a:spAutoFit/>
+          </a:bodyPr>
+          <a:lstStyle/>
+          <a:p>
+            <a:r>
+              <a:rPr lang="en-US" dirty="0"/>
+              <a:t>The QMSI Interrupt Controller snoops the CPU response bus from the system to detect interrupts. </a:t>
+            </a:r>
+          </a:p>
+          <a:p>
+            <a:endParaRPr lang="en-US" dirty="0"/>
+          </a:p>
+          <a:p>
+            <a:r>
+              <a:rPr lang="en-US" dirty="0"/>
+              <a:t>Detected interrupts are queued in the controller in up to 63 priority queues.</a:t>
+            </a:r>
+          </a:p>
+          <a:p>
+            <a:endParaRPr lang="en-US" dirty="0"/>
+          </a:p>
+          <a:p>
+            <a:r>
+              <a:rPr lang="en-US" dirty="0"/>
+              <a:t>The output of the priority </a:t>
+            </a:r>
+            <a:r>
+              <a:rPr lang="en-US"/>
+              <a:t>queues are fed </a:t>
+            </a:r>
+            <a:r>
+              <a:rPr lang="en-US" dirty="0"/>
+              <a:t>to the selected cores according to the affinity mask for the interrupt.</a:t>
+            </a:r>
+          </a:p>
+          <a:p>
+            <a:endParaRPr lang="en-US" dirty="0"/>
+          </a:p>
+          <a:p>
+            <a:r>
+              <a:rPr lang="en-US" dirty="0"/>
+              <a:t>Up to 63 CPU cores may be connected to one QMSI IRQ controller.</a:t>
+            </a:r>
+          </a:p>
+        </p:txBody>
+      </p:sp>
+      <p:sp>
+        <p:nvSpPr>
+          <p:cNvPr id="18" name="TextBox 17">
+            <a:extLst>
+              <a:ext uri="{FF2B5EF4-FFF2-40B4-BE49-F238E27FC236}">
+                <a16:creationId xmlns:a16="http://schemas.microsoft.com/office/drawing/2014/main" id="{34CE2569-DE6F-04FD-EF3D-99E093147B27}"/>
+              </a:ext>
+            </a:extLst>
+          </p:cNvPr>
+          <p:cNvSpPr txBox="1"/>
+          <p:nvPr/>
+        </p:nvSpPr>
+        <p:spPr>
+          <a:xfrm>
+            <a:off x="692358" y="3265598"/>
+            <a:ext cx="801823" cy="253916"/>
+          </a:xfrm>
+          <a:prstGeom prst="rect">
+            <a:avLst/>
+          </a:prstGeom>
+          <a:noFill/>
+        </p:spPr>
+        <p:txBody>
+          <a:bodyPr wrap="none" rtlCol="0">
+            <a:spAutoFit/>
+          </a:bodyPr>
+          <a:lstStyle/>
+          <a:p>
+            <a:r>
+              <a:rPr lang="en-US" sz="1000" dirty="0"/>
+              <a:t>Snoop bus</a:t>
+            </a:r>
+            <a:endParaRPr lang="en-CA" sz="1000" dirty="0"/>
+          </a:p>
+        </p:txBody>
+      </p:sp>
+      <p:sp>
+        <p:nvSpPr>
+          <p:cNvPr id="3" name="Rectangle 2">
+            <a:extLst>
+              <a:ext uri="{FF2B5EF4-FFF2-40B4-BE49-F238E27FC236}">
+                <a16:creationId xmlns:a16="http://schemas.microsoft.com/office/drawing/2014/main" id="{84FA4C26-312E-A201-8C2F-3C065E9CD738}"/>
+              </a:ext>
+            </a:extLst>
+          </p:cNvPr>
+          <p:cNvSpPr/>
+          <p:nvPr/>
+        </p:nvSpPr>
+        <p:spPr>
+          <a:xfrm>
+            <a:off x="549966" y="3611215"/>
+            <a:ext cx="4976192" cy="172279"/>
+          </a:xfrm>
+          <a:prstGeom prst="rect">
+            <a:avLst/>
+          </a:prstGeom>
+          <a:solidFill>
+            <a:srgbClr val="C00000"/>
+          </a:solidFill>
+        </p:spPr>
+        <p:style>
+          <a:lnRef idx="2">
+            <a:schemeClr val="accent1">
+              <a:shade val="15000"/>
+            </a:schemeClr>
+          </a:lnRef>
+          <a:fillRef idx="1">
+            <a:schemeClr val="accent1"/>
+          </a:fillRef>
+          <a:effectRef idx="0">
+            <a:schemeClr val="accent1"/>
+          </a:effectRef>
+          <a:fontRef idx="minor">
+            <a:schemeClr val="lt1"/>
+          </a:fontRef>
+        </p:style>
+        <p:txBody>
+          <a:bodyPr rtlCol="0" anchor="ctr"/>
+          <a:lstStyle/>
+          <a:p>
+            <a:pPr algn="ctr"/>
+            <a:r>
+              <a:rPr lang="en-US" dirty="0"/>
+              <a:t>IRQ Bus</a:t>
+            </a:r>
+            <a:endParaRPr lang="en-CA" dirty="0"/>
+          </a:p>
+        </p:txBody>
+      </p:sp>
+      <p:sp>
+        <p:nvSpPr>
+          <p:cNvPr id="19" name="Arrow: Right 18">
+            <a:extLst>
+              <a:ext uri="{FF2B5EF4-FFF2-40B4-BE49-F238E27FC236}">
+                <a16:creationId xmlns:a16="http://schemas.microsoft.com/office/drawing/2014/main" id="{99C908E3-2CAE-3474-6937-AD1F82130F21}"/>
+              </a:ext>
+            </a:extLst>
+          </p:cNvPr>
+          <p:cNvSpPr/>
+          <p:nvPr/>
+        </p:nvSpPr>
+        <p:spPr>
+          <a:xfrm rot="16200000">
+            <a:off x="1980669" y="3883414"/>
+            <a:ext cx="329052" cy="129209"/>
+          </a:xfrm>
+          <a:prstGeom prst="rightArrow">
+            <a:avLst/>
+          </a:prstGeom>
+          <a:solidFill>
+            <a:srgbClr val="C00000"/>
+          </a:solidFill>
+          <a:ln>
+            <a:solidFill>
+              <a:schemeClr val="tx1"/>
+            </a:solidFill>
+          </a:ln>
+        </p:spPr>
+        <p:style>
+          <a:lnRef idx="2">
+            <a:schemeClr val="accent1">
+              <a:shade val="15000"/>
+            </a:schemeClr>
+          </a:lnRef>
+          <a:fillRef idx="1">
+            <a:schemeClr val="accent1"/>
+          </a:fillRef>
+          <a:effectRef idx="0">
+            <a:schemeClr val="accent1"/>
+          </a:effectRef>
+          <a:fontRef idx="minor">
+            <a:schemeClr val="lt1"/>
+          </a:fontRef>
+        </p:style>
+        <p:txBody>
+          <a:bodyPr rtlCol="0" anchor="ctr"/>
+          <a:lstStyle/>
+          <a:p>
+            <a:pPr algn="ctr"/>
+            <a:endParaRPr lang="en-CA"/>
+          </a:p>
+        </p:txBody>
+      </p:sp>
+      <p:cxnSp>
+        <p:nvCxnSpPr>
+          <p:cNvPr id="21" name="Straight Arrow Connector 20">
+            <a:extLst>
+              <a:ext uri="{FF2B5EF4-FFF2-40B4-BE49-F238E27FC236}">
+                <a16:creationId xmlns:a16="http://schemas.microsoft.com/office/drawing/2014/main" id="{2AAF7A7E-EEE1-F99C-877D-DEC08D420249}"/>
+              </a:ext>
+            </a:extLst>
+          </p:cNvPr>
+          <p:cNvCxnSpPr>
+            <a:cxnSpLocks/>
+          </p:cNvCxnSpPr>
+          <p:nvPr/>
+        </p:nvCxnSpPr>
+        <p:spPr>
+          <a:xfrm flipV="1">
+            <a:off x="1729409" y="2643809"/>
+            <a:ext cx="0" cy="967406"/>
+          </a:xfrm>
+          <a:prstGeom prst="straightConnector1">
+            <a:avLst/>
+          </a:prstGeom>
+          <a:ln>
+            <a:solidFill>
+              <a:srgbClr val="C00000"/>
+            </a:solidFill>
+            <a:tailEnd type="triangle"/>
+          </a:ln>
+        </p:spPr>
+        <p:style>
+          <a:lnRef idx="2">
+            <a:schemeClr val="accent1"/>
+          </a:lnRef>
+          <a:fillRef idx="0">
+            <a:schemeClr val="accent1"/>
+          </a:fillRef>
+          <a:effectRef idx="1">
+            <a:schemeClr val="accent1"/>
+          </a:effectRef>
+          <a:fontRef idx="minor">
+            <a:schemeClr val="tx1"/>
+          </a:fontRef>
+        </p:style>
+      </p:cxnSp>
+      <p:cxnSp>
+        <p:nvCxnSpPr>
+          <p:cNvPr id="23" name="Straight Arrow Connector 22">
+            <a:extLst>
+              <a:ext uri="{FF2B5EF4-FFF2-40B4-BE49-F238E27FC236}">
+                <a16:creationId xmlns:a16="http://schemas.microsoft.com/office/drawing/2014/main" id="{6916D473-CC0D-9264-2EE2-E01C4972221E}"/>
+              </a:ext>
+            </a:extLst>
+          </p:cNvPr>
+          <p:cNvCxnSpPr/>
+          <p:nvPr/>
+        </p:nvCxnSpPr>
+        <p:spPr>
+          <a:xfrm flipV="1">
+            <a:off x="2862470" y="2635527"/>
+            <a:ext cx="0" cy="975688"/>
+          </a:xfrm>
+          <a:prstGeom prst="straightConnector1">
+            <a:avLst/>
+          </a:prstGeom>
+          <a:ln>
+            <a:solidFill>
+              <a:srgbClr val="C00000"/>
+            </a:solidFill>
+            <a:tailEnd type="triangle"/>
+          </a:ln>
+        </p:spPr>
+        <p:style>
+          <a:lnRef idx="2">
+            <a:schemeClr val="accent1"/>
+          </a:lnRef>
+          <a:fillRef idx="0">
+            <a:schemeClr val="accent1"/>
+          </a:fillRef>
+          <a:effectRef idx="1">
+            <a:schemeClr val="accent1"/>
+          </a:effectRef>
+          <a:fontRef idx="minor">
+            <a:schemeClr val="tx1"/>
+          </a:fontRef>
+        </p:style>
+      </p:cxnSp>
+      <p:cxnSp>
+        <p:nvCxnSpPr>
+          <p:cNvPr id="26" name="Straight Arrow Connector 25">
+            <a:extLst>
+              <a:ext uri="{FF2B5EF4-FFF2-40B4-BE49-F238E27FC236}">
+                <a16:creationId xmlns:a16="http://schemas.microsoft.com/office/drawing/2014/main" id="{D71895B9-E428-78D9-A076-2131528E6A9C}"/>
+              </a:ext>
+            </a:extLst>
+          </p:cNvPr>
+          <p:cNvCxnSpPr/>
+          <p:nvPr/>
+        </p:nvCxnSpPr>
+        <p:spPr>
+          <a:xfrm flipV="1">
+            <a:off x="3975652" y="2643809"/>
+            <a:ext cx="0" cy="967406"/>
+          </a:xfrm>
+          <a:prstGeom prst="straightConnector1">
+            <a:avLst/>
+          </a:prstGeom>
+          <a:ln>
+            <a:solidFill>
+              <a:srgbClr val="C00000"/>
+            </a:solidFill>
+            <a:tailEnd type="triangle"/>
+          </a:ln>
+        </p:spPr>
+        <p:style>
+          <a:lnRef idx="2">
+            <a:schemeClr val="accent1"/>
+          </a:lnRef>
+          <a:fillRef idx="0">
+            <a:schemeClr val="accent1"/>
+          </a:fillRef>
+          <a:effectRef idx="1">
+            <a:schemeClr val="accent1"/>
+          </a:effectRef>
+          <a:fontRef idx="minor">
+            <a:schemeClr val="tx1"/>
+          </a:fontRef>
+        </p:style>
+      </p:cxnSp>
+      <p:cxnSp>
+        <p:nvCxnSpPr>
+          <p:cNvPr id="28" name="Straight Arrow Connector 27">
+            <a:extLst>
+              <a:ext uri="{FF2B5EF4-FFF2-40B4-BE49-F238E27FC236}">
+                <a16:creationId xmlns:a16="http://schemas.microsoft.com/office/drawing/2014/main" id="{FE7A16D2-A948-2291-580C-D52E69F0244C}"/>
+              </a:ext>
+            </a:extLst>
+          </p:cNvPr>
+          <p:cNvCxnSpPr/>
+          <p:nvPr/>
+        </p:nvCxnSpPr>
+        <p:spPr>
+          <a:xfrm flipV="1">
+            <a:off x="5121965" y="2643809"/>
+            <a:ext cx="0" cy="967406"/>
+          </a:xfrm>
+          <a:prstGeom prst="straightConnector1">
+            <a:avLst/>
+          </a:prstGeom>
+          <a:ln>
+            <a:solidFill>
+              <a:srgbClr val="C00000"/>
+            </a:solidFill>
+            <a:tailEnd type="triangle"/>
+          </a:ln>
+        </p:spPr>
+        <p:style>
+          <a:lnRef idx="2">
+            <a:schemeClr val="accent1"/>
+          </a:lnRef>
+          <a:fillRef idx="0">
+            <a:schemeClr val="accent1"/>
+          </a:fillRef>
+          <a:effectRef idx="1">
+            <a:schemeClr val="accent1"/>
+          </a:effectRef>
+          <a:fontRef idx="minor">
+            <a:schemeClr val="tx1"/>
+          </a:fontRef>
+        </p:style>
+      </p:cxnSp>
+    </p:spTree>
+    <p:extLst>
+      <p:ext uri="{BB962C8B-B14F-4D97-AF65-F5344CB8AC3E}">
+        <p14:creationId xmlns:p14="http://schemas.microsoft.com/office/powerpoint/2010/main" val="2956419810"/>
+      </p:ext>
+    </p:extLst>
+  </p:cSld>
+  <p:clrMapOvr>
+    <a:masterClrMapping/>
+  </p:clrMapOvr>
+</p:sld>
+</file>
+
+<file path=ppt/slides/slide14.xml><?xml version="1.0" encoding="utf-8"?>
+<p:sld xmlns:a="http://schemas.openxmlformats.org/drawingml/2006/main" xmlns:r="http://schemas.openxmlformats.org/officeDocument/2006/relationships" xmlns:p="http://schemas.openxmlformats.org/presentationml/2006/main">
+  <p:cSld>
+    <p:spTree>
+      <p:nvGrpSpPr>
+        <p:cNvPr id="1" name=""/>
+        <p:cNvGrpSpPr/>
+        <p:nvPr/>
+      </p:nvGrpSpPr>
+      <p:grpSpPr>
+        <a:xfrm>
+          <a:off x="0" y="0"/>
+          <a:ext cx="0" cy="0"/>
+          <a:chOff x="0" y="0"/>
+          <a:chExt cx="0" cy="0"/>
+        </a:xfrm>
+      </p:grpSpPr>
+      <p:sp>
+        <p:nvSpPr>
+          <p:cNvPr id="2" name="Title 1">
+            <a:extLst>
+              <a:ext uri="{FF2B5EF4-FFF2-40B4-BE49-F238E27FC236}">
                 <a16:creationId xmlns:a16="http://schemas.microsoft.com/office/drawing/2014/main" id="{3050B25B-2706-8EB3-02AB-0A78B390E4B3}"/>
               </a:ext>
             </a:extLst>
@@ -8752,7 +9935,7 @@
 </p:sld>
 </file>
 
-<file path=ppt/slides/slide13.xml><?xml version="1.0" encoding="utf-8"?>
+<file path=ppt/slides/slide15.xml><?xml version="1.0" encoding="utf-8"?>
 <p:sld xmlns:a="http://schemas.openxmlformats.org/drawingml/2006/main" xmlns:r="http://schemas.openxmlformats.org/officeDocument/2006/relationships" xmlns:p="http://schemas.openxmlformats.org/presentationml/2006/main">
   <p:cSld>
     <p:spTree>
@@ -9401,7 +10584,7 @@
 </p:sld>
 </file>
 
-<file path=ppt/slides/slide14.xml><?xml version="1.0" encoding="utf-8"?>
+<file path=ppt/slides/slide16.xml><?xml version="1.0" encoding="utf-8"?>
 <p:sld xmlns:a="http://schemas.openxmlformats.org/drawingml/2006/main" xmlns:r="http://schemas.openxmlformats.org/officeDocument/2006/relationships" xmlns:p="http://schemas.openxmlformats.org/presentationml/2006/main">
   <p:cSld>
     <p:spTree>

--- a/rtl/cpu_v4/doc/Qupls4.pptx
+++ b/rtl/cpu_v4/doc/Qupls4.pptx
@@ -21,6 +21,7 @@
     <p:sldId id="267" r:id="rId15"/>
     <p:sldId id="268" r:id="rId16"/>
     <p:sldId id="269" r:id="rId17"/>
+    <p:sldId id="272" r:id="rId18"/>
   </p:sldIdLst>
   <p:sldSz cx="12192000" cy="6858000"/>
   <p:notesSz cx="6858000" cy="9144000"/>
@@ -130,7 +131,7 @@
 <file path=ppt/revisionInfo.xml><?xml version="1.0" encoding="utf-8"?>
 <p1510:revInfo xmlns:a="http://schemas.openxmlformats.org/drawingml/2006/main" xmlns:r="http://schemas.openxmlformats.org/officeDocument/2006/relationships" xmlns:p1510="http://schemas.microsoft.com/office/powerpoint/2015/10/main">
   <p1510:revLst>
-    <p1510:client id="{530FFA59-183F-4364-BD66-BC6B6EDC579B}" v="24" dt="2025-12-05T03:15:40.272"/>
+    <p1510:client id="{530FFA59-183F-4364-BD66-BC6B6EDC579B}" v="42" dt="2025-12-11T23:15:33.758"/>
   </p1510:revLst>
 </p1510:revInfo>
 </file>
@@ -140,7 +141,7 @@
   <pc:docChgLst>
     <pc:chgData name="Robert Finch" userId="360118edfabb5ba6" providerId="LiveId" clId="{940D50E2-FEDC-434C-83CF-A13052851249}"/>
     <pc:docChg chg="undo custSel addSld modSld">
-      <pc:chgData name="Robert Finch" userId="360118edfabb5ba6" providerId="LiveId" clId="{940D50E2-FEDC-434C-83CF-A13052851249}" dt="2025-12-05T03:22:47.436" v="1447" actId="20577"/>
+      <pc:chgData name="Robert Finch" userId="360118edfabb5ba6" providerId="LiveId" clId="{940D50E2-FEDC-434C-83CF-A13052851249}" dt="2025-12-11T23:16:19.023" v="2167" actId="14100"/>
       <pc:docMkLst>
         <pc:docMk/>
       </pc:docMkLst>
@@ -276,14 +277,6 @@
             <pc:docMk/>
             <pc:sldMk cId="2700656055" sldId="267"/>
             <ac:spMk id="2" creationId="{3050B25B-2706-8EB3-02AB-0A78B390E4B3}"/>
-          </ac:spMkLst>
-        </pc:spChg>
-        <pc:spChg chg="del">
-          <ac:chgData name="Robert Finch" userId="360118edfabb5ba6" providerId="LiveId" clId="{940D50E2-FEDC-434C-83CF-A13052851249}" dt="2025-12-04T08:49:26.314" v="64" actId="478"/>
-          <ac:spMkLst>
-            <pc:docMk/>
-            <pc:sldMk cId="2700656055" sldId="267"/>
-            <ac:spMk id="3" creationId="{0556690B-4863-7727-0044-3A22659DF417}"/>
           </ac:spMkLst>
         </pc:spChg>
         <pc:spChg chg="add mod">
@@ -588,14 +581,6 @@
             <ac:spMk id="2" creationId="{2F4E9D32-C6B7-28EF-74CE-15F8FFD098ED}"/>
           </ac:spMkLst>
         </pc:spChg>
-        <pc:spChg chg="del">
-          <ac:chgData name="Robert Finch" userId="360118edfabb5ba6" providerId="LiveId" clId="{940D50E2-FEDC-434C-83CF-A13052851249}" dt="2025-12-04T09:14:38.359" v="624" actId="478"/>
-          <ac:spMkLst>
-            <pc:docMk/>
-            <pc:sldMk cId="3910026719" sldId="269"/>
-            <ac:spMk id="3" creationId="{7C139721-CE9C-011C-3D58-2B4CB54C4EDB}"/>
-          </ac:spMkLst>
-        </pc:spChg>
         <pc:spChg chg="add mod">
           <ac:chgData name="Robert Finch" userId="360118edfabb5ba6" providerId="LiveId" clId="{940D50E2-FEDC-434C-83CF-A13052851249}" dt="2025-12-04T09:18:39.432" v="867" actId="1076"/>
           <ac:spMkLst>
@@ -668,28 +653,12 @@
             <ac:spMk id="12" creationId="{E5BCD9F3-A52B-993E-6537-E8F022C67E8D}"/>
           </ac:spMkLst>
         </pc:spChg>
-        <pc:spChg chg="add del">
-          <ac:chgData name="Robert Finch" userId="360118edfabb5ba6" providerId="LiveId" clId="{940D50E2-FEDC-434C-83CF-A13052851249}" dt="2025-12-04T09:16:56.847" v="665" actId="478"/>
-          <ac:spMkLst>
-            <pc:docMk/>
-            <pc:sldMk cId="3910026719" sldId="269"/>
-            <ac:spMk id="13" creationId="{35DE88DD-7629-7168-092C-5FBBEFC78965}"/>
-          </ac:spMkLst>
-        </pc:spChg>
         <pc:spChg chg="add mod">
           <ac:chgData name="Robert Finch" userId="360118edfabb5ba6" providerId="LiveId" clId="{940D50E2-FEDC-434C-83CF-A13052851249}" dt="2025-12-04T09:21:16.062" v="1078" actId="20577"/>
           <ac:spMkLst>
             <pc:docMk/>
             <pc:sldMk cId="3910026719" sldId="269"/>
             <ac:spMk id="14" creationId="{F6BA38B3-80F3-800E-D567-273A93B623F0}"/>
-          </ac:spMkLst>
-        </pc:spChg>
-        <pc:spChg chg="add del mod">
-          <ac:chgData name="Robert Finch" userId="360118edfabb5ba6" providerId="LiveId" clId="{940D50E2-FEDC-434C-83CF-A13052851249}" dt="2025-12-04T09:19:07.590" v="869" actId="478"/>
-          <ac:spMkLst>
-            <pc:docMk/>
-            <pc:sldMk cId="3910026719" sldId="269"/>
-            <ac:spMk id="15" creationId="{A8C8FE4E-89B9-C634-B5DB-9AE02160B0E7}"/>
           </ac:spMkLst>
         </pc:spChg>
       </pc:sldChg>
@@ -736,22 +705,6 @@
             <pc:docMk/>
             <pc:sldMk cId="2956419810" sldId="271"/>
             <ac:spMk id="14" creationId="{180F3F3E-BA19-CDC7-DE54-3FA6B3210029}"/>
-          </ac:spMkLst>
-        </pc:spChg>
-        <pc:spChg chg="del">
-          <ac:chgData name="Robert Finch" userId="360118edfabb5ba6" providerId="LiveId" clId="{940D50E2-FEDC-434C-83CF-A13052851249}" dt="2025-12-05T03:15:10.603" v="1116" actId="478"/>
-          <ac:spMkLst>
-            <pc:docMk/>
-            <pc:sldMk cId="2956419810" sldId="271"/>
-            <ac:spMk id="15" creationId="{044B8779-1D06-ED99-BAA5-4FB7F49A83EF}"/>
-          </ac:spMkLst>
-        </pc:spChg>
-        <pc:spChg chg="del">
-          <ac:chgData name="Robert Finch" userId="360118edfabb5ba6" providerId="LiveId" clId="{940D50E2-FEDC-434C-83CF-A13052851249}" dt="2025-12-05T03:15:00.460" v="1115" actId="478"/>
-          <ac:spMkLst>
-            <pc:docMk/>
-            <pc:sldMk cId="2956419810" sldId="271"/>
-            <ac:spMk id="16" creationId="{67F911F5-ABC6-1FB6-4638-1E7D990961D3}"/>
           </ac:spMkLst>
         </pc:spChg>
         <pc:spChg chg="mod">
@@ -811,6 +764,349 @@
           </ac:cxnSpMkLst>
         </pc:cxnChg>
       </pc:sldChg>
+      <pc:sldChg chg="addSp delSp modSp new mod">
+        <pc:chgData name="Robert Finch" userId="360118edfabb5ba6" providerId="LiveId" clId="{940D50E2-FEDC-434C-83CF-A13052851249}" dt="2025-12-11T23:16:19.023" v="2167" actId="14100"/>
+        <pc:sldMkLst>
+          <pc:docMk/>
+          <pc:sldMk cId="4155112246" sldId="272"/>
+        </pc:sldMkLst>
+        <pc:spChg chg="mod">
+          <ac:chgData name="Robert Finch" userId="360118edfabb5ba6" providerId="LiveId" clId="{940D50E2-FEDC-434C-83CF-A13052851249}" dt="2025-12-11T23:12:39.776" v="2091" actId="1076"/>
+          <ac:spMkLst>
+            <pc:docMk/>
+            <pc:sldMk cId="4155112246" sldId="272"/>
+            <ac:spMk id="2" creationId="{C0A2AEB7-6308-EE20-4BF7-5D440B53FD21}"/>
+          </ac:spMkLst>
+        </pc:spChg>
+        <pc:spChg chg="del">
+          <ac:chgData name="Robert Finch" userId="360118edfabb5ba6" providerId="LiveId" clId="{940D50E2-FEDC-434C-83CF-A13052851249}" dt="2025-12-11T22:58:03.480" v="1495" actId="478"/>
+          <ac:spMkLst>
+            <pc:docMk/>
+            <pc:sldMk cId="4155112246" sldId="272"/>
+            <ac:spMk id="3" creationId="{DB986075-7A89-F1D9-B923-78C96C4A117C}"/>
+          </ac:spMkLst>
+        </pc:spChg>
+        <pc:spChg chg="add del mod">
+          <ac:chgData name="Robert Finch" userId="360118edfabb5ba6" providerId="LiveId" clId="{940D50E2-FEDC-434C-83CF-A13052851249}" dt="2025-12-11T23:00:09.407" v="1517"/>
+          <ac:spMkLst>
+            <pc:docMk/>
+            <pc:sldMk cId="4155112246" sldId="272"/>
+            <ac:spMk id="31" creationId="{294E52AA-7748-2808-1D56-A7883F975EB6}"/>
+          </ac:spMkLst>
+        </pc:spChg>
+        <pc:spChg chg="add mod">
+          <ac:chgData name="Robert Finch" userId="360118edfabb5ba6" providerId="LiveId" clId="{940D50E2-FEDC-434C-83CF-A13052851249}" dt="2025-12-11T23:13:11.328" v="2129" actId="20577"/>
+          <ac:spMkLst>
+            <pc:docMk/>
+            <pc:sldMk cId="4155112246" sldId="272"/>
+            <ac:spMk id="32" creationId="{3CC712C1-92E8-3087-DA01-86CA79331E65}"/>
+          </ac:spMkLst>
+        </pc:spChg>
+        <pc:spChg chg="add mod">
+          <ac:chgData name="Robert Finch" userId="360118edfabb5ba6" providerId="LiveId" clId="{940D50E2-FEDC-434C-83CF-A13052851249}" dt="2025-12-11T23:12:39.776" v="2091" actId="1076"/>
+          <ac:spMkLst>
+            <pc:docMk/>
+            <pc:sldMk cId="4155112246" sldId="272"/>
+            <ac:spMk id="33" creationId="{270D24FB-C9B0-4E6F-FCFC-4BFB6CFEA5B6}"/>
+          </ac:spMkLst>
+        </pc:spChg>
+        <pc:spChg chg="add mod">
+          <ac:chgData name="Robert Finch" userId="360118edfabb5ba6" providerId="LiveId" clId="{940D50E2-FEDC-434C-83CF-A13052851249}" dt="2025-12-11T23:12:39.776" v="2091" actId="1076"/>
+          <ac:spMkLst>
+            <pc:docMk/>
+            <pc:sldMk cId="4155112246" sldId="272"/>
+            <ac:spMk id="34" creationId="{1AAF7F12-D920-F76E-6755-C24CC84E9C7A}"/>
+          </ac:spMkLst>
+        </pc:spChg>
+        <pc:spChg chg="add mod">
+          <ac:chgData name="Robert Finch" userId="360118edfabb5ba6" providerId="LiveId" clId="{940D50E2-FEDC-434C-83CF-A13052851249}" dt="2025-12-11T23:12:39.776" v="2091" actId="1076"/>
+          <ac:spMkLst>
+            <pc:docMk/>
+            <pc:sldMk cId="4155112246" sldId="272"/>
+            <ac:spMk id="66" creationId="{2635FF28-D7FF-5483-C5A2-95B814CB4933}"/>
+          </ac:spMkLst>
+        </pc:spChg>
+        <pc:spChg chg="add mod">
+          <ac:chgData name="Robert Finch" userId="360118edfabb5ba6" providerId="LiveId" clId="{940D50E2-FEDC-434C-83CF-A13052851249}" dt="2025-12-11T23:13:37.547" v="2130" actId="20577"/>
+          <ac:spMkLst>
+            <pc:docMk/>
+            <pc:sldMk cId="4155112246" sldId="272"/>
+            <ac:spMk id="69" creationId="{B3DF5F41-F93A-F79A-ADD6-B42372C404FA}"/>
+          </ac:spMkLst>
+        </pc:spChg>
+        <pc:spChg chg="add mod">
+          <ac:chgData name="Robert Finch" userId="360118edfabb5ba6" providerId="LiveId" clId="{940D50E2-FEDC-434C-83CF-A13052851249}" dt="2025-12-11T23:12:39.776" v="2091" actId="1076"/>
+          <ac:spMkLst>
+            <pc:docMk/>
+            <pc:sldMk cId="4155112246" sldId="272"/>
+            <ac:spMk id="70" creationId="{70EF029E-35C0-1635-7330-7D2BE468EB95}"/>
+          </ac:spMkLst>
+        </pc:spChg>
+        <pc:spChg chg="add mod">
+          <ac:chgData name="Robert Finch" userId="360118edfabb5ba6" providerId="LiveId" clId="{940D50E2-FEDC-434C-83CF-A13052851249}" dt="2025-12-11T23:12:39.776" v="2091" actId="1076"/>
+          <ac:spMkLst>
+            <pc:docMk/>
+            <pc:sldMk cId="4155112246" sldId="272"/>
+            <ac:spMk id="73" creationId="{865A74CF-1FF4-E182-AAF9-C495881744CD}"/>
+          </ac:spMkLst>
+        </pc:spChg>
+        <pc:spChg chg="add mod">
+          <ac:chgData name="Robert Finch" userId="360118edfabb5ba6" providerId="LiveId" clId="{940D50E2-FEDC-434C-83CF-A13052851249}" dt="2025-12-11T23:12:39.776" v="2091" actId="1076"/>
+          <ac:spMkLst>
+            <pc:docMk/>
+            <pc:sldMk cId="4155112246" sldId="272"/>
+            <ac:spMk id="74" creationId="{92A51868-A1AE-DBCF-E392-A381DB6DFA0E}"/>
+          </ac:spMkLst>
+        </pc:spChg>
+        <pc:spChg chg="add mod">
+          <ac:chgData name="Robert Finch" userId="360118edfabb5ba6" providerId="LiveId" clId="{940D50E2-FEDC-434C-83CF-A13052851249}" dt="2025-12-11T23:15:50.724" v="2163" actId="1076"/>
+          <ac:spMkLst>
+            <pc:docMk/>
+            <pc:sldMk cId="4155112246" sldId="272"/>
+            <ac:spMk id="81" creationId="{42454C5B-EED6-A0EB-8E81-C0E357833379}"/>
+          </ac:spMkLst>
+        </pc:spChg>
+        <pc:cxnChg chg="add del">
+          <ac:chgData name="Robert Finch" userId="360118edfabb5ba6" providerId="LiveId" clId="{940D50E2-FEDC-434C-83CF-A13052851249}" dt="2025-12-11T22:58:27.592" v="1497" actId="478"/>
+          <ac:cxnSpMkLst>
+            <pc:docMk/>
+            <pc:sldMk cId="4155112246" sldId="272"/>
+            <ac:cxnSpMk id="5" creationId="{F6EC545C-5506-CE8C-E0C6-F13D6966DA03}"/>
+          </ac:cxnSpMkLst>
+        </pc:cxnChg>
+        <pc:cxnChg chg="add mod">
+          <ac:chgData name="Robert Finch" userId="360118edfabb5ba6" providerId="LiveId" clId="{940D50E2-FEDC-434C-83CF-A13052851249}" dt="2025-12-11T23:12:22.487" v="2090" actId="1076"/>
+          <ac:cxnSpMkLst>
+            <pc:docMk/>
+            <pc:sldMk cId="4155112246" sldId="272"/>
+            <ac:cxnSpMk id="7" creationId="{6AE75FAA-544B-CC9D-566F-990B859FFAF4}"/>
+          </ac:cxnSpMkLst>
+        </pc:cxnChg>
+        <pc:cxnChg chg="add mod">
+          <ac:chgData name="Robert Finch" userId="360118edfabb5ba6" providerId="LiveId" clId="{940D50E2-FEDC-434C-83CF-A13052851249}" dt="2025-12-11T23:12:22.487" v="2090" actId="1076"/>
+          <ac:cxnSpMkLst>
+            <pc:docMk/>
+            <pc:sldMk cId="4155112246" sldId="272"/>
+            <ac:cxnSpMk id="10" creationId="{C8E489A5-F8A3-C045-75C5-C2A1F45AAB6E}"/>
+          </ac:cxnSpMkLst>
+        </pc:cxnChg>
+        <pc:cxnChg chg="add mod">
+          <ac:chgData name="Robert Finch" userId="360118edfabb5ba6" providerId="LiveId" clId="{940D50E2-FEDC-434C-83CF-A13052851249}" dt="2025-12-11T22:59:56.457" v="1512" actId="1076"/>
+          <ac:cxnSpMkLst>
+            <pc:docMk/>
+            <pc:sldMk cId="4155112246" sldId="272"/>
+            <ac:cxnSpMk id="12" creationId="{CC0B6A54-53CE-E082-9D84-8ABCFCFE311E}"/>
+          </ac:cxnSpMkLst>
+        </pc:cxnChg>
+        <pc:cxnChg chg="add mod">
+          <ac:chgData name="Robert Finch" userId="360118edfabb5ba6" providerId="LiveId" clId="{940D50E2-FEDC-434C-83CF-A13052851249}" dt="2025-12-11T23:01:50.507" v="1688" actId="14100"/>
+          <ac:cxnSpMkLst>
+            <pc:docMk/>
+            <pc:sldMk cId="4155112246" sldId="272"/>
+            <ac:cxnSpMk id="16" creationId="{6E1A50BB-0DCC-7D16-FF72-EE5CB42E9EC8}"/>
+          </ac:cxnSpMkLst>
+        </pc:cxnChg>
+        <pc:cxnChg chg="add mod">
+          <ac:chgData name="Robert Finch" userId="360118edfabb5ba6" providerId="LiveId" clId="{940D50E2-FEDC-434C-83CF-A13052851249}" dt="2025-12-11T23:03:01.610" v="1697" actId="1076"/>
+          <ac:cxnSpMkLst>
+            <pc:docMk/>
+            <pc:sldMk cId="4155112246" sldId="272"/>
+            <ac:cxnSpMk id="17" creationId="{AEEA1CE6-00BD-CC53-34E6-C62AAB00B707}"/>
+          </ac:cxnSpMkLst>
+        </pc:cxnChg>
+        <pc:cxnChg chg="add del mod">
+          <ac:chgData name="Robert Finch" userId="360118edfabb5ba6" providerId="LiveId" clId="{940D50E2-FEDC-434C-83CF-A13052851249}" dt="2025-12-11T23:14:32.247" v="2137" actId="478"/>
+          <ac:cxnSpMkLst>
+            <pc:docMk/>
+            <pc:sldMk cId="4155112246" sldId="272"/>
+            <ac:cxnSpMk id="18" creationId="{37D90BDF-9791-5C83-7370-C2B3BE585B2A}"/>
+          </ac:cxnSpMkLst>
+        </pc:cxnChg>
+        <pc:cxnChg chg="add mod">
+          <ac:chgData name="Robert Finch" userId="360118edfabb5ba6" providerId="LiveId" clId="{940D50E2-FEDC-434C-83CF-A13052851249}" dt="2025-12-11T23:14:23.190" v="2135" actId="1076"/>
+          <ac:cxnSpMkLst>
+            <pc:docMk/>
+            <pc:sldMk cId="4155112246" sldId="272"/>
+            <ac:cxnSpMk id="19" creationId="{596287FA-FBC9-B249-48C6-BC44F5C57ED4}"/>
+          </ac:cxnSpMkLst>
+        </pc:cxnChg>
+        <pc:cxnChg chg="add mod">
+          <ac:chgData name="Robert Finch" userId="360118edfabb5ba6" providerId="LiveId" clId="{940D50E2-FEDC-434C-83CF-A13052851249}" dt="2025-12-11T23:14:27.517" v="2136" actId="14100"/>
+          <ac:cxnSpMkLst>
+            <pc:docMk/>
+            <pc:sldMk cId="4155112246" sldId="272"/>
+            <ac:cxnSpMk id="20" creationId="{FD678D5A-C609-76C7-972E-C3DBA1FA570B}"/>
+          </ac:cxnSpMkLst>
+        </pc:cxnChg>
+        <pc:cxnChg chg="add mod">
+          <ac:chgData name="Robert Finch" userId="360118edfabb5ba6" providerId="LiveId" clId="{940D50E2-FEDC-434C-83CF-A13052851249}" dt="2025-12-11T23:12:39.776" v="2091" actId="1076"/>
+          <ac:cxnSpMkLst>
+            <pc:docMk/>
+            <pc:sldMk cId="4155112246" sldId="272"/>
+            <ac:cxnSpMk id="30" creationId="{03FB97A0-CC1D-017A-3011-A715A8742EE7}"/>
+          </ac:cxnSpMkLst>
+        </pc:cxnChg>
+        <pc:cxnChg chg="add mod">
+          <ac:chgData name="Robert Finch" userId="360118edfabb5ba6" providerId="LiveId" clId="{940D50E2-FEDC-434C-83CF-A13052851249}" dt="2025-12-11T23:01:58.677" v="1690" actId="1076"/>
+          <ac:cxnSpMkLst>
+            <pc:docMk/>
+            <pc:sldMk cId="4155112246" sldId="272"/>
+            <ac:cxnSpMk id="36" creationId="{A580B664-8D7E-01F0-69DA-C7E730F72F82}"/>
+          </ac:cxnSpMkLst>
+        </pc:cxnChg>
+        <pc:cxnChg chg="add mod">
+          <ac:chgData name="Robert Finch" userId="360118edfabb5ba6" providerId="LiveId" clId="{940D50E2-FEDC-434C-83CF-A13052851249}" dt="2025-12-11T23:04:42.096" v="1709" actId="14100"/>
+          <ac:cxnSpMkLst>
+            <pc:docMk/>
+            <pc:sldMk cId="4155112246" sldId="272"/>
+            <ac:cxnSpMk id="37" creationId="{3A206650-6003-C195-01DC-988AA44C4D7F}"/>
+          </ac:cxnSpMkLst>
+        </pc:cxnChg>
+        <pc:cxnChg chg="add mod">
+          <ac:chgData name="Robert Finch" userId="360118edfabb5ba6" providerId="LiveId" clId="{940D50E2-FEDC-434C-83CF-A13052851249}" dt="2025-12-11T23:03:01.610" v="1697" actId="1076"/>
+          <ac:cxnSpMkLst>
+            <pc:docMk/>
+            <pc:sldMk cId="4155112246" sldId="272"/>
+            <ac:cxnSpMk id="39" creationId="{6798B524-2BC5-00BE-85BD-08DB83EE827F}"/>
+          </ac:cxnSpMkLst>
+        </pc:cxnChg>
+        <pc:cxnChg chg="add del mod">
+          <ac:chgData name="Robert Finch" userId="360118edfabb5ba6" providerId="LiveId" clId="{940D50E2-FEDC-434C-83CF-A13052851249}" dt="2025-12-11T23:14:33.774" v="2138" actId="478"/>
+          <ac:cxnSpMkLst>
+            <pc:docMk/>
+            <pc:sldMk cId="4155112246" sldId="272"/>
+            <ac:cxnSpMk id="40" creationId="{6C0E4E5E-B806-9385-A526-CAC9F398D83F}"/>
+          </ac:cxnSpMkLst>
+        </pc:cxnChg>
+        <pc:cxnChg chg="add mod">
+          <ac:chgData name="Robert Finch" userId="360118edfabb5ba6" providerId="LiveId" clId="{940D50E2-FEDC-434C-83CF-A13052851249}" dt="2025-12-11T23:14:10.476" v="2132" actId="1076"/>
+          <ac:cxnSpMkLst>
+            <pc:docMk/>
+            <pc:sldMk cId="4155112246" sldId="272"/>
+            <ac:cxnSpMk id="41" creationId="{74C40C3C-02B9-0254-1082-284AFC876D85}"/>
+          </ac:cxnSpMkLst>
+        </pc:cxnChg>
+        <pc:cxnChg chg="add mod">
+          <ac:chgData name="Robert Finch" userId="360118edfabb5ba6" providerId="LiveId" clId="{940D50E2-FEDC-434C-83CF-A13052851249}" dt="2025-12-11T23:14:12.947" v="2133" actId="14100"/>
+          <ac:cxnSpMkLst>
+            <pc:docMk/>
+            <pc:sldMk cId="4155112246" sldId="272"/>
+            <ac:cxnSpMk id="42" creationId="{11E05FBF-03C9-2295-0FB7-47EEDD443BE0}"/>
+          </ac:cxnSpMkLst>
+        </pc:cxnChg>
+        <pc:cxnChg chg="add mod">
+          <ac:chgData name="Robert Finch" userId="360118edfabb5ba6" providerId="LiveId" clId="{940D50E2-FEDC-434C-83CF-A13052851249}" dt="2025-12-11T23:03:01.610" v="1697" actId="1076"/>
+          <ac:cxnSpMkLst>
+            <pc:docMk/>
+            <pc:sldMk cId="4155112246" sldId="272"/>
+            <ac:cxnSpMk id="44" creationId="{7F891599-4605-12C0-EF96-964661766367}"/>
+          </ac:cxnSpMkLst>
+        </pc:cxnChg>
+        <pc:cxnChg chg="add mod">
+          <ac:chgData name="Robert Finch" userId="360118edfabb5ba6" providerId="LiveId" clId="{940D50E2-FEDC-434C-83CF-A13052851249}" dt="2025-12-11T23:05:36.463" v="1716" actId="14100"/>
+          <ac:cxnSpMkLst>
+            <pc:docMk/>
+            <pc:sldMk cId="4155112246" sldId="272"/>
+            <ac:cxnSpMk id="45" creationId="{ABA62450-C150-D09E-1281-67CFF5DD622E}"/>
+          </ac:cxnSpMkLst>
+        </pc:cxnChg>
+        <pc:cxnChg chg="add mod">
+          <ac:chgData name="Robert Finch" userId="360118edfabb5ba6" providerId="LiveId" clId="{940D50E2-FEDC-434C-83CF-A13052851249}" dt="2025-12-11T23:04:34.302" v="1708" actId="1076"/>
+          <ac:cxnSpMkLst>
+            <pc:docMk/>
+            <pc:sldMk cId="4155112246" sldId="272"/>
+            <ac:cxnSpMk id="46" creationId="{D24711BD-D15A-3870-EA62-92B4E9053A29}"/>
+          </ac:cxnSpMkLst>
+        </pc:cxnChg>
+        <pc:cxnChg chg="add mod">
+          <ac:chgData name="Robert Finch" userId="360118edfabb5ba6" providerId="LiveId" clId="{940D50E2-FEDC-434C-83CF-A13052851249}" dt="2025-12-11T23:04:34.302" v="1708" actId="1076"/>
+          <ac:cxnSpMkLst>
+            <pc:docMk/>
+            <pc:sldMk cId="4155112246" sldId="272"/>
+            <ac:cxnSpMk id="47" creationId="{2E39DFF0-0327-4082-B3F7-11077F4375A8}"/>
+          </ac:cxnSpMkLst>
+        </pc:cxnChg>
+        <pc:cxnChg chg="add mod">
+          <ac:chgData name="Robert Finch" userId="360118edfabb5ba6" providerId="LiveId" clId="{940D50E2-FEDC-434C-83CF-A13052851249}" dt="2025-12-11T23:04:34.302" v="1708" actId="1076"/>
+          <ac:cxnSpMkLst>
+            <pc:docMk/>
+            <pc:sldMk cId="4155112246" sldId="272"/>
+            <ac:cxnSpMk id="48" creationId="{D057377C-1A53-A39C-13CA-A49D2D948421}"/>
+          </ac:cxnSpMkLst>
+        </pc:cxnChg>
+        <pc:cxnChg chg="add mod">
+          <ac:chgData name="Robert Finch" userId="360118edfabb5ba6" providerId="LiveId" clId="{940D50E2-FEDC-434C-83CF-A13052851249}" dt="2025-12-11T23:04:34.302" v="1708" actId="1076"/>
+          <ac:cxnSpMkLst>
+            <pc:docMk/>
+            <pc:sldMk cId="4155112246" sldId="272"/>
+            <ac:cxnSpMk id="49" creationId="{77D3F2DC-7EF2-8F5F-B957-3EFEB4D63889}"/>
+          </ac:cxnSpMkLst>
+        </pc:cxnChg>
+        <pc:cxnChg chg="add mod">
+          <ac:chgData name="Robert Finch" userId="360118edfabb5ba6" providerId="LiveId" clId="{940D50E2-FEDC-434C-83CF-A13052851249}" dt="2025-12-11T23:04:34.302" v="1708" actId="1076"/>
+          <ac:cxnSpMkLst>
+            <pc:docMk/>
+            <pc:sldMk cId="4155112246" sldId="272"/>
+            <ac:cxnSpMk id="50" creationId="{3249D86F-95C6-5F1C-6470-84192B3305AA}"/>
+          </ac:cxnSpMkLst>
+        </pc:cxnChg>
+        <pc:cxnChg chg="add mod">
+          <ac:chgData name="Robert Finch" userId="360118edfabb5ba6" providerId="LiveId" clId="{940D50E2-FEDC-434C-83CF-A13052851249}" dt="2025-12-11T23:04:50.550" v="1711" actId="1076"/>
+          <ac:cxnSpMkLst>
+            <pc:docMk/>
+            <pc:sldMk cId="4155112246" sldId="272"/>
+            <ac:cxnSpMk id="61" creationId="{57CA6103-D795-5DE1-1D13-E938DC847FCC}"/>
+          </ac:cxnSpMkLst>
+        </pc:cxnChg>
+        <pc:cxnChg chg="add mod">
+          <ac:chgData name="Robert Finch" userId="360118edfabb5ba6" providerId="LiveId" clId="{940D50E2-FEDC-434C-83CF-A13052851249}" dt="2025-12-11T23:12:22.487" v="2090" actId="1076"/>
+          <ac:cxnSpMkLst>
+            <pc:docMk/>
+            <pc:sldMk cId="4155112246" sldId="272"/>
+            <ac:cxnSpMk id="62" creationId="{69B21A3D-0FC9-F48D-1408-597A0963902F}"/>
+          </ac:cxnSpMkLst>
+        </pc:cxnChg>
+        <pc:cxnChg chg="add mod">
+          <ac:chgData name="Robert Finch" userId="360118edfabb5ba6" providerId="LiveId" clId="{940D50E2-FEDC-434C-83CF-A13052851249}" dt="2025-12-11T23:06:34.473" v="1724" actId="692"/>
+          <ac:cxnSpMkLst>
+            <pc:docMk/>
+            <pc:sldMk cId="4155112246" sldId="272"/>
+            <ac:cxnSpMk id="68" creationId="{504598D5-A13B-0BEF-7E72-AC41E1352A2F}"/>
+          </ac:cxnSpMkLst>
+        </pc:cxnChg>
+        <pc:cxnChg chg="add mod">
+          <ac:chgData name="Robert Finch" userId="360118edfabb5ba6" providerId="LiveId" clId="{940D50E2-FEDC-434C-83CF-A13052851249}" dt="2025-12-11T23:08:21.242" v="1900" actId="14100"/>
+          <ac:cxnSpMkLst>
+            <pc:docMk/>
+            <pc:sldMk cId="4155112246" sldId="272"/>
+            <ac:cxnSpMk id="71" creationId="{52EB397D-5702-C6E0-EC4E-CACAA2BF2158}"/>
+          </ac:cxnSpMkLst>
+        </pc:cxnChg>
+        <pc:cxnChg chg="add mod">
+          <ac:chgData name="Robert Finch" userId="360118edfabb5ba6" providerId="LiveId" clId="{940D50E2-FEDC-434C-83CF-A13052851249}" dt="2025-12-11T23:15:12.871" v="2141" actId="692"/>
+          <ac:cxnSpMkLst>
+            <pc:docMk/>
+            <pc:sldMk cId="4155112246" sldId="272"/>
+            <ac:cxnSpMk id="78" creationId="{938FA4F9-A36C-ABA3-F907-266B72F1200E}"/>
+          </ac:cxnSpMkLst>
+        </pc:cxnChg>
+        <pc:cxnChg chg="add mod">
+          <ac:chgData name="Robert Finch" userId="360118edfabb5ba6" providerId="LiveId" clId="{940D50E2-FEDC-434C-83CF-A13052851249}" dt="2025-12-11T23:16:19.023" v="2167" actId="14100"/>
+          <ac:cxnSpMkLst>
+            <pc:docMk/>
+            <pc:sldMk cId="4155112246" sldId="272"/>
+            <ac:cxnSpMk id="79" creationId="{65F7C124-BB6D-D0CC-771D-9F2B2F32E52E}"/>
+          </ac:cxnSpMkLst>
+        </pc:cxnChg>
+        <pc:cxnChg chg="add mod">
+          <ac:chgData name="Robert Finch" userId="360118edfabb5ba6" providerId="LiveId" clId="{940D50E2-FEDC-434C-83CF-A13052851249}" dt="2025-12-11T23:16:12.609" v="2166" actId="14100"/>
+          <ac:cxnSpMkLst>
+            <pc:docMk/>
+            <pc:sldMk cId="4155112246" sldId="272"/>
+            <ac:cxnSpMk id="83" creationId="{873CC427-8FEB-4F6F-4150-2B1BBBE5C14E}"/>
+          </ac:cxnSpMkLst>
+        </pc:cxnChg>
+      </pc:sldChg>
     </pc:docChg>
   </pc:docChgLst>
 </pc:chgInfo>
@@ -965,7 +1261,7 @@
           <a:p>
             <a:fld id="{40721942-3650-429E-A73C-F40215CD5967}" type="datetimeFigureOut">
               <a:rPr lang="en-CA" smtClean="0"/>
-              <a:t>2025-12-04</a:t>
+              <a:t>2025-12-11</a:t>
             </a:fld>
             <a:endParaRPr lang="en-CA"/>
           </a:p>
@@ -1165,7 +1461,7 @@
           <a:p>
             <a:fld id="{40721942-3650-429E-A73C-F40215CD5967}" type="datetimeFigureOut">
               <a:rPr lang="en-CA" smtClean="0"/>
-              <a:t>2025-12-04</a:t>
+              <a:t>2025-12-11</a:t>
             </a:fld>
             <a:endParaRPr lang="en-CA"/>
           </a:p>
@@ -1375,7 +1671,7 @@
           <a:p>
             <a:fld id="{40721942-3650-429E-A73C-F40215CD5967}" type="datetimeFigureOut">
               <a:rPr lang="en-CA" smtClean="0"/>
-              <a:t>2025-12-04</a:t>
+              <a:t>2025-12-11</a:t>
             </a:fld>
             <a:endParaRPr lang="en-CA"/>
           </a:p>
@@ -1575,7 +1871,7 @@
           <a:p>
             <a:fld id="{40721942-3650-429E-A73C-F40215CD5967}" type="datetimeFigureOut">
               <a:rPr lang="en-CA" smtClean="0"/>
-              <a:t>2025-12-04</a:t>
+              <a:t>2025-12-11</a:t>
             </a:fld>
             <a:endParaRPr lang="en-CA"/>
           </a:p>
@@ -1851,7 +2147,7 @@
           <a:p>
             <a:fld id="{40721942-3650-429E-A73C-F40215CD5967}" type="datetimeFigureOut">
               <a:rPr lang="en-CA" smtClean="0"/>
-              <a:t>2025-12-04</a:t>
+              <a:t>2025-12-11</a:t>
             </a:fld>
             <a:endParaRPr lang="en-CA"/>
           </a:p>
@@ -2119,7 +2415,7 @@
           <a:p>
             <a:fld id="{40721942-3650-429E-A73C-F40215CD5967}" type="datetimeFigureOut">
               <a:rPr lang="en-CA" smtClean="0"/>
-              <a:t>2025-12-04</a:t>
+              <a:t>2025-12-11</a:t>
             </a:fld>
             <a:endParaRPr lang="en-CA"/>
           </a:p>
@@ -2534,7 +2830,7 @@
           <a:p>
             <a:fld id="{40721942-3650-429E-A73C-F40215CD5967}" type="datetimeFigureOut">
               <a:rPr lang="en-CA" smtClean="0"/>
-              <a:t>2025-12-04</a:t>
+              <a:t>2025-12-11</a:t>
             </a:fld>
             <a:endParaRPr lang="en-CA"/>
           </a:p>
@@ -2676,7 +2972,7 @@
           <a:p>
             <a:fld id="{40721942-3650-429E-A73C-F40215CD5967}" type="datetimeFigureOut">
               <a:rPr lang="en-CA" smtClean="0"/>
-              <a:t>2025-12-04</a:t>
+              <a:t>2025-12-11</a:t>
             </a:fld>
             <a:endParaRPr lang="en-CA"/>
           </a:p>
@@ -2789,7 +3085,7 @@
           <a:p>
             <a:fld id="{40721942-3650-429E-A73C-F40215CD5967}" type="datetimeFigureOut">
               <a:rPr lang="en-CA" smtClean="0"/>
-              <a:t>2025-12-04</a:t>
+              <a:t>2025-12-11</a:t>
             </a:fld>
             <a:endParaRPr lang="en-CA"/>
           </a:p>
@@ -3102,7 +3398,7 @@
           <a:p>
             <a:fld id="{40721942-3650-429E-A73C-F40215CD5967}" type="datetimeFigureOut">
               <a:rPr lang="en-CA" smtClean="0"/>
-              <a:t>2025-12-04</a:t>
+              <a:t>2025-12-11</a:t>
             </a:fld>
             <a:endParaRPr lang="en-CA"/>
           </a:p>
@@ -3391,7 +3687,7 @@
           <a:p>
             <a:fld id="{40721942-3650-429E-A73C-F40215CD5967}" type="datetimeFigureOut">
               <a:rPr lang="en-CA" smtClean="0"/>
-              <a:t>2025-12-04</a:t>
+              <a:t>2025-12-11</a:t>
             </a:fld>
             <a:endParaRPr lang="en-CA"/>
           </a:p>
@@ -3634,7 +3930,7 @@
           <a:p>
             <a:fld id="{40721942-3650-429E-A73C-F40215CD5967}" type="datetimeFigureOut">
               <a:rPr lang="en-CA" smtClean="0"/>
-              <a:t>2025-12-04</a:t>
+              <a:t>2025-12-11</a:t>
             </a:fld>
             <a:endParaRPr lang="en-CA"/>
           </a:p>
@@ -11148,6 +11444,1478 @@
     <p:extLst>
       <p:ext uri="{BB962C8B-B14F-4D97-AF65-F5344CB8AC3E}">
         <p14:creationId xmlns:p14="http://schemas.microsoft.com/office/powerpoint/2010/main" val="3910026719"/>
+      </p:ext>
+    </p:extLst>
+  </p:cSld>
+  <p:clrMapOvr>
+    <a:masterClrMapping/>
+  </p:clrMapOvr>
+</p:sld>
+</file>
+
+<file path=ppt/slides/slide17.xml><?xml version="1.0" encoding="utf-8"?>
+<p:sld xmlns:a="http://schemas.openxmlformats.org/drawingml/2006/main" xmlns:r="http://schemas.openxmlformats.org/officeDocument/2006/relationships" xmlns:p="http://schemas.openxmlformats.org/presentationml/2006/main">
+  <p:cSld>
+    <p:spTree>
+      <p:nvGrpSpPr>
+        <p:cNvPr id="1" name=""/>
+        <p:cNvGrpSpPr/>
+        <p:nvPr/>
+      </p:nvGrpSpPr>
+      <p:grpSpPr>
+        <a:xfrm>
+          <a:off x="0" y="0"/>
+          <a:ext cx="0" cy="0"/>
+          <a:chOff x="0" y="0"/>
+          <a:chExt cx="0" cy="0"/>
+        </a:xfrm>
+      </p:grpSpPr>
+      <p:sp>
+        <p:nvSpPr>
+          <p:cNvPr id="2" name="Title 1">
+            <a:extLst>
+              <a:ext uri="{FF2B5EF4-FFF2-40B4-BE49-F238E27FC236}">
+                <a16:creationId xmlns:a16="http://schemas.microsoft.com/office/drawing/2014/main" id="{C0A2AEB7-6308-EE20-4BF7-5D440B53FD21}"/>
+              </a:ext>
+            </a:extLst>
+          </p:cNvPr>
+          <p:cNvSpPr>
+            <a:spLocks noGrp="1"/>
+          </p:cNvSpPr>
+          <p:nvPr>
+            <p:ph type="title"/>
+          </p:nvPr>
+        </p:nvSpPr>
+        <p:spPr>
+          <a:xfrm>
+            <a:off x="0" y="0"/>
+            <a:ext cx="10515600" cy="1325563"/>
+          </a:xfrm>
+        </p:spPr>
+        <p:txBody>
+          <a:bodyPr/>
+          <a:lstStyle/>
+          <a:p>
+            <a:r>
+              <a:rPr lang="en-US" dirty="0"/>
+              <a:t>Qupls4: QMSI Interrupt Cycle</a:t>
+            </a:r>
+            <a:endParaRPr lang="en-CA" dirty="0"/>
+          </a:p>
+        </p:txBody>
+      </p:sp>
+      <p:cxnSp>
+        <p:nvCxnSpPr>
+          <p:cNvPr id="7" name="Connector: Elbow 6">
+            <a:extLst>
+              <a:ext uri="{FF2B5EF4-FFF2-40B4-BE49-F238E27FC236}">
+                <a16:creationId xmlns:a16="http://schemas.microsoft.com/office/drawing/2014/main" id="{6AE75FAA-544B-CC9D-566F-990B859FFAF4}"/>
+              </a:ext>
+            </a:extLst>
+          </p:cNvPr>
+          <p:cNvCxnSpPr>
+            <a:cxnSpLocks/>
+          </p:cNvCxnSpPr>
+          <p:nvPr/>
+        </p:nvCxnSpPr>
+        <p:spPr>
+          <a:xfrm flipV="1">
+            <a:off x="414131" y="3392515"/>
+            <a:ext cx="914400" cy="337930"/>
+          </a:xfrm>
+          <a:prstGeom prst="bentConnector3">
+            <a:avLst/>
+          </a:prstGeom>
+        </p:spPr>
+        <p:style>
+          <a:lnRef idx="2">
+            <a:schemeClr val="accent1"/>
+          </a:lnRef>
+          <a:fillRef idx="0">
+            <a:schemeClr val="accent1"/>
+          </a:fillRef>
+          <a:effectRef idx="1">
+            <a:schemeClr val="accent1"/>
+          </a:effectRef>
+          <a:fontRef idx="minor">
+            <a:schemeClr val="tx1"/>
+          </a:fontRef>
+        </p:style>
+      </p:cxnSp>
+      <p:cxnSp>
+        <p:nvCxnSpPr>
+          <p:cNvPr id="10" name="Straight Connector 9">
+            <a:extLst>
+              <a:ext uri="{FF2B5EF4-FFF2-40B4-BE49-F238E27FC236}">
+                <a16:creationId xmlns:a16="http://schemas.microsoft.com/office/drawing/2014/main" id="{C8E489A5-F8A3-C045-75C5-C2A1F45AAB6E}"/>
+              </a:ext>
+            </a:extLst>
+          </p:cNvPr>
+          <p:cNvCxnSpPr/>
+          <p:nvPr/>
+        </p:nvCxnSpPr>
+        <p:spPr>
+          <a:xfrm>
+            <a:off x="1321905" y="3399141"/>
+            <a:ext cx="496956" cy="0"/>
+          </a:xfrm>
+          <a:prstGeom prst="line">
+            <a:avLst/>
+          </a:prstGeom>
+        </p:spPr>
+        <p:style>
+          <a:lnRef idx="2">
+            <a:schemeClr val="accent1"/>
+          </a:lnRef>
+          <a:fillRef idx="0">
+            <a:schemeClr val="accent1"/>
+          </a:fillRef>
+          <a:effectRef idx="1">
+            <a:schemeClr val="accent1"/>
+          </a:effectRef>
+          <a:fontRef idx="minor">
+            <a:schemeClr val="tx1"/>
+          </a:fontRef>
+        </p:style>
+      </p:cxnSp>
+      <p:cxnSp>
+        <p:nvCxnSpPr>
+          <p:cNvPr id="12" name="Connector: Elbow 11">
+            <a:extLst>
+              <a:ext uri="{FF2B5EF4-FFF2-40B4-BE49-F238E27FC236}">
+                <a16:creationId xmlns:a16="http://schemas.microsoft.com/office/drawing/2014/main" id="{CC0B6A54-53CE-E082-9D84-8ABCFCFE311E}"/>
+              </a:ext>
+            </a:extLst>
+          </p:cNvPr>
+          <p:cNvCxnSpPr>
+            <a:cxnSpLocks/>
+          </p:cNvCxnSpPr>
+          <p:nvPr/>
+        </p:nvCxnSpPr>
+        <p:spPr>
+          <a:xfrm>
+            <a:off x="1779105" y="3399141"/>
+            <a:ext cx="715617" cy="331304"/>
+          </a:xfrm>
+          <a:prstGeom prst="bentConnector3">
+            <a:avLst/>
+          </a:prstGeom>
+        </p:spPr>
+        <p:style>
+          <a:lnRef idx="2">
+            <a:schemeClr val="accent1"/>
+          </a:lnRef>
+          <a:fillRef idx="0">
+            <a:schemeClr val="accent1"/>
+          </a:fillRef>
+          <a:effectRef idx="1">
+            <a:schemeClr val="accent1"/>
+          </a:effectRef>
+          <a:fontRef idx="minor">
+            <a:schemeClr val="tx1"/>
+          </a:fontRef>
+        </p:style>
+      </p:cxnSp>
+      <p:cxnSp>
+        <p:nvCxnSpPr>
+          <p:cNvPr id="16" name="Straight Connector 15">
+            <a:extLst>
+              <a:ext uri="{FF2B5EF4-FFF2-40B4-BE49-F238E27FC236}">
+                <a16:creationId xmlns:a16="http://schemas.microsoft.com/office/drawing/2014/main" id="{6E1A50BB-0DCC-7D16-FF72-EE5CB42E9EC8}"/>
+              </a:ext>
+            </a:extLst>
+          </p:cNvPr>
+          <p:cNvCxnSpPr>
+            <a:cxnSpLocks/>
+          </p:cNvCxnSpPr>
+          <p:nvPr/>
+        </p:nvCxnSpPr>
+        <p:spPr>
+          <a:xfrm>
+            <a:off x="2507974" y="3730445"/>
+            <a:ext cx="2093843" cy="0"/>
+          </a:xfrm>
+          <a:prstGeom prst="line">
+            <a:avLst/>
+          </a:prstGeom>
+        </p:spPr>
+        <p:style>
+          <a:lnRef idx="2">
+            <a:schemeClr val="accent1"/>
+          </a:lnRef>
+          <a:fillRef idx="0">
+            <a:schemeClr val="accent1"/>
+          </a:fillRef>
+          <a:effectRef idx="1">
+            <a:schemeClr val="accent1"/>
+          </a:effectRef>
+          <a:fontRef idx="minor">
+            <a:schemeClr val="tx1"/>
+          </a:fontRef>
+        </p:style>
+      </p:cxnSp>
+      <p:cxnSp>
+        <p:nvCxnSpPr>
+          <p:cNvPr id="17" name="Connector: Elbow 16">
+            <a:extLst>
+              <a:ext uri="{FF2B5EF4-FFF2-40B4-BE49-F238E27FC236}">
+                <a16:creationId xmlns:a16="http://schemas.microsoft.com/office/drawing/2014/main" id="{AEEA1CE6-00BD-CC53-34E6-C62AAB00B707}"/>
+              </a:ext>
+            </a:extLst>
+          </p:cNvPr>
+          <p:cNvCxnSpPr>
+            <a:cxnSpLocks/>
+          </p:cNvCxnSpPr>
+          <p:nvPr/>
+        </p:nvCxnSpPr>
+        <p:spPr>
+          <a:xfrm flipV="1">
+            <a:off x="2007704" y="4631594"/>
+            <a:ext cx="974036" cy="304800"/>
+          </a:xfrm>
+          <a:prstGeom prst="bentConnector3">
+            <a:avLst/>
+          </a:prstGeom>
+        </p:spPr>
+        <p:style>
+          <a:lnRef idx="2">
+            <a:schemeClr val="accent1"/>
+          </a:lnRef>
+          <a:fillRef idx="0">
+            <a:schemeClr val="accent1"/>
+          </a:fillRef>
+          <a:effectRef idx="1">
+            <a:schemeClr val="accent1"/>
+          </a:effectRef>
+          <a:fontRef idx="minor">
+            <a:schemeClr val="tx1"/>
+          </a:fontRef>
+        </p:style>
+      </p:cxnSp>
+      <p:cxnSp>
+        <p:nvCxnSpPr>
+          <p:cNvPr id="19" name="Connector: Elbow 18">
+            <a:extLst>
+              <a:ext uri="{FF2B5EF4-FFF2-40B4-BE49-F238E27FC236}">
+                <a16:creationId xmlns:a16="http://schemas.microsoft.com/office/drawing/2014/main" id="{596287FA-FBC9-B249-48C6-BC44F5C57ED4}"/>
+              </a:ext>
+            </a:extLst>
+          </p:cNvPr>
+          <p:cNvCxnSpPr>
+            <a:cxnSpLocks/>
+          </p:cNvCxnSpPr>
+          <p:nvPr/>
+        </p:nvCxnSpPr>
+        <p:spPr>
+          <a:xfrm>
+            <a:off x="2981740" y="4631594"/>
+            <a:ext cx="715617" cy="331304"/>
+          </a:xfrm>
+          <a:prstGeom prst="bentConnector3">
+            <a:avLst/>
+          </a:prstGeom>
+        </p:spPr>
+        <p:style>
+          <a:lnRef idx="2">
+            <a:schemeClr val="accent1"/>
+          </a:lnRef>
+          <a:fillRef idx="0">
+            <a:schemeClr val="accent1"/>
+          </a:fillRef>
+          <a:effectRef idx="1">
+            <a:schemeClr val="accent1"/>
+          </a:effectRef>
+          <a:fontRef idx="minor">
+            <a:schemeClr val="tx1"/>
+          </a:fontRef>
+        </p:style>
+      </p:cxnSp>
+      <p:cxnSp>
+        <p:nvCxnSpPr>
+          <p:cNvPr id="20" name="Straight Connector 19">
+            <a:extLst>
+              <a:ext uri="{FF2B5EF4-FFF2-40B4-BE49-F238E27FC236}">
+                <a16:creationId xmlns:a16="http://schemas.microsoft.com/office/drawing/2014/main" id="{FD678D5A-C609-76C7-972E-C3DBA1FA570B}"/>
+              </a:ext>
+            </a:extLst>
+          </p:cNvPr>
+          <p:cNvCxnSpPr>
+            <a:cxnSpLocks/>
+          </p:cNvCxnSpPr>
+          <p:nvPr/>
+        </p:nvCxnSpPr>
+        <p:spPr>
+          <a:xfrm>
+            <a:off x="3697357" y="4962465"/>
+            <a:ext cx="543339" cy="7059"/>
+          </a:xfrm>
+          <a:prstGeom prst="line">
+            <a:avLst/>
+          </a:prstGeom>
+        </p:spPr>
+        <p:style>
+          <a:lnRef idx="2">
+            <a:schemeClr val="accent1"/>
+          </a:lnRef>
+          <a:fillRef idx="0">
+            <a:schemeClr val="accent1"/>
+          </a:fillRef>
+          <a:effectRef idx="1">
+            <a:schemeClr val="accent1"/>
+          </a:effectRef>
+          <a:fontRef idx="minor">
+            <a:schemeClr val="tx1"/>
+          </a:fontRef>
+        </p:style>
+      </p:cxnSp>
+      <p:cxnSp>
+        <p:nvCxnSpPr>
+          <p:cNvPr id="30" name="Straight Connector 29">
+            <a:extLst>
+              <a:ext uri="{FF2B5EF4-FFF2-40B4-BE49-F238E27FC236}">
+                <a16:creationId xmlns:a16="http://schemas.microsoft.com/office/drawing/2014/main" id="{03FB97A0-CC1D-017A-3011-A715A8742EE7}"/>
+              </a:ext>
+            </a:extLst>
+          </p:cNvPr>
+          <p:cNvCxnSpPr/>
+          <p:nvPr/>
+        </p:nvCxnSpPr>
+        <p:spPr>
+          <a:xfrm flipH="1">
+            <a:off x="516835" y="4929768"/>
+            <a:ext cx="1464365" cy="0"/>
+          </a:xfrm>
+          <a:prstGeom prst="line">
+            <a:avLst/>
+          </a:prstGeom>
+        </p:spPr>
+        <p:style>
+          <a:lnRef idx="2">
+            <a:schemeClr val="accent1"/>
+          </a:lnRef>
+          <a:fillRef idx="0">
+            <a:schemeClr val="accent1"/>
+          </a:fillRef>
+          <a:effectRef idx="1">
+            <a:schemeClr val="accent1"/>
+          </a:effectRef>
+          <a:fontRef idx="minor">
+            <a:schemeClr val="tx1"/>
+          </a:fontRef>
+        </p:style>
+      </p:cxnSp>
+      <p:sp>
+        <p:nvSpPr>
+          <p:cNvPr id="32" name="TextBox 31">
+            <a:extLst>
+              <a:ext uri="{FF2B5EF4-FFF2-40B4-BE49-F238E27FC236}">
+                <a16:creationId xmlns:a16="http://schemas.microsoft.com/office/drawing/2014/main" id="{3CC712C1-92E8-3087-DA01-86CA79331E65}"/>
+              </a:ext>
+            </a:extLst>
+          </p:cNvPr>
+          <p:cNvSpPr txBox="1"/>
+          <p:nvPr/>
+        </p:nvSpPr>
+        <p:spPr>
+          <a:xfrm>
+            <a:off x="0" y="1055045"/>
+            <a:ext cx="10416209" cy="646331"/>
+          </a:xfrm>
+          <a:prstGeom prst="rect">
+            <a:avLst/>
+          </a:prstGeom>
+          <a:noFill/>
+        </p:spPr>
+        <p:txBody>
+          <a:bodyPr wrap="square" rtlCol="0">
+            <a:spAutoFit/>
+          </a:bodyPr>
+          <a:lstStyle/>
+          <a:p>
+            <a:r>
+              <a:rPr lang="en-US" dirty="0"/>
+              <a:t>QMSI interrupt cycles may occur at any point. They are ignored by a bus master and picked up by the QMSI interrupt controller instead. They are single cycle events.</a:t>
+            </a:r>
+            <a:endParaRPr lang="en-CA" dirty="0"/>
+          </a:p>
+        </p:txBody>
+      </p:sp>
+      <p:sp>
+        <p:nvSpPr>
+          <p:cNvPr id="33" name="TextBox 32">
+            <a:extLst>
+              <a:ext uri="{FF2B5EF4-FFF2-40B4-BE49-F238E27FC236}">
+                <a16:creationId xmlns:a16="http://schemas.microsoft.com/office/drawing/2014/main" id="{270D24FB-C9B0-4E6F-FCFC-4BFB6CFEA5B6}"/>
+              </a:ext>
+            </a:extLst>
+          </p:cNvPr>
+          <p:cNvSpPr txBox="1"/>
+          <p:nvPr/>
+        </p:nvSpPr>
+        <p:spPr>
+          <a:xfrm>
+            <a:off x="493644" y="3063875"/>
+            <a:ext cx="1369029" cy="369332"/>
+          </a:xfrm>
+          <a:prstGeom prst="rect">
+            <a:avLst/>
+          </a:prstGeom>
+          <a:noFill/>
+        </p:spPr>
+        <p:txBody>
+          <a:bodyPr wrap="none" rtlCol="0">
+            <a:spAutoFit/>
+          </a:bodyPr>
+          <a:lstStyle/>
+          <a:p>
+            <a:r>
+              <a:rPr lang="en-US" dirty="0"/>
+              <a:t>Active cycle</a:t>
+            </a:r>
+            <a:endParaRPr lang="en-CA" dirty="0"/>
+          </a:p>
+        </p:txBody>
+      </p:sp>
+      <p:sp>
+        <p:nvSpPr>
+          <p:cNvPr id="34" name="TextBox 33">
+            <a:extLst>
+              <a:ext uri="{FF2B5EF4-FFF2-40B4-BE49-F238E27FC236}">
+                <a16:creationId xmlns:a16="http://schemas.microsoft.com/office/drawing/2014/main" id="{1AAF7F12-D920-F76E-6755-C24CC84E9C7A}"/>
+              </a:ext>
+            </a:extLst>
+          </p:cNvPr>
+          <p:cNvSpPr txBox="1"/>
+          <p:nvPr/>
+        </p:nvSpPr>
+        <p:spPr>
+          <a:xfrm>
+            <a:off x="381742" y="4619206"/>
+            <a:ext cx="1135632" cy="369332"/>
+          </a:xfrm>
+          <a:prstGeom prst="rect">
+            <a:avLst/>
+          </a:prstGeom>
+          <a:noFill/>
+        </p:spPr>
+        <p:txBody>
+          <a:bodyPr wrap="none" rtlCol="0">
+            <a:spAutoFit/>
+          </a:bodyPr>
+          <a:lstStyle/>
+          <a:p>
+            <a:r>
+              <a:rPr lang="en-US" dirty="0"/>
+              <a:t>QMSI IRQ</a:t>
+            </a:r>
+            <a:endParaRPr lang="en-CA" dirty="0"/>
+          </a:p>
+        </p:txBody>
+      </p:sp>
+      <p:cxnSp>
+        <p:nvCxnSpPr>
+          <p:cNvPr id="36" name="Connector: Elbow 35">
+            <a:extLst>
+              <a:ext uri="{FF2B5EF4-FFF2-40B4-BE49-F238E27FC236}">
+                <a16:creationId xmlns:a16="http://schemas.microsoft.com/office/drawing/2014/main" id="{A580B664-8D7E-01F0-69DA-C7E730F72F82}"/>
+              </a:ext>
+            </a:extLst>
+          </p:cNvPr>
+          <p:cNvCxnSpPr>
+            <a:cxnSpLocks/>
+          </p:cNvCxnSpPr>
+          <p:nvPr/>
+        </p:nvCxnSpPr>
+        <p:spPr>
+          <a:xfrm flipV="1">
+            <a:off x="4489173" y="3392515"/>
+            <a:ext cx="914400" cy="337930"/>
+          </a:xfrm>
+          <a:prstGeom prst="bentConnector3">
+            <a:avLst/>
+          </a:prstGeom>
+        </p:spPr>
+        <p:style>
+          <a:lnRef idx="2">
+            <a:schemeClr val="accent1"/>
+          </a:lnRef>
+          <a:fillRef idx="0">
+            <a:schemeClr val="accent1"/>
+          </a:fillRef>
+          <a:effectRef idx="1">
+            <a:schemeClr val="accent1"/>
+          </a:effectRef>
+          <a:fontRef idx="minor">
+            <a:schemeClr val="tx1"/>
+          </a:fontRef>
+        </p:style>
+      </p:cxnSp>
+      <p:cxnSp>
+        <p:nvCxnSpPr>
+          <p:cNvPr id="37" name="Straight Connector 36">
+            <a:extLst>
+              <a:ext uri="{FF2B5EF4-FFF2-40B4-BE49-F238E27FC236}">
+                <a16:creationId xmlns:a16="http://schemas.microsoft.com/office/drawing/2014/main" id="{3A206650-6003-C195-01DC-988AA44C4D7F}"/>
+              </a:ext>
+            </a:extLst>
+          </p:cNvPr>
+          <p:cNvCxnSpPr>
+            <a:cxnSpLocks/>
+          </p:cNvCxnSpPr>
+          <p:nvPr/>
+        </p:nvCxnSpPr>
+        <p:spPr>
+          <a:xfrm>
+            <a:off x="5403573" y="3399141"/>
+            <a:ext cx="1636644" cy="0"/>
+          </a:xfrm>
+          <a:prstGeom prst="line">
+            <a:avLst/>
+          </a:prstGeom>
+        </p:spPr>
+        <p:style>
+          <a:lnRef idx="2">
+            <a:schemeClr val="accent1"/>
+          </a:lnRef>
+          <a:fillRef idx="0">
+            <a:schemeClr val="accent1"/>
+          </a:fillRef>
+          <a:effectRef idx="1">
+            <a:schemeClr val="accent1"/>
+          </a:effectRef>
+          <a:fontRef idx="minor">
+            <a:schemeClr val="tx1"/>
+          </a:fontRef>
+        </p:style>
+      </p:cxnSp>
+      <p:cxnSp>
+        <p:nvCxnSpPr>
+          <p:cNvPr id="39" name="Connector: Elbow 38">
+            <a:extLst>
+              <a:ext uri="{FF2B5EF4-FFF2-40B4-BE49-F238E27FC236}">
+                <a16:creationId xmlns:a16="http://schemas.microsoft.com/office/drawing/2014/main" id="{6798B524-2BC5-00BE-85BD-08DB83EE827F}"/>
+              </a:ext>
+            </a:extLst>
+          </p:cNvPr>
+          <p:cNvCxnSpPr>
+            <a:cxnSpLocks/>
+          </p:cNvCxnSpPr>
+          <p:nvPr/>
+        </p:nvCxnSpPr>
+        <p:spPr>
+          <a:xfrm flipV="1">
+            <a:off x="5227983" y="4650607"/>
+            <a:ext cx="974036" cy="304800"/>
+          </a:xfrm>
+          <a:prstGeom prst="bentConnector3">
+            <a:avLst/>
+          </a:prstGeom>
+        </p:spPr>
+        <p:style>
+          <a:lnRef idx="2">
+            <a:schemeClr val="accent1"/>
+          </a:lnRef>
+          <a:fillRef idx="0">
+            <a:schemeClr val="accent1"/>
+          </a:fillRef>
+          <a:effectRef idx="1">
+            <a:schemeClr val="accent1"/>
+          </a:effectRef>
+          <a:fontRef idx="minor">
+            <a:schemeClr val="tx1"/>
+          </a:fontRef>
+        </p:style>
+      </p:cxnSp>
+      <p:cxnSp>
+        <p:nvCxnSpPr>
+          <p:cNvPr id="41" name="Connector: Elbow 40">
+            <a:extLst>
+              <a:ext uri="{FF2B5EF4-FFF2-40B4-BE49-F238E27FC236}">
+                <a16:creationId xmlns:a16="http://schemas.microsoft.com/office/drawing/2014/main" id="{74C40C3C-02B9-0254-1082-284AFC876D85}"/>
+              </a:ext>
+            </a:extLst>
+          </p:cNvPr>
+          <p:cNvCxnSpPr>
+            <a:cxnSpLocks/>
+          </p:cNvCxnSpPr>
+          <p:nvPr/>
+        </p:nvCxnSpPr>
+        <p:spPr>
+          <a:xfrm>
+            <a:off x="6162263" y="4650607"/>
+            <a:ext cx="715617" cy="331304"/>
+          </a:xfrm>
+          <a:prstGeom prst="bentConnector3">
+            <a:avLst/>
+          </a:prstGeom>
+        </p:spPr>
+        <p:style>
+          <a:lnRef idx="2">
+            <a:schemeClr val="accent1"/>
+          </a:lnRef>
+          <a:fillRef idx="0">
+            <a:schemeClr val="accent1"/>
+          </a:fillRef>
+          <a:effectRef idx="1">
+            <a:schemeClr val="accent1"/>
+          </a:effectRef>
+          <a:fontRef idx="minor">
+            <a:schemeClr val="tx1"/>
+          </a:fontRef>
+        </p:style>
+      </p:cxnSp>
+      <p:cxnSp>
+        <p:nvCxnSpPr>
+          <p:cNvPr id="42" name="Straight Connector 41">
+            <a:extLst>
+              <a:ext uri="{FF2B5EF4-FFF2-40B4-BE49-F238E27FC236}">
+                <a16:creationId xmlns:a16="http://schemas.microsoft.com/office/drawing/2014/main" id="{11E05FBF-03C9-2295-0FB7-47EEDD443BE0}"/>
+              </a:ext>
+            </a:extLst>
+          </p:cNvPr>
+          <p:cNvCxnSpPr>
+            <a:cxnSpLocks/>
+          </p:cNvCxnSpPr>
+          <p:nvPr/>
+        </p:nvCxnSpPr>
+        <p:spPr>
+          <a:xfrm>
+            <a:off x="6884506" y="4981911"/>
+            <a:ext cx="2700131" cy="6626"/>
+          </a:xfrm>
+          <a:prstGeom prst="line">
+            <a:avLst/>
+          </a:prstGeom>
+        </p:spPr>
+        <p:style>
+          <a:lnRef idx="2">
+            <a:schemeClr val="accent1"/>
+          </a:lnRef>
+          <a:fillRef idx="0">
+            <a:schemeClr val="accent1"/>
+          </a:fillRef>
+          <a:effectRef idx="1">
+            <a:schemeClr val="accent1"/>
+          </a:effectRef>
+          <a:fontRef idx="minor">
+            <a:schemeClr val="tx1"/>
+          </a:fontRef>
+        </p:style>
+      </p:cxnSp>
+      <p:cxnSp>
+        <p:nvCxnSpPr>
+          <p:cNvPr id="44" name="Straight Connector 43">
+            <a:extLst>
+              <a:ext uri="{FF2B5EF4-FFF2-40B4-BE49-F238E27FC236}">
+                <a16:creationId xmlns:a16="http://schemas.microsoft.com/office/drawing/2014/main" id="{7F891599-4605-12C0-EF96-964661766367}"/>
+              </a:ext>
+            </a:extLst>
+          </p:cNvPr>
+          <p:cNvCxnSpPr/>
+          <p:nvPr/>
+        </p:nvCxnSpPr>
+        <p:spPr>
+          <a:xfrm>
+            <a:off x="4240696" y="4955407"/>
+            <a:ext cx="987287" cy="14117"/>
+          </a:xfrm>
+          <a:prstGeom prst="line">
+            <a:avLst/>
+          </a:prstGeom>
+        </p:spPr>
+        <p:style>
+          <a:lnRef idx="2">
+            <a:schemeClr val="accent1"/>
+          </a:lnRef>
+          <a:fillRef idx="0">
+            <a:schemeClr val="accent1"/>
+          </a:fillRef>
+          <a:effectRef idx="1">
+            <a:schemeClr val="accent1"/>
+          </a:effectRef>
+          <a:fontRef idx="minor">
+            <a:schemeClr val="tx1"/>
+          </a:fontRef>
+        </p:style>
+      </p:cxnSp>
+      <p:cxnSp>
+        <p:nvCxnSpPr>
+          <p:cNvPr id="45" name="Straight Connector 44">
+            <a:extLst>
+              <a:ext uri="{FF2B5EF4-FFF2-40B4-BE49-F238E27FC236}">
+                <a16:creationId xmlns:a16="http://schemas.microsoft.com/office/drawing/2014/main" id="{ABA62450-C150-D09E-1281-67CFF5DD622E}"/>
+              </a:ext>
+            </a:extLst>
+          </p:cNvPr>
+          <p:cNvCxnSpPr>
+            <a:cxnSpLocks/>
+          </p:cNvCxnSpPr>
+          <p:nvPr/>
+        </p:nvCxnSpPr>
+        <p:spPr>
+          <a:xfrm>
+            <a:off x="2706756" y="4150770"/>
+            <a:ext cx="2093846" cy="14117"/>
+          </a:xfrm>
+          <a:prstGeom prst="line">
+            <a:avLst/>
+          </a:prstGeom>
+        </p:spPr>
+        <p:style>
+          <a:lnRef idx="2">
+            <a:schemeClr val="accent1"/>
+          </a:lnRef>
+          <a:fillRef idx="0">
+            <a:schemeClr val="accent1"/>
+          </a:fillRef>
+          <a:effectRef idx="1">
+            <a:schemeClr val="accent1"/>
+          </a:effectRef>
+          <a:fontRef idx="minor">
+            <a:schemeClr val="tx1"/>
+          </a:fontRef>
+        </p:style>
+      </p:cxnSp>
+      <p:cxnSp>
+        <p:nvCxnSpPr>
+          <p:cNvPr id="46" name="Connector: Elbow 45">
+            <a:extLst>
+              <a:ext uri="{FF2B5EF4-FFF2-40B4-BE49-F238E27FC236}">
+                <a16:creationId xmlns:a16="http://schemas.microsoft.com/office/drawing/2014/main" id="{D24711BD-D15A-3870-EA62-92B4E9053A29}"/>
+              </a:ext>
+            </a:extLst>
+          </p:cNvPr>
+          <p:cNvCxnSpPr>
+            <a:cxnSpLocks/>
+          </p:cNvCxnSpPr>
+          <p:nvPr/>
+        </p:nvCxnSpPr>
+        <p:spPr>
+          <a:xfrm flipV="1">
+            <a:off x="5787889" y="3845970"/>
+            <a:ext cx="974036" cy="304800"/>
+          </a:xfrm>
+          <a:prstGeom prst="bentConnector3">
+            <a:avLst/>
+          </a:prstGeom>
+        </p:spPr>
+        <p:style>
+          <a:lnRef idx="2">
+            <a:schemeClr val="accent1"/>
+          </a:lnRef>
+          <a:fillRef idx="0">
+            <a:schemeClr val="accent1"/>
+          </a:fillRef>
+          <a:effectRef idx="1">
+            <a:schemeClr val="accent1"/>
+          </a:effectRef>
+          <a:fontRef idx="minor">
+            <a:schemeClr val="tx1"/>
+          </a:fontRef>
+        </p:style>
+      </p:cxnSp>
+      <p:cxnSp>
+        <p:nvCxnSpPr>
+          <p:cNvPr id="47" name="Straight Connector 46">
+            <a:extLst>
+              <a:ext uri="{FF2B5EF4-FFF2-40B4-BE49-F238E27FC236}">
+                <a16:creationId xmlns:a16="http://schemas.microsoft.com/office/drawing/2014/main" id="{2E39DFF0-0327-4082-B3F7-11077F4375A8}"/>
+              </a:ext>
+            </a:extLst>
+          </p:cNvPr>
+          <p:cNvCxnSpPr>
+            <a:cxnSpLocks/>
+          </p:cNvCxnSpPr>
+          <p:nvPr/>
+        </p:nvCxnSpPr>
+        <p:spPr>
+          <a:xfrm flipV="1">
+            <a:off x="6755299" y="3845970"/>
+            <a:ext cx="974036" cy="6626"/>
+          </a:xfrm>
+          <a:prstGeom prst="line">
+            <a:avLst/>
+          </a:prstGeom>
+        </p:spPr>
+        <p:style>
+          <a:lnRef idx="2">
+            <a:schemeClr val="accent1"/>
+          </a:lnRef>
+          <a:fillRef idx="0">
+            <a:schemeClr val="accent1"/>
+          </a:fillRef>
+          <a:effectRef idx="1">
+            <a:schemeClr val="accent1"/>
+          </a:effectRef>
+          <a:fontRef idx="minor">
+            <a:schemeClr val="tx1"/>
+          </a:fontRef>
+        </p:style>
+      </p:cxnSp>
+      <p:cxnSp>
+        <p:nvCxnSpPr>
+          <p:cNvPr id="48" name="Connector: Elbow 47">
+            <a:extLst>
+              <a:ext uri="{FF2B5EF4-FFF2-40B4-BE49-F238E27FC236}">
+                <a16:creationId xmlns:a16="http://schemas.microsoft.com/office/drawing/2014/main" id="{D057377C-1A53-A39C-13CA-A49D2D948421}"/>
+              </a:ext>
+            </a:extLst>
+          </p:cNvPr>
+          <p:cNvCxnSpPr>
+            <a:cxnSpLocks/>
+          </p:cNvCxnSpPr>
+          <p:nvPr/>
+        </p:nvCxnSpPr>
+        <p:spPr>
+          <a:xfrm>
+            <a:off x="7729335" y="3845970"/>
+            <a:ext cx="715617" cy="331304"/>
+          </a:xfrm>
+          <a:prstGeom prst="bentConnector3">
+            <a:avLst/>
+          </a:prstGeom>
+        </p:spPr>
+        <p:style>
+          <a:lnRef idx="2">
+            <a:schemeClr val="accent1"/>
+          </a:lnRef>
+          <a:fillRef idx="0">
+            <a:schemeClr val="accent1"/>
+          </a:fillRef>
+          <a:effectRef idx="1">
+            <a:schemeClr val="accent1"/>
+          </a:effectRef>
+          <a:fontRef idx="minor">
+            <a:schemeClr val="tx1"/>
+          </a:fontRef>
+        </p:style>
+      </p:cxnSp>
+      <p:cxnSp>
+        <p:nvCxnSpPr>
+          <p:cNvPr id="49" name="Straight Connector 48">
+            <a:extLst>
+              <a:ext uri="{FF2B5EF4-FFF2-40B4-BE49-F238E27FC236}">
+                <a16:creationId xmlns:a16="http://schemas.microsoft.com/office/drawing/2014/main" id="{77D3F2DC-7EF2-8F5F-B957-3EFEB4D63889}"/>
+              </a:ext>
+            </a:extLst>
+          </p:cNvPr>
+          <p:cNvCxnSpPr>
+            <a:cxnSpLocks/>
+          </p:cNvCxnSpPr>
+          <p:nvPr/>
+        </p:nvCxnSpPr>
+        <p:spPr>
+          <a:xfrm>
+            <a:off x="8444952" y="4183900"/>
+            <a:ext cx="1139685" cy="0"/>
+          </a:xfrm>
+          <a:prstGeom prst="line">
+            <a:avLst/>
+          </a:prstGeom>
+        </p:spPr>
+        <p:style>
+          <a:lnRef idx="2">
+            <a:schemeClr val="accent1"/>
+          </a:lnRef>
+          <a:fillRef idx="0">
+            <a:schemeClr val="accent1"/>
+          </a:fillRef>
+          <a:effectRef idx="1">
+            <a:schemeClr val="accent1"/>
+          </a:effectRef>
+          <a:fontRef idx="minor">
+            <a:schemeClr val="tx1"/>
+          </a:fontRef>
+        </p:style>
+      </p:cxnSp>
+      <p:cxnSp>
+        <p:nvCxnSpPr>
+          <p:cNvPr id="50" name="Straight Connector 49">
+            <a:extLst>
+              <a:ext uri="{FF2B5EF4-FFF2-40B4-BE49-F238E27FC236}">
+                <a16:creationId xmlns:a16="http://schemas.microsoft.com/office/drawing/2014/main" id="{3249D86F-95C6-5F1C-6470-84192B3305AA}"/>
+              </a:ext>
+            </a:extLst>
+          </p:cNvPr>
+          <p:cNvCxnSpPr>
+            <a:cxnSpLocks/>
+          </p:cNvCxnSpPr>
+          <p:nvPr/>
+        </p:nvCxnSpPr>
+        <p:spPr>
+          <a:xfrm>
+            <a:off x="4800602" y="4150770"/>
+            <a:ext cx="987287" cy="14117"/>
+          </a:xfrm>
+          <a:prstGeom prst="line">
+            <a:avLst/>
+          </a:prstGeom>
+        </p:spPr>
+        <p:style>
+          <a:lnRef idx="2">
+            <a:schemeClr val="accent1"/>
+          </a:lnRef>
+          <a:fillRef idx="0">
+            <a:schemeClr val="accent1"/>
+          </a:fillRef>
+          <a:effectRef idx="1">
+            <a:schemeClr val="accent1"/>
+          </a:effectRef>
+          <a:fontRef idx="minor">
+            <a:schemeClr val="tx1"/>
+          </a:fontRef>
+        </p:style>
+      </p:cxnSp>
+      <p:cxnSp>
+        <p:nvCxnSpPr>
+          <p:cNvPr id="61" name="Connector: Elbow 60">
+            <a:extLst>
+              <a:ext uri="{FF2B5EF4-FFF2-40B4-BE49-F238E27FC236}">
+                <a16:creationId xmlns:a16="http://schemas.microsoft.com/office/drawing/2014/main" id="{57CA6103-D795-5DE1-1D13-E938DC847FCC}"/>
+              </a:ext>
+            </a:extLst>
+          </p:cNvPr>
+          <p:cNvCxnSpPr>
+            <a:cxnSpLocks/>
+          </p:cNvCxnSpPr>
+          <p:nvPr/>
+        </p:nvCxnSpPr>
+        <p:spPr>
+          <a:xfrm>
+            <a:off x="7023653" y="3392515"/>
+            <a:ext cx="715617" cy="331304"/>
+          </a:xfrm>
+          <a:prstGeom prst="bentConnector3">
+            <a:avLst/>
+          </a:prstGeom>
+        </p:spPr>
+        <p:style>
+          <a:lnRef idx="2">
+            <a:schemeClr val="accent1"/>
+          </a:lnRef>
+          <a:fillRef idx="0">
+            <a:schemeClr val="accent1"/>
+          </a:fillRef>
+          <a:effectRef idx="1">
+            <a:schemeClr val="accent1"/>
+          </a:effectRef>
+          <a:fontRef idx="minor">
+            <a:schemeClr val="tx1"/>
+          </a:fontRef>
+        </p:style>
+      </p:cxnSp>
+      <p:cxnSp>
+        <p:nvCxnSpPr>
+          <p:cNvPr id="62" name="Straight Connector 61">
+            <a:extLst>
+              <a:ext uri="{FF2B5EF4-FFF2-40B4-BE49-F238E27FC236}">
+                <a16:creationId xmlns:a16="http://schemas.microsoft.com/office/drawing/2014/main" id="{69B21A3D-0FC9-F48D-1408-597A0963902F}"/>
+              </a:ext>
+            </a:extLst>
+          </p:cNvPr>
+          <p:cNvCxnSpPr>
+            <a:cxnSpLocks/>
+          </p:cNvCxnSpPr>
+          <p:nvPr/>
+        </p:nvCxnSpPr>
+        <p:spPr>
+          <a:xfrm flipV="1">
+            <a:off x="7739270" y="3723819"/>
+            <a:ext cx="1845367" cy="9506"/>
+          </a:xfrm>
+          <a:prstGeom prst="line">
+            <a:avLst/>
+          </a:prstGeom>
+        </p:spPr>
+        <p:style>
+          <a:lnRef idx="2">
+            <a:schemeClr val="accent1"/>
+          </a:lnRef>
+          <a:fillRef idx="0">
+            <a:schemeClr val="accent1"/>
+          </a:fillRef>
+          <a:effectRef idx="1">
+            <a:schemeClr val="accent1"/>
+          </a:effectRef>
+          <a:fontRef idx="minor">
+            <a:schemeClr val="tx1"/>
+          </a:fontRef>
+        </p:style>
+      </p:cxnSp>
+      <p:sp>
+        <p:nvSpPr>
+          <p:cNvPr id="66" name="Oval 65">
+            <a:extLst>
+              <a:ext uri="{FF2B5EF4-FFF2-40B4-BE49-F238E27FC236}">
+                <a16:creationId xmlns:a16="http://schemas.microsoft.com/office/drawing/2014/main" id="{2635FF28-D7FF-5483-C5A2-95B814CB4933}"/>
+              </a:ext>
+            </a:extLst>
+          </p:cNvPr>
+          <p:cNvSpPr/>
+          <p:nvPr/>
+        </p:nvSpPr>
+        <p:spPr>
+          <a:xfrm>
+            <a:off x="5970106" y="4472205"/>
+            <a:ext cx="914400" cy="370054"/>
+          </a:xfrm>
+          <a:prstGeom prst="ellipse">
+            <a:avLst/>
+          </a:prstGeom>
+          <a:noFill/>
+          <a:ln>
+            <a:solidFill>
+              <a:srgbClr val="C00000"/>
+            </a:solidFill>
+          </a:ln>
+        </p:spPr>
+        <p:style>
+          <a:lnRef idx="2">
+            <a:schemeClr val="accent1">
+              <a:shade val="15000"/>
+            </a:schemeClr>
+          </a:lnRef>
+          <a:fillRef idx="1">
+            <a:schemeClr val="accent1"/>
+          </a:fillRef>
+          <a:effectRef idx="0">
+            <a:schemeClr val="accent1"/>
+          </a:effectRef>
+          <a:fontRef idx="minor">
+            <a:schemeClr val="lt1"/>
+          </a:fontRef>
+        </p:style>
+        <p:txBody>
+          <a:bodyPr rtlCol="0" anchor="ctr"/>
+          <a:lstStyle/>
+          <a:p>
+            <a:pPr algn="ctr"/>
+            <a:endParaRPr lang="en-CA"/>
+          </a:p>
+        </p:txBody>
+      </p:sp>
+      <p:cxnSp>
+        <p:nvCxnSpPr>
+          <p:cNvPr id="68" name="Straight Arrow Connector 67">
+            <a:extLst>
+              <a:ext uri="{FF2B5EF4-FFF2-40B4-BE49-F238E27FC236}">
+                <a16:creationId xmlns:a16="http://schemas.microsoft.com/office/drawing/2014/main" id="{504598D5-A13B-0BEF-7E72-AC41E1352A2F}"/>
+              </a:ext>
+            </a:extLst>
+          </p:cNvPr>
+          <p:cNvCxnSpPr>
+            <a:stCxn id="66" idx="0"/>
+          </p:cNvCxnSpPr>
+          <p:nvPr/>
+        </p:nvCxnSpPr>
+        <p:spPr>
+          <a:xfrm flipV="1">
+            <a:off x="6427306" y="3433207"/>
+            <a:ext cx="457200" cy="1038998"/>
+          </a:xfrm>
+          <a:prstGeom prst="straightConnector1">
+            <a:avLst/>
+          </a:prstGeom>
+          <a:ln>
+            <a:solidFill>
+              <a:srgbClr val="C00000"/>
+            </a:solidFill>
+            <a:tailEnd type="triangle"/>
+          </a:ln>
+        </p:spPr>
+        <p:style>
+          <a:lnRef idx="2">
+            <a:schemeClr val="accent1"/>
+          </a:lnRef>
+          <a:fillRef idx="0">
+            <a:schemeClr val="accent1"/>
+          </a:fillRef>
+          <a:effectRef idx="1">
+            <a:schemeClr val="accent1"/>
+          </a:effectRef>
+          <a:fontRef idx="minor">
+            <a:schemeClr val="tx1"/>
+          </a:fontRef>
+        </p:style>
+      </p:cxnSp>
+      <p:sp>
+        <p:nvSpPr>
+          <p:cNvPr id="69" name="TextBox 68">
+            <a:extLst>
+              <a:ext uri="{FF2B5EF4-FFF2-40B4-BE49-F238E27FC236}">
+                <a16:creationId xmlns:a16="http://schemas.microsoft.com/office/drawing/2014/main" id="{B3DF5F41-F93A-F79A-ADD6-B42372C404FA}"/>
+              </a:ext>
+            </a:extLst>
+          </p:cNvPr>
+          <p:cNvSpPr txBox="1"/>
+          <p:nvPr/>
+        </p:nvSpPr>
+        <p:spPr>
+          <a:xfrm>
+            <a:off x="55266" y="1803118"/>
+            <a:ext cx="10649975" cy="923330"/>
+          </a:xfrm>
+          <a:prstGeom prst="rect">
+            <a:avLst/>
+          </a:prstGeom>
+          <a:noFill/>
+        </p:spPr>
+        <p:txBody>
+          <a:bodyPr wrap="square" rtlCol="0">
+            <a:spAutoFit/>
+          </a:bodyPr>
+          <a:lstStyle/>
+          <a:p>
+            <a:r>
+              <a:rPr lang="en-US" dirty="0"/>
+              <a:t>The presence of a QMSI interrupt during an active bus cycle causes the master to delay negating the cycle until after the QMSI interrupt is no longer present. This is to allow the master to capture the incoming data</a:t>
+            </a:r>
+          </a:p>
+          <a:p>
+            <a:r>
+              <a:rPr lang="en-US" dirty="0"/>
+              <a:t>instead of the QMSI message.</a:t>
+            </a:r>
+            <a:endParaRPr lang="en-CA" dirty="0"/>
+          </a:p>
+        </p:txBody>
+      </p:sp>
+      <p:sp>
+        <p:nvSpPr>
+          <p:cNvPr id="70" name="Oval 69">
+            <a:extLst>
+              <a:ext uri="{FF2B5EF4-FFF2-40B4-BE49-F238E27FC236}">
+                <a16:creationId xmlns:a16="http://schemas.microsoft.com/office/drawing/2014/main" id="{70EF029E-35C0-1635-7330-7D2BE468EB95}"/>
+              </a:ext>
+            </a:extLst>
+          </p:cNvPr>
+          <p:cNvSpPr/>
+          <p:nvPr/>
+        </p:nvSpPr>
+        <p:spPr>
+          <a:xfrm>
+            <a:off x="2650435" y="4434179"/>
+            <a:ext cx="914400" cy="370054"/>
+          </a:xfrm>
+          <a:prstGeom prst="ellipse">
+            <a:avLst/>
+          </a:prstGeom>
+          <a:noFill/>
+          <a:ln>
+            <a:solidFill>
+              <a:srgbClr val="C00000"/>
+            </a:solidFill>
+          </a:ln>
+        </p:spPr>
+        <p:style>
+          <a:lnRef idx="2">
+            <a:schemeClr val="accent1">
+              <a:shade val="15000"/>
+            </a:schemeClr>
+          </a:lnRef>
+          <a:fillRef idx="1">
+            <a:schemeClr val="accent1"/>
+          </a:fillRef>
+          <a:effectRef idx="0">
+            <a:schemeClr val="accent1"/>
+          </a:effectRef>
+          <a:fontRef idx="minor">
+            <a:schemeClr val="lt1"/>
+          </a:fontRef>
+        </p:style>
+        <p:txBody>
+          <a:bodyPr rtlCol="0" anchor="ctr"/>
+          <a:lstStyle/>
+          <a:p>
+            <a:pPr algn="ctr"/>
+            <a:endParaRPr lang="en-CA"/>
+          </a:p>
+        </p:txBody>
+      </p:sp>
+      <p:cxnSp>
+        <p:nvCxnSpPr>
+          <p:cNvPr id="71" name="Straight Arrow Connector 70">
+            <a:extLst>
+              <a:ext uri="{FF2B5EF4-FFF2-40B4-BE49-F238E27FC236}">
+                <a16:creationId xmlns:a16="http://schemas.microsoft.com/office/drawing/2014/main" id="{52EB397D-5702-C6E0-EC4E-CACAA2BF2158}"/>
+              </a:ext>
+            </a:extLst>
+          </p:cNvPr>
+          <p:cNvCxnSpPr>
+            <a:cxnSpLocks/>
+          </p:cNvCxnSpPr>
+          <p:nvPr/>
+        </p:nvCxnSpPr>
+        <p:spPr>
+          <a:xfrm flipV="1">
+            <a:off x="3097695" y="3730445"/>
+            <a:ext cx="110986" cy="701068"/>
+          </a:xfrm>
+          <a:prstGeom prst="straightConnector1">
+            <a:avLst/>
+          </a:prstGeom>
+          <a:ln>
+            <a:solidFill>
+              <a:srgbClr val="C00000"/>
+            </a:solidFill>
+            <a:tailEnd type="triangle"/>
+          </a:ln>
+        </p:spPr>
+        <p:style>
+          <a:lnRef idx="2">
+            <a:schemeClr val="accent1"/>
+          </a:lnRef>
+          <a:fillRef idx="0">
+            <a:schemeClr val="accent1"/>
+          </a:fillRef>
+          <a:effectRef idx="1">
+            <a:schemeClr val="accent1"/>
+          </a:effectRef>
+          <a:fontRef idx="minor">
+            <a:schemeClr val="tx1"/>
+          </a:fontRef>
+        </p:style>
+      </p:cxnSp>
+      <p:sp>
+        <p:nvSpPr>
+          <p:cNvPr id="73" name="TextBox 72">
+            <a:extLst>
+              <a:ext uri="{FF2B5EF4-FFF2-40B4-BE49-F238E27FC236}">
+                <a16:creationId xmlns:a16="http://schemas.microsoft.com/office/drawing/2014/main" id="{865A74CF-1FF4-E182-AAF9-C495881744CD}"/>
+              </a:ext>
+            </a:extLst>
+          </p:cNvPr>
+          <p:cNvSpPr txBox="1"/>
+          <p:nvPr/>
+        </p:nvSpPr>
+        <p:spPr>
+          <a:xfrm>
+            <a:off x="2316560" y="3398276"/>
+            <a:ext cx="2443939" cy="276999"/>
+          </a:xfrm>
+          <a:prstGeom prst="rect">
+            <a:avLst/>
+          </a:prstGeom>
+          <a:noFill/>
+        </p:spPr>
+        <p:txBody>
+          <a:bodyPr wrap="none" rtlCol="0">
+            <a:spAutoFit/>
+          </a:bodyPr>
+          <a:lstStyle/>
+          <a:p>
+            <a:r>
+              <a:rPr lang="en-US" sz="1200" dirty="0"/>
+              <a:t>Inactive bus, master ignores QMSI</a:t>
+            </a:r>
+            <a:endParaRPr lang="en-CA" sz="1200" dirty="0"/>
+          </a:p>
+        </p:txBody>
+      </p:sp>
+      <p:sp>
+        <p:nvSpPr>
+          <p:cNvPr id="74" name="TextBox 73">
+            <a:extLst>
+              <a:ext uri="{FF2B5EF4-FFF2-40B4-BE49-F238E27FC236}">
+                <a16:creationId xmlns:a16="http://schemas.microsoft.com/office/drawing/2014/main" id="{92A51868-A1AE-DBCF-E392-A381DB6DFA0E}"/>
+              </a:ext>
+            </a:extLst>
+          </p:cNvPr>
+          <p:cNvSpPr txBox="1"/>
+          <p:nvPr/>
+        </p:nvSpPr>
+        <p:spPr>
+          <a:xfrm>
+            <a:off x="3891798" y="3872475"/>
+            <a:ext cx="2041521" cy="276999"/>
+          </a:xfrm>
+          <a:prstGeom prst="rect">
+            <a:avLst/>
+          </a:prstGeom>
+          <a:noFill/>
+        </p:spPr>
+        <p:txBody>
+          <a:bodyPr wrap="none" rtlCol="0">
+            <a:spAutoFit/>
+          </a:bodyPr>
+          <a:lstStyle/>
+          <a:p>
+            <a:r>
+              <a:rPr lang="en-US" sz="1200" dirty="0"/>
+              <a:t>Response bus acknowledge</a:t>
+            </a:r>
+            <a:endParaRPr lang="en-CA" sz="1200" dirty="0"/>
+          </a:p>
+        </p:txBody>
+      </p:sp>
+      <p:cxnSp>
+        <p:nvCxnSpPr>
+          <p:cNvPr id="78" name="Straight Connector 77">
+            <a:extLst>
+              <a:ext uri="{FF2B5EF4-FFF2-40B4-BE49-F238E27FC236}">
+                <a16:creationId xmlns:a16="http://schemas.microsoft.com/office/drawing/2014/main" id="{938FA4F9-A36C-ABA3-F907-266B72F1200E}"/>
+              </a:ext>
+            </a:extLst>
+          </p:cNvPr>
+          <p:cNvCxnSpPr/>
+          <p:nvPr/>
+        </p:nvCxnSpPr>
+        <p:spPr>
+          <a:xfrm>
+            <a:off x="6579704" y="5174974"/>
+            <a:ext cx="0" cy="848139"/>
+          </a:xfrm>
+          <a:prstGeom prst="line">
+            <a:avLst/>
+          </a:prstGeom>
+          <a:ln>
+            <a:solidFill>
+              <a:schemeClr val="tx1"/>
+            </a:solidFill>
+            <a:prstDash val="dashDot"/>
+          </a:ln>
+        </p:spPr>
+        <p:style>
+          <a:lnRef idx="2">
+            <a:schemeClr val="accent1"/>
+          </a:lnRef>
+          <a:fillRef idx="0">
+            <a:schemeClr val="accent1"/>
+          </a:fillRef>
+          <a:effectRef idx="1">
+            <a:schemeClr val="accent1"/>
+          </a:effectRef>
+          <a:fontRef idx="minor">
+            <a:schemeClr val="tx1"/>
+          </a:fontRef>
+        </p:style>
+      </p:cxnSp>
+      <p:cxnSp>
+        <p:nvCxnSpPr>
+          <p:cNvPr id="79" name="Straight Connector 78">
+            <a:extLst>
+              <a:ext uri="{FF2B5EF4-FFF2-40B4-BE49-F238E27FC236}">
+                <a16:creationId xmlns:a16="http://schemas.microsoft.com/office/drawing/2014/main" id="{65F7C124-BB6D-D0CC-771D-9F2B2F32E52E}"/>
+              </a:ext>
+            </a:extLst>
+          </p:cNvPr>
+          <p:cNvCxnSpPr>
+            <a:cxnSpLocks/>
+          </p:cNvCxnSpPr>
+          <p:nvPr/>
+        </p:nvCxnSpPr>
+        <p:spPr>
+          <a:xfrm>
+            <a:off x="7394712" y="3771067"/>
+            <a:ext cx="0" cy="2168110"/>
+          </a:xfrm>
+          <a:prstGeom prst="line">
+            <a:avLst/>
+          </a:prstGeom>
+          <a:ln>
+            <a:solidFill>
+              <a:schemeClr val="tx1"/>
+            </a:solidFill>
+            <a:prstDash val="dashDot"/>
+          </a:ln>
+        </p:spPr>
+        <p:style>
+          <a:lnRef idx="2">
+            <a:schemeClr val="accent1"/>
+          </a:lnRef>
+          <a:fillRef idx="0">
+            <a:schemeClr val="accent1"/>
+          </a:fillRef>
+          <a:effectRef idx="1">
+            <a:schemeClr val="accent1"/>
+          </a:effectRef>
+          <a:fontRef idx="minor">
+            <a:schemeClr val="tx1"/>
+          </a:fontRef>
+        </p:style>
+      </p:cxnSp>
+      <p:sp>
+        <p:nvSpPr>
+          <p:cNvPr id="81" name="TextBox 80">
+            <a:extLst>
+              <a:ext uri="{FF2B5EF4-FFF2-40B4-BE49-F238E27FC236}">
+                <a16:creationId xmlns:a16="http://schemas.microsoft.com/office/drawing/2014/main" id="{42454C5B-EED6-A0EB-8E81-C0E357833379}"/>
+              </a:ext>
+            </a:extLst>
+          </p:cNvPr>
+          <p:cNvSpPr txBox="1"/>
+          <p:nvPr/>
+        </p:nvSpPr>
+        <p:spPr>
+          <a:xfrm>
+            <a:off x="6520071" y="5939177"/>
+            <a:ext cx="1050159" cy="276999"/>
+          </a:xfrm>
+          <a:prstGeom prst="rect">
+            <a:avLst/>
+          </a:prstGeom>
+          <a:noFill/>
+        </p:spPr>
+        <p:txBody>
+          <a:bodyPr wrap="none" rtlCol="0">
+            <a:spAutoFit/>
+          </a:bodyPr>
+          <a:lstStyle/>
+          <a:p>
+            <a:r>
+              <a:rPr lang="en-US" sz="1200" dirty="0"/>
+              <a:t>1 clock delay</a:t>
+            </a:r>
+            <a:endParaRPr lang="en-CA" sz="1200" dirty="0"/>
+          </a:p>
+        </p:txBody>
+      </p:sp>
+      <p:cxnSp>
+        <p:nvCxnSpPr>
+          <p:cNvPr id="83" name="Straight Arrow Connector 82">
+            <a:extLst>
+              <a:ext uri="{FF2B5EF4-FFF2-40B4-BE49-F238E27FC236}">
+                <a16:creationId xmlns:a16="http://schemas.microsoft.com/office/drawing/2014/main" id="{873CC427-8FEB-4F6F-4150-2B1BBBE5C14E}"/>
+              </a:ext>
+            </a:extLst>
+          </p:cNvPr>
+          <p:cNvCxnSpPr>
+            <a:cxnSpLocks/>
+          </p:cNvCxnSpPr>
+          <p:nvPr/>
+        </p:nvCxnSpPr>
+        <p:spPr>
+          <a:xfrm>
+            <a:off x="6579704" y="5796329"/>
+            <a:ext cx="801757" cy="0"/>
+          </a:xfrm>
+          <a:prstGeom prst="straightConnector1">
+            <a:avLst/>
+          </a:prstGeom>
+          <a:ln>
+            <a:headEnd type="triangle"/>
+            <a:tailEnd type="triangle"/>
+          </a:ln>
+        </p:spPr>
+        <p:style>
+          <a:lnRef idx="2">
+            <a:schemeClr val="accent1"/>
+          </a:lnRef>
+          <a:fillRef idx="0">
+            <a:schemeClr val="accent1"/>
+          </a:fillRef>
+          <a:effectRef idx="1">
+            <a:schemeClr val="accent1"/>
+          </a:effectRef>
+          <a:fontRef idx="minor">
+            <a:schemeClr val="tx1"/>
+          </a:fontRef>
+        </p:style>
+      </p:cxnSp>
+    </p:spTree>
+    <p:extLst>
+      <p:ext uri="{BB962C8B-B14F-4D97-AF65-F5344CB8AC3E}">
+        <p14:creationId xmlns:p14="http://schemas.microsoft.com/office/powerpoint/2010/main" val="4155112246"/>
       </p:ext>
     </p:extLst>
   </p:cSld>

--- a/rtl/cpu_v4/doc/Qupls4.pptx
+++ b/rtl/cpu_v4/doc/Qupls4.pptx
@@ -25,6 +25,8 @@
     <p:sldId id="272" r:id="rId19"/>
     <p:sldId id="274" r:id="rId20"/>
     <p:sldId id="275" r:id="rId21"/>
+    <p:sldId id="276" r:id="rId22"/>
+    <p:sldId id="277" r:id="rId23"/>
   </p:sldIdLst>
   <p:sldSz cx="12192000" cy="12168188"/>
   <p:notesSz cx="6858000" cy="9144000"/>
@@ -134,7 +136,7 @@
 <file path=ppt/revisionInfo.xml><?xml version="1.0" encoding="utf-8"?>
 <p1510:revInfo xmlns:a="http://schemas.openxmlformats.org/drawingml/2006/main" xmlns:r="http://schemas.openxmlformats.org/officeDocument/2006/relationships" xmlns:p1510="http://schemas.microsoft.com/office/powerpoint/2015/10/main">
   <p1510:revLst>
-    <p1510:client id="{530FFA59-183F-4364-BD66-BC6B6EDC579B}" v="101" dt="2025-12-26T04:42:34.719"/>
+    <p1510:client id="{530FFA59-183F-4364-BD66-BC6B6EDC579B}" v="125" dt="2026-01-05T06:28:14.322"/>
   </p1510:revLst>
 </p1510:revInfo>
 </file>
@@ -144,7 +146,7 @@
   <pc:docChgLst>
     <pc:chgData name="Robert Finch" userId="360118edfabb5ba6" providerId="LiveId" clId="{940D50E2-FEDC-434C-83CF-A13052851249}"/>
     <pc:docChg chg="undo custSel addSld modSld">
-      <pc:chgData name="Robert Finch" userId="360118edfabb5ba6" providerId="LiveId" clId="{940D50E2-FEDC-434C-83CF-A13052851249}" dt="2025-12-26T04:42:34.719" v="5180"/>
+      <pc:chgData name="Robert Finch" userId="360118edfabb5ba6" providerId="LiveId" clId="{940D50E2-FEDC-434C-83CF-A13052851249}" dt="2026-01-05T06:31:42.266" v="6286" actId="1076"/>
       <pc:docMkLst>
         <pc:docMk/>
       </pc:docMkLst>
@@ -154,14 +156,6 @@
           <pc:docMk/>
           <pc:sldMk cId="3493996368" sldId="256"/>
         </pc:sldMkLst>
-        <pc:spChg chg="mod">
-          <ac:chgData name="Robert Finch" userId="360118edfabb5ba6" providerId="LiveId" clId="{940D50E2-FEDC-434C-83CF-A13052851249}" dt="2025-12-01T12:31:30.059" v="22" actId="20577"/>
-          <ac:spMkLst>
-            <pc:docMk/>
-            <pc:sldMk cId="3493996368" sldId="256"/>
-            <ac:spMk id="2" creationId="{7730D39D-FAB4-71A0-50A9-AAFD49CFD457}"/>
-          </ac:spMkLst>
-        </pc:spChg>
         <pc:spChg chg="mod">
           <ac:chgData name="Robert Finch" userId="360118edfabb5ba6" providerId="LiveId" clId="{940D50E2-FEDC-434C-83CF-A13052851249}" dt="2025-12-13T23:24:22.126" v="2176" actId="20577"/>
           <ac:spMkLst>
@@ -260,21 +254,6 @@
         </pc:spChg>
       </pc:sldChg>
       <pc:sldChg chg="modSp mod">
-        <pc:chgData name="Robert Finch" userId="360118edfabb5ba6" providerId="LiveId" clId="{940D50E2-FEDC-434C-83CF-A13052851249}" dt="2025-12-01T12:31:07.022" v="19" actId="20577"/>
-        <pc:sldMkLst>
-          <pc:docMk/>
-          <pc:sldMk cId="2594290601" sldId="257"/>
-        </pc:sldMkLst>
-        <pc:spChg chg="mod">
-          <ac:chgData name="Robert Finch" userId="360118edfabb5ba6" providerId="LiveId" clId="{940D50E2-FEDC-434C-83CF-A13052851249}" dt="2025-12-01T12:31:07.022" v="19" actId="20577"/>
-          <ac:spMkLst>
-            <pc:docMk/>
-            <pc:sldMk cId="2594290601" sldId="257"/>
-            <ac:spMk id="2" creationId="{922B9395-D48D-D2C9-3B68-4D26BC937E22}"/>
-          </ac:spMkLst>
-        </pc:spChg>
-      </pc:sldChg>
-      <pc:sldChg chg="modSp mod">
         <pc:chgData name="Robert Finch" userId="360118edfabb5ba6" providerId="LiveId" clId="{940D50E2-FEDC-434C-83CF-A13052851249}" dt="2025-12-20T20:31:05.965" v="3245" actId="27636"/>
         <pc:sldMkLst>
           <pc:docMk/>
@@ -286,21 +265,6 @@
             <pc:docMk/>
             <pc:sldMk cId="2650679018" sldId="258"/>
             <ac:spMk id="2" creationId="{589C157B-1C51-0E6E-C43E-CBBA43BA6BE8}"/>
-          </ac:spMkLst>
-        </pc:spChg>
-      </pc:sldChg>
-      <pc:sldChg chg="modSp mod">
-        <pc:chgData name="Robert Finch" userId="360118edfabb5ba6" providerId="LiveId" clId="{940D50E2-FEDC-434C-83CF-A13052851249}" dt="2025-12-01T12:31:14.706" v="20" actId="20577"/>
-        <pc:sldMkLst>
-          <pc:docMk/>
-          <pc:sldMk cId="2694914445" sldId="259"/>
-        </pc:sldMkLst>
-        <pc:spChg chg="mod">
-          <ac:chgData name="Robert Finch" userId="360118edfabb5ba6" providerId="LiveId" clId="{940D50E2-FEDC-434C-83CF-A13052851249}" dt="2025-12-01T12:31:14.706" v="20" actId="20577"/>
-          <ac:spMkLst>
-            <pc:docMk/>
-            <pc:sldMk cId="2694914445" sldId="259"/>
-            <ac:spMk id="2" creationId="{8C0E7671-DA3D-5C66-D0DC-22B672A22041}"/>
           </ac:spMkLst>
         </pc:spChg>
       </pc:sldChg>
@@ -335,36 +299,6 @@
         </pc:spChg>
       </pc:sldChg>
       <pc:sldChg chg="modSp mod">
-        <pc:chgData name="Robert Finch" userId="360118edfabb5ba6" providerId="LiveId" clId="{940D50E2-FEDC-434C-83CF-A13052851249}" dt="2025-12-01T12:31:35.416" v="23" actId="20577"/>
-        <pc:sldMkLst>
-          <pc:docMk/>
-          <pc:sldMk cId="1888516878" sldId="262"/>
-        </pc:sldMkLst>
-        <pc:spChg chg="mod">
-          <ac:chgData name="Robert Finch" userId="360118edfabb5ba6" providerId="LiveId" clId="{940D50E2-FEDC-434C-83CF-A13052851249}" dt="2025-12-01T12:31:35.416" v="23" actId="20577"/>
-          <ac:spMkLst>
-            <pc:docMk/>
-            <pc:sldMk cId="1888516878" sldId="262"/>
-            <ac:spMk id="2" creationId="{CD976A82-092D-CF16-A768-4B843A414F2D}"/>
-          </ac:spMkLst>
-        </pc:spChg>
-      </pc:sldChg>
-      <pc:sldChg chg="modSp mod">
-        <pc:chgData name="Robert Finch" userId="360118edfabb5ba6" providerId="LiveId" clId="{940D50E2-FEDC-434C-83CF-A13052851249}" dt="2025-12-01T12:30:48.215" v="4" actId="20577"/>
-        <pc:sldMkLst>
-          <pc:docMk/>
-          <pc:sldMk cId="1543770821" sldId="264"/>
-        </pc:sldMkLst>
-        <pc:spChg chg="mod">
-          <ac:chgData name="Robert Finch" userId="360118edfabb5ba6" providerId="LiveId" clId="{940D50E2-FEDC-434C-83CF-A13052851249}" dt="2025-12-01T12:30:48.215" v="4" actId="20577"/>
-          <ac:spMkLst>
-            <pc:docMk/>
-            <pc:sldMk cId="1543770821" sldId="264"/>
-            <ac:spMk id="2" creationId="{D6982963-00C0-AAD8-68F5-4679E999E639}"/>
-          </ac:spMkLst>
-        </pc:spChg>
-      </pc:sldChg>
-      <pc:sldChg chg="modSp mod">
         <pc:chgData name="Robert Finch" userId="360118edfabb5ba6" providerId="LiveId" clId="{940D50E2-FEDC-434C-83CF-A13052851249}" dt="2025-12-20T20:31:05.972" v="3247" actId="27636"/>
         <pc:sldMkLst>
           <pc:docMk/>
@@ -378,410 +312,6 @@
             <ac:spMk id="2" creationId="{E38F5E3B-E68A-AB15-0E22-5D809E5F1BF8}"/>
           </ac:spMkLst>
         </pc:spChg>
-      </pc:sldChg>
-      <pc:sldChg chg="addSp delSp modSp new mod">
-        <pc:chgData name="Robert Finch" userId="360118edfabb5ba6" providerId="LiveId" clId="{940D50E2-FEDC-434C-83CF-A13052851249}" dt="2025-12-04T09:03:59.136" v="599" actId="1076"/>
-        <pc:sldMkLst>
-          <pc:docMk/>
-          <pc:sldMk cId="2700656055" sldId="267"/>
-        </pc:sldMkLst>
-        <pc:spChg chg="mod">
-          <ac:chgData name="Robert Finch" userId="360118edfabb5ba6" providerId="LiveId" clId="{940D50E2-FEDC-434C-83CF-A13052851249}" dt="2025-12-04T09:03:31.095" v="598" actId="20577"/>
-          <ac:spMkLst>
-            <pc:docMk/>
-            <pc:sldMk cId="2700656055" sldId="267"/>
-            <ac:spMk id="2" creationId="{3050B25B-2706-8EB3-02AB-0A78B390E4B3}"/>
-          </ac:spMkLst>
-        </pc:spChg>
-        <pc:spChg chg="add mod">
-          <ac:chgData name="Robert Finch" userId="360118edfabb5ba6" providerId="LiveId" clId="{940D50E2-FEDC-434C-83CF-A13052851249}" dt="2025-12-04T09:03:59.136" v="599" actId="1076"/>
-          <ac:spMkLst>
-            <pc:docMk/>
-            <pc:sldMk cId="2700656055" sldId="267"/>
-            <ac:spMk id="4" creationId="{F986A818-5AB2-A7B3-9AD5-B50500991B27}"/>
-          </ac:spMkLst>
-        </pc:spChg>
-        <pc:spChg chg="add mod">
-          <ac:chgData name="Robert Finch" userId="360118edfabb5ba6" providerId="LiveId" clId="{940D50E2-FEDC-434C-83CF-A13052851249}" dt="2025-12-04T09:03:59.136" v="599" actId="1076"/>
-          <ac:spMkLst>
-            <pc:docMk/>
-            <pc:sldMk cId="2700656055" sldId="267"/>
-            <ac:spMk id="5" creationId="{FD67CC3A-4FBC-0F72-3350-2386E8D8A3DB}"/>
-          </ac:spMkLst>
-        </pc:spChg>
-        <pc:spChg chg="add mod">
-          <ac:chgData name="Robert Finch" userId="360118edfabb5ba6" providerId="LiveId" clId="{940D50E2-FEDC-434C-83CF-A13052851249}" dt="2025-12-04T09:03:59.136" v="599" actId="1076"/>
-          <ac:spMkLst>
-            <pc:docMk/>
-            <pc:sldMk cId="2700656055" sldId="267"/>
-            <ac:spMk id="6" creationId="{DC743D58-4896-F445-BD37-78B7612220A2}"/>
-          </ac:spMkLst>
-        </pc:spChg>
-        <pc:spChg chg="add mod">
-          <ac:chgData name="Robert Finch" userId="360118edfabb5ba6" providerId="LiveId" clId="{940D50E2-FEDC-434C-83CF-A13052851249}" dt="2025-12-04T08:55:10.465" v="305" actId="1076"/>
-          <ac:spMkLst>
-            <pc:docMk/>
-            <pc:sldMk cId="2700656055" sldId="267"/>
-            <ac:spMk id="7" creationId="{6F22FAFC-519B-CDE9-3A1A-0C2D12FEFDE7}"/>
-          </ac:spMkLst>
-        </pc:spChg>
-        <pc:spChg chg="add mod">
-          <ac:chgData name="Robert Finch" userId="360118edfabb5ba6" providerId="LiveId" clId="{940D50E2-FEDC-434C-83CF-A13052851249}" dt="2025-12-04T09:03:59.136" v="599" actId="1076"/>
-          <ac:spMkLst>
-            <pc:docMk/>
-            <pc:sldMk cId="2700656055" sldId="267"/>
-            <ac:spMk id="8" creationId="{C50FC78B-1F47-1554-32F3-B4790B90773E}"/>
-          </ac:spMkLst>
-        </pc:spChg>
-        <pc:spChg chg="add mod">
-          <ac:chgData name="Robert Finch" userId="360118edfabb5ba6" providerId="LiveId" clId="{940D50E2-FEDC-434C-83CF-A13052851249}" dt="2025-12-04T08:55:26.409" v="309" actId="14100"/>
-          <ac:spMkLst>
-            <pc:docMk/>
-            <pc:sldMk cId="2700656055" sldId="267"/>
-            <ac:spMk id="9" creationId="{0C2F6C3F-EC1A-0305-A8BD-AFF525B3953A}"/>
-          </ac:spMkLst>
-        </pc:spChg>
-        <pc:spChg chg="add mod">
-          <ac:chgData name="Robert Finch" userId="360118edfabb5ba6" providerId="LiveId" clId="{940D50E2-FEDC-434C-83CF-A13052851249}" dt="2025-12-04T08:55:33.269" v="310" actId="1076"/>
-          <ac:spMkLst>
-            <pc:docMk/>
-            <pc:sldMk cId="2700656055" sldId="267"/>
-            <ac:spMk id="10" creationId="{4D37097F-8AFF-23C8-015D-7086C5FE92ED}"/>
-          </ac:spMkLst>
-        </pc:spChg>
-        <pc:spChg chg="add mod">
-          <ac:chgData name="Robert Finch" userId="360118edfabb5ba6" providerId="LiveId" clId="{940D50E2-FEDC-434C-83CF-A13052851249}" dt="2025-12-04T09:03:59.136" v="599" actId="1076"/>
-          <ac:spMkLst>
-            <pc:docMk/>
-            <pc:sldMk cId="2700656055" sldId="267"/>
-            <ac:spMk id="11" creationId="{198D87D7-5214-4CCF-D911-C164BE726316}"/>
-          </ac:spMkLst>
-        </pc:spChg>
-        <pc:spChg chg="add mod">
-          <ac:chgData name="Robert Finch" userId="360118edfabb5ba6" providerId="LiveId" clId="{940D50E2-FEDC-434C-83CF-A13052851249}" dt="2025-12-04T09:03:59.136" v="599" actId="1076"/>
-          <ac:spMkLst>
-            <pc:docMk/>
-            <pc:sldMk cId="2700656055" sldId="267"/>
-            <ac:spMk id="12" creationId="{6D35E58A-D186-7F4C-F385-BB8058D5006A}"/>
-          </ac:spMkLst>
-        </pc:spChg>
-        <pc:spChg chg="add mod">
-          <ac:chgData name="Robert Finch" userId="360118edfabb5ba6" providerId="LiveId" clId="{940D50E2-FEDC-434C-83CF-A13052851249}" dt="2025-12-04T09:03:59.136" v="599" actId="1076"/>
-          <ac:spMkLst>
-            <pc:docMk/>
-            <pc:sldMk cId="2700656055" sldId="267"/>
-            <ac:spMk id="13" creationId="{12BB82C7-FF8B-4CC1-B399-7617E39E8291}"/>
-          </ac:spMkLst>
-        </pc:spChg>
-        <pc:spChg chg="add mod">
-          <ac:chgData name="Robert Finch" userId="360118edfabb5ba6" providerId="LiveId" clId="{940D50E2-FEDC-434C-83CF-A13052851249}" dt="2025-12-04T09:03:59.136" v="599" actId="1076"/>
-          <ac:spMkLst>
-            <pc:docMk/>
-            <pc:sldMk cId="2700656055" sldId="267"/>
-            <ac:spMk id="14" creationId="{3480C16B-509C-8C47-4F5B-BD33BBEC341C}"/>
-          </ac:spMkLst>
-        </pc:spChg>
-        <pc:spChg chg="add mod">
-          <ac:chgData name="Robert Finch" userId="360118edfabb5ba6" providerId="LiveId" clId="{940D50E2-FEDC-434C-83CF-A13052851249}" dt="2025-12-04T09:03:59.136" v="599" actId="1076"/>
-          <ac:spMkLst>
-            <pc:docMk/>
-            <pc:sldMk cId="2700656055" sldId="267"/>
-            <ac:spMk id="15" creationId="{526F122C-2B42-9A9B-F869-E7C10C736D74}"/>
-          </ac:spMkLst>
-        </pc:spChg>
-        <pc:spChg chg="add mod">
-          <ac:chgData name="Robert Finch" userId="360118edfabb5ba6" providerId="LiveId" clId="{940D50E2-FEDC-434C-83CF-A13052851249}" dt="2025-12-04T08:58:05.214" v="405" actId="1076"/>
-          <ac:spMkLst>
-            <pc:docMk/>
-            <pc:sldMk cId="2700656055" sldId="267"/>
-            <ac:spMk id="16" creationId="{2F909C33-040A-7EE5-16BB-8F7A9D2050AA}"/>
-          </ac:spMkLst>
-        </pc:spChg>
-        <pc:spChg chg="add mod">
-          <ac:chgData name="Robert Finch" userId="360118edfabb5ba6" providerId="LiveId" clId="{940D50E2-FEDC-434C-83CF-A13052851249}" dt="2025-12-04T08:58:57.067" v="409" actId="692"/>
-          <ac:spMkLst>
-            <pc:docMk/>
-            <pc:sldMk cId="2700656055" sldId="267"/>
-            <ac:spMk id="17" creationId="{4161D8EA-02BC-53C3-E9AA-F7B0A2CBBA15}"/>
-          </ac:spMkLst>
-        </pc:spChg>
-        <pc:spChg chg="add mod">
-          <ac:chgData name="Robert Finch" userId="360118edfabb5ba6" providerId="LiveId" clId="{940D50E2-FEDC-434C-83CF-A13052851249}" dt="2025-12-04T08:59:18.188" v="411" actId="1076"/>
-          <ac:spMkLst>
-            <pc:docMk/>
-            <pc:sldMk cId="2700656055" sldId="267"/>
-            <ac:spMk id="18" creationId="{92EC0335-84F6-6C7A-0E1D-12500B773CEA}"/>
-          </ac:spMkLst>
-        </pc:spChg>
-        <pc:spChg chg="add mod">
-          <ac:chgData name="Robert Finch" userId="360118edfabb5ba6" providerId="LiveId" clId="{940D50E2-FEDC-434C-83CF-A13052851249}" dt="2025-12-04T09:03:59.136" v="599" actId="1076"/>
-          <ac:spMkLst>
-            <pc:docMk/>
-            <pc:sldMk cId="2700656055" sldId="267"/>
-            <ac:spMk id="19" creationId="{3684DD6F-A379-44E7-BC7B-D763C4617FE4}"/>
-          </ac:spMkLst>
-        </pc:spChg>
-        <pc:spChg chg="add mod">
-          <ac:chgData name="Robert Finch" userId="360118edfabb5ba6" providerId="LiveId" clId="{940D50E2-FEDC-434C-83CF-A13052851249}" dt="2025-12-04T09:03:17.178" v="580" actId="1076"/>
-          <ac:spMkLst>
-            <pc:docMk/>
-            <pc:sldMk cId="2700656055" sldId="267"/>
-            <ac:spMk id="53" creationId="{C19E7C1D-A9AD-16AA-A100-257115DA4B9E}"/>
-          </ac:spMkLst>
-        </pc:spChg>
-        <pc:cxnChg chg="add">
-          <ac:chgData name="Robert Finch" userId="360118edfabb5ba6" providerId="LiveId" clId="{940D50E2-FEDC-434C-83CF-A13052851249}" dt="2025-12-04T08:59:58.033" v="430" actId="11529"/>
-          <ac:cxnSpMkLst>
-            <pc:docMk/>
-            <pc:sldMk cId="2700656055" sldId="267"/>
-            <ac:cxnSpMk id="21" creationId="{6320FC7F-FFE0-5024-14C0-16F6373EAEBB}"/>
-          </ac:cxnSpMkLst>
-        </pc:cxnChg>
-        <pc:cxnChg chg="add">
-          <ac:chgData name="Robert Finch" userId="360118edfabb5ba6" providerId="LiveId" clId="{940D50E2-FEDC-434C-83CF-A13052851249}" dt="2025-12-04T09:00:05.094" v="431" actId="11529"/>
-          <ac:cxnSpMkLst>
-            <pc:docMk/>
-            <pc:sldMk cId="2700656055" sldId="267"/>
-            <ac:cxnSpMk id="23" creationId="{869BF54E-88AA-55C7-2ED9-B3A7524AFD41}"/>
-          </ac:cxnSpMkLst>
-        </pc:cxnChg>
-        <pc:cxnChg chg="add">
-          <ac:chgData name="Robert Finch" userId="360118edfabb5ba6" providerId="LiveId" clId="{940D50E2-FEDC-434C-83CF-A13052851249}" dt="2025-12-04T09:00:10.835" v="432" actId="11529"/>
-          <ac:cxnSpMkLst>
-            <pc:docMk/>
-            <pc:sldMk cId="2700656055" sldId="267"/>
-            <ac:cxnSpMk id="25" creationId="{AD786A4B-5358-39A6-A057-ECFE46A8CE54}"/>
-          </ac:cxnSpMkLst>
-        </pc:cxnChg>
-        <pc:cxnChg chg="add">
-          <ac:chgData name="Robert Finch" userId="360118edfabb5ba6" providerId="LiveId" clId="{940D50E2-FEDC-434C-83CF-A13052851249}" dt="2025-12-04T09:00:16.784" v="433" actId="11529"/>
-          <ac:cxnSpMkLst>
-            <pc:docMk/>
-            <pc:sldMk cId="2700656055" sldId="267"/>
-            <ac:cxnSpMk id="27" creationId="{10C91033-4BB2-E910-2101-054F7F2DB614}"/>
-          </ac:cxnSpMkLst>
-        </pc:cxnChg>
-        <pc:cxnChg chg="add">
-          <ac:chgData name="Robert Finch" userId="360118edfabb5ba6" providerId="LiveId" clId="{940D50E2-FEDC-434C-83CF-A13052851249}" dt="2025-12-04T09:00:24.094" v="434" actId="11529"/>
-          <ac:cxnSpMkLst>
-            <pc:docMk/>
-            <pc:sldMk cId="2700656055" sldId="267"/>
-            <ac:cxnSpMk id="29" creationId="{7B964511-601F-90A7-48C2-DC3D4E6EA607}"/>
-          </ac:cxnSpMkLst>
-        </pc:cxnChg>
-        <pc:cxnChg chg="add">
-          <ac:chgData name="Robert Finch" userId="360118edfabb5ba6" providerId="LiveId" clId="{940D50E2-FEDC-434C-83CF-A13052851249}" dt="2025-12-04T09:00:29.874" v="435" actId="11529"/>
-          <ac:cxnSpMkLst>
-            <pc:docMk/>
-            <pc:sldMk cId="2700656055" sldId="267"/>
-            <ac:cxnSpMk id="31" creationId="{7506FB71-2337-89CB-835B-EC15D2291E54}"/>
-          </ac:cxnSpMkLst>
-        </pc:cxnChg>
-        <pc:cxnChg chg="add">
-          <ac:chgData name="Robert Finch" userId="360118edfabb5ba6" providerId="LiveId" clId="{940D50E2-FEDC-434C-83CF-A13052851249}" dt="2025-12-04T09:00:36.088" v="436" actId="11529"/>
-          <ac:cxnSpMkLst>
-            <pc:docMk/>
-            <pc:sldMk cId="2700656055" sldId="267"/>
-            <ac:cxnSpMk id="33" creationId="{1FABF2A9-5106-1EC2-FC6A-669CA5802D3D}"/>
-          </ac:cxnSpMkLst>
-        </pc:cxnChg>
-        <pc:cxnChg chg="add">
-          <ac:chgData name="Robert Finch" userId="360118edfabb5ba6" providerId="LiveId" clId="{940D50E2-FEDC-434C-83CF-A13052851249}" dt="2025-12-04T09:00:42.037" v="437" actId="11529"/>
-          <ac:cxnSpMkLst>
-            <pc:docMk/>
-            <pc:sldMk cId="2700656055" sldId="267"/>
-            <ac:cxnSpMk id="35" creationId="{8BAAD784-FE55-0FB6-3124-959CF9453124}"/>
-          </ac:cxnSpMkLst>
-        </pc:cxnChg>
-        <pc:cxnChg chg="add mod">
-          <ac:chgData name="Robert Finch" userId="360118edfabb5ba6" providerId="LiveId" clId="{940D50E2-FEDC-434C-83CF-A13052851249}" dt="2025-12-04T09:00:51.816" v="439" actId="14100"/>
-          <ac:cxnSpMkLst>
-            <pc:docMk/>
-            <pc:sldMk cId="2700656055" sldId="267"/>
-            <ac:cxnSpMk id="37" creationId="{E447E4B4-30D8-9E72-06DA-F9F6E108A9EB}"/>
-          </ac:cxnSpMkLst>
-        </pc:cxnChg>
-        <pc:cxnChg chg="add">
-          <ac:chgData name="Robert Finch" userId="360118edfabb5ba6" providerId="LiveId" clId="{940D50E2-FEDC-434C-83CF-A13052851249}" dt="2025-12-04T09:00:58.037" v="440" actId="11529"/>
-          <ac:cxnSpMkLst>
-            <pc:docMk/>
-            <pc:sldMk cId="2700656055" sldId="267"/>
-            <ac:cxnSpMk id="40" creationId="{4369600B-BABA-FE32-1D1E-1B7FD4A12A14}"/>
-          </ac:cxnSpMkLst>
-        </pc:cxnChg>
-        <pc:cxnChg chg="add">
-          <ac:chgData name="Robert Finch" userId="360118edfabb5ba6" providerId="LiveId" clId="{940D50E2-FEDC-434C-83CF-A13052851249}" dt="2025-12-04T09:01:06.913" v="441" actId="11529"/>
-          <ac:cxnSpMkLst>
-            <pc:docMk/>
-            <pc:sldMk cId="2700656055" sldId="267"/>
-            <ac:cxnSpMk id="42" creationId="{38DAB157-687B-FA64-ABF1-DECCC302E095}"/>
-          </ac:cxnSpMkLst>
-        </pc:cxnChg>
-        <pc:cxnChg chg="add">
-          <ac:chgData name="Robert Finch" userId="360118edfabb5ba6" providerId="LiveId" clId="{940D50E2-FEDC-434C-83CF-A13052851249}" dt="2025-12-04T09:01:13.046" v="442" actId="11529"/>
-          <ac:cxnSpMkLst>
-            <pc:docMk/>
-            <pc:sldMk cId="2700656055" sldId="267"/>
-            <ac:cxnSpMk id="44" creationId="{F596A18D-32F1-55FE-B292-C63A7CDDAAFF}"/>
-          </ac:cxnSpMkLst>
-        </pc:cxnChg>
-        <pc:cxnChg chg="add">
-          <ac:chgData name="Robert Finch" userId="360118edfabb5ba6" providerId="LiveId" clId="{940D50E2-FEDC-434C-83CF-A13052851249}" dt="2025-12-04T09:01:19.211" v="443" actId="11529"/>
-          <ac:cxnSpMkLst>
-            <pc:docMk/>
-            <pc:sldMk cId="2700656055" sldId="267"/>
-            <ac:cxnSpMk id="46" creationId="{2C833420-1047-3D23-BE0A-48A352A431B1}"/>
-          </ac:cxnSpMkLst>
-        </pc:cxnChg>
-        <pc:cxnChg chg="add">
-          <ac:chgData name="Robert Finch" userId="360118edfabb5ba6" providerId="LiveId" clId="{940D50E2-FEDC-434C-83CF-A13052851249}" dt="2025-12-04T09:01:27.935" v="444" actId="11529"/>
-          <ac:cxnSpMkLst>
-            <pc:docMk/>
-            <pc:sldMk cId="2700656055" sldId="267"/>
-            <ac:cxnSpMk id="48" creationId="{D4BC2AE6-1A92-0F7F-1056-54E42B947BFF}"/>
-          </ac:cxnSpMkLst>
-        </pc:cxnChg>
-        <pc:cxnChg chg="add mod">
-          <ac:chgData name="Robert Finch" userId="360118edfabb5ba6" providerId="LiveId" clId="{940D50E2-FEDC-434C-83CF-A13052851249}" dt="2025-12-04T09:01:43.189" v="446" actId="692"/>
-          <ac:cxnSpMkLst>
-            <pc:docMk/>
-            <pc:sldMk cId="2700656055" sldId="267"/>
-            <ac:cxnSpMk id="50" creationId="{E3FE8526-AF2E-5DA2-36AF-D77B3DB40004}"/>
-          </ac:cxnSpMkLst>
-        </pc:cxnChg>
-        <pc:cxnChg chg="add mod">
-          <ac:chgData name="Robert Finch" userId="360118edfabb5ba6" providerId="LiveId" clId="{940D50E2-FEDC-434C-83CF-A13052851249}" dt="2025-12-04T09:01:54.438" v="448" actId="692"/>
-          <ac:cxnSpMkLst>
-            <pc:docMk/>
-            <pc:sldMk cId="2700656055" sldId="267"/>
-            <ac:cxnSpMk id="52" creationId="{14FBF3B3-3CB4-E90E-723D-28BCCFAF5D51}"/>
-          </ac:cxnSpMkLst>
-        </pc:cxnChg>
-      </pc:sldChg>
-      <pc:sldChg chg="modSp add mod">
-        <pc:chgData name="Robert Finch" userId="360118edfabb5ba6" providerId="LiveId" clId="{940D50E2-FEDC-434C-83CF-A13052851249}" dt="2025-12-04T08:22:15.045" v="32" actId="1076"/>
-        <pc:sldMkLst>
-          <pc:docMk/>
-          <pc:sldMk cId="3761679462" sldId="268"/>
-        </pc:sldMkLst>
-        <pc:spChg chg="mod">
-          <ac:chgData name="Robert Finch" userId="360118edfabb5ba6" providerId="LiveId" clId="{940D50E2-FEDC-434C-83CF-A13052851249}" dt="2025-12-04T08:21:49.321" v="31" actId="20577"/>
-          <ac:spMkLst>
-            <pc:docMk/>
-            <pc:sldMk cId="3761679462" sldId="268"/>
-            <ac:spMk id="2" creationId="{DE61D225-C030-A88E-9267-DF070E4D0FE1}"/>
-          </ac:spMkLst>
-        </pc:spChg>
-        <pc:spChg chg="mod">
-          <ac:chgData name="Robert Finch" userId="360118edfabb5ba6" providerId="LiveId" clId="{940D50E2-FEDC-434C-83CF-A13052851249}" dt="2025-12-04T08:22:15.045" v="32" actId="1076"/>
-          <ac:spMkLst>
-            <pc:docMk/>
-            <pc:sldMk cId="3761679462" sldId="268"/>
-            <ac:spMk id="26" creationId="{9A0E7198-4FB0-5949-B7AA-D94862E804D7}"/>
-          </ac:spMkLst>
-        </pc:spChg>
-      </pc:sldChg>
-      <pc:sldChg chg="addSp delSp modSp new mod">
-        <pc:chgData name="Robert Finch" userId="360118edfabb5ba6" providerId="LiveId" clId="{940D50E2-FEDC-434C-83CF-A13052851249}" dt="2025-12-04T09:21:16.062" v="1078" actId="20577"/>
-        <pc:sldMkLst>
-          <pc:docMk/>
-          <pc:sldMk cId="3910026719" sldId="269"/>
-        </pc:sldMkLst>
-        <pc:spChg chg="mod">
-          <ac:chgData name="Robert Finch" userId="360118edfabb5ba6" providerId="LiveId" clId="{940D50E2-FEDC-434C-83CF-A13052851249}" dt="2025-12-04T09:14:30.557" v="623" actId="1076"/>
-          <ac:spMkLst>
-            <pc:docMk/>
-            <pc:sldMk cId="3910026719" sldId="269"/>
-            <ac:spMk id="2" creationId="{2F4E9D32-C6B7-28EF-74CE-15F8FFD098ED}"/>
-          </ac:spMkLst>
-        </pc:spChg>
-        <pc:spChg chg="add mod">
-          <ac:chgData name="Robert Finch" userId="360118edfabb5ba6" providerId="LiveId" clId="{940D50E2-FEDC-434C-83CF-A13052851249}" dt="2025-12-04T09:18:39.432" v="867" actId="1076"/>
-          <ac:spMkLst>
-            <pc:docMk/>
-            <pc:sldMk cId="3910026719" sldId="269"/>
-            <ac:spMk id="4" creationId="{6864A1F2-123A-850B-3B21-47F855914C43}"/>
-          </ac:spMkLst>
-        </pc:spChg>
-        <pc:spChg chg="add mod">
-          <ac:chgData name="Robert Finch" userId="360118edfabb5ba6" providerId="LiveId" clId="{940D50E2-FEDC-434C-83CF-A13052851249}" dt="2025-12-04T09:18:39.432" v="867" actId="1076"/>
-          <ac:spMkLst>
-            <pc:docMk/>
-            <pc:sldMk cId="3910026719" sldId="269"/>
-            <ac:spMk id="5" creationId="{6765A915-9A5A-648D-F360-1AAD721CF2F6}"/>
-          </ac:spMkLst>
-        </pc:spChg>
-        <pc:spChg chg="add mod">
-          <ac:chgData name="Robert Finch" userId="360118edfabb5ba6" providerId="LiveId" clId="{940D50E2-FEDC-434C-83CF-A13052851249}" dt="2025-12-04T09:18:39.432" v="867" actId="1076"/>
-          <ac:spMkLst>
-            <pc:docMk/>
-            <pc:sldMk cId="3910026719" sldId="269"/>
-            <ac:spMk id="6" creationId="{C07255AE-BDB9-A748-7F0C-E97A1FBF0CC1}"/>
-          </ac:spMkLst>
-        </pc:spChg>
-        <pc:spChg chg="add mod">
-          <ac:chgData name="Robert Finch" userId="360118edfabb5ba6" providerId="LiveId" clId="{940D50E2-FEDC-434C-83CF-A13052851249}" dt="2025-12-04T09:18:39.432" v="867" actId="1076"/>
-          <ac:spMkLst>
-            <pc:docMk/>
-            <pc:sldMk cId="3910026719" sldId="269"/>
-            <ac:spMk id="7" creationId="{0DC0C240-5C0C-52AF-16E3-D08EEB75E984}"/>
-          </ac:spMkLst>
-        </pc:spChg>
-        <pc:spChg chg="add mod">
-          <ac:chgData name="Robert Finch" userId="360118edfabb5ba6" providerId="LiveId" clId="{940D50E2-FEDC-434C-83CF-A13052851249}" dt="2025-12-04T09:18:39.432" v="867" actId="1076"/>
-          <ac:spMkLst>
-            <pc:docMk/>
-            <pc:sldMk cId="3910026719" sldId="269"/>
-            <ac:spMk id="8" creationId="{BC9B011A-9BAC-FBE7-225E-1EB1F7CC3BE4}"/>
-          </ac:spMkLst>
-        </pc:spChg>
-        <pc:spChg chg="add mod">
-          <ac:chgData name="Robert Finch" userId="360118edfabb5ba6" providerId="LiveId" clId="{940D50E2-FEDC-434C-83CF-A13052851249}" dt="2025-12-04T09:18:39.432" v="867" actId="1076"/>
-          <ac:spMkLst>
-            <pc:docMk/>
-            <pc:sldMk cId="3910026719" sldId="269"/>
-            <ac:spMk id="9" creationId="{7E9615B4-C22D-1B51-18D2-958F358AECED}"/>
-          </ac:spMkLst>
-        </pc:spChg>
-        <pc:spChg chg="add mod">
-          <ac:chgData name="Robert Finch" userId="360118edfabb5ba6" providerId="LiveId" clId="{940D50E2-FEDC-434C-83CF-A13052851249}" dt="2025-12-04T09:18:39.432" v="867" actId="1076"/>
-          <ac:spMkLst>
-            <pc:docMk/>
-            <pc:sldMk cId="3910026719" sldId="269"/>
-            <ac:spMk id="10" creationId="{CA7F77DC-970B-D4D0-63B8-995288D337E6}"/>
-          </ac:spMkLst>
-        </pc:spChg>
-        <pc:spChg chg="add mod">
-          <ac:chgData name="Robert Finch" userId="360118edfabb5ba6" providerId="LiveId" clId="{940D50E2-FEDC-434C-83CF-A13052851249}" dt="2025-12-04T09:18:39.432" v="867" actId="1076"/>
-          <ac:spMkLst>
-            <pc:docMk/>
-            <pc:sldMk cId="3910026719" sldId="269"/>
-            <ac:spMk id="11" creationId="{9D740036-9D2E-E467-DCF1-251ECC6234C0}"/>
-          </ac:spMkLst>
-        </pc:spChg>
-        <pc:spChg chg="add mod">
-          <ac:chgData name="Robert Finch" userId="360118edfabb5ba6" providerId="LiveId" clId="{940D50E2-FEDC-434C-83CF-A13052851249}" dt="2025-12-04T09:18:39.432" v="867" actId="1076"/>
-          <ac:spMkLst>
-            <pc:docMk/>
-            <pc:sldMk cId="3910026719" sldId="269"/>
-            <ac:spMk id="12" creationId="{E5BCD9F3-A52B-993E-6537-E8F022C67E8D}"/>
-          </ac:spMkLst>
-        </pc:spChg>
-        <pc:spChg chg="add mod">
-          <ac:chgData name="Robert Finch" userId="360118edfabb5ba6" providerId="LiveId" clId="{940D50E2-FEDC-434C-83CF-A13052851249}" dt="2025-12-04T09:21:16.062" v="1078" actId="20577"/>
-          <ac:spMkLst>
-            <pc:docMk/>
-            <pc:sldMk cId="3910026719" sldId="269"/>
-            <ac:spMk id="14" creationId="{F6BA38B3-80F3-800E-D567-273A93B623F0}"/>
-          </ac:spMkLst>
-        </pc:spChg>
-      </pc:sldChg>
-      <pc:sldChg chg="new">
-        <pc:chgData name="Robert Finch" userId="360118edfabb5ba6" providerId="LiveId" clId="{940D50E2-FEDC-434C-83CF-A13052851249}" dt="2025-12-05T03:14:05.154" v="1079" actId="680"/>
-        <pc:sldMkLst>
-          <pc:docMk/>
-          <pc:sldMk cId="1398562534" sldId="270"/>
-        </pc:sldMkLst>
       </pc:sldChg>
       <pc:sldChg chg="addSp delSp modSp add mod">
         <pc:chgData name="Robert Finch" userId="360118edfabb5ba6" providerId="LiveId" clId="{940D50E2-FEDC-434C-83CF-A13052851249}" dt="2025-12-20T20:31:05.975" v="3248" actId="27636"/>
@@ -797,86 +327,6 @@
             <ac:spMk id="2" creationId="{1FEBCF89-08A8-3AAE-CB01-238E1336727C}"/>
           </ac:spMkLst>
         </pc:spChg>
-        <pc:spChg chg="add mod">
-          <ac:chgData name="Robert Finch" userId="360118edfabb5ba6" providerId="LiveId" clId="{940D50E2-FEDC-434C-83CF-A13052851249}" dt="2025-12-05T03:18:02.256" v="1137" actId="207"/>
-          <ac:spMkLst>
-            <pc:docMk/>
-            <pc:sldMk cId="2956419810" sldId="271"/>
-            <ac:spMk id="3" creationId="{84FA4C26-312E-A201-8C2F-3C065E9CD738}"/>
-          </ac:spMkLst>
-        </pc:spChg>
-        <pc:spChg chg="mod">
-          <ac:chgData name="Robert Finch" userId="360118edfabb5ba6" providerId="LiveId" clId="{940D50E2-FEDC-434C-83CF-A13052851249}" dt="2025-12-05T03:20:33.212" v="1345" actId="20577"/>
-          <ac:spMkLst>
-            <pc:docMk/>
-            <pc:sldMk cId="2956419810" sldId="271"/>
-            <ac:spMk id="9" creationId="{41128E77-C497-51E6-43FD-482AE981538B}"/>
-          </ac:spMkLst>
-        </pc:spChg>
-        <pc:spChg chg="mod">
-          <ac:chgData name="Robert Finch" userId="360118edfabb5ba6" providerId="LiveId" clId="{940D50E2-FEDC-434C-83CF-A13052851249}" dt="2025-12-05T03:15:36.807" v="1118" actId="14100"/>
-          <ac:spMkLst>
-            <pc:docMk/>
-            <pc:sldMk cId="2956419810" sldId="271"/>
-            <ac:spMk id="14" creationId="{180F3F3E-BA19-CDC7-DE54-3FA6B3210029}"/>
-          </ac:spMkLst>
-        </pc:spChg>
-        <pc:spChg chg="mod">
-          <ac:chgData name="Robert Finch" userId="360118edfabb5ba6" providerId="LiveId" clId="{940D50E2-FEDC-434C-83CF-A13052851249}" dt="2025-12-05T03:22:47.436" v="1447" actId="20577"/>
-          <ac:spMkLst>
-            <pc:docMk/>
-            <pc:sldMk cId="2956419810" sldId="271"/>
-            <ac:spMk id="17" creationId="{DB14755E-9888-33A1-438C-CE7B3D06E39F}"/>
-          </ac:spMkLst>
-        </pc:spChg>
-        <pc:spChg chg="mod">
-          <ac:chgData name="Robert Finch" userId="360118edfabb5ba6" providerId="LiveId" clId="{940D50E2-FEDC-434C-83CF-A13052851249}" dt="2025-12-05T03:16:41.552" v="1131" actId="1076"/>
-          <ac:spMkLst>
-            <pc:docMk/>
-            <pc:sldMk cId="2956419810" sldId="271"/>
-            <ac:spMk id="18" creationId="{34CE2569-DE6F-04FD-EF3D-99E093147B27}"/>
-          </ac:spMkLst>
-        </pc:spChg>
-        <pc:spChg chg="add mod">
-          <ac:chgData name="Robert Finch" userId="360118edfabb5ba6" providerId="LiveId" clId="{940D50E2-FEDC-434C-83CF-A13052851249}" dt="2025-12-05T03:18:21.974" v="1140" actId="207"/>
-          <ac:spMkLst>
-            <pc:docMk/>
-            <pc:sldMk cId="2956419810" sldId="271"/>
-            <ac:spMk id="19" creationId="{99C908E3-2CAE-3474-6937-AD1F82130F21}"/>
-          </ac:spMkLst>
-        </pc:spChg>
-        <pc:cxnChg chg="add mod">
-          <ac:chgData name="Robert Finch" userId="360118edfabb5ba6" providerId="LiveId" clId="{940D50E2-FEDC-434C-83CF-A13052851249}" dt="2025-12-05T03:18:31.362" v="1141" actId="692"/>
-          <ac:cxnSpMkLst>
-            <pc:docMk/>
-            <pc:sldMk cId="2956419810" sldId="271"/>
-            <ac:cxnSpMk id="21" creationId="{2AAF7A7E-EEE1-F99C-877D-DEC08D420249}"/>
-          </ac:cxnSpMkLst>
-        </pc:cxnChg>
-        <pc:cxnChg chg="add mod">
-          <ac:chgData name="Robert Finch" userId="360118edfabb5ba6" providerId="LiveId" clId="{940D50E2-FEDC-434C-83CF-A13052851249}" dt="2025-12-05T03:18:37.192" v="1142" actId="692"/>
-          <ac:cxnSpMkLst>
-            <pc:docMk/>
-            <pc:sldMk cId="2956419810" sldId="271"/>
-            <ac:cxnSpMk id="23" creationId="{6916D473-CC0D-9264-2EE2-E01C4972221E}"/>
-          </ac:cxnSpMkLst>
-        </pc:cxnChg>
-        <pc:cxnChg chg="add mod">
-          <ac:chgData name="Robert Finch" userId="360118edfabb5ba6" providerId="LiveId" clId="{940D50E2-FEDC-434C-83CF-A13052851249}" dt="2025-12-05T03:18:43.693" v="1143" actId="692"/>
-          <ac:cxnSpMkLst>
-            <pc:docMk/>
-            <pc:sldMk cId="2956419810" sldId="271"/>
-            <ac:cxnSpMk id="26" creationId="{D71895B9-E428-78D9-A076-2131528E6A9C}"/>
-          </ac:cxnSpMkLst>
-        </pc:cxnChg>
-        <pc:cxnChg chg="add mod">
-          <ac:chgData name="Robert Finch" userId="360118edfabb5ba6" providerId="LiveId" clId="{940D50E2-FEDC-434C-83CF-A13052851249}" dt="2025-12-05T03:18:50.122" v="1144" actId="692"/>
-          <ac:cxnSpMkLst>
-            <pc:docMk/>
-            <pc:sldMk cId="2956419810" sldId="271"/>
-            <ac:cxnSpMk id="28" creationId="{FE7A16D2-A948-2291-580C-D52E69F0244C}"/>
-          </ac:cxnSpMkLst>
-        </pc:cxnChg>
       </pc:sldChg>
       <pc:sldChg chg="addSp delSp modSp new mod">
         <pc:chgData name="Robert Finch" userId="360118edfabb5ba6" providerId="LiveId" clId="{940D50E2-FEDC-434C-83CF-A13052851249}" dt="2025-12-11T23:16:19.023" v="2167" actId="14100"/>
@@ -2017,14 +1467,6 @@
             <ac:spMk id="2" creationId="{4C0E8015-4BCA-CDA4-F02E-92DFF9FCE7A1}"/>
           </ac:spMkLst>
         </pc:spChg>
-        <pc:spChg chg="del">
-          <ac:chgData name="Robert Finch" userId="360118edfabb5ba6" providerId="LiveId" clId="{940D50E2-FEDC-434C-83CF-A13052851249}" dt="2025-12-26T04:21:52.832" v="3774" actId="478"/>
-          <ac:spMkLst>
-            <pc:docMk/>
-            <pc:sldMk cId="1471184903" sldId="275"/>
-            <ac:spMk id="3" creationId="{DCC4C5EF-2B63-C36F-DDD8-B9800010E716}"/>
-          </ac:spMkLst>
-        </pc:spChg>
         <pc:spChg chg="add mod">
           <ac:chgData name="Robert Finch" userId="360118edfabb5ba6" providerId="LiveId" clId="{940D50E2-FEDC-434C-83CF-A13052851249}" dt="2025-12-26T04:24:48.748" v="3875" actId="1076"/>
           <ac:spMkLst>
@@ -2130,6 +1572,372 @@
           </ac:spMkLst>
         </pc:spChg>
       </pc:sldChg>
+      <pc:sldChg chg="addSp delSp modSp new mod">
+        <pc:chgData name="Robert Finch" userId="360118edfabb5ba6" providerId="LiveId" clId="{940D50E2-FEDC-434C-83CF-A13052851249}" dt="2026-01-01T00:42:54.298" v="5816" actId="20577"/>
+        <pc:sldMkLst>
+          <pc:docMk/>
+          <pc:sldMk cId="3490018601" sldId="276"/>
+        </pc:sldMkLst>
+        <pc:spChg chg="mod">
+          <ac:chgData name="Robert Finch" userId="360118edfabb5ba6" providerId="LiveId" clId="{940D50E2-FEDC-434C-83CF-A13052851249}" dt="2026-01-01T00:30:19.451" v="5219" actId="14100"/>
+          <ac:spMkLst>
+            <pc:docMk/>
+            <pc:sldMk cId="3490018601" sldId="276"/>
+            <ac:spMk id="2" creationId="{A76214D7-7FB0-C648-ED5D-9613B048120B}"/>
+          </ac:spMkLst>
+        </pc:spChg>
+        <pc:spChg chg="add mod">
+          <ac:chgData name="Robert Finch" userId="360118edfabb5ba6" providerId="LiveId" clId="{940D50E2-FEDC-434C-83CF-A13052851249}" dt="2026-01-01T00:35:04.502" v="5478" actId="1076"/>
+          <ac:spMkLst>
+            <pc:docMk/>
+            <pc:sldMk cId="3490018601" sldId="276"/>
+            <ac:spMk id="4" creationId="{9E72A569-8478-5E6E-B7F4-92887FD1B49E}"/>
+          </ac:spMkLst>
+        </pc:spChg>
+        <pc:spChg chg="add mod">
+          <ac:chgData name="Robert Finch" userId="360118edfabb5ba6" providerId="LiveId" clId="{940D50E2-FEDC-434C-83CF-A13052851249}" dt="2026-01-01T00:41:11.401" v="5779" actId="1076"/>
+          <ac:spMkLst>
+            <pc:docMk/>
+            <pc:sldMk cId="3490018601" sldId="276"/>
+            <ac:spMk id="5" creationId="{BF4C2278-107E-828B-2B81-10A1321A27CA}"/>
+          </ac:spMkLst>
+        </pc:spChg>
+        <pc:spChg chg="add mod">
+          <ac:chgData name="Robert Finch" userId="360118edfabb5ba6" providerId="LiveId" clId="{940D50E2-FEDC-434C-83CF-A13052851249}" dt="2026-01-01T00:41:11.401" v="5779" actId="1076"/>
+          <ac:spMkLst>
+            <pc:docMk/>
+            <pc:sldMk cId="3490018601" sldId="276"/>
+            <ac:spMk id="6" creationId="{F686A5D1-66B3-D28B-A13D-0CDACAE6180D}"/>
+          </ac:spMkLst>
+        </pc:spChg>
+        <pc:spChg chg="add mod">
+          <ac:chgData name="Robert Finch" userId="360118edfabb5ba6" providerId="LiveId" clId="{940D50E2-FEDC-434C-83CF-A13052851249}" dt="2026-01-01T00:35:04.502" v="5478" actId="1076"/>
+          <ac:spMkLst>
+            <pc:docMk/>
+            <pc:sldMk cId="3490018601" sldId="276"/>
+            <ac:spMk id="7" creationId="{9091D01D-B814-966B-BE4C-03FBB9FDFBF8}"/>
+          </ac:spMkLst>
+        </pc:spChg>
+        <pc:spChg chg="add mod">
+          <ac:chgData name="Robert Finch" userId="360118edfabb5ba6" providerId="LiveId" clId="{940D50E2-FEDC-434C-83CF-A13052851249}" dt="2026-01-01T00:42:54.298" v="5816" actId="20577"/>
+          <ac:spMkLst>
+            <pc:docMk/>
+            <pc:sldMk cId="3490018601" sldId="276"/>
+            <ac:spMk id="8" creationId="{B33B3517-8104-1D41-7E86-488C1ADCBD09}"/>
+          </ac:spMkLst>
+        </pc:spChg>
+        <pc:spChg chg="add mod">
+          <ac:chgData name="Robert Finch" userId="360118edfabb5ba6" providerId="LiveId" clId="{940D50E2-FEDC-434C-83CF-A13052851249}" dt="2026-01-01T00:41:11.401" v="5779" actId="1076"/>
+          <ac:spMkLst>
+            <pc:docMk/>
+            <pc:sldMk cId="3490018601" sldId="276"/>
+            <ac:spMk id="9" creationId="{37D635A0-4357-3B98-A46F-0E8A83346DD4}"/>
+          </ac:spMkLst>
+        </pc:spChg>
+        <pc:spChg chg="add mod">
+          <ac:chgData name="Robert Finch" userId="360118edfabb5ba6" providerId="LiveId" clId="{940D50E2-FEDC-434C-83CF-A13052851249}" dt="2026-01-01T00:41:11.401" v="5779" actId="1076"/>
+          <ac:spMkLst>
+            <pc:docMk/>
+            <pc:sldMk cId="3490018601" sldId="276"/>
+            <ac:spMk id="10" creationId="{646D5ACC-DC0D-50F9-8F79-A72F1A59B605}"/>
+          </ac:spMkLst>
+        </pc:spChg>
+        <pc:spChg chg="add mod">
+          <ac:chgData name="Robert Finch" userId="360118edfabb5ba6" providerId="LiveId" clId="{940D50E2-FEDC-434C-83CF-A13052851249}" dt="2026-01-01T00:41:11.401" v="5779" actId="1076"/>
+          <ac:spMkLst>
+            <pc:docMk/>
+            <pc:sldMk cId="3490018601" sldId="276"/>
+            <ac:spMk id="11" creationId="{F6D5FF8D-5611-9106-4C58-5BB744B961F4}"/>
+          </ac:spMkLst>
+        </pc:spChg>
+        <pc:spChg chg="add mod">
+          <ac:chgData name="Robert Finch" userId="360118edfabb5ba6" providerId="LiveId" clId="{940D50E2-FEDC-434C-83CF-A13052851249}" dt="2026-01-01T00:41:11.401" v="5779" actId="1076"/>
+          <ac:spMkLst>
+            <pc:docMk/>
+            <pc:sldMk cId="3490018601" sldId="276"/>
+            <ac:spMk id="12" creationId="{A93CA663-6976-BFA7-DC52-CCF83EBA9657}"/>
+          </ac:spMkLst>
+        </pc:spChg>
+        <pc:spChg chg="add mod">
+          <ac:chgData name="Robert Finch" userId="360118edfabb5ba6" providerId="LiveId" clId="{940D50E2-FEDC-434C-83CF-A13052851249}" dt="2026-01-01T00:41:11.401" v="5779" actId="1076"/>
+          <ac:spMkLst>
+            <pc:docMk/>
+            <pc:sldMk cId="3490018601" sldId="276"/>
+            <ac:spMk id="13" creationId="{5A3AF91D-CA75-C507-E601-FD182B163BBB}"/>
+          </ac:spMkLst>
+        </pc:spChg>
+        <pc:spChg chg="add mod">
+          <ac:chgData name="Robert Finch" userId="360118edfabb5ba6" providerId="LiveId" clId="{940D50E2-FEDC-434C-83CF-A13052851249}" dt="2026-01-01T00:41:11.401" v="5779" actId="1076"/>
+          <ac:spMkLst>
+            <pc:docMk/>
+            <pc:sldMk cId="3490018601" sldId="276"/>
+            <ac:spMk id="14" creationId="{2B2D432A-2A88-8351-966B-F2B98D9ABCA3}"/>
+          </ac:spMkLst>
+        </pc:spChg>
+        <pc:spChg chg="add mod">
+          <ac:chgData name="Robert Finch" userId="360118edfabb5ba6" providerId="LiveId" clId="{940D50E2-FEDC-434C-83CF-A13052851249}" dt="2026-01-01T00:41:11.401" v="5779" actId="1076"/>
+          <ac:spMkLst>
+            <pc:docMk/>
+            <pc:sldMk cId="3490018601" sldId="276"/>
+            <ac:spMk id="15" creationId="{67D12A01-2ECD-ACD2-D23F-56652589C07A}"/>
+          </ac:spMkLst>
+        </pc:spChg>
+        <pc:spChg chg="add mod">
+          <ac:chgData name="Robert Finch" userId="360118edfabb5ba6" providerId="LiveId" clId="{940D50E2-FEDC-434C-83CF-A13052851249}" dt="2026-01-01T00:41:11.401" v="5779" actId="1076"/>
+          <ac:spMkLst>
+            <pc:docMk/>
+            <pc:sldMk cId="3490018601" sldId="276"/>
+            <ac:spMk id="16" creationId="{0A64CAA9-178A-E183-6927-FB11D4C59AF6}"/>
+          </ac:spMkLst>
+        </pc:spChg>
+        <pc:spChg chg="add mod">
+          <ac:chgData name="Robert Finch" userId="360118edfabb5ba6" providerId="LiveId" clId="{940D50E2-FEDC-434C-83CF-A13052851249}" dt="2026-01-01T00:40:46.698" v="5778" actId="20577"/>
+          <ac:spMkLst>
+            <pc:docMk/>
+            <pc:sldMk cId="3490018601" sldId="276"/>
+            <ac:spMk id="17" creationId="{584A5992-2D35-7C27-BE92-BB9425A1844D}"/>
+          </ac:spMkLst>
+        </pc:spChg>
+        <pc:spChg chg="add mod">
+          <ac:chgData name="Robert Finch" userId="360118edfabb5ba6" providerId="LiveId" clId="{940D50E2-FEDC-434C-83CF-A13052851249}" dt="2026-01-01T00:40:03.512" v="5721" actId="1076"/>
+          <ac:spMkLst>
+            <pc:docMk/>
+            <pc:sldMk cId="3490018601" sldId="276"/>
+            <ac:spMk id="18" creationId="{717F51D5-EDA2-4EBE-9DCE-A3EF23B95E2E}"/>
+          </ac:spMkLst>
+        </pc:spChg>
+        <pc:cxnChg chg="add">
+          <ac:chgData name="Robert Finch" userId="360118edfabb5ba6" providerId="LiveId" clId="{940D50E2-FEDC-434C-83CF-A13052851249}" dt="2026-01-01T00:41:18.302" v="5780" actId="11529"/>
+          <ac:cxnSpMkLst>
+            <pc:docMk/>
+            <pc:sldMk cId="3490018601" sldId="276"/>
+            <ac:cxnSpMk id="20" creationId="{CDC8ED40-A4A8-C6B2-BB8B-B5473F15AD59}"/>
+          </ac:cxnSpMkLst>
+        </pc:cxnChg>
+        <pc:cxnChg chg="add">
+          <ac:chgData name="Robert Finch" userId="360118edfabb5ba6" providerId="LiveId" clId="{940D50E2-FEDC-434C-83CF-A13052851249}" dt="2026-01-01T00:41:27.123" v="5781" actId="11529"/>
+          <ac:cxnSpMkLst>
+            <pc:docMk/>
+            <pc:sldMk cId="3490018601" sldId="276"/>
+            <ac:cxnSpMk id="22" creationId="{DE44E9CA-4FC7-60C7-3D41-DF52E40E09B1}"/>
+          </ac:cxnSpMkLst>
+        </pc:cxnChg>
+      </pc:sldChg>
+      <pc:sldChg chg="addSp delSp modSp new mod">
+        <pc:chgData name="Robert Finch" userId="360118edfabb5ba6" providerId="LiveId" clId="{940D50E2-FEDC-434C-83CF-A13052851249}" dt="2026-01-05T06:31:42.266" v="6286" actId="1076"/>
+        <pc:sldMkLst>
+          <pc:docMk/>
+          <pc:sldMk cId="2595397533" sldId="277"/>
+        </pc:sldMkLst>
+        <pc:spChg chg="mod">
+          <ac:chgData name="Robert Finch" userId="360118edfabb5ba6" providerId="LiveId" clId="{940D50E2-FEDC-434C-83CF-A13052851249}" dt="2026-01-05T06:18:17.569" v="5837" actId="1076"/>
+          <ac:spMkLst>
+            <pc:docMk/>
+            <pc:sldMk cId="2595397533" sldId="277"/>
+            <ac:spMk id="2" creationId="{529EA9A9-477C-7415-D157-CE31FA37F97F}"/>
+          </ac:spMkLst>
+        </pc:spChg>
+        <pc:spChg chg="del">
+          <ac:chgData name="Robert Finch" userId="360118edfabb5ba6" providerId="LiveId" clId="{940D50E2-FEDC-434C-83CF-A13052851249}" dt="2026-01-05T06:18:20.938" v="5838" actId="478"/>
+          <ac:spMkLst>
+            <pc:docMk/>
+            <pc:sldMk cId="2595397533" sldId="277"/>
+            <ac:spMk id="3" creationId="{EE18398E-83A2-94DF-E052-ADB55215BCF7}"/>
+          </ac:spMkLst>
+        </pc:spChg>
+        <pc:spChg chg="add del">
+          <ac:chgData name="Robert Finch" userId="360118edfabb5ba6" providerId="LiveId" clId="{940D50E2-FEDC-434C-83CF-A13052851249}" dt="2026-01-05T06:18:29.880" v="5840" actId="478"/>
+          <ac:spMkLst>
+            <pc:docMk/>
+            <pc:sldMk cId="2595397533" sldId="277"/>
+            <ac:spMk id="4" creationId="{BD504CCA-C12A-5C4B-0BAA-3106CAAE3009}"/>
+          </ac:spMkLst>
+        </pc:spChg>
+        <pc:spChg chg="add mod">
+          <ac:chgData name="Robert Finch" userId="360118edfabb5ba6" providerId="LiveId" clId="{940D50E2-FEDC-434C-83CF-A13052851249}" dt="2026-01-05T06:21:32.355" v="5928" actId="1076"/>
+          <ac:spMkLst>
+            <pc:docMk/>
+            <pc:sldMk cId="2595397533" sldId="277"/>
+            <ac:spMk id="5" creationId="{A4A8CF4B-5065-C8DF-1645-8CE1C9FB2FFF}"/>
+          </ac:spMkLst>
+        </pc:spChg>
+        <pc:spChg chg="add mod">
+          <ac:chgData name="Robert Finch" userId="360118edfabb5ba6" providerId="LiveId" clId="{940D50E2-FEDC-434C-83CF-A13052851249}" dt="2026-01-05T06:21:32.355" v="5928" actId="1076"/>
+          <ac:spMkLst>
+            <pc:docMk/>
+            <pc:sldMk cId="2595397533" sldId="277"/>
+            <ac:spMk id="6" creationId="{F83CE011-D1CA-66FC-9DA6-AE9FAB295C1B}"/>
+          </ac:spMkLst>
+        </pc:spChg>
+        <pc:spChg chg="add mod">
+          <ac:chgData name="Robert Finch" userId="360118edfabb5ba6" providerId="LiveId" clId="{940D50E2-FEDC-434C-83CF-A13052851249}" dt="2026-01-05T06:21:32.355" v="5928" actId="1076"/>
+          <ac:spMkLst>
+            <pc:docMk/>
+            <pc:sldMk cId="2595397533" sldId="277"/>
+            <ac:spMk id="7" creationId="{4F26EE38-DD28-1F63-9E34-F6BA907F8301}"/>
+          </ac:spMkLst>
+        </pc:spChg>
+        <pc:spChg chg="add mod">
+          <ac:chgData name="Robert Finch" userId="360118edfabb5ba6" providerId="LiveId" clId="{940D50E2-FEDC-434C-83CF-A13052851249}" dt="2026-01-05T06:21:32.355" v="5928" actId="1076"/>
+          <ac:spMkLst>
+            <pc:docMk/>
+            <pc:sldMk cId="2595397533" sldId="277"/>
+            <ac:spMk id="8" creationId="{951D4E64-E657-5A36-CEFE-99A87C2BE400}"/>
+          </ac:spMkLst>
+        </pc:spChg>
+        <pc:spChg chg="add mod">
+          <ac:chgData name="Robert Finch" userId="360118edfabb5ba6" providerId="LiveId" clId="{940D50E2-FEDC-434C-83CF-A13052851249}" dt="2026-01-05T06:24:34.269" v="6007" actId="14100"/>
+          <ac:spMkLst>
+            <pc:docMk/>
+            <pc:sldMk cId="2595397533" sldId="277"/>
+            <ac:spMk id="9" creationId="{C8911EDC-780D-6617-BAF1-D2FF0FB32A98}"/>
+          </ac:spMkLst>
+        </pc:spChg>
+        <pc:spChg chg="add mod">
+          <ac:chgData name="Robert Finch" userId="360118edfabb5ba6" providerId="LiveId" clId="{940D50E2-FEDC-434C-83CF-A13052851249}" dt="2026-01-05T06:21:32.355" v="5928" actId="1076"/>
+          <ac:spMkLst>
+            <pc:docMk/>
+            <pc:sldMk cId="2595397533" sldId="277"/>
+            <ac:spMk id="10" creationId="{2EF20981-CEA4-6BCB-976E-7CC043C88E62}"/>
+          </ac:spMkLst>
+        </pc:spChg>
+        <pc:spChg chg="add mod">
+          <ac:chgData name="Robert Finch" userId="360118edfabb5ba6" providerId="LiveId" clId="{940D50E2-FEDC-434C-83CF-A13052851249}" dt="2026-01-05T06:21:32.355" v="5928" actId="1076"/>
+          <ac:spMkLst>
+            <pc:docMk/>
+            <pc:sldMk cId="2595397533" sldId="277"/>
+            <ac:spMk id="11" creationId="{13BD7154-9982-8555-E7F8-1426A33D9134}"/>
+          </ac:spMkLst>
+        </pc:spChg>
+        <pc:spChg chg="add mod">
+          <ac:chgData name="Robert Finch" userId="360118edfabb5ba6" providerId="LiveId" clId="{940D50E2-FEDC-434C-83CF-A13052851249}" dt="2026-01-05T06:21:32.355" v="5928" actId="1076"/>
+          <ac:spMkLst>
+            <pc:docMk/>
+            <pc:sldMk cId="2595397533" sldId="277"/>
+            <ac:spMk id="12" creationId="{0DA2FDFC-BF9E-E128-A312-1C1BF5DA2474}"/>
+          </ac:spMkLst>
+        </pc:spChg>
+        <pc:spChg chg="add mod">
+          <ac:chgData name="Robert Finch" userId="360118edfabb5ba6" providerId="LiveId" clId="{940D50E2-FEDC-434C-83CF-A13052851249}" dt="2026-01-05T06:21:32.355" v="5928" actId="1076"/>
+          <ac:spMkLst>
+            <pc:docMk/>
+            <pc:sldMk cId="2595397533" sldId="277"/>
+            <ac:spMk id="13" creationId="{F8FF303C-6E14-6D73-3668-3314E23456AE}"/>
+          </ac:spMkLst>
+        </pc:spChg>
+        <pc:spChg chg="add mod">
+          <ac:chgData name="Robert Finch" userId="360118edfabb5ba6" providerId="LiveId" clId="{940D50E2-FEDC-434C-83CF-A13052851249}" dt="2026-01-05T06:31:42.266" v="6286" actId="1076"/>
+          <ac:spMkLst>
+            <pc:docMk/>
+            <pc:sldMk cId="2595397533" sldId="277"/>
+            <ac:spMk id="14" creationId="{55965217-711B-361E-AC75-72568F20B733}"/>
+          </ac:spMkLst>
+        </pc:spChg>
+        <pc:spChg chg="add mod">
+          <ac:chgData name="Robert Finch" userId="360118edfabb5ba6" providerId="LiveId" clId="{940D50E2-FEDC-434C-83CF-A13052851249}" dt="2026-01-05T06:21:20.719" v="5927" actId="14100"/>
+          <ac:spMkLst>
+            <pc:docMk/>
+            <pc:sldMk cId="2595397533" sldId="277"/>
+            <ac:spMk id="15" creationId="{4D9700D9-EF1F-84F9-3F81-45A11F2B6E1C}"/>
+          </ac:spMkLst>
+        </pc:spChg>
+        <pc:spChg chg="add mod">
+          <ac:chgData name="Robert Finch" userId="360118edfabb5ba6" providerId="LiveId" clId="{940D50E2-FEDC-434C-83CF-A13052851249}" dt="2026-01-05T06:25:48.466" v="6018" actId="1076"/>
+          <ac:spMkLst>
+            <pc:docMk/>
+            <pc:sldMk cId="2595397533" sldId="277"/>
+            <ac:spMk id="16" creationId="{B7B0DE35-1B5F-C6C5-9BC5-B397CB0C8E89}"/>
+          </ac:spMkLst>
+        </pc:spChg>
+        <pc:spChg chg="add mod">
+          <ac:chgData name="Robert Finch" userId="360118edfabb5ba6" providerId="LiveId" clId="{940D50E2-FEDC-434C-83CF-A13052851249}" dt="2026-01-05T06:22:13.126" v="5949" actId="20577"/>
+          <ac:spMkLst>
+            <pc:docMk/>
+            <pc:sldMk cId="2595397533" sldId="277"/>
+            <ac:spMk id="17" creationId="{AD1E0AD6-08C1-D70F-9FB3-CD4BA3B76B58}"/>
+          </ac:spMkLst>
+        </pc:spChg>
+        <pc:spChg chg="add mod">
+          <ac:chgData name="Robert Finch" userId="360118edfabb5ba6" providerId="LiveId" clId="{940D50E2-FEDC-434C-83CF-A13052851249}" dt="2026-01-05T06:23:07.150" v="5972" actId="1076"/>
+          <ac:spMkLst>
+            <pc:docMk/>
+            <pc:sldMk cId="2595397533" sldId="277"/>
+            <ac:spMk id="18" creationId="{1EFBF7F9-D644-8047-FC77-21D4777E9C72}"/>
+          </ac:spMkLst>
+        </pc:spChg>
+        <pc:spChg chg="add mod">
+          <ac:chgData name="Robert Finch" userId="360118edfabb5ba6" providerId="LiveId" clId="{940D50E2-FEDC-434C-83CF-A13052851249}" dt="2026-01-05T06:23:20.616" v="5989" actId="1076"/>
+          <ac:spMkLst>
+            <pc:docMk/>
+            <pc:sldMk cId="2595397533" sldId="277"/>
+            <ac:spMk id="19" creationId="{EED010C0-8835-E105-8618-F7B7E7CC7138}"/>
+          </ac:spMkLst>
+        </pc:spChg>
+        <pc:spChg chg="add mod">
+          <ac:chgData name="Robert Finch" userId="360118edfabb5ba6" providerId="LiveId" clId="{940D50E2-FEDC-434C-83CF-A13052851249}" dt="2026-01-05T06:24:06.879" v="6004" actId="20577"/>
+          <ac:spMkLst>
+            <pc:docMk/>
+            <pc:sldMk cId="2595397533" sldId="277"/>
+            <ac:spMk id="20" creationId="{0E60D693-E834-30C7-52D7-1CD775A603F0}"/>
+          </ac:spMkLst>
+        </pc:spChg>
+        <pc:spChg chg="add mod">
+          <ac:chgData name="Robert Finch" userId="360118edfabb5ba6" providerId="LiveId" clId="{940D50E2-FEDC-434C-83CF-A13052851249}" dt="2026-01-05T06:23:49.402" v="5994" actId="14100"/>
+          <ac:spMkLst>
+            <pc:docMk/>
+            <pc:sldMk cId="2595397533" sldId="277"/>
+            <ac:spMk id="21" creationId="{9B860FB7-7060-28AF-C729-CEB0B06E74F7}"/>
+          </ac:spMkLst>
+        </pc:spChg>
+        <pc:spChg chg="add mod">
+          <ac:chgData name="Robert Finch" userId="360118edfabb5ba6" providerId="LiveId" clId="{940D50E2-FEDC-434C-83CF-A13052851249}" dt="2026-01-05T06:24:01.149" v="5997" actId="1076"/>
+          <ac:spMkLst>
+            <pc:docMk/>
+            <pc:sldMk cId="2595397533" sldId="277"/>
+            <ac:spMk id="22" creationId="{F66E3EE8-64B2-CEFD-84B8-9014BBB7F1D4}"/>
+          </ac:spMkLst>
+        </pc:spChg>
+        <pc:spChg chg="add mod">
+          <ac:chgData name="Robert Finch" userId="360118edfabb5ba6" providerId="LiveId" clId="{940D50E2-FEDC-434C-83CF-A13052851249}" dt="2026-01-05T06:24:30.712" v="6006" actId="1076"/>
+          <ac:spMkLst>
+            <pc:docMk/>
+            <pc:sldMk cId="2595397533" sldId="277"/>
+            <ac:spMk id="23" creationId="{37247BBB-210D-2549-4845-32FF7631B94F}"/>
+          </ac:spMkLst>
+        </pc:spChg>
+        <pc:spChg chg="add mod">
+          <ac:chgData name="Robert Finch" userId="360118edfabb5ba6" providerId="LiveId" clId="{940D50E2-FEDC-434C-83CF-A13052851249}" dt="2026-01-05T06:24:49.351" v="6009" actId="1076"/>
+          <ac:spMkLst>
+            <pc:docMk/>
+            <pc:sldMk cId="2595397533" sldId="277"/>
+            <ac:spMk id="24" creationId="{39D7E4FE-A6EB-75A0-6401-37BCFBBD7274}"/>
+          </ac:spMkLst>
+        </pc:spChg>
+        <pc:spChg chg="add mod">
+          <ac:chgData name="Robert Finch" userId="360118edfabb5ba6" providerId="LiveId" clId="{940D50E2-FEDC-434C-83CF-A13052851249}" dt="2026-01-05T06:25:10.789" v="6012" actId="1076"/>
+          <ac:spMkLst>
+            <pc:docMk/>
+            <pc:sldMk cId="2595397533" sldId="277"/>
+            <ac:spMk id="25" creationId="{B95C6814-276E-10CC-B384-A1F124A4EC4C}"/>
+          </ac:spMkLst>
+        </pc:spChg>
+        <pc:spChg chg="add mod">
+          <ac:chgData name="Robert Finch" userId="360118edfabb5ba6" providerId="LiveId" clId="{940D50E2-FEDC-434C-83CF-A13052851249}" dt="2026-01-05T06:25:44.683" v="6017" actId="14100"/>
+          <ac:spMkLst>
+            <pc:docMk/>
+            <pc:sldMk cId="2595397533" sldId="277"/>
+            <ac:spMk id="26" creationId="{7A2AD6FF-C12C-DB04-4185-1963B7FD86E9}"/>
+          </ac:spMkLst>
+        </pc:spChg>
+        <pc:spChg chg="add mod">
+          <ac:chgData name="Robert Finch" userId="360118edfabb5ba6" providerId="LiveId" clId="{940D50E2-FEDC-434C-83CF-A13052851249}" dt="2026-01-05T06:31:09.383" v="6285" actId="20577"/>
+          <ac:spMkLst>
+            <pc:docMk/>
+            <pc:sldMk cId="2595397533" sldId="277"/>
+            <ac:spMk id="27" creationId="{AC75AB80-21D8-43B4-3E2D-4916E74D4E35}"/>
+          </ac:spMkLst>
+        </pc:spChg>
+      </pc:sldChg>
     </pc:docChg>
   </pc:docChgLst>
 </pc:chgInfo>
@@ -2266,7 +2074,7 @@
           <a:p>
             <a:fld id="{40721942-3650-429E-A73C-F40215CD5967}" type="datetimeFigureOut">
               <a:rPr lang="en-CA" smtClean="0"/>
-              <a:t>2025-12-25</a:t>
+              <a:t>2026-01-05</a:t>
             </a:fld>
             <a:endParaRPr lang="en-CA"/>
           </a:p>
@@ -2436,7 +2244,7 @@
           <a:p>
             <a:fld id="{40721942-3650-429E-A73C-F40215CD5967}" type="datetimeFigureOut">
               <a:rPr lang="en-CA" smtClean="0"/>
-              <a:t>2025-12-25</a:t>
+              <a:t>2026-01-05</a:t>
             </a:fld>
             <a:endParaRPr lang="en-CA"/>
           </a:p>
@@ -2616,7 +2424,7 @@
           <a:p>
             <a:fld id="{40721942-3650-429E-A73C-F40215CD5967}" type="datetimeFigureOut">
               <a:rPr lang="en-CA" smtClean="0"/>
-              <a:t>2025-12-25</a:t>
+              <a:t>2026-01-05</a:t>
             </a:fld>
             <a:endParaRPr lang="en-CA"/>
           </a:p>
@@ -2786,7 +2594,7 @@
           <a:p>
             <a:fld id="{40721942-3650-429E-A73C-F40215CD5967}" type="datetimeFigureOut">
               <a:rPr lang="en-CA" smtClean="0"/>
-              <a:t>2025-12-25</a:t>
+              <a:t>2026-01-05</a:t>
             </a:fld>
             <a:endParaRPr lang="en-CA"/>
           </a:p>
@@ -3032,7 +2840,7 @@
           <a:p>
             <a:fld id="{40721942-3650-429E-A73C-F40215CD5967}" type="datetimeFigureOut">
               <a:rPr lang="en-CA" smtClean="0"/>
-              <a:t>2025-12-25</a:t>
+              <a:t>2026-01-05</a:t>
             </a:fld>
             <a:endParaRPr lang="en-CA"/>
           </a:p>
@@ -3264,7 +3072,7 @@
           <a:p>
             <a:fld id="{40721942-3650-429E-A73C-F40215CD5967}" type="datetimeFigureOut">
               <a:rPr lang="en-CA" smtClean="0"/>
-              <a:t>2025-12-25</a:t>
+              <a:t>2026-01-05</a:t>
             </a:fld>
             <a:endParaRPr lang="en-CA"/>
           </a:p>
@@ -3631,7 +3439,7 @@
           <a:p>
             <a:fld id="{40721942-3650-429E-A73C-F40215CD5967}" type="datetimeFigureOut">
               <a:rPr lang="en-CA" smtClean="0"/>
-              <a:t>2025-12-25</a:t>
+              <a:t>2026-01-05</a:t>
             </a:fld>
             <a:endParaRPr lang="en-CA"/>
           </a:p>
@@ -3749,7 +3557,7 @@
           <a:p>
             <a:fld id="{40721942-3650-429E-A73C-F40215CD5967}" type="datetimeFigureOut">
               <a:rPr lang="en-CA" smtClean="0"/>
-              <a:t>2025-12-25</a:t>
+              <a:t>2026-01-05</a:t>
             </a:fld>
             <a:endParaRPr lang="en-CA"/>
           </a:p>
@@ -3844,7 +3652,7 @@
           <a:p>
             <a:fld id="{40721942-3650-429E-A73C-F40215CD5967}" type="datetimeFigureOut">
               <a:rPr lang="en-CA" smtClean="0"/>
-              <a:t>2025-12-25</a:t>
+              <a:t>2026-01-05</a:t>
             </a:fld>
             <a:endParaRPr lang="en-CA"/>
           </a:p>
@@ -4121,7 +3929,7 @@
           <a:p>
             <a:fld id="{40721942-3650-429E-A73C-F40215CD5967}" type="datetimeFigureOut">
               <a:rPr lang="en-CA" smtClean="0"/>
-              <a:t>2025-12-25</a:t>
+              <a:t>2026-01-05</a:t>
             </a:fld>
             <a:endParaRPr lang="en-CA"/>
           </a:p>
@@ -4378,7 +4186,7 @@
           <a:p>
             <a:fld id="{40721942-3650-429E-A73C-F40215CD5967}" type="datetimeFigureOut">
               <a:rPr lang="en-CA" smtClean="0"/>
-              <a:t>2025-12-25</a:t>
+              <a:t>2026-01-05</a:t>
             </a:fld>
             <a:endParaRPr lang="en-CA"/>
           </a:p>
@@ -4591,7 +4399,7 @@
           <a:p>
             <a:fld id="{40721942-3650-429E-A73C-F40215CD5967}" type="datetimeFigureOut">
               <a:rPr lang="en-CA" smtClean="0"/>
-              <a:t>2025-12-25</a:t>
+              <a:t>2026-01-05</a:t>
             </a:fld>
             <a:endParaRPr lang="en-CA"/>
           </a:p>
@@ -19143,6 +18951,1963 @@
     <p:extLst>
       <p:ext uri="{BB962C8B-B14F-4D97-AF65-F5344CB8AC3E}">
         <p14:creationId xmlns:p14="http://schemas.microsoft.com/office/powerpoint/2010/main" val="1471184903"/>
+      </p:ext>
+    </p:extLst>
+  </p:cSld>
+  <p:clrMapOvr>
+    <a:masterClrMapping/>
+  </p:clrMapOvr>
+</p:sld>
+</file>
+
+<file path=ppt/slides/slide21.xml><?xml version="1.0" encoding="utf-8"?>
+<p:sld xmlns:a="http://schemas.openxmlformats.org/drawingml/2006/main" xmlns:r="http://schemas.openxmlformats.org/officeDocument/2006/relationships" xmlns:p="http://schemas.openxmlformats.org/presentationml/2006/main">
+  <p:cSld>
+    <p:spTree>
+      <p:nvGrpSpPr>
+        <p:cNvPr id="1" name=""/>
+        <p:cNvGrpSpPr/>
+        <p:nvPr/>
+      </p:nvGrpSpPr>
+      <p:grpSpPr>
+        <a:xfrm>
+          <a:off x="0" y="0"/>
+          <a:ext cx="0" cy="0"/>
+          <a:chOff x="0" y="0"/>
+          <a:chExt cx="0" cy="0"/>
+        </a:xfrm>
+      </p:grpSpPr>
+      <p:sp>
+        <p:nvSpPr>
+          <p:cNvPr id="2" name="Title 1">
+            <a:extLst>
+              <a:ext uri="{FF2B5EF4-FFF2-40B4-BE49-F238E27FC236}">
+                <a16:creationId xmlns:a16="http://schemas.microsoft.com/office/drawing/2014/main" id="{A76214D7-7FB0-C648-ED5D-9613B048120B}"/>
+              </a:ext>
+            </a:extLst>
+          </p:cNvPr>
+          <p:cNvSpPr>
+            <a:spLocks noGrp="1"/>
+          </p:cNvSpPr>
+          <p:nvPr>
+            <p:ph type="title"/>
+          </p:nvPr>
+        </p:nvSpPr>
+        <p:spPr>
+          <a:xfrm>
+            <a:off x="0" y="32391"/>
+            <a:ext cx="10515600" cy="1036388"/>
+          </a:xfrm>
+        </p:spPr>
+        <p:txBody>
+          <a:bodyPr/>
+          <a:lstStyle/>
+          <a:p>
+            <a:r>
+              <a:rPr lang="en-US" dirty="0"/>
+              <a:t>Qupls4: Read Port Selector</a:t>
+            </a:r>
+            <a:endParaRPr lang="en-CA" dirty="0"/>
+          </a:p>
+        </p:txBody>
+      </p:sp>
+      <p:sp>
+        <p:nvSpPr>
+          <p:cNvPr id="4" name="Rectangle 3">
+            <a:extLst>
+              <a:ext uri="{FF2B5EF4-FFF2-40B4-BE49-F238E27FC236}">
+                <a16:creationId xmlns:a16="http://schemas.microsoft.com/office/drawing/2014/main" id="{9E72A569-8478-5E6E-B7F4-92887FD1B49E}"/>
+              </a:ext>
+            </a:extLst>
+          </p:cNvPr>
+          <p:cNvSpPr/>
+          <p:nvPr/>
+        </p:nvSpPr>
+        <p:spPr>
+          <a:xfrm>
+            <a:off x="1544746" y="3209281"/>
+            <a:ext cx="2599745" cy="498763"/>
+          </a:xfrm>
+          <a:prstGeom prst="rect">
+            <a:avLst/>
+          </a:prstGeom>
+        </p:spPr>
+        <p:style>
+          <a:lnRef idx="2">
+            <a:schemeClr val="accent1">
+              <a:shade val="15000"/>
+            </a:schemeClr>
+          </a:lnRef>
+          <a:fillRef idx="1">
+            <a:schemeClr val="accent1"/>
+          </a:fillRef>
+          <a:effectRef idx="0">
+            <a:schemeClr val="accent1"/>
+          </a:effectRef>
+          <a:fontRef idx="minor">
+            <a:schemeClr val="lt1"/>
+          </a:fontRef>
+        </p:style>
+        <p:txBody>
+          <a:bodyPr rtlCol="0" anchor="ctr"/>
+          <a:lstStyle/>
+          <a:p>
+            <a:pPr algn="ctr"/>
+            <a:r>
+              <a:rPr lang="en-US" dirty="0"/>
+              <a:t>16 Ports</a:t>
+            </a:r>
+            <a:endParaRPr lang="en-CA" dirty="0"/>
+          </a:p>
+        </p:txBody>
+      </p:sp>
+      <p:sp>
+        <p:nvSpPr>
+          <p:cNvPr id="5" name="Rectangle 4">
+            <a:extLst>
+              <a:ext uri="{FF2B5EF4-FFF2-40B4-BE49-F238E27FC236}">
+                <a16:creationId xmlns:a16="http://schemas.microsoft.com/office/drawing/2014/main" id="{BF4C2278-107E-828B-2B81-10A1321A27CA}"/>
+              </a:ext>
+            </a:extLst>
+          </p:cNvPr>
+          <p:cNvSpPr/>
+          <p:nvPr/>
+        </p:nvSpPr>
+        <p:spPr>
+          <a:xfrm>
+            <a:off x="4144490" y="3209281"/>
+            <a:ext cx="5688282" cy="498763"/>
+          </a:xfrm>
+          <a:prstGeom prst="rect">
+            <a:avLst/>
+          </a:prstGeom>
+        </p:spPr>
+        <p:style>
+          <a:lnRef idx="2">
+            <a:schemeClr val="accent1">
+              <a:shade val="15000"/>
+            </a:schemeClr>
+          </a:lnRef>
+          <a:fillRef idx="1">
+            <a:schemeClr val="accent1"/>
+          </a:fillRef>
+          <a:effectRef idx="0">
+            <a:schemeClr val="accent1"/>
+          </a:effectRef>
+          <a:fontRef idx="minor">
+            <a:schemeClr val="lt1"/>
+          </a:fontRef>
+        </p:style>
+        <p:txBody>
+          <a:bodyPr rtlCol="0" anchor="ctr"/>
+          <a:lstStyle/>
+          <a:p>
+            <a:pPr algn="ctr"/>
+            <a:r>
+              <a:rPr lang="en-US" dirty="0"/>
+              <a:t>48Ports</a:t>
+            </a:r>
+            <a:endParaRPr lang="en-CA" dirty="0"/>
+          </a:p>
+        </p:txBody>
+      </p:sp>
+      <p:sp>
+        <p:nvSpPr>
+          <p:cNvPr id="6" name="Left Brace 5">
+            <a:extLst>
+              <a:ext uri="{FF2B5EF4-FFF2-40B4-BE49-F238E27FC236}">
+                <a16:creationId xmlns:a16="http://schemas.microsoft.com/office/drawing/2014/main" id="{F686A5D1-66B3-D28B-A13D-0CDACAE6180D}"/>
+              </a:ext>
+            </a:extLst>
+          </p:cNvPr>
+          <p:cNvSpPr/>
+          <p:nvPr/>
+        </p:nvSpPr>
+        <p:spPr>
+          <a:xfrm rot="5400000">
+            <a:off x="2698223" y="1668548"/>
+            <a:ext cx="297421" cy="2595113"/>
+          </a:xfrm>
+          <a:prstGeom prst="leftBrace">
+            <a:avLst/>
+          </a:prstGeom>
+        </p:spPr>
+        <p:style>
+          <a:lnRef idx="2">
+            <a:schemeClr val="accent1"/>
+          </a:lnRef>
+          <a:fillRef idx="0">
+            <a:schemeClr val="accent1"/>
+          </a:fillRef>
+          <a:effectRef idx="1">
+            <a:schemeClr val="accent1"/>
+          </a:effectRef>
+          <a:fontRef idx="minor">
+            <a:schemeClr val="tx1"/>
+          </a:fontRef>
+        </p:style>
+        <p:txBody>
+          <a:bodyPr rtlCol="0" anchor="ctr"/>
+          <a:lstStyle/>
+          <a:p>
+            <a:pPr algn="ctr"/>
+            <a:endParaRPr lang="en-CA"/>
+          </a:p>
+        </p:txBody>
+      </p:sp>
+      <p:sp>
+        <p:nvSpPr>
+          <p:cNvPr id="7" name="Left Brace 6">
+            <a:extLst>
+              <a:ext uri="{FF2B5EF4-FFF2-40B4-BE49-F238E27FC236}">
+                <a16:creationId xmlns:a16="http://schemas.microsoft.com/office/drawing/2014/main" id="{9091D01D-B814-966B-BE4C-03FBB9FDFBF8}"/>
+              </a:ext>
+            </a:extLst>
+          </p:cNvPr>
+          <p:cNvSpPr/>
+          <p:nvPr/>
+        </p:nvSpPr>
+        <p:spPr>
+          <a:xfrm rot="5400000">
+            <a:off x="6839921" y="121967"/>
+            <a:ext cx="297420" cy="5688282"/>
+          </a:xfrm>
+          <a:prstGeom prst="leftBrace">
+            <a:avLst/>
+          </a:prstGeom>
+        </p:spPr>
+        <p:style>
+          <a:lnRef idx="2">
+            <a:schemeClr val="accent1"/>
+          </a:lnRef>
+          <a:fillRef idx="0">
+            <a:schemeClr val="accent1"/>
+          </a:fillRef>
+          <a:effectRef idx="1">
+            <a:schemeClr val="accent1"/>
+          </a:effectRef>
+          <a:fontRef idx="minor">
+            <a:schemeClr val="tx1"/>
+          </a:fontRef>
+        </p:style>
+        <p:txBody>
+          <a:bodyPr rtlCol="0" anchor="ctr"/>
+          <a:lstStyle/>
+          <a:p>
+            <a:pPr algn="ctr"/>
+            <a:endParaRPr lang="en-CA"/>
+          </a:p>
+        </p:txBody>
+      </p:sp>
+      <p:sp>
+        <p:nvSpPr>
+          <p:cNvPr id="8" name="TextBox 7">
+            <a:extLst>
+              <a:ext uri="{FF2B5EF4-FFF2-40B4-BE49-F238E27FC236}">
+                <a16:creationId xmlns:a16="http://schemas.microsoft.com/office/drawing/2014/main" id="{B33B3517-8104-1D41-7E86-488C1ADCBD09}"/>
+              </a:ext>
+            </a:extLst>
+          </p:cNvPr>
+          <p:cNvSpPr txBox="1"/>
+          <p:nvPr/>
+        </p:nvSpPr>
+        <p:spPr>
+          <a:xfrm>
+            <a:off x="961903" y="1266195"/>
+            <a:ext cx="4560124" cy="923330"/>
+          </a:xfrm>
+          <a:prstGeom prst="rect">
+            <a:avLst/>
+          </a:prstGeom>
+          <a:noFill/>
+        </p:spPr>
+        <p:txBody>
+          <a:bodyPr wrap="square" rtlCol="0">
+            <a:spAutoFit/>
+          </a:bodyPr>
+          <a:lstStyle/>
+          <a:p>
+            <a:r>
+              <a:rPr lang="en-US" dirty="0"/>
+              <a:t>These ports are from the rename stage available when the instruction is queued or dispatched. (4 </a:t>
+            </a:r>
+            <a:r>
+              <a:rPr lang="en-US" dirty="0" err="1"/>
+              <a:t>insn</a:t>
+            </a:r>
+            <a:r>
+              <a:rPr lang="en-US" dirty="0"/>
+              <a:t> x 4 ports)</a:t>
+            </a:r>
+            <a:endParaRPr lang="en-CA" dirty="0"/>
+          </a:p>
+        </p:txBody>
+      </p:sp>
+      <p:sp>
+        <p:nvSpPr>
+          <p:cNvPr id="9" name="TextBox 8">
+            <a:extLst>
+              <a:ext uri="{FF2B5EF4-FFF2-40B4-BE49-F238E27FC236}">
+                <a16:creationId xmlns:a16="http://schemas.microsoft.com/office/drawing/2014/main" id="{37D635A0-4357-3B98-A46F-0E8A83346DD4}"/>
+              </a:ext>
+            </a:extLst>
+          </p:cNvPr>
+          <p:cNvSpPr txBox="1"/>
+          <p:nvPr/>
+        </p:nvSpPr>
+        <p:spPr>
+          <a:xfrm>
+            <a:off x="6038602" y="1266194"/>
+            <a:ext cx="4815446" cy="923330"/>
+          </a:xfrm>
+          <a:prstGeom prst="rect">
+            <a:avLst/>
+          </a:prstGeom>
+          <a:noFill/>
+        </p:spPr>
+        <p:txBody>
+          <a:bodyPr wrap="square" rtlCol="0">
+            <a:spAutoFit/>
+          </a:bodyPr>
+          <a:lstStyle/>
+          <a:p>
+            <a:r>
+              <a:rPr lang="en-US" dirty="0"/>
+              <a:t>These ports are “catch up” ports from the reservation stations for when the values were not available at queue/dispatch time.</a:t>
+            </a:r>
+            <a:endParaRPr lang="en-CA" dirty="0"/>
+          </a:p>
+        </p:txBody>
+      </p:sp>
+      <p:sp>
+        <p:nvSpPr>
+          <p:cNvPr id="10" name="Rectangle 9">
+            <a:extLst>
+              <a:ext uri="{FF2B5EF4-FFF2-40B4-BE49-F238E27FC236}">
+                <a16:creationId xmlns:a16="http://schemas.microsoft.com/office/drawing/2014/main" id="{646D5ACC-DC0D-50F9-8F79-A72F1A59B605}"/>
+              </a:ext>
+            </a:extLst>
+          </p:cNvPr>
+          <p:cNvSpPr/>
+          <p:nvPr/>
+        </p:nvSpPr>
+        <p:spPr>
+          <a:xfrm>
+            <a:off x="1651624" y="6474062"/>
+            <a:ext cx="2599745" cy="498763"/>
+          </a:xfrm>
+          <a:prstGeom prst="rect">
+            <a:avLst/>
+          </a:prstGeom>
+        </p:spPr>
+        <p:style>
+          <a:lnRef idx="2">
+            <a:schemeClr val="accent1">
+              <a:shade val="15000"/>
+            </a:schemeClr>
+          </a:lnRef>
+          <a:fillRef idx="1">
+            <a:schemeClr val="accent1"/>
+          </a:fillRef>
+          <a:effectRef idx="0">
+            <a:schemeClr val="accent1"/>
+          </a:effectRef>
+          <a:fontRef idx="minor">
+            <a:schemeClr val="lt1"/>
+          </a:fontRef>
+        </p:style>
+        <p:txBody>
+          <a:bodyPr rtlCol="0" anchor="ctr"/>
+          <a:lstStyle/>
+          <a:p>
+            <a:pPr algn="ctr"/>
+            <a:r>
+              <a:rPr lang="en-US" dirty="0"/>
+              <a:t>16 Ports</a:t>
+            </a:r>
+            <a:endParaRPr lang="en-CA" dirty="0"/>
+          </a:p>
+        </p:txBody>
+      </p:sp>
+      <p:sp>
+        <p:nvSpPr>
+          <p:cNvPr id="11" name="Rectangle 10">
+            <a:extLst>
+              <a:ext uri="{FF2B5EF4-FFF2-40B4-BE49-F238E27FC236}">
+                <a16:creationId xmlns:a16="http://schemas.microsoft.com/office/drawing/2014/main" id="{F6D5FF8D-5611-9106-4C58-5BB744B961F4}"/>
+              </a:ext>
+            </a:extLst>
+          </p:cNvPr>
+          <p:cNvSpPr/>
+          <p:nvPr/>
+        </p:nvSpPr>
+        <p:spPr>
+          <a:xfrm>
+            <a:off x="4251369" y="6474062"/>
+            <a:ext cx="1282534" cy="498763"/>
+          </a:xfrm>
+          <a:prstGeom prst="rect">
+            <a:avLst/>
+          </a:prstGeom>
+        </p:spPr>
+        <p:style>
+          <a:lnRef idx="2">
+            <a:schemeClr val="accent1">
+              <a:shade val="15000"/>
+            </a:schemeClr>
+          </a:lnRef>
+          <a:fillRef idx="1">
+            <a:schemeClr val="accent1"/>
+          </a:fillRef>
+          <a:effectRef idx="0">
+            <a:schemeClr val="accent1"/>
+          </a:effectRef>
+          <a:fontRef idx="minor">
+            <a:schemeClr val="lt1"/>
+          </a:fontRef>
+        </p:style>
+        <p:txBody>
+          <a:bodyPr rtlCol="0" anchor="ctr"/>
+          <a:lstStyle/>
+          <a:p>
+            <a:pPr algn="ctr"/>
+            <a:r>
+              <a:rPr lang="en-US" dirty="0"/>
+              <a:t>8 Ports</a:t>
+            </a:r>
+            <a:endParaRPr lang="en-CA" dirty="0"/>
+          </a:p>
+        </p:txBody>
+      </p:sp>
+      <p:sp>
+        <p:nvSpPr>
+          <p:cNvPr id="12" name="Arrow: Down 11">
+            <a:extLst>
+              <a:ext uri="{FF2B5EF4-FFF2-40B4-BE49-F238E27FC236}">
+                <a16:creationId xmlns:a16="http://schemas.microsoft.com/office/drawing/2014/main" id="{A93CA663-6976-BFA7-DC52-CCF83EBA9657}"/>
+              </a:ext>
+            </a:extLst>
+          </p:cNvPr>
+          <p:cNvSpPr/>
+          <p:nvPr/>
+        </p:nvSpPr>
+        <p:spPr>
+          <a:xfrm>
+            <a:off x="2642262" y="3708044"/>
+            <a:ext cx="504700" cy="2766018"/>
+          </a:xfrm>
+          <a:prstGeom prst="downArrow">
+            <a:avLst/>
+          </a:prstGeom>
+        </p:spPr>
+        <p:style>
+          <a:lnRef idx="2">
+            <a:schemeClr val="accent1">
+              <a:shade val="15000"/>
+            </a:schemeClr>
+          </a:lnRef>
+          <a:fillRef idx="1">
+            <a:schemeClr val="accent1"/>
+          </a:fillRef>
+          <a:effectRef idx="0">
+            <a:schemeClr val="accent1"/>
+          </a:effectRef>
+          <a:fontRef idx="minor">
+            <a:schemeClr val="lt1"/>
+          </a:fontRef>
+        </p:style>
+        <p:txBody>
+          <a:bodyPr rtlCol="0" anchor="ctr"/>
+          <a:lstStyle/>
+          <a:p>
+            <a:pPr algn="ctr"/>
+            <a:endParaRPr lang="en-CA"/>
+          </a:p>
+        </p:txBody>
+      </p:sp>
+      <p:sp>
+        <p:nvSpPr>
+          <p:cNvPr id="13" name="Arrow: Down 12">
+            <a:extLst>
+              <a:ext uri="{FF2B5EF4-FFF2-40B4-BE49-F238E27FC236}">
+                <a16:creationId xmlns:a16="http://schemas.microsoft.com/office/drawing/2014/main" id="{5A3AF91D-CA75-C507-E601-FD182B163BBB}"/>
+              </a:ext>
+            </a:extLst>
+          </p:cNvPr>
+          <p:cNvSpPr/>
+          <p:nvPr/>
+        </p:nvSpPr>
+        <p:spPr>
+          <a:xfrm rot="2644022">
+            <a:off x="5269746" y="5074709"/>
+            <a:ext cx="528313" cy="1446880"/>
+          </a:xfrm>
+          <a:prstGeom prst="downArrow">
+            <a:avLst/>
+          </a:prstGeom>
+        </p:spPr>
+        <p:style>
+          <a:lnRef idx="2">
+            <a:schemeClr val="accent1">
+              <a:shade val="15000"/>
+            </a:schemeClr>
+          </a:lnRef>
+          <a:fillRef idx="1">
+            <a:schemeClr val="accent1"/>
+          </a:fillRef>
+          <a:effectRef idx="0">
+            <a:schemeClr val="accent1"/>
+          </a:effectRef>
+          <a:fontRef idx="minor">
+            <a:schemeClr val="lt1"/>
+          </a:fontRef>
+        </p:style>
+        <p:txBody>
+          <a:bodyPr rtlCol="0" anchor="ctr"/>
+          <a:lstStyle/>
+          <a:p>
+            <a:pPr algn="ctr"/>
+            <a:endParaRPr lang="en-CA"/>
+          </a:p>
+        </p:txBody>
+      </p:sp>
+      <p:sp>
+        <p:nvSpPr>
+          <p:cNvPr id="14" name="Right Brace 13">
+            <a:extLst>
+              <a:ext uri="{FF2B5EF4-FFF2-40B4-BE49-F238E27FC236}">
+                <a16:creationId xmlns:a16="http://schemas.microsoft.com/office/drawing/2014/main" id="{2B2D432A-2A88-8351-966B-F2B98D9ABCA3}"/>
+              </a:ext>
+            </a:extLst>
+          </p:cNvPr>
+          <p:cNvSpPr/>
+          <p:nvPr/>
+        </p:nvSpPr>
+        <p:spPr>
+          <a:xfrm rot="5400000">
+            <a:off x="3343381" y="5606169"/>
+            <a:ext cx="391885" cy="3775400"/>
+          </a:xfrm>
+          <a:prstGeom prst="rightBrace">
+            <a:avLst/>
+          </a:prstGeom>
+        </p:spPr>
+        <p:style>
+          <a:lnRef idx="2">
+            <a:schemeClr val="accent1"/>
+          </a:lnRef>
+          <a:fillRef idx="0">
+            <a:schemeClr val="accent1"/>
+          </a:fillRef>
+          <a:effectRef idx="1">
+            <a:schemeClr val="accent1"/>
+          </a:effectRef>
+          <a:fontRef idx="minor">
+            <a:schemeClr val="tx1"/>
+          </a:fontRef>
+        </p:style>
+        <p:txBody>
+          <a:bodyPr rtlCol="0" anchor="ctr"/>
+          <a:lstStyle/>
+          <a:p>
+            <a:pPr algn="ctr"/>
+            <a:endParaRPr lang="en-CA"/>
+          </a:p>
+        </p:txBody>
+      </p:sp>
+      <p:sp>
+        <p:nvSpPr>
+          <p:cNvPr id="15" name="TextBox 14">
+            <a:extLst>
+              <a:ext uri="{FF2B5EF4-FFF2-40B4-BE49-F238E27FC236}">
+                <a16:creationId xmlns:a16="http://schemas.microsoft.com/office/drawing/2014/main" id="{67D12A01-2ECD-ACD2-D23F-56652589C07A}"/>
+              </a:ext>
+            </a:extLst>
+          </p:cNvPr>
+          <p:cNvSpPr txBox="1"/>
+          <p:nvPr/>
+        </p:nvSpPr>
+        <p:spPr>
+          <a:xfrm>
+            <a:off x="1193099" y="8014913"/>
+            <a:ext cx="6023637" cy="369332"/>
+          </a:xfrm>
+          <a:prstGeom prst="rect">
+            <a:avLst/>
+          </a:prstGeom>
+          <a:noFill/>
+        </p:spPr>
+        <p:txBody>
+          <a:bodyPr wrap="none" rtlCol="0">
+            <a:spAutoFit/>
+          </a:bodyPr>
+          <a:lstStyle/>
+          <a:p>
+            <a:r>
+              <a:rPr lang="en-US" dirty="0"/>
+              <a:t>These are physically statically connected to the register file.</a:t>
+            </a:r>
+            <a:endParaRPr lang="en-CA" dirty="0"/>
+          </a:p>
+        </p:txBody>
+      </p:sp>
+      <p:sp>
+        <p:nvSpPr>
+          <p:cNvPr id="16" name="TextBox 15">
+            <a:extLst>
+              <a:ext uri="{FF2B5EF4-FFF2-40B4-BE49-F238E27FC236}">
+                <a16:creationId xmlns:a16="http://schemas.microsoft.com/office/drawing/2014/main" id="{0A64CAA9-178A-E183-6927-FB11D4C59AF6}"/>
+              </a:ext>
+            </a:extLst>
+          </p:cNvPr>
+          <p:cNvSpPr txBox="1"/>
+          <p:nvPr/>
+        </p:nvSpPr>
+        <p:spPr>
+          <a:xfrm>
+            <a:off x="7286112" y="3698564"/>
+            <a:ext cx="2546659" cy="369332"/>
+          </a:xfrm>
+          <a:prstGeom prst="rect">
+            <a:avLst/>
+          </a:prstGeom>
+          <a:noFill/>
+        </p:spPr>
+        <p:txBody>
+          <a:bodyPr wrap="none" rtlCol="0">
+            <a:spAutoFit/>
+          </a:bodyPr>
+          <a:lstStyle/>
+          <a:p>
+            <a:r>
+              <a:rPr lang="en-US" dirty="0"/>
+              <a:t>Six groups of eight ports</a:t>
+            </a:r>
+            <a:endParaRPr lang="en-CA" dirty="0"/>
+          </a:p>
+        </p:txBody>
+      </p:sp>
+      <p:sp>
+        <p:nvSpPr>
+          <p:cNvPr id="17" name="Rectangle: Rounded Corners 16">
+            <a:extLst>
+              <a:ext uri="{FF2B5EF4-FFF2-40B4-BE49-F238E27FC236}">
+                <a16:creationId xmlns:a16="http://schemas.microsoft.com/office/drawing/2014/main" id="{584A5992-2D35-7C27-BE92-BB9425A1844D}"/>
+              </a:ext>
+            </a:extLst>
+          </p:cNvPr>
+          <p:cNvSpPr/>
+          <p:nvPr/>
+        </p:nvSpPr>
+        <p:spPr>
+          <a:xfrm>
+            <a:off x="5427024" y="4207079"/>
+            <a:ext cx="3079210" cy="914400"/>
+          </a:xfrm>
+          <a:prstGeom prst="roundRect">
+            <a:avLst/>
+          </a:prstGeom>
+        </p:spPr>
+        <p:style>
+          <a:lnRef idx="2">
+            <a:schemeClr val="accent1">
+              <a:shade val="15000"/>
+            </a:schemeClr>
+          </a:lnRef>
+          <a:fillRef idx="1">
+            <a:schemeClr val="accent1"/>
+          </a:fillRef>
+          <a:effectRef idx="0">
+            <a:schemeClr val="accent1"/>
+          </a:effectRef>
+          <a:fontRef idx="minor">
+            <a:schemeClr val="lt1"/>
+          </a:fontRef>
+        </p:style>
+        <p:txBody>
+          <a:bodyPr rtlCol="0" anchor="ctr"/>
+          <a:lstStyle/>
+          <a:p>
+            <a:pPr algn="ctr"/>
+            <a:r>
+              <a:rPr lang="en-US" dirty="0"/>
+              <a:t>Round-robin arbiter</a:t>
+            </a:r>
+          </a:p>
+          <a:p>
+            <a:pPr algn="ctr"/>
+            <a:r>
+              <a:rPr lang="en-US" dirty="0"/>
+              <a:t>Selects one group from six</a:t>
+            </a:r>
+            <a:endParaRPr lang="en-CA" dirty="0"/>
+          </a:p>
+        </p:txBody>
+      </p:sp>
+      <p:sp>
+        <p:nvSpPr>
+          <p:cNvPr id="18" name="Arrow: Down 17">
+            <a:extLst>
+              <a:ext uri="{FF2B5EF4-FFF2-40B4-BE49-F238E27FC236}">
+                <a16:creationId xmlns:a16="http://schemas.microsoft.com/office/drawing/2014/main" id="{717F51D5-EDA2-4EBE-9DCE-A3EF23B95E2E}"/>
+              </a:ext>
+            </a:extLst>
+          </p:cNvPr>
+          <p:cNvSpPr/>
+          <p:nvPr/>
+        </p:nvSpPr>
+        <p:spPr>
+          <a:xfrm>
+            <a:off x="6736281" y="3708044"/>
+            <a:ext cx="504700" cy="498763"/>
+          </a:xfrm>
+          <a:prstGeom prst="downArrow">
+            <a:avLst/>
+          </a:prstGeom>
+        </p:spPr>
+        <p:style>
+          <a:lnRef idx="2">
+            <a:schemeClr val="accent1">
+              <a:shade val="15000"/>
+            </a:schemeClr>
+          </a:lnRef>
+          <a:fillRef idx="1">
+            <a:schemeClr val="accent1"/>
+          </a:fillRef>
+          <a:effectRef idx="0">
+            <a:schemeClr val="accent1"/>
+          </a:effectRef>
+          <a:fontRef idx="minor">
+            <a:schemeClr val="lt1"/>
+          </a:fontRef>
+        </p:style>
+        <p:txBody>
+          <a:bodyPr rtlCol="0" anchor="ctr"/>
+          <a:lstStyle/>
+          <a:p>
+            <a:pPr algn="ctr"/>
+            <a:endParaRPr lang="en-CA"/>
+          </a:p>
+        </p:txBody>
+      </p:sp>
+      <p:cxnSp>
+        <p:nvCxnSpPr>
+          <p:cNvPr id="20" name="Straight Arrow Connector 19">
+            <a:extLst>
+              <a:ext uri="{FF2B5EF4-FFF2-40B4-BE49-F238E27FC236}">
+                <a16:creationId xmlns:a16="http://schemas.microsoft.com/office/drawing/2014/main" id="{CDC8ED40-A4A8-C6B2-BB8B-B5473F15AD59}"/>
+              </a:ext>
+            </a:extLst>
+          </p:cNvPr>
+          <p:cNvCxnSpPr/>
+          <p:nvPr/>
+        </p:nvCxnSpPr>
+        <p:spPr>
+          <a:xfrm>
+            <a:off x="2517569" y="2189524"/>
+            <a:ext cx="225631" cy="423047"/>
+          </a:xfrm>
+          <a:prstGeom prst="straightConnector1">
+            <a:avLst/>
+          </a:prstGeom>
+          <a:ln>
+            <a:tailEnd type="triangle"/>
+          </a:ln>
+        </p:spPr>
+        <p:style>
+          <a:lnRef idx="2">
+            <a:schemeClr val="accent1"/>
+          </a:lnRef>
+          <a:fillRef idx="0">
+            <a:schemeClr val="accent1"/>
+          </a:fillRef>
+          <a:effectRef idx="1">
+            <a:schemeClr val="accent1"/>
+          </a:effectRef>
+          <a:fontRef idx="minor">
+            <a:schemeClr val="tx1"/>
+          </a:fontRef>
+        </p:style>
+      </p:cxnSp>
+      <p:cxnSp>
+        <p:nvCxnSpPr>
+          <p:cNvPr id="22" name="Straight Arrow Connector 21">
+            <a:extLst>
+              <a:ext uri="{FF2B5EF4-FFF2-40B4-BE49-F238E27FC236}">
+                <a16:creationId xmlns:a16="http://schemas.microsoft.com/office/drawing/2014/main" id="{DE44E9CA-4FC7-60C7-3D41-DF52E40E09B1}"/>
+              </a:ext>
+            </a:extLst>
+          </p:cNvPr>
+          <p:cNvCxnSpPr/>
+          <p:nvPr/>
+        </p:nvCxnSpPr>
+        <p:spPr>
+          <a:xfrm flipH="1">
+            <a:off x="7077694" y="2189524"/>
+            <a:ext cx="724394" cy="458673"/>
+          </a:xfrm>
+          <a:prstGeom prst="straightConnector1">
+            <a:avLst/>
+          </a:prstGeom>
+          <a:ln>
+            <a:tailEnd type="triangle"/>
+          </a:ln>
+        </p:spPr>
+        <p:style>
+          <a:lnRef idx="2">
+            <a:schemeClr val="accent1"/>
+          </a:lnRef>
+          <a:fillRef idx="0">
+            <a:schemeClr val="accent1"/>
+          </a:fillRef>
+          <a:effectRef idx="1">
+            <a:schemeClr val="accent1"/>
+          </a:effectRef>
+          <a:fontRef idx="minor">
+            <a:schemeClr val="tx1"/>
+          </a:fontRef>
+        </p:style>
+      </p:cxnSp>
+    </p:spTree>
+    <p:extLst>
+      <p:ext uri="{BB962C8B-B14F-4D97-AF65-F5344CB8AC3E}">
+        <p14:creationId xmlns:p14="http://schemas.microsoft.com/office/powerpoint/2010/main" val="3490018601"/>
+      </p:ext>
+    </p:extLst>
+  </p:cSld>
+  <p:clrMapOvr>
+    <a:masterClrMapping/>
+  </p:clrMapOvr>
+</p:sld>
+</file>
+
+<file path=ppt/slides/slide22.xml><?xml version="1.0" encoding="utf-8"?>
+<p:sld xmlns:a="http://schemas.openxmlformats.org/drawingml/2006/main" xmlns:r="http://schemas.openxmlformats.org/officeDocument/2006/relationships" xmlns:p="http://schemas.openxmlformats.org/presentationml/2006/main">
+  <p:cSld>
+    <p:spTree>
+      <p:nvGrpSpPr>
+        <p:cNvPr id="1" name=""/>
+        <p:cNvGrpSpPr/>
+        <p:nvPr/>
+      </p:nvGrpSpPr>
+      <p:grpSpPr>
+        <a:xfrm>
+          <a:off x="0" y="0"/>
+          <a:ext cx="0" cy="0"/>
+          <a:chOff x="0" y="0"/>
+          <a:chExt cx="0" cy="0"/>
+        </a:xfrm>
+      </p:grpSpPr>
+      <p:sp>
+        <p:nvSpPr>
+          <p:cNvPr id="2" name="Title 1">
+            <a:extLst>
+              <a:ext uri="{FF2B5EF4-FFF2-40B4-BE49-F238E27FC236}">
+                <a16:creationId xmlns:a16="http://schemas.microsoft.com/office/drawing/2014/main" id="{529EA9A9-477C-7415-D157-CE31FA37F97F}"/>
+              </a:ext>
+            </a:extLst>
+          </p:cNvPr>
+          <p:cNvSpPr>
+            <a:spLocks noGrp="1"/>
+          </p:cNvSpPr>
+          <p:nvPr>
+            <p:ph type="title"/>
+          </p:nvPr>
+        </p:nvSpPr>
+        <p:spPr>
+          <a:xfrm>
+            <a:off x="0" y="0"/>
+            <a:ext cx="10515600" cy="1062201"/>
+          </a:xfrm>
+        </p:spPr>
+        <p:txBody>
+          <a:bodyPr/>
+          <a:lstStyle/>
+          <a:p>
+            <a:r>
+              <a:rPr lang="en-US" dirty="0"/>
+              <a:t>Qupls4: Dispatch</a:t>
+            </a:r>
+            <a:endParaRPr lang="en-CA" dirty="0"/>
+          </a:p>
+        </p:txBody>
+      </p:sp>
+      <p:sp>
+        <p:nvSpPr>
+          <p:cNvPr id="5" name="Rectangle: Rounded Corners 4">
+            <a:extLst>
+              <a:ext uri="{FF2B5EF4-FFF2-40B4-BE49-F238E27FC236}">
+                <a16:creationId xmlns:a16="http://schemas.microsoft.com/office/drawing/2014/main" id="{A4A8CF4B-5065-C8DF-1645-8CE1C9FB2FFF}"/>
+              </a:ext>
+            </a:extLst>
+          </p:cNvPr>
+          <p:cNvSpPr/>
+          <p:nvPr/>
+        </p:nvSpPr>
+        <p:spPr>
+          <a:xfrm>
+            <a:off x="1401285" y="1342715"/>
+            <a:ext cx="2066307" cy="676893"/>
+          </a:xfrm>
+          <a:prstGeom prst="roundRect">
+            <a:avLst/>
+          </a:prstGeom>
+        </p:spPr>
+        <p:style>
+          <a:lnRef idx="2">
+            <a:schemeClr val="accent1">
+              <a:shade val="15000"/>
+            </a:schemeClr>
+          </a:lnRef>
+          <a:fillRef idx="1">
+            <a:schemeClr val="accent1"/>
+          </a:fillRef>
+          <a:effectRef idx="0">
+            <a:schemeClr val="accent1"/>
+          </a:effectRef>
+          <a:fontRef idx="minor">
+            <a:schemeClr val="lt1"/>
+          </a:fontRef>
+        </p:style>
+        <p:txBody>
+          <a:bodyPr rtlCol="0" anchor="ctr"/>
+          <a:lstStyle/>
+          <a:p>
+            <a:pPr algn="ctr"/>
+            <a:r>
+              <a:rPr lang="en-US" dirty="0"/>
+              <a:t>Fetch</a:t>
+            </a:r>
+            <a:endParaRPr lang="en-CA" dirty="0"/>
+          </a:p>
+        </p:txBody>
+      </p:sp>
+      <p:sp>
+        <p:nvSpPr>
+          <p:cNvPr id="6" name="Rectangle: Rounded Corners 5">
+            <a:extLst>
+              <a:ext uri="{FF2B5EF4-FFF2-40B4-BE49-F238E27FC236}">
+                <a16:creationId xmlns:a16="http://schemas.microsoft.com/office/drawing/2014/main" id="{F83CE011-D1CA-66FC-9DA6-AE9FAB295C1B}"/>
+              </a:ext>
+            </a:extLst>
+          </p:cNvPr>
+          <p:cNvSpPr/>
+          <p:nvPr/>
+        </p:nvSpPr>
+        <p:spPr>
+          <a:xfrm>
+            <a:off x="1401285" y="2454954"/>
+            <a:ext cx="2066307" cy="676893"/>
+          </a:xfrm>
+          <a:prstGeom prst="roundRect">
+            <a:avLst/>
+          </a:prstGeom>
+        </p:spPr>
+        <p:style>
+          <a:lnRef idx="2">
+            <a:schemeClr val="accent1">
+              <a:shade val="15000"/>
+            </a:schemeClr>
+          </a:lnRef>
+          <a:fillRef idx="1">
+            <a:schemeClr val="accent1"/>
+          </a:fillRef>
+          <a:effectRef idx="0">
+            <a:schemeClr val="accent1"/>
+          </a:effectRef>
+          <a:fontRef idx="minor">
+            <a:schemeClr val="lt1"/>
+          </a:fontRef>
+        </p:style>
+        <p:txBody>
+          <a:bodyPr rtlCol="0" anchor="ctr"/>
+          <a:lstStyle/>
+          <a:p>
+            <a:pPr algn="ctr"/>
+            <a:r>
+              <a:rPr lang="en-US" dirty="0"/>
+              <a:t>Extract</a:t>
+            </a:r>
+            <a:endParaRPr lang="en-CA" dirty="0"/>
+          </a:p>
+        </p:txBody>
+      </p:sp>
+      <p:sp>
+        <p:nvSpPr>
+          <p:cNvPr id="7" name="Rectangle: Rounded Corners 6">
+            <a:extLst>
+              <a:ext uri="{FF2B5EF4-FFF2-40B4-BE49-F238E27FC236}">
+                <a16:creationId xmlns:a16="http://schemas.microsoft.com/office/drawing/2014/main" id="{4F26EE38-DD28-1F63-9E34-F6BA907F8301}"/>
+              </a:ext>
+            </a:extLst>
+          </p:cNvPr>
+          <p:cNvSpPr/>
+          <p:nvPr/>
+        </p:nvSpPr>
+        <p:spPr>
+          <a:xfrm>
+            <a:off x="1401285" y="3567194"/>
+            <a:ext cx="2066307" cy="676893"/>
+          </a:xfrm>
+          <a:prstGeom prst="roundRect">
+            <a:avLst/>
+          </a:prstGeom>
+        </p:spPr>
+        <p:style>
+          <a:lnRef idx="2">
+            <a:schemeClr val="accent1">
+              <a:shade val="15000"/>
+            </a:schemeClr>
+          </a:lnRef>
+          <a:fillRef idx="1">
+            <a:schemeClr val="accent1"/>
+          </a:fillRef>
+          <a:effectRef idx="0">
+            <a:schemeClr val="accent1"/>
+          </a:effectRef>
+          <a:fontRef idx="minor">
+            <a:schemeClr val="lt1"/>
+          </a:fontRef>
+        </p:style>
+        <p:txBody>
+          <a:bodyPr rtlCol="0" anchor="ctr"/>
+          <a:lstStyle/>
+          <a:p>
+            <a:pPr algn="ctr"/>
+            <a:r>
+              <a:rPr lang="en-US" dirty="0"/>
+              <a:t>Decode</a:t>
+            </a:r>
+            <a:endParaRPr lang="en-CA" dirty="0"/>
+          </a:p>
+        </p:txBody>
+      </p:sp>
+      <p:sp>
+        <p:nvSpPr>
+          <p:cNvPr id="8" name="Rectangle: Rounded Corners 7">
+            <a:extLst>
+              <a:ext uri="{FF2B5EF4-FFF2-40B4-BE49-F238E27FC236}">
+                <a16:creationId xmlns:a16="http://schemas.microsoft.com/office/drawing/2014/main" id="{951D4E64-E657-5A36-CEFE-99A87C2BE400}"/>
+              </a:ext>
+            </a:extLst>
+          </p:cNvPr>
+          <p:cNvSpPr/>
+          <p:nvPr/>
+        </p:nvSpPr>
+        <p:spPr>
+          <a:xfrm>
+            <a:off x="1401285" y="4733945"/>
+            <a:ext cx="2066307" cy="676893"/>
+          </a:xfrm>
+          <a:prstGeom prst="roundRect">
+            <a:avLst/>
+          </a:prstGeom>
+        </p:spPr>
+        <p:style>
+          <a:lnRef idx="2">
+            <a:schemeClr val="accent1">
+              <a:shade val="15000"/>
+            </a:schemeClr>
+          </a:lnRef>
+          <a:fillRef idx="1">
+            <a:schemeClr val="accent1"/>
+          </a:fillRef>
+          <a:effectRef idx="0">
+            <a:schemeClr val="accent1"/>
+          </a:effectRef>
+          <a:fontRef idx="minor">
+            <a:schemeClr val="lt1"/>
+          </a:fontRef>
+        </p:style>
+        <p:txBody>
+          <a:bodyPr rtlCol="0" anchor="ctr"/>
+          <a:lstStyle/>
+          <a:p>
+            <a:pPr algn="ctr"/>
+            <a:r>
+              <a:rPr lang="en-US" dirty="0"/>
+              <a:t>Rename</a:t>
+            </a:r>
+            <a:endParaRPr lang="en-CA" dirty="0"/>
+          </a:p>
+        </p:txBody>
+      </p:sp>
+      <p:sp>
+        <p:nvSpPr>
+          <p:cNvPr id="9" name="Rectangle: Rounded Corners 8">
+            <a:extLst>
+              <a:ext uri="{FF2B5EF4-FFF2-40B4-BE49-F238E27FC236}">
+                <a16:creationId xmlns:a16="http://schemas.microsoft.com/office/drawing/2014/main" id="{C8911EDC-780D-6617-BAF1-D2FF0FB32A98}"/>
+              </a:ext>
+            </a:extLst>
+          </p:cNvPr>
+          <p:cNvSpPr/>
+          <p:nvPr/>
+        </p:nvSpPr>
+        <p:spPr>
+          <a:xfrm>
+            <a:off x="1401286" y="6084094"/>
+            <a:ext cx="2066307" cy="3629140"/>
+          </a:xfrm>
+          <a:prstGeom prst="roundRect">
+            <a:avLst/>
+          </a:prstGeom>
+        </p:spPr>
+        <p:style>
+          <a:lnRef idx="2">
+            <a:schemeClr val="accent1">
+              <a:shade val="15000"/>
+            </a:schemeClr>
+          </a:lnRef>
+          <a:fillRef idx="1">
+            <a:schemeClr val="accent1"/>
+          </a:fillRef>
+          <a:effectRef idx="0">
+            <a:schemeClr val="accent1"/>
+          </a:effectRef>
+          <a:fontRef idx="minor">
+            <a:schemeClr val="lt1"/>
+          </a:fontRef>
+        </p:style>
+        <p:txBody>
+          <a:bodyPr rtlCol="0" anchor="ctr"/>
+          <a:lstStyle/>
+          <a:p>
+            <a:pPr algn="ctr"/>
+            <a:r>
+              <a:rPr lang="en-US" dirty="0"/>
+              <a:t>Re-order buffer</a:t>
+            </a:r>
+            <a:endParaRPr lang="en-CA" dirty="0"/>
+          </a:p>
+        </p:txBody>
+      </p:sp>
+      <p:sp>
+        <p:nvSpPr>
+          <p:cNvPr id="10" name="Rectangle: Rounded Corners 9">
+            <a:extLst>
+              <a:ext uri="{FF2B5EF4-FFF2-40B4-BE49-F238E27FC236}">
+                <a16:creationId xmlns:a16="http://schemas.microsoft.com/office/drawing/2014/main" id="{2EF20981-CEA4-6BCB-976E-7CC043C88E62}"/>
+              </a:ext>
+            </a:extLst>
+          </p:cNvPr>
+          <p:cNvSpPr/>
+          <p:nvPr/>
+        </p:nvSpPr>
+        <p:spPr>
+          <a:xfrm>
+            <a:off x="4397829" y="6716774"/>
+            <a:ext cx="2066307" cy="1566903"/>
+          </a:xfrm>
+          <a:prstGeom prst="roundRect">
+            <a:avLst/>
+          </a:prstGeom>
+        </p:spPr>
+        <p:style>
+          <a:lnRef idx="2">
+            <a:schemeClr val="accent1">
+              <a:shade val="15000"/>
+            </a:schemeClr>
+          </a:lnRef>
+          <a:fillRef idx="1">
+            <a:schemeClr val="accent1"/>
+          </a:fillRef>
+          <a:effectRef idx="0">
+            <a:schemeClr val="accent1"/>
+          </a:effectRef>
+          <a:fontRef idx="minor">
+            <a:schemeClr val="lt1"/>
+          </a:fontRef>
+        </p:style>
+        <p:txBody>
+          <a:bodyPr rtlCol="0" anchor="ctr"/>
+          <a:lstStyle/>
+          <a:p>
+            <a:pPr algn="ctr"/>
+            <a:r>
+              <a:rPr lang="en-US" dirty="0"/>
+              <a:t>Dispatch</a:t>
+            </a:r>
+            <a:endParaRPr lang="en-CA" dirty="0"/>
+          </a:p>
+        </p:txBody>
+      </p:sp>
+      <p:sp>
+        <p:nvSpPr>
+          <p:cNvPr id="11" name="Arrow: Up-Down 10">
+            <a:extLst>
+              <a:ext uri="{FF2B5EF4-FFF2-40B4-BE49-F238E27FC236}">
+                <a16:creationId xmlns:a16="http://schemas.microsoft.com/office/drawing/2014/main" id="{13BD7154-9982-8555-E7F8-1426A33D9134}"/>
+              </a:ext>
+            </a:extLst>
+          </p:cNvPr>
+          <p:cNvSpPr/>
+          <p:nvPr/>
+        </p:nvSpPr>
+        <p:spPr>
+          <a:xfrm rot="16200000">
+            <a:off x="3689207" y="7036295"/>
+            <a:ext cx="484632" cy="927859"/>
+          </a:xfrm>
+          <a:prstGeom prst="upDownArrow">
+            <a:avLst/>
+          </a:prstGeom>
+        </p:spPr>
+        <p:style>
+          <a:lnRef idx="2">
+            <a:schemeClr val="accent1">
+              <a:shade val="15000"/>
+            </a:schemeClr>
+          </a:lnRef>
+          <a:fillRef idx="1">
+            <a:schemeClr val="accent1"/>
+          </a:fillRef>
+          <a:effectRef idx="0">
+            <a:schemeClr val="accent1"/>
+          </a:effectRef>
+          <a:fontRef idx="minor">
+            <a:schemeClr val="lt1"/>
+          </a:fontRef>
+        </p:style>
+        <p:txBody>
+          <a:bodyPr rtlCol="0" anchor="ctr"/>
+          <a:lstStyle/>
+          <a:p>
+            <a:pPr algn="ctr"/>
+            <a:endParaRPr lang="en-CA"/>
+          </a:p>
+        </p:txBody>
+      </p:sp>
+      <p:sp>
+        <p:nvSpPr>
+          <p:cNvPr id="12" name="Arrow: Down 11">
+            <a:extLst>
+              <a:ext uri="{FF2B5EF4-FFF2-40B4-BE49-F238E27FC236}">
+                <a16:creationId xmlns:a16="http://schemas.microsoft.com/office/drawing/2014/main" id="{0DA2FDFC-BF9E-E128-A312-1C1BF5DA2474}"/>
+              </a:ext>
+            </a:extLst>
+          </p:cNvPr>
+          <p:cNvSpPr/>
+          <p:nvPr/>
+        </p:nvSpPr>
+        <p:spPr>
+          <a:xfrm>
+            <a:off x="2192122" y="2018074"/>
+            <a:ext cx="484632" cy="489858"/>
+          </a:xfrm>
+          <a:prstGeom prst="downArrow">
+            <a:avLst/>
+          </a:prstGeom>
+        </p:spPr>
+        <p:style>
+          <a:lnRef idx="2">
+            <a:schemeClr val="accent1">
+              <a:shade val="15000"/>
+            </a:schemeClr>
+          </a:lnRef>
+          <a:fillRef idx="1">
+            <a:schemeClr val="accent1"/>
+          </a:fillRef>
+          <a:effectRef idx="0">
+            <a:schemeClr val="accent1"/>
+          </a:effectRef>
+          <a:fontRef idx="minor">
+            <a:schemeClr val="lt1"/>
+          </a:fontRef>
+        </p:style>
+        <p:txBody>
+          <a:bodyPr rtlCol="0" anchor="ctr"/>
+          <a:lstStyle/>
+          <a:p>
+            <a:pPr algn="ctr"/>
+            <a:endParaRPr lang="en-CA"/>
+          </a:p>
+        </p:txBody>
+      </p:sp>
+      <p:sp>
+        <p:nvSpPr>
+          <p:cNvPr id="13" name="Arrow: Down 12">
+            <a:extLst>
+              <a:ext uri="{FF2B5EF4-FFF2-40B4-BE49-F238E27FC236}">
+                <a16:creationId xmlns:a16="http://schemas.microsoft.com/office/drawing/2014/main" id="{F8FF303C-6E14-6D73-3668-3314E23456AE}"/>
+              </a:ext>
+            </a:extLst>
+          </p:cNvPr>
+          <p:cNvSpPr/>
+          <p:nvPr/>
+        </p:nvSpPr>
+        <p:spPr>
+          <a:xfrm>
+            <a:off x="2192122" y="3077335"/>
+            <a:ext cx="484632" cy="489858"/>
+          </a:xfrm>
+          <a:prstGeom prst="downArrow">
+            <a:avLst/>
+          </a:prstGeom>
+        </p:spPr>
+        <p:style>
+          <a:lnRef idx="2">
+            <a:schemeClr val="accent1">
+              <a:shade val="15000"/>
+            </a:schemeClr>
+          </a:lnRef>
+          <a:fillRef idx="1">
+            <a:schemeClr val="accent1"/>
+          </a:fillRef>
+          <a:effectRef idx="0">
+            <a:schemeClr val="accent1"/>
+          </a:effectRef>
+          <a:fontRef idx="minor">
+            <a:schemeClr val="lt1"/>
+          </a:fontRef>
+        </p:style>
+        <p:txBody>
+          <a:bodyPr rtlCol="0" anchor="ctr"/>
+          <a:lstStyle/>
+          <a:p>
+            <a:pPr algn="ctr"/>
+            <a:endParaRPr lang="en-CA"/>
+          </a:p>
+        </p:txBody>
+      </p:sp>
+      <p:sp>
+        <p:nvSpPr>
+          <p:cNvPr id="14" name="Arrow: Down 13">
+            <a:extLst>
+              <a:ext uri="{FF2B5EF4-FFF2-40B4-BE49-F238E27FC236}">
+                <a16:creationId xmlns:a16="http://schemas.microsoft.com/office/drawing/2014/main" id="{55965217-711B-361E-AC75-72568F20B733}"/>
+              </a:ext>
+            </a:extLst>
+          </p:cNvPr>
+          <p:cNvSpPr/>
+          <p:nvPr/>
+        </p:nvSpPr>
+        <p:spPr>
+          <a:xfrm>
+            <a:off x="2192122" y="4252883"/>
+            <a:ext cx="484632" cy="489858"/>
+          </a:xfrm>
+          <a:prstGeom prst="downArrow">
+            <a:avLst/>
+          </a:prstGeom>
+        </p:spPr>
+        <p:style>
+          <a:lnRef idx="2">
+            <a:schemeClr val="accent1">
+              <a:shade val="15000"/>
+            </a:schemeClr>
+          </a:lnRef>
+          <a:fillRef idx="1">
+            <a:schemeClr val="accent1"/>
+          </a:fillRef>
+          <a:effectRef idx="0">
+            <a:schemeClr val="accent1"/>
+          </a:effectRef>
+          <a:fontRef idx="minor">
+            <a:schemeClr val="lt1"/>
+          </a:fontRef>
+        </p:style>
+        <p:txBody>
+          <a:bodyPr rtlCol="0" anchor="ctr"/>
+          <a:lstStyle/>
+          <a:p>
+            <a:pPr algn="ctr"/>
+            <a:endParaRPr lang="en-CA"/>
+          </a:p>
+        </p:txBody>
+      </p:sp>
+      <p:sp>
+        <p:nvSpPr>
+          <p:cNvPr id="15" name="Arrow: Down 14">
+            <a:extLst>
+              <a:ext uri="{FF2B5EF4-FFF2-40B4-BE49-F238E27FC236}">
+                <a16:creationId xmlns:a16="http://schemas.microsoft.com/office/drawing/2014/main" id="{4D9700D9-EF1F-84F9-3F81-45A11F2B6E1C}"/>
+              </a:ext>
+            </a:extLst>
+          </p:cNvPr>
+          <p:cNvSpPr/>
+          <p:nvPr/>
+        </p:nvSpPr>
+        <p:spPr>
+          <a:xfrm>
+            <a:off x="2192122" y="5397865"/>
+            <a:ext cx="484632" cy="676893"/>
+          </a:xfrm>
+          <a:prstGeom prst="downArrow">
+            <a:avLst/>
+          </a:prstGeom>
+        </p:spPr>
+        <p:style>
+          <a:lnRef idx="2">
+            <a:schemeClr val="accent1">
+              <a:shade val="15000"/>
+            </a:schemeClr>
+          </a:lnRef>
+          <a:fillRef idx="1">
+            <a:schemeClr val="accent1"/>
+          </a:fillRef>
+          <a:effectRef idx="0">
+            <a:schemeClr val="accent1"/>
+          </a:effectRef>
+          <a:fontRef idx="minor">
+            <a:schemeClr val="lt1"/>
+          </a:fontRef>
+        </p:style>
+        <p:txBody>
+          <a:bodyPr rtlCol="0" anchor="ctr"/>
+          <a:lstStyle/>
+          <a:p>
+            <a:pPr algn="ctr"/>
+            <a:endParaRPr lang="en-CA"/>
+          </a:p>
+        </p:txBody>
+      </p:sp>
+      <p:sp>
+        <p:nvSpPr>
+          <p:cNvPr id="16" name="TextBox 15">
+            <a:extLst>
+              <a:ext uri="{FF2B5EF4-FFF2-40B4-BE49-F238E27FC236}">
+                <a16:creationId xmlns:a16="http://schemas.microsoft.com/office/drawing/2014/main" id="{B7B0DE35-1B5F-C6C5-9BC5-B397CB0C8E89}"/>
+              </a:ext>
+            </a:extLst>
+          </p:cNvPr>
+          <p:cNvSpPr txBox="1"/>
+          <p:nvPr/>
+        </p:nvSpPr>
+        <p:spPr>
+          <a:xfrm>
+            <a:off x="6464136" y="5564025"/>
+            <a:ext cx="1434945" cy="369332"/>
+          </a:xfrm>
+          <a:prstGeom prst="rect">
+            <a:avLst/>
+          </a:prstGeom>
+          <a:noFill/>
+        </p:spPr>
+        <p:txBody>
+          <a:bodyPr wrap="none" rtlCol="0">
+            <a:spAutoFit/>
+          </a:bodyPr>
+          <a:lstStyle/>
+          <a:p>
+            <a:r>
+              <a:rPr lang="en-US" dirty="0"/>
+              <a:t>Out-of-order</a:t>
+            </a:r>
+            <a:endParaRPr lang="en-CA" dirty="0"/>
+          </a:p>
+        </p:txBody>
+      </p:sp>
+      <p:sp>
+        <p:nvSpPr>
+          <p:cNvPr id="17" name="Rectangle: Rounded Corners 16">
+            <a:extLst>
+              <a:ext uri="{FF2B5EF4-FFF2-40B4-BE49-F238E27FC236}">
+                <a16:creationId xmlns:a16="http://schemas.microsoft.com/office/drawing/2014/main" id="{AD1E0AD6-08C1-D70F-9FB3-CD4BA3B76B58}"/>
+              </a:ext>
+            </a:extLst>
+          </p:cNvPr>
+          <p:cNvSpPr/>
+          <p:nvPr/>
+        </p:nvSpPr>
+        <p:spPr>
+          <a:xfrm>
+            <a:off x="7823857" y="6716774"/>
+            <a:ext cx="2066307" cy="676893"/>
+          </a:xfrm>
+          <a:prstGeom prst="roundRect">
+            <a:avLst/>
+          </a:prstGeom>
+        </p:spPr>
+        <p:style>
+          <a:lnRef idx="2">
+            <a:schemeClr val="accent1">
+              <a:shade val="15000"/>
+            </a:schemeClr>
+          </a:lnRef>
+          <a:fillRef idx="1">
+            <a:schemeClr val="accent1"/>
+          </a:fillRef>
+          <a:effectRef idx="0">
+            <a:schemeClr val="accent1"/>
+          </a:effectRef>
+          <a:fontRef idx="minor">
+            <a:schemeClr val="lt1"/>
+          </a:fontRef>
+        </p:style>
+        <p:txBody>
+          <a:bodyPr rtlCol="0" anchor="ctr"/>
+          <a:lstStyle/>
+          <a:p>
+            <a:pPr algn="ctr"/>
+            <a:r>
+              <a:rPr lang="en-US" dirty="0"/>
+              <a:t>Issue</a:t>
+            </a:r>
+            <a:endParaRPr lang="en-CA" dirty="0"/>
+          </a:p>
+        </p:txBody>
+      </p:sp>
+      <p:sp>
+        <p:nvSpPr>
+          <p:cNvPr id="18" name="Right Brace 17">
+            <a:extLst>
+              <a:ext uri="{FF2B5EF4-FFF2-40B4-BE49-F238E27FC236}">
+                <a16:creationId xmlns:a16="http://schemas.microsoft.com/office/drawing/2014/main" id="{1EFBF7F9-D644-8047-FC77-21D4777E9C72}"/>
+              </a:ext>
+            </a:extLst>
+          </p:cNvPr>
+          <p:cNvSpPr/>
+          <p:nvPr/>
+        </p:nvSpPr>
+        <p:spPr>
+          <a:xfrm>
+            <a:off x="3689207" y="1355688"/>
+            <a:ext cx="484632" cy="4055150"/>
+          </a:xfrm>
+          <a:prstGeom prst="rightBrace">
+            <a:avLst/>
+          </a:prstGeom>
+        </p:spPr>
+        <p:style>
+          <a:lnRef idx="2">
+            <a:schemeClr val="accent1"/>
+          </a:lnRef>
+          <a:fillRef idx="0">
+            <a:schemeClr val="accent1"/>
+          </a:fillRef>
+          <a:effectRef idx="1">
+            <a:schemeClr val="accent1"/>
+          </a:effectRef>
+          <a:fontRef idx="minor">
+            <a:schemeClr val="tx1"/>
+          </a:fontRef>
+        </p:style>
+        <p:txBody>
+          <a:bodyPr rtlCol="0" anchor="ctr"/>
+          <a:lstStyle/>
+          <a:p>
+            <a:pPr algn="ctr"/>
+            <a:endParaRPr lang="en-CA" dirty="0"/>
+          </a:p>
+        </p:txBody>
+      </p:sp>
+      <p:sp>
+        <p:nvSpPr>
+          <p:cNvPr id="19" name="TextBox 18">
+            <a:extLst>
+              <a:ext uri="{FF2B5EF4-FFF2-40B4-BE49-F238E27FC236}">
+                <a16:creationId xmlns:a16="http://schemas.microsoft.com/office/drawing/2014/main" id="{EED010C0-8835-E105-8618-F7B7E7CC7138}"/>
+              </a:ext>
+            </a:extLst>
+          </p:cNvPr>
+          <p:cNvSpPr txBox="1"/>
+          <p:nvPr/>
+        </p:nvSpPr>
+        <p:spPr>
+          <a:xfrm>
+            <a:off x="4173839" y="3197861"/>
+            <a:ext cx="1678023" cy="369332"/>
+          </a:xfrm>
+          <a:prstGeom prst="rect">
+            <a:avLst/>
+          </a:prstGeom>
+          <a:noFill/>
+        </p:spPr>
+        <p:txBody>
+          <a:bodyPr wrap="none" rtlCol="0">
+            <a:spAutoFit/>
+          </a:bodyPr>
+          <a:lstStyle/>
+          <a:p>
+            <a:r>
+              <a:rPr lang="en-US" dirty="0"/>
+              <a:t>In-order stages</a:t>
+            </a:r>
+            <a:endParaRPr lang="en-CA" dirty="0"/>
+          </a:p>
+        </p:txBody>
+      </p:sp>
+      <p:sp>
+        <p:nvSpPr>
+          <p:cNvPr id="20" name="Rectangle: Rounded Corners 19">
+            <a:extLst>
+              <a:ext uri="{FF2B5EF4-FFF2-40B4-BE49-F238E27FC236}">
+                <a16:creationId xmlns:a16="http://schemas.microsoft.com/office/drawing/2014/main" id="{0E60D693-E834-30C7-52D7-1CD775A603F0}"/>
+              </a:ext>
+            </a:extLst>
+          </p:cNvPr>
+          <p:cNvSpPr/>
+          <p:nvPr/>
+        </p:nvSpPr>
+        <p:spPr>
+          <a:xfrm>
+            <a:off x="7823857" y="7996021"/>
+            <a:ext cx="2066307" cy="1566903"/>
+          </a:xfrm>
+          <a:prstGeom prst="roundRect">
+            <a:avLst/>
+          </a:prstGeom>
+        </p:spPr>
+        <p:style>
+          <a:lnRef idx="2">
+            <a:schemeClr val="accent1">
+              <a:shade val="15000"/>
+            </a:schemeClr>
+          </a:lnRef>
+          <a:fillRef idx="1">
+            <a:schemeClr val="accent1"/>
+          </a:fillRef>
+          <a:effectRef idx="0">
+            <a:schemeClr val="accent1"/>
+          </a:effectRef>
+          <a:fontRef idx="minor">
+            <a:schemeClr val="lt1"/>
+          </a:fontRef>
+        </p:style>
+        <p:txBody>
+          <a:bodyPr rtlCol="0" anchor="ctr"/>
+          <a:lstStyle/>
+          <a:p>
+            <a:pPr algn="ctr"/>
+            <a:r>
+              <a:rPr lang="en-US" dirty="0"/>
+              <a:t>Execute</a:t>
+            </a:r>
+            <a:endParaRPr lang="en-CA" dirty="0"/>
+          </a:p>
+        </p:txBody>
+      </p:sp>
+      <p:sp>
+        <p:nvSpPr>
+          <p:cNvPr id="21" name="Arrow: Right 20">
+            <a:extLst>
+              <a:ext uri="{FF2B5EF4-FFF2-40B4-BE49-F238E27FC236}">
+                <a16:creationId xmlns:a16="http://schemas.microsoft.com/office/drawing/2014/main" id="{9B860FB7-7060-28AF-C729-CEB0B06E74F7}"/>
+              </a:ext>
+            </a:extLst>
+          </p:cNvPr>
+          <p:cNvSpPr/>
+          <p:nvPr/>
+        </p:nvSpPr>
+        <p:spPr>
+          <a:xfrm>
+            <a:off x="6464136" y="6887688"/>
+            <a:ext cx="1359721" cy="370220"/>
+          </a:xfrm>
+          <a:prstGeom prst="rightArrow">
+            <a:avLst/>
+          </a:prstGeom>
+        </p:spPr>
+        <p:style>
+          <a:lnRef idx="2">
+            <a:schemeClr val="accent1">
+              <a:shade val="15000"/>
+            </a:schemeClr>
+          </a:lnRef>
+          <a:fillRef idx="1">
+            <a:schemeClr val="accent1"/>
+          </a:fillRef>
+          <a:effectRef idx="0">
+            <a:schemeClr val="accent1"/>
+          </a:effectRef>
+          <a:fontRef idx="minor">
+            <a:schemeClr val="lt1"/>
+          </a:fontRef>
+        </p:style>
+        <p:txBody>
+          <a:bodyPr rtlCol="0" anchor="ctr"/>
+          <a:lstStyle/>
+          <a:p>
+            <a:pPr algn="ctr"/>
+            <a:endParaRPr lang="en-CA"/>
+          </a:p>
+        </p:txBody>
+      </p:sp>
+      <p:sp>
+        <p:nvSpPr>
+          <p:cNvPr id="22" name="Arrow: Down 21">
+            <a:extLst>
+              <a:ext uri="{FF2B5EF4-FFF2-40B4-BE49-F238E27FC236}">
+                <a16:creationId xmlns:a16="http://schemas.microsoft.com/office/drawing/2014/main" id="{F66E3EE8-64B2-CEFD-84B8-9014BBB7F1D4}"/>
+              </a:ext>
+            </a:extLst>
+          </p:cNvPr>
+          <p:cNvSpPr/>
+          <p:nvPr/>
+        </p:nvSpPr>
+        <p:spPr>
+          <a:xfrm>
+            <a:off x="8614694" y="7393667"/>
+            <a:ext cx="484632" cy="602354"/>
+          </a:xfrm>
+          <a:prstGeom prst="downArrow">
+            <a:avLst/>
+          </a:prstGeom>
+        </p:spPr>
+        <p:style>
+          <a:lnRef idx="2">
+            <a:schemeClr val="accent1">
+              <a:shade val="15000"/>
+            </a:schemeClr>
+          </a:lnRef>
+          <a:fillRef idx="1">
+            <a:schemeClr val="accent1"/>
+          </a:fillRef>
+          <a:effectRef idx="0">
+            <a:schemeClr val="accent1"/>
+          </a:effectRef>
+          <a:fontRef idx="minor">
+            <a:schemeClr val="lt1"/>
+          </a:fontRef>
+        </p:style>
+        <p:txBody>
+          <a:bodyPr rtlCol="0" anchor="ctr"/>
+          <a:lstStyle/>
+          <a:p>
+            <a:pPr algn="ctr"/>
+            <a:endParaRPr lang="en-CA"/>
+          </a:p>
+        </p:txBody>
+      </p:sp>
+      <p:sp>
+        <p:nvSpPr>
+          <p:cNvPr id="23" name="Rectangle: Rounded Corners 22">
+            <a:extLst>
+              <a:ext uri="{FF2B5EF4-FFF2-40B4-BE49-F238E27FC236}">
+                <a16:creationId xmlns:a16="http://schemas.microsoft.com/office/drawing/2014/main" id="{37247BBB-210D-2549-4845-32FF7631B94F}"/>
+              </a:ext>
+            </a:extLst>
+          </p:cNvPr>
+          <p:cNvSpPr/>
+          <p:nvPr/>
+        </p:nvSpPr>
+        <p:spPr>
+          <a:xfrm>
+            <a:off x="1401284" y="10419758"/>
+            <a:ext cx="2066307" cy="676893"/>
+          </a:xfrm>
+          <a:prstGeom prst="roundRect">
+            <a:avLst/>
+          </a:prstGeom>
+        </p:spPr>
+        <p:style>
+          <a:lnRef idx="2">
+            <a:schemeClr val="accent1">
+              <a:shade val="15000"/>
+            </a:schemeClr>
+          </a:lnRef>
+          <a:fillRef idx="1">
+            <a:schemeClr val="accent1"/>
+          </a:fillRef>
+          <a:effectRef idx="0">
+            <a:schemeClr val="accent1"/>
+          </a:effectRef>
+          <a:fontRef idx="minor">
+            <a:schemeClr val="lt1"/>
+          </a:fontRef>
+        </p:style>
+        <p:txBody>
+          <a:bodyPr rtlCol="0" anchor="ctr"/>
+          <a:lstStyle/>
+          <a:p>
+            <a:pPr algn="ctr"/>
+            <a:r>
+              <a:rPr lang="en-US" dirty="0"/>
+              <a:t>Rename</a:t>
+            </a:r>
+            <a:endParaRPr lang="en-CA" dirty="0"/>
+          </a:p>
+        </p:txBody>
+      </p:sp>
+      <p:sp>
+        <p:nvSpPr>
+          <p:cNvPr id="24" name="Arrow: Down 23">
+            <a:extLst>
+              <a:ext uri="{FF2B5EF4-FFF2-40B4-BE49-F238E27FC236}">
+                <a16:creationId xmlns:a16="http://schemas.microsoft.com/office/drawing/2014/main" id="{39D7E4FE-A6EB-75A0-6401-37BCFBBD7274}"/>
+              </a:ext>
+            </a:extLst>
+          </p:cNvPr>
+          <p:cNvSpPr/>
+          <p:nvPr/>
+        </p:nvSpPr>
+        <p:spPr>
+          <a:xfrm>
+            <a:off x="2192122" y="9704016"/>
+            <a:ext cx="484632" cy="676893"/>
+          </a:xfrm>
+          <a:prstGeom prst="downArrow">
+            <a:avLst/>
+          </a:prstGeom>
+        </p:spPr>
+        <p:style>
+          <a:lnRef idx="2">
+            <a:schemeClr val="accent1">
+              <a:shade val="15000"/>
+            </a:schemeClr>
+          </a:lnRef>
+          <a:fillRef idx="1">
+            <a:schemeClr val="accent1"/>
+          </a:fillRef>
+          <a:effectRef idx="0">
+            <a:schemeClr val="accent1"/>
+          </a:effectRef>
+          <a:fontRef idx="minor">
+            <a:schemeClr val="lt1"/>
+          </a:fontRef>
+        </p:style>
+        <p:txBody>
+          <a:bodyPr rtlCol="0" anchor="ctr"/>
+          <a:lstStyle/>
+          <a:p>
+            <a:pPr algn="ctr"/>
+            <a:endParaRPr lang="en-CA"/>
+          </a:p>
+        </p:txBody>
+      </p:sp>
+      <p:sp>
+        <p:nvSpPr>
+          <p:cNvPr id="25" name="Arrow: Right 24">
+            <a:extLst>
+              <a:ext uri="{FF2B5EF4-FFF2-40B4-BE49-F238E27FC236}">
+                <a16:creationId xmlns:a16="http://schemas.microsoft.com/office/drawing/2014/main" id="{B95C6814-276E-10CC-B384-A1F124A4EC4C}"/>
+              </a:ext>
+            </a:extLst>
+          </p:cNvPr>
+          <p:cNvSpPr/>
+          <p:nvPr/>
+        </p:nvSpPr>
+        <p:spPr>
+          <a:xfrm rot="10800000">
+            <a:off x="3467590" y="8540749"/>
+            <a:ext cx="4356266" cy="555345"/>
+          </a:xfrm>
+          <a:prstGeom prst="rightArrow">
+            <a:avLst/>
+          </a:prstGeom>
+        </p:spPr>
+        <p:style>
+          <a:lnRef idx="2">
+            <a:schemeClr val="accent1">
+              <a:shade val="15000"/>
+            </a:schemeClr>
+          </a:lnRef>
+          <a:fillRef idx="1">
+            <a:schemeClr val="accent1"/>
+          </a:fillRef>
+          <a:effectRef idx="0">
+            <a:schemeClr val="accent1"/>
+          </a:effectRef>
+          <a:fontRef idx="minor">
+            <a:schemeClr val="lt1"/>
+          </a:fontRef>
+        </p:style>
+        <p:txBody>
+          <a:bodyPr rtlCol="0" anchor="ctr"/>
+          <a:lstStyle/>
+          <a:p>
+            <a:pPr algn="ctr"/>
+            <a:endParaRPr lang="en-CA"/>
+          </a:p>
+        </p:txBody>
+      </p:sp>
+      <p:sp>
+        <p:nvSpPr>
+          <p:cNvPr id="26" name="Right Brace 25">
+            <a:extLst>
+              <a:ext uri="{FF2B5EF4-FFF2-40B4-BE49-F238E27FC236}">
+                <a16:creationId xmlns:a16="http://schemas.microsoft.com/office/drawing/2014/main" id="{7A2AD6FF-C12C-DB04-4185-1963B7FD86E9}"/>
+              </a:ext>
+            </a:extLst>
+          </p:cNvPr>
+          <p:cNvSpPr/>
+          <p:nvPr/>
+        </p:nvSpPr>
+        <p:spPr>
+          <a:xfrm rot="16200000">
+            <a:off x="6958563" y="3528099"/>
+            <a:ext cx="368490" cy="5494711"/>
+          </a:xfrm>
+          <a:prstGeom prst="rightBrace">
+            <a:avLst/>
+          </a:prstGeom>
+        </p:spPr>
+        <p:style>
+          <a:lnRef idx="2">
+            <a:schemeClr val="accent1"/>
+          </a:lnRef>
+          <a:fillRef idx="0">
+            <a:schemeClr val="accent1"/>
+          </a:fillRef>
+          <a:effectRef idx="1">
+            <a:schemeClr val="accent1"/>
+          </a:effectRef>
+          <a:fontRef idx="minor">
+            <a:schemeClr val="tx1"/>
+          </a:fontRef>
+        </p:style>
+        <p:txBody>
+          <a:bodyPr rtlCol="0" anchor="ctr"/>
+          <a:lstStyle/>
+          <a:p>
+            <a:pPr algn="ctr"/>
+            <a:endParaRPr lang="en-CA"/>
+          </a:p>
+        </p:txBody>
+      </p:sp>
+      <p:sp>
+        <p:nvSpPr>
+          <p:cNvPr id="27" name="TextBox 26">
+            <a:extLst>
+              <a:ext uri="{FF2B5EF4-FFF2-40B4-BE49-F238E27FC236}">
+                <a16:creationId xmlns:a16="http://schemas.microsoft.com/office/drawing/2014/main" id="{AC75AB80-21D8-43B4-3E2D-4916E74D4E35}"/>
+              </a:ext>
+            </a:extLst>
+          </p:cNvPr>
+          <p:cNvSpPr txBox="1"/>
+          <p:nvPr/>
+        </p:nvSpPr>
+        <p:spPr>
+          <a:xfrm>
+            <a:off x="6179132" y="1319273"/>
+            <a:ext cx="5090555" cy="2031325"/>
+          </a:xfrm>
+          <a:prstGeom prst="rect">
+            <a:avLst/>
+          </a:prstGeom>
+          <a:noFill/>
+        </p:spPr>
+        <p:txBody>
+          <a:bodyPr wrap="square" rtlCol="0">
+            <a:spAutoFit/>
+          </a:bodyPr>
+          <a:lstStyle/>
+          <a:p>
+            <a:r>
+              <a:rPr lang="en-US" dirty="0"/>
+              <a:t>Out-of-order dispatch does not stall the pipeline when execution units are busy (queues full).</a:t>
+            </a:r>
+            <a:endParaRPr lang="en-CA" dirty="0"/>
+          </a:p>
+          <a:p>
+            <a:endParaRPr lang="en-US" dirty="0"/>
+          </a:p>
+          <a:p>
+            <a:r>
+              <a:rPr lang="en-US" dirty="0"/>
+              <a:t>The execute unit may need more operands than are supplied by a single micro-op. (REXT) The REXT prefix is performed out-of-order.</a:t>
+            </a:r>
+          </a:p>
+          <a:p>
+            <a:endParaRPr lang="en-US" dirty="0"/>
+          </a:p>
+        </p:txBody>
+      </p:sp>
+    </p:spTree>
+    <p:extLst>
+      <p:ext uri="{BB962C8B-B14F-4D97-AF65-F5344CB8AC3E}">
+        <p14:creationId xmlns:p14="http://schemas.microsoft.com/office/powerpoint/2010/main" val="2595397533"/>
       </p:ext>
     </p:extLst>
   </p:cSld>
